--- a/presentation/Presentation.pptx
+++ b/presentation/Presentation.pptx
@@ -12,7 +12,8 @@
     <p:sldId id="261" r:id="rId6"/>
     <p:sldId id="262" r:id="rId7"/>
     <p:sldId id="260" r:id="rId8"/>
-    <p:sldId id="263" r:id="rId9"/>
+    <p:sldId id="264" r:id="rId9"/>
+    <p:sldId id="263" r:id="rId10"/>
   </p:sldIdLst>
   <p:sldSz cx="12192000" cy="6858000"/>
   <p:notesSz cx="6858000" cy="9144000"/>
@@ -122,7 +123,8 @@
 <file path=ppt/revisionInfo.xml><?xml version="1.0" encoding="utf-8"?>
 <p1510:revInfo xmlns:a="http://schemas.openxmlformats.org/drawingml/2006/main" xmlns:r="http://schemas.openxmlformats.org/officeDocument/2006/relationships" xmlns:p1510="http://schemas.microsoft.com/office/powerpoint/2015/10/main">
   <p1510:revLst>
-    <p1510:client id="{338D54B9-B569-4E88-8A01-E2EE2AE86293}" v="1102" dt="2022-07-26T15:05:58.898"/>
+    <p1510:client id="{338D54B9-B569-4E88-8A01-E2EE2AE86293}" v="1210" dt="2022-07-26T16:12:51.505"/>
+    <p1510:client id="{4176C984-F91B-4C7C-ABEB-1CDEA6A822A3}" v="4" dt="2022-07-26T16:15:46.356"/>
   </p1510:revLst>
 </p1510:revInfo>
 </file>
@@ -3565,7 +3567,7 @@
                 <a:ea typeface="+mn-lt"/>
                 <a:cs typeface="+mn-lt"/>
               </a:rPr>
-              <a:t> === value) {</a:t>
+              <a:t> !== value) {</a:t>
             </a:r>
           </a:p>
           <a:p>
@@ -3764,7 +3766,7 @@
         <p:spPr>
           <a:xfrm>
             <a:off x="641195" y="1328854"/>
-            <a:ext cx="10918902" cy="2308324"/>
+            <a:ext cx="10918902" cy="2862322"/>
           </a:xfrm>
           <a:prstGeom prst="rect">
             <a:avLst/>
@@ -3782,6 +3784,23 @@
           <a:p>
             <a:r>
               <a:rPr lang="en-US" b="1" dirty="0">
+                <a:ea typeface="+mn-lt"/>
+                <a:cs typeface="+mn-lt"/>
+              </a:rPr>
+              <a:t>Optimizing the underlying algorithm</a:t>
+            </a:r>
+            <a:endParaRPr lang="en-US" b="1" dirty="0">
+              <a:cs typeface="Calibri"/>
+            </a:endParaRPr>
+          </a:p>
+          <a:p>
+            <a:endParaRPr lang="en-US" dirty="0">
+              <a:cs typeface="Calibri"/>
+            </a:endParaRPr>
+          </a:p>
+          <a:p>
+            <a:r>
+              <a:rPr lang="en-US" b="1" dirty="0">
                 <a:cs typeface="Calibri"/>
               </a:rPr>
               <a:t>Don't use </a:t>
@@ -3798,7 +3817,6 @@
               </a:rPr>
               <a:t> heavy computation methods in template</a:t>
             </a:r>
-            <a:endParaRPr lang="en-US" b="1" dirty="0"/>
           </a:p>
           <a:p>
             <a:r>
@@ -4380,8 +4398,8 @@
         </p:nvSpPr>
         <p:spPr>
           <a:xfrm>
-            <a:off x="522249" y="420881"/>
-            <a:ext cx="11249721" cy="1344148"/>
+            <a:off x="522249" y="184399"/>
+            <a:ext cx="11249721" cy="871182"/>
           </a:xfrm>
         </p:spPr>
         <p:txBody>
@@ -4426,10 +4444,15 @@
             <p:ph idx="1"/>
           </p:nvPr>
         </p:nvSpPr>
-        <p:spPr/>
+        <p:spPr>
+          <a:xfrm>
+            <a:off x="838200" y="1317625"/>
+            <a:ext cx="10515600" cy="4859338"/>
+          </a:xfrm>
+        </p:spPr>
         <p:txBody>
           <a:bodyPr vert="horz" lIns="91440" tIns="45720" rIns="91440" bIns="45720" rtlCol="0" anchor="t">
-            <a:normAutofit fontScale="85000" lnSpcReduction="20000"/>
+            <a:normAutofit fontScale="70000" lnSpcReduction="20000"/>
           </a:bodyPr>
           <a:lstStyle/>
           <a:p>
@@ -4475,7 +4498,7 @@
                 <a:ea typeface="+mn-lt"/>
                 <a:cs typeface="+mn-lt"/>
               </a:rPr>
-              <a:t>Zone.js is a signaling mechanism that Angular uses to detect when an application state might have changed</a:t>
+              <a:t>Zone.js is an execution context that persist across async tasks and a signaling mechanism, that Angular uses to detect when an application state might have changed</a:t>
             </a:r>
             <a:r>
               <a:rPr lang="en-US" dirty="0">
@@ -4513,13 +4536,58 @@
                 <a:ea typeface="+mn-lt"/>
                 <a:cs typeface="+mn-lt"/>
               </a:rPr>
+              <a:t>A Zone is an execution context that persists across async tasks</a:t>
+            </a:r>
+          </a:p>
+          <a:p>
+            <a:pPr marL="0" indent="0">
+              <a:buNone/>
+            </a:pPr>
+            <a:r>
+              <a:rPr lang="en-US" dirty="0">
+                <a:ea typeface="+mn-lt"/>
+                <a:cs typeface="+mn-lt"/>
+                <a:hlinkClick r:id="rId4"/>
+              </a:rPr>
+              <a:t>https://www.w3schools.com/js/js_this.asp</a:t>
+            </a:r>
+            <a:endParaRPr lang="en-US" dirty="0">
+              <a:ea typeface="+mn-lt"/>
+              <a:cs typeface="+mn-lt"/>
+            </a:endParaRPr>
+          </a:p>
+          <a:p>
+            <a:pPr marL="0" indent="0">
+              <a:buNone/>
+            </a:pPr>
+            <a:r>
+              <a:rPr lang="en-US" dirty="0">
+                <a:ea typeface="+mn-lt"/>
+                <a:cs typeface="+mn-lt"/>
+                <a:hlinkClick r:id="" action="ppaction://noaction"/>
+              </a:rPr>
+              <a:t>https://www.youtube.com/watch?v=3IqtmUscE_U&amp;t=150s&amp;ab_channel=ng-conf</a:t>
+            </a:r>
+          </a:p>
+          <a:p>
+            <a:endParaRPr lang="en-US" dirty="0">
+              <a:ea typeface="+mn-lt"/>
+              <a:cs typeface="+mn-lt"/>
+            </a:endParaRPr>
+          </a:p>
+          <a:p>
+            <a:r>
+              <a:rPr lang="en-US" dirty="0">
+                <a:ea typeface="+mn-lt"/>
+                <a:cs typeface="+mn-lt"/>
+              </a:rPr>
               <a:t>There are cases in which scheduled </a:t>
             </a:r>
             <a:r>
               <a:rPr lang="en-US" dirty="0">
                 <a:ea typeface="+mn-lt"/>
                 <a:cs typeface="+mn-lt"/>
-                <a:hlinkClick r:id="rId4"/>
+                <a:hlinkClick r:id="rId5"/>
               </a:rPr>
               <a:t>tasks</a:t>
             </a:r>
@@ -4534,7 +4602,7 @@
               <a:rPr lang="en-US" dirty="0">
                 <a:ea typeface="+mn-lt"/>
                 <a:cs typeface="+mn-lt"/>
-                <a:hlinkClick r:id="rId5"/>
+                <a:hlinkClick r:id="rId6"/>
               </a:rPr>
               <a:t>microtasks</a:t>
             </a:r>
@@ -4879,11 +4947,32 @@
           <a:lstStyle/>
           <a:p>
             <a:r>
-              <a:rPr lang="en-US" dirty="0">
-                <a:ea typeface="+mn-lt"/>
-                <a:cs typeface="+mn-lt"/>
-              </a:rPr>
-              <a:t>JavaScript, by default, uses mutable data structures that you can reference from multiple different components. Angular runs change detection over your entire component tree to make sure that the most up-to-date state of your data structures is reflected in the DOM.</a:t>
+              <a:rPr lang="en-US" b="1" dirty="0">
+                <a:ea typeface="+mn-lt"/>
+                <a:cs typeface="+mn-lt"/>
+              </a:rPr>
+              <a:t>JavaScript, by default, uses mutable data structures</a:t>
+            </a:r>
+            <a:r>
+              <a:rPr lang="en-US" dirty="0">
+                <a:ea typeface="+mn-lt"/>
+                <a:cs typeface="+mn-lt"/>
+              </a:rPr>
+              <a:t> that you can reference from multiple different components. </a:t>
+            </a:r>
+            <a:r>
+              <a:rPr lang="en-US" b="1" dirty="0">
+                <a:ea typeface="+mn-lt"/>
+                <a:cs typeface="+mn-lt"/>
+              </a:rPr>
+              <a:t>Angular runs change detection over your entire component tree</a:t>
+            </a:r>
+            <a:r>
+              <a:rPr lang="en-US" dirty="0">
+                <a:ea typeface="+mn-lt"/>
+                <a:cs typeface="+mn-lt"/>
+              </a:rPr>
+              <a:t> to make sure that the most up-to-date state of your data structures is reflected in the DOM.</a:t>
             </a:r>
             <a:endParaRPr lang="en-US" dirty="0">
               <a:cs typeface="Calibri" panose="020F0502020204030204"/>
@@ -4895,7 +4984,21 @@
                 <a:ea typeface="+mn-lt"/>
                 <a:cs typeface="+mn-lt"/>
               </a:rPr>
-              <a:t>Change detection is sufficiently fast for most applications. However, when an application has an especially large component tree, running change detection across the whole application can cause performance issues. You can address this by configuring change detection to only run on a subset of the component tree.</a:t>
+              <a:t>Change detection is sufficiently fast for most applications. However, </a:t>
+            </a:r>
+            <a:r>
+              <a:rPr lang="en-US" b="1" dirty="0">
+                <a:ea typeface="+mn-lt"/>
+                <a:cs typeface="+mn-lt"/>
+              </a:rPr>
+              <a:t>when an application has an especially large component tree, running change detection across the whole application can cause performance issues</a:t>
+            </a:r>
+            <a:r>
+              <a:rPr lang="en-US" dirty="0">
+                <a:ea typeface="+mn-lt"/>
+                <a:cs typeface="+mn-lt"/>
+              </a:rPr>
+              <a:t>. You can address this by configuring change detection to only run on a subset of the component tree.</a:t>
             </a:r>
             <a:endParaRPr lang="en-US" dirty="0"/>
           </a:p>
@@ -4945,6 +5048,271 @@
 </file>
 
 <file path=ppt/slides/slide8.xml><?xml version="1.0" encoding="utf-8"?>
+<p:sld xmlns:a="http://schemas.openxmlformats.org/drawingml/2006/main" xmlns:r="http://schemas.openxmlformats.org/officeDocument/2006/relationships" xmlns:p="http://schemas.openxmlformats.org/presentationml/2006/main">
+  <p:cSld>
+    <p:spTree>
+      <p:nvGrpSpPr>
+        <p:cNvPr id="1" name=""/>
+        <p:cNvGrpSpPr/>
+        <p:nvPr/>
+      </p:nvGrpSpPr>
+      <p:grpSpPr>
+        <a:xfrm>
+          <a:off x="0" y="0"/>
+          <a:ext cx="0" cy="0"/>
+          <a:chOff x="0" y="0"/>
+          <a:chExt cx="0" cy="0"/>
+        </a:xfrm>
+      </p:grpSpPr>
+      <p:sp>
+        <p:nvSpPr>
+          <p:cNvPr id="2" name="Title 1">
+            <a:extLst>
+              <a:ext uri="{FF2B5EF4-FFF2-40B4-BE49-F238E27FC236}">
+                <a16:creationId xmlns:a16="http://schemas.microsoft.com/office/drawing/2014/main" id="{CCD7E9F9-3781-B487-B7DA-568998792D50}"/>
+              </a:ext>
+            </a:extLst>
+          </p:cNvPr>
+          <p:cNvSpPr>
+            <a:spLocks noGrp="1"/>
+          </p:cNvSpPr>
+          <p:nvPr>
+            <p:ph type="title"/>
+          </p:nvPr>
+        </p:nvSpPr>
+        <p:spPr/>
+        <p:txBody>
+          <a:bodyPr/>
+          <a:lstStyle/>
+          <a:p>
+            <a:pPr>
+              <a:spcBef>
+                <a:spcPts val="1000"/>
+              </a:spcBef>
+            </a:pPr>
+            <a:r>
+              <a:rPr lang="en-US" dirty="0">
+                <a:ea typeface="+mj-lt"/>
+                <a:cs typeface="+mj-lt"/>
+              </a:rPr>
+              <a:t>Using </a:t>
+            </a:r>
+            <a:r>
+              <a:rPr lang="en-US" dirty="0" err="1">
+                <a:ea typeface="+mj-lt"/>
+                <a:cs typeface="+mj-lt"/>
+              </a:rPr>
+              <a:t>OnPush</a:t>
+            </a:r>
+            <a:endParaRPr lang="en-US" dirty="0" err="1"/>
+          </a:p>
+        </p:txBody>
+      </p:sp>
+      <p:sp>
+        <p:nvSpPr>
+          <p:cNvPr id="3" name="Content Placeholder 2">
+            <a:extLst>
+              <a:ext uri="{FF2B5EF4-FFF2-40B4-BE49-F238E27FC236}">
+                <a16:creationId xmlns:a16="http://schemas.microsoft.com/office/drawing/2014/main" id="{BEB4F879-821B-E0F8-D1ED-B6408C92A230}"/>
+              </a:ext>
+            </a:extLst>
+          </p:cNvPr>
+          <p:cNvSpPr>
+            <a:spLocks noGrp="1"/>
+          </p:cNvSpPr>
+          <p:nvPr>
+            <p:ph idx="1"/>
+          </p:nvPr>
+        </p:nvSpPr>
+        <p:spPr/>
+        <p:txBody>
+          <a:bodyPr vert="horz" lIns="91440" tIns="45720" rIns="91440" bIns="45720" rtlCol="0" anchor="t">
+            <a:normAutofit/>
+          </a:bodyPr>
+          <a:lstStyle/>
+          <a:p>
+            <a:r>
+              <a:rPr lang="en-US" b="1" dirty="0" err="1">
+                <a:ea typeface="+mn-lt"/>
+                <a:cs typeface="+mn-lt"/>
+              </a:rPr>
+              <a:t>OnPush</a:t>
+            </a:r>
+            <a:r>
+              <a:rPr lang="en-US" b="1" dirty="0">
+                <a:ea typeface="+mn-lt"/>
+                <a:cs typeface="+mn-lt"/>
+              </a:rPr>
+              <a:t> change detection instructs Angular to run change detection for a component subtree only</a:t>
+            </a:r>
+            <a:r>
+              <a:rPr lang="en-US" dirty="0">
+                <a:ea typeface="+mn-lt"/>
+                <a:cs typeface="+mn-lt"/>
+              </a:rPr>
+              <a:t> when:</a:t>
+            </a:r>
+            <a:endParaRPr lang="en-US" dirty="0"/>
+          </a:p>
+          <a:p>
+            <a:r>
+              <a:rPr lang="en-US" dirty="0">
+                <a:ea typeface="+mn-lt"/>
+                <a:cs typeface="+mn-lt"/>
+              </a:rPr>
+              <a:t>The root component of the subtree receives new inputs as the result of a template binding. Angular compares the current and past value of the input with </a:t>
+            </a:r>
+            <a:r>
+              <a:rPr lang="en-US" dirty="0">
+                <a:latin typeface="Consolas"/>
+              </a:rPr>
+              <a:t>==</a:t>
+            </a:r>
+            <a:endParaRPr lang="en-US" dirty="0"/>
+          </a:p>
+          <a:p>
+            <a:r>
+              <a:rPr lang="en-US" b="1" dirty="0">
+                <a:ea typeface="+mn-lt"/>
+                <a:cs typeface="+mn-lt"/>
+              </a:rPr>
+              <a:t>Angular handles an event</a:t>
+            </a:r>
+            <a:r>
+              <a:rPr lang="en-US" dirty="0">
+                <a:ea typeface="+mn-lt"/>
+                <a:cs typeface="+mn-lt"/>
+              </a:rPr>
+              <a:t> </a:t>
+            </a:r>
+            <a:r>
+              <a:rPr lang="en-US" i="1" dirty="0">
+                <a:ea typeface="+mn-lt"/>
+                <a:cs typeface="+mn-lt"/>
+              </a:rPr>
+              <a:t>(e.g. using event binding, output binding, or </a:t>
+            </a:r>
+            <a:r>
+              <a:rPr lang="en-US" i="1" dirty="0">
+                <a:latin typeface="Consolas"/>
+              </a:rPr>
+              <a:t>@</a:t>
+            </a:r>
+            <a:r>
+              <a:rPr lang="en-US" i="1" dirty="0">
+                <a:latin typeface="Consolas"/>
+                <a:hlinkClick r:id="rId2"/>
+              </a:rPr>
+              <a:t>HostListener</a:t>
+            </a:r>
+            <a:r>
+              <a:rPr lang="en-US" i="1" dirty="0">
+                <a:ea typeface="+mn-lt"/>
+                <a:cs typeface="+mn-lt"/>
+              </a:rPr>
+              <a:t>)</a:t>
+            </a:r>
+            <a:r>
+              <a:rPr lang="en-US" dirty="0">
+                <a:ea typeface="+mn-lt"/>
+                <a:cs typeface="+mn-lt"/>
+              </a:rPr>
+              <a:t> in the subtree's root component or any of its children </a:t>
+            </a:r>
+            <a:r>
+              <a:rPr lang="en-US" b="1" dirty="0">
+                <a:ea typeface="+mn-lt"/>
+                <a:cs typeface="+mn-lt"/>
+              </a:rPr>
+              <a:t>whether they are using </a:t>
+            </a:r>
+            <a:r>
+              <a:rPr lang="en-US" b="1" dirty="0" err="1">
+                <a:ea typeface="+mn-lt"/>
+                <a:cs typeface="+mn-lt"/>
+              </a:rPr>
+              <a:t>OnPush</a:t>
+            </a:r>
+            <a:r>
+              <a:rPr lang="en-US" b="1" dirty="0">
+                <a:ea typeface="+mn-lt"/>
+                <a:cs typeface="+mn-lt"/>
+              </a:rPr>
+              <a:t> change detection or not</a:t>
+            </a:r>
+            <a:r>
+              <a:rPr lang="en-US" dirty="0">
+                <a:ea typeface="+mn-lt"/>
+                <a:cs typeface="+mn-lt"/>
+              </a:rPr>
+              <a:t>.</a:t>
+            </a:r>
+            <a:endParaRPr lang="en-US" dirty="0"/>
+          </a:p>
+          <a:p>
+            <a:r>
+              <a:rPr lang="en-US" dirty="0">
+                <a:ea typeface="+mn-lt"/>
+                <a:cs typeface="+mn-lt"/>
+              </a:rPr>
+              <a:t>You can set the change detection strategy of a component to </a:t>
+            </a:r>
+            <a:r>
+              <a:rPr lang="en-US" dirty="0" err="1">
+                <a:latin typeface="Consolas"/>
+              </a:rPr>
+              <a:t>OnPush</a:t>
+            </a:r>
+            <a:r>
+              <a:rPr lang="en-US" dirty="0">
+                <a:ea typeface="+mn-lt"/>
+                <a:cs typeface="+mn-lt"/>
+              </a:rPr>
+              <a:t> in the </a:t>
+            </a:r>
+            <a:r>
+              <a:rPr lang="en-US" dirty="0">
+                <a:latin typeface="Consolas"/>
+              </a:rPr>
+              <a:t>@</a:t>
+            </a:r>
+            <a:r>
+              <a:rPr lang="en-US" dirty="0">
+                <a:latin typeface="Consolas"/>
+                <a:hlinkClick r:id="rId3"/>
+              </a:rPr>
+              <a:t>Component</a:t>
+            </a:r>
+            <a:r>
+              <a:rPr lang="en-US" dirty="0">
+                <a:ea typeface="+mn-lt"/>
+                <a:cs typeface="+mn-lt"/>
+              </a:rPr>
+              <a:t> decorator</a:t>
+            </a:r>
+            <a:endParaRPr lang="en-US" dirty="0"/>
+          </a:p>
+          <a:p>
+            <a:endParaRPr lang="en-US" dirty="0">
+              <a:cs typeface="Calibri"/>
+            </a:endParaRPr>
+          </a:p>
+        </p:txBody>
+      </p:sp>
+    </p:spTree>
+    <p:extLst>
+      <p:ext uri="{BB962C8B-B14F-4D97-AF65-F5344CB8AC3E}">
+        <p14:creationId xmlns:p14="http://schemas.microsoft.com/office/powerpoint/2010/main" val="3061385311"/>
+      </p:ext>
+    </p:extLst>
+  </p:cSld>
+  <p:clrMapOvr>
+    <a:masterClrMapping/>
+  </p:clrMapOvr>
+</p:sld>
+</file>
+
+<file path=ppt/slides/slide9.xml><?xml version="1.0" encoding="utf-8"?>
 <p:sld xmlns:a="http://schemas.openxmlformats.org/drawingml/2006/main" xmlns:r="http://schemas.openxmlformats.org/officeDocument/2006/relationships" xmlns:p="http://schemas.openxmlformats.org/presentationml/2006/main">
   <p:cSld>
     <p:spTree>

--- a/presentation/Presentation.pptx
+++ b/presentation/Presentation.pptx
@@ -8,12 +8,13 @@
     <p:sldId id="256" r:id="rId2"/>
     <p:sldId id="257" r:id="rId3"/>
     <p:sldId id="258" r:id="rId4"/>
-    <p:sldId id="259" r:id="rId5"/>
-    <p:sldId id="261" r:id="rId6"/>
-    <p:sldId id="262" r:id="rId7"/>
-    <p:sldId id="260" r:id="rId8"/>
-    <p:sldId id="264" r:id="rId9"/>
-    <p:sldId id="263" r:id="rId10"/>
+    <p:sldId id="266" r:id="rId5"/>
+    <p:sldId id="259" r:id="rId6"/>
+    <p:sldId id="261" r:id="rId7"/>
+    <p:sldId id="262" r:id="rId8"/>
+    <p:sldId id="260" r:id="rId9"/>
+    <p:sldId id="264" r:id="rId10"/>
+    <p:sldId id="263" r:id="rId11"/>
   </p:sldIdLst>
   <p:sldSz cx="12192000" cy="6858000"/>
   <p:notesSz cx="6858000" cy="9144000"/>
@@ -125,6 +126,7 @@
   <p1510:revLst>
     <p1510:client id="{338D54B9-B569-4E88-8A01-E2EE2AE86293}" v="1210" dt="2022-07-26T16:12:51.505"/>
     <p1510:client id="{4176C984-F91B-4C7C-ABEB-1CDEA6A822A3}" v="4" dt="2022-07-26T16:15:46.356"/>
+    <p1510:client id="{B46BB6E6-7095-4E63-9C95-3908B2BDDBDB}" v="120" dt="2022-07-27T02:47:52.624"/>
   </p1510:revLst>
 </p1510:revInfo>
 </file>
@@ -3140,6 +3142,109 @@
 </p:sld>
 </file>
 
+<file path=ppt/slides/slide10.xml><?xml version="1.0" encoding="utf-8"?>
+<p:sld xmlns:a="http://schemas.openxmlformats.org/drawingml/2006/main" xmlns:r="http://schemas.openxmlformats.org/officeDocument/2006/relationships" xmlns:p="http://schemas.openxmlformats.org/presentationml/2006/main">
+  <p:cSld>
+    <p:spTree>
+      <p:nvGrpSpPr>
+        <p:cNvPr id="1" name=""/>
+        <p:cNvGrpSpPr/>
+        <p:nvPr/>
+      </p:nvGrpSpPr>
+      <p:grpSpPr>
+        <a:xfrm>
+          <a:off x="0" y="0"/>
+          <a:ext cx="0" cy="0"/>
+          <a:chOff x="0" y="0"/>
+          <a:chExt cx="0" cy="0"/>
+        </a:xfrm>
+      </p:grpSpPr>
+      <p:sp>
+        <p:nvSpPr>
+          <p:cNvPr id="2" name="Title 1">
+            <a:extLst>
+              <a:ext uri="{FF2B5EF4-FFF2-40B4-BE49-F238E27FC236}">
+                <a16:creationId xmlns:a16="http://schemas.microsoft.com/office/drawing/2014/main" id="{C60ADC62-D9B5-0E32-7567-ECF0C2B7B164}"/>
+              </a:ext>
+            </a:extLst>
+          </p:cNvPr>
+          <p:cNvSpPr>
+            <a:spLocks noGrp="1"/>
+          </p:cNvSpPr>
+          <p:nvPr>
+            <p:ph type="title"/>
+          </p:nvPr>
+        </p:nvSpPr>
+        <p:spPr/>
+        <p:txBody>
+          <a:bodyPr/>
+          <a:lstStyle/>
+          <a:p>
+            <a:r>
+              <a:rPr lang="en-US" dirty="0">
+                <a:cs typeface="Calibri Light"/>
+              </a:rPr>
+              <a:t>Demo App</a:t>
+            </a:r>
+            <a:endParaRPr lang="en-US" dirty="0"/>
+          </a:p>
+        </p:txBody>
+      </p:sp>
+      <p:sp>
+        <p:nvSpPr>
+          <p:cNvPr id="3" name="Content Placeholder 2">
+            <a:extLst>
+              <a:ext uri="{FF2B5EF4-FFF2-40B4-BE49-F238E27FC236}">
+                <a16:creationId xmlns:a16="http://schemas.microsoft.com/office/drawing/2014/main" id="{C771034E-ED1D-0B70-98BD-A9516372ADCA}"/>
+              </a:ext>
+            </a:extLst>
+          </p:cNvPr>
+          <p:cNvSpPr>
+            <a:spLocks noGrp="1"/>
+          </p:cNvSpPr>
+          <p:nvPr>
+            <p:ph idx="1"/>
+          </p:nvPr>
+        </p:nvSpPr>
+        <p:spPr/>
+        <p:txBody>
+          <a:bodyPr vert="horz" lIns="91440" tIns="45720" rIns="91440" bIns="45720" rtlCol="0" anchor="t">
+            <a:normAutofit/>
+          </a:bodyPr>
+          <a:lstStyle/>
+          <a:p>
+            <a:r>
+              <a:rPr lang="en-US" dirty="0">
+                <a:ea typeface="+mn-lt"/>
+                <a:cs typeface="+mn-lt"/>
+                <a:hlinkClick r:id="rId2"/>
+              </a:rPr>
+              <a:t>https://github.com/marius-oprea/onPush</a:t>
+            </a:r>
+            <a:endParaRPr lang="en-US">
+              <a:cs typeface="Calibri" panose="020F0502020204030204"/>
+            </a:endParaRPr>
+          </a:p>
+          <a:p>
+            <a:endParaRPr lang="en-US" dirty="0">
+              <a:cs typeface="Calibri"/>
+            </a:endParaRPr>
+          </a:p>
+        </p:txBody>
+      </p:sp>
+    </p:spTree>
+    <p:extLst>
+      <p:ext uri="{BB962C8B-B14F-4D97-AF65-F5344CB8AC3E}">
+        <p14:creationId xmlns:p14="http://schemas.microsoft.com/office/powerpoint/2010/main" val="1237109831"/>
+      </p:ext>
+    </p:extLst>
+  </p:cSld>
+  <p:clrMapOvr>
+    <a:masterClrMapping/>
+  </p:clrMapOvr>
+</p:sld>
+</file>
+
 <file path=ppt/slides/slide2.xml><?xml version="1.0" encoding="utf-8"?>
 <p:sld xmlns:a="http://schemas.openxmlformats.org/drawingml/2006/main" xmlns:r="http://schemas.openxmlformats.org/officeDocument/2006/relationships" xmlns:p="http://schemas.openxmlformats.org/presentationml/2006/main">
   <p:cSld>
@@ -3457,13 +3562,13 @@
         </p:nvSpPr>
         <p:spPr>
           <a:xfrm>
-            <a:off x="643054" y="3433258"/>
-            <a:ext cx="5376746" cy="3422070"/>
+            <a:off x="643054" y="3801120"/>
+            <a:ext cx="5376746" cy="3054208"/>
           </a:xfrm>
         </p:spPr>
         <p:txBody>
           <a:bodyPr vert="horz" lIns="91440" tIns="45720" rIns="91440" bIns="45720" rtlCol="0" anchor="t">
-            <a:normAutofit fontScale="62500" lnSpcReduction="20000"/>
+            <a:normAutofit fontScale="55000" lnSpcReduction="20000"/>
           </a:bodyPr>
           <a:lstStyle/>
           <a:p>
@@ -3658,13 +3763,13 @@
         </p:nvSpPr>
         <p:spPr>
           <a:xfrm>
-            <a:off x="6144322" y="3749209"/>
-            <a:ext cx="5181600" cy="2743705"/>
+            <a:off x="6144322" y="4090795"/>
+            <a:ext cx="5181600" cy="2402119"/>
           </a:xfrm>
         </p:spPr>
         <p:txBody>
           <a:bodyPr vert="horz" lIns="91440" tIns="45720" rIns="91440" bIns="45720" rtlCol="0" anchor="t">
-            <a:normAutofit fontScale="62500" lnSpcReduction="20000"/>
+            <a:normAutofit fontScale="55000" lnSpcReduction="20000"/>
           </a:bodyPr>
           <a:lstStyle/>
           <a:p>
@@ -3936,10 +4041,10 @@
       </p:grpSpPr>
       <p:sp>
         <p:nvSpPr>
-          <p:cNvPr id="3" name="Content Placeholder 2">
+          <p:cNvPr id="2" name="Title 1">
             <a:extLst>
               <a:ext uri="{FF2B5EF4-FFF2-40B4-BE49-F238E27FC236}">
-                <a16:creationId xmlns:a16="http://schemas.microsoft.com/office/drawing/2014/main" id="{4EDFCBE4-4496-7E4C-6931-113B93D648A7}"/>
+                <a16:creationId xmlns:a16="http://schemas.microsoft.com/office/drawing/2014/main" id="{30C45C01-B5D0-312B-EC44-641A73D61692}"/>
               </a:ext>
             </a:extLst>
           </p:cNvPr>
@@ -3947,21 +4052,69 @@
             <a:spLocks noGrp="1"/>
           </p:cNvSpPr>
           <p:nvPr>
-            <p:ph idx="1"/>
+            <p:ph type="title"/>
           </p:nvPr>
         </p:nvSpPr>
         <p:spPr>
           <a:xfrm>
-            <a:off x="838200" y="403845"/>
-            <a:ext cx="10515600" cy="6005436"/>
+            <a:off x="671787" y="242504"/>
+            <a:ext cx="10515600" cy="204460"/>
           </a:xfrm>
         </p:spPr>
         <p:txBody>
-          <a:bodyPr vert="horz" lIns="91440" tIns="45720" rIns="91440" bIns="45720" rtlCol="0" anchor="t">
-            <a:normAutofit fontScale="85000" lnSpcReduction="20000"/>
+          <a:bodyPr vert="horz" lIns="91440" tIns="45720" rIns="91440" bIns="45720" rtlCol="0" anchor="ctr">
+            <a:noAutofit/>
           </a:bodyPr>
           <a:lstStyle/>
           <a:p>
+            <a:r>
+              <a:rPr lang="en-US" sz="1800" dirty="0">
+                <a:ea typeface="+mj-lt"/>
+                <a:cs typeface="+mj-lt"/>
+                <a:hlinkClick r:id="rId2"/>
+              </a:rPr>
+              <a:t>https://www.section.io/engineering-education/an-introduction-to-memoization-in-javascript/</a:t>
+            </a:r>
+            <a:br>
+              <a:rPr lang="en-US" sz="1800" dirty="0">
+                <a:ea typeface="+mj-lt"/>
+                <a:cs typeface="+mj-lt"/>
+              </a:rPr>
+            </a:br>
+            <a:endParaRPr lang="en-US" sz="1800">
+              <a:cs typeface="Calibri Light"/>
+            </a:endParaRPr>
+          </a:p>
+        </p:txBody>
+      </p:sp>
+      <p:sp>
+        <p:nvSpPr>
+          <p:cNvPr id="4" name="Content Placeholder 3">
+            <a:extLst>
+              <a:ext uri="{FF2B5EF4-FFF2-40B4-BE49-F238E27FC236}">
+                <a16:creationId xmlns:a16="http://schemas.microsoft.com/office/drawing/2014/main" id="{13AB32A5-4E81-073A-CD89-E24C9E6915DA}"/>
+              </a:ext>
+            </a:extLst>
+          </p:cNvPr>
+          <p:cNvSpPr>
+            <a:spLocks noGrp="1"/>
+          </p:cNvSpPr>
+          <p:nvPr>
+            <p:ph sz="half" idx="2"/>
+          </p:nvPr>
+        </p:nvSpPr>
+        <p:spPr>
+          <a:xfrm>
+            <a:off x="733097" y="441763"/>
+            <a:ext cx="10620703" cy="5735200"/>
+          </a:xfrm>
+        </p:spPr>
+        <p:txBody>
+          <a:bodyPr vert="horz" lIns="91440" tIns="45720" rIns="91440" bIns="45720" rtlCol="0" anchor="t">
+            <a:normAutofit fontScale="55000" lnSpcReduction="20000"/>
+          </a:bodyPr>
+          <a:lstStyle/>
+          <a:p>
             <a:pPr marL="0" indent="0">
               <a:buNone/>
             </a:pPr>
@@ -3969,9 +4122,36 @@
               <a:rPr lang="en-US" dirty="0">
                 <a:ea typeface="+mn-lt"/>
                 <a:cs typeface="+mn-lt"/>
-                <a:hlinkClick r:id="rId2"/>
-              </a:rPr>
-              <a:t>https://www.npmjs.com/package/memoizee</a:t>
+              </a:rPr>
+              <a:t>const </a:t>
+            </a:r>
+            <a:r>
+              <a:rPr lang="en-US" dirty="0" err="1">
+                <a:ea typeface="+mn-lt"/>
+                <a:cs typeface="+mn-lt"/>
+              </a:rPr>
+              <a:t>memoize</a:t>
+            </a:r>
+            <a:r>
+              <a:rPr lang="en-US" dirty="0">
+                <a:ea typeface="+mn-lt"/>
+                <a:cs typeface="+mn-lt"/>
+              </a:rPr>
+              <a:t> = (</a:t>
+            </a:r>
+            <a:r>
+              <a:rPr lang="en-US" dirty="0" err="1">
+                <a:ea typeface="+mn-lt"/>
+                <a:cs typeface="+mn-lt"/>
+              </a:rPr>
+              <a:t>func</a:t>
+            </a:r>
+            <a:r>
+              <a:rPr lang="en-US" dirty="0">
+                <a:ea typeface="+mn-lt"/>
+                <a:cs typeface="+mn-lt"/>
+              </a:rPr>
+              <a:t>) =&gt; {</a:t>
             </a:r>
             <a:endParaRPr lang="en-US"/>
           </a:p>
@@ -3983,17 +4163,93 @@
               <a:rPr lang="en-US" dirty="0">
                 <a:ea typeface="+mn-lt"/>
                 <a:cs typeface="+mn-lt"/>
-                <a:hlinkClick r:id="rId3"/>
-              </a:rPr>
-              <a:t>https://medium.com/angular-in-depth/how-to-improve-angular-performance-by-just-adding-just-8-characters-877bde708ddd</a:t>
-            </a:r>
-            <a:endParaRPr lang="en-US" dirty="0"/>
+              </a:rPr>
+              <a:t>  const results = {};</a:t>
+            </a:r>
+            <a:endParaRPr lang="en-US">
+              <a:cs typeface="Calibri"/>
+            </a:endParaRPr>
           </a:p>
           <a:p>
             <a:pPr marL="0" indent="0">
               <a:buNone/>
             </a:pPr>
-            <a:endParaRPr lang="en-US" dirty="0">
+            <a:r>
+              <a:rPr lang="en-US" dirty="0">
+                <a:ea typeface="+mn-lt"/>
+                <a:cs typeface="+mn-lt"/>
+              </a:rPr>
+              <a:t>  return (...</a:t>
+            </a:r>
+            <a:r>
+              <a:rPr lang="en-US" dirty="0" err="1">
+                <a:ea typeface="+mn-lt"/>
+                <a:cs typeface="+mn-lt"/>
+              </a:rPr>
+              <a:t>args</a:t>
+            </a:r>
+            <a:r>
+              <a:rPr lang="en-US" dirty="0">
+                <a:ea typeface="+mn-lt"/>
+                <a:cs typeface="+mn-lt"/>
+              </a:rPr>
+              <a:t>) =&gt; {</a:t>
+            </a:r>
+          </a:p>
+          <a:p>
+            <a:pPr marL="0" indent="0">
+              <a:buNone/>
+            </a:pPr>
+            <a:r>
+              <a:rPr lang="en-US" dirty="0">
+                <a:ea typeface="+mn-lt"/>
+                <a:cs typeface="+mn-lt"/>
+              </a:rPr>
+              <a:t>    const </a:t>
+            </a:r>
+            <a:r>
+              <a:rPr lang="en-US" dirty="0" err="1">
+                <a:ea typeface="+mn-lt"/>
+                <a:cs typeface="+mn-lt"/>
+              </a:rPr>
+              <a:t>argsKey</a:t>
+            </a:r>
+            <a:r>
+              <a:rPr lang="en-US" dirty="0">
+                <a:ea typeface="+mn-lt"/>
+                <a:cs typeface="+mn-lt"/>
+              </a:rPr>
+              <a:t> = </a:t>
+            </a:r>
+            <a:r>
+              <a:rPr lang="en-US" dirty="0" err="1">
+                <a:ea typeface="+mn-lt"/>
+                <a:cs typeface="+mn-lt"/>
+              </a:rPr>
+              <a:t>JSON.stringify</a:t>
+            </a:r>
+            <a:r>
+              <a:rPr lang="en-US" dirty="0">
+                <a:ea typeface="+mn-lt"/>
+                <a:cs typeface="+mn-lt"/>
+              </a:rPr>
+              <a:t>(</a:t>
+            </a:r>
+            <a:r>
+              <a:rPr lang="en-US" dirty="0" err="1">
+                <a:ea typeface="+mn-lt"/>
+                <a:cs typeface="+mn-lt"/>
+              </a:rPr>
+              <a:t>args</a:t>
+            </a:r>
+            <a:r>
+              <a:rPr lang="en-US" dirty="0">
+                <a:ea typeface="+mn-lt"/>
+                <a:cs typeface="+mn-lt"/>
+              </a:rPr>
+              <a:t>);</a:t>
+            </a:r>
+            <a:endParaRPr lang="en-US">
               <a:ea typeface="+mn-lt"/>
               <a:cs typeface="+mn-lt"/>
             </a:endParaRPr>
@@ -4003,41 +4259,81 @@
               <a:buNone/>
             </a:pPr>
             <a:r>
+              <a:rPr lang="en-US" dirty="0">
+                <a:ea typeface="+mn-lt"/>
+                <a:cs typeface="+mn-lt"/>
+              </a:rPr>
+              <a:t>    if (!results[</a:t>
+            </a:r>
+            <a:r>
               <a:rPr lang="en-US" dirty="0" err="1">
                 <a:ea typeface="+mn-lt"/>
                 <a:cs typeface="+mn-lt"/>
               </a:rPr>
-              <a:t>npm</a:t>
-            </a:r>
-            <a:r>
-              <a:rPr lang="en-US" dirty="0">
-                <a:ea typeface="+mn-lt"/>
-                <a:cs typeface="+mn-lt"/>
-              </a:rPr>
-              <a:t> </a:t>
+              <a:t>argsKey</a:t>
+            </a:r>
+            <a:r>
+              <a:rPr lang="en-US" dirty="0">
+                <a:ea typeface="+mn-lt"/>
+                <a:cs typeface="+mn-lt"/>
+              </a:rPr>
+              <a:t>]) {</a:t>
+            </a:r>
+          </a:p>
+          <a:p>
+            <a:pPr marL="0" indent="0">
+              <a:buNone/>
+            </a:pPr>
+            <a:r>
+              <a:rPr lang="en-US" dirty="0">
+                <a:ea typeface="+mn-lt"/>
+                <a:cs typeface="+mn-lt"/>
+              </a:rPr>
+              <a:t>      results[</a:t>
             </a:r>
             <a:r>
               <a:rPr lang="en-US" dirty="0" err="1">
                 <a:ea typeface="+mn-lt"/>
                 <a:cs typeface="+mn-lt"/>
               </a:rPr>
-              <a:t>i</a:t>
-            </a:r>
-            <a:r>
-              <a:rPr lang="en-US" dirty="0">
-                <a:ea typeface="+mn-lt"/>
-                <a:cs typeface="+mn-lt"/>
-              </a:rPr>
-              <a:t> </a:t>
+              <a:t>argsKey</a:t>
+            </a:r>
+            <a:r>
+              <a:rPr lang="en-US" dirty="0">
+                <a:ea typeface="+mn-lt"/>
+                <a:cs typeface="+mn-lt"/>
+              </a:rPr>
+              <a:t>] = </a:t>
             </a:r>
             <a:r>
               <a:rPr lang="en-US" dirty="0" err="1">
                 <a:ea typeface="+mn-lt"/>
                 <a:cs typeface="+mn-lt"/>
               </a:rPr>
-              <a:t>memoizee</a:t>
-            </a:r>
-            <a:endParaRPr lang="en-US" dirty="0" err="1">
+              <a:t>func</a:t>
+            </a:r>
+            <a:r>
+              <a:rPr lang="en-US" dirty="0">
+                <a:ea typeface="+mn-lt"/>
+                <a:cs typeface="+mn-lt"/>
+              </a:rPr>
+              <a:t>(...</a:t>
+            </a:r>
+            <a:r>
+              <a:rPr lang="en-US" dirty="0" err="1">
+                <a:ea typeface="+mn-lt"/>
+                <a:cs typeface="+mn-lt"/>
+              </a:rPr>
+              <a:t>args</a:t>
+            </a:r>
+            <a:r>
+              <a:rPr lang="en-US" dirty="0">
+                <a:ea typeface="+mn-lt"/>
+                <a:cs typeface="+mn-lt"/>
+              </a:rPr>
+              <a:t>);</a:t>
+            </a:r>
+            <a:endParaRPr lang="en-US">
               <a:cs typeface="Calibri"/>
             </a:endParaRPr>
           </a:p>
@@ -4045,9 +4341,113 @@
             <a:pPr marL="0" indent="0">
               <a:buNone/>
             </a:pPr>
+            <a:r>
+              <a:rPr lang="en-US" dirty="0">
+                <a:ea typeface="+mn-lt"/>
+                <a:cs typeface="+mn-lt"/>
+              </a:rPr>
+              <a:t>    }</a:t>
+            </a:r>
+          </a:p>
+          <a:p>
+            <a:pPr marL="0" indent="0">
+              <a:buNone/>
+            </a:pPr>
+            <a:r>
+              <a:rPr lang="en-US" dirty="0">
+                <a:ea typeface="+mn-lt"/>
+                <a:cs typeface="+mn-lt"/>
+              </a:rPr>
+              <a:t>    return results[</a:t>
+            </a:r>
+            <a:r>
+              <a:rPr lang="en-US" dirty="0" err="1">
+                <a:ea typeface="+mn-lt"/>
+                <a:cs typeface="+mn-lt"/>
+              </a:rPr>
+              <a:t>argsKey</a:t>
+            </a:r>
+            <a:r>
+              <a:rPr lang="en-US" dirty="0">
+                <a:ea typeface="+mn-lt"/>
+                <a:cs typeface="+mn-lt"/>
+              </a:rPr>
+              <a:t>];</a:t>
+            </a:r>
+            <a:endParaRPr lang="en-US">
+              <a:cs typeface="Calibri"/>
+            </a:endParaRPr>
+          </a:p>
+          <a:p>
+            <a:pPr marL="0" indent="0">
+              <a:buNone/>
+            </a:pPr>
+            <a:r>
+              <a:rPr lang="en-US" dirty="0">
+                <a:ea typeface="+mn-lt"/>
+                <a:cs typeface="+mn-lt"/>
+              </a:rPr>
+              <a:t>  };</a:t>
+            </a:r>
+            <a:endParaRPr lang="en-US">
+              <a:cs typeface="Calibri"/>
+            </a:endParaRPr>
+          </a:p>
+          <a:p>
+            <a:pPr marL="0" indent="0">
+              <a:buNone/>
+            </a:pPr>
+            <a:r>
+              <a:rPr lang="en-US" dirty="0">
+                <a:cs typeface="Calibri"/>
+              </a:rPr>
+              <a:t>};</a:t>
+            </a:r>
+            <a:endParaRPr lang="en-US">
+              <a:cs typeface="Calibri"/>
+            </a:endParaRPr>
+          </a:p>
+          <a:p>
+            <a:pPr marL="0" indent="0">
+              <a:buNone/>
+            </a:pPr>
+            <a:r>
+              <a:rPr lang="en-US" dirty="0">
+                <a:ea typeface="+mn-lt"/>
+                <a:cs typeface="+mn-lt"/>
+              </a:rPr>
+              <a:t>  </a:t>
+            </a:r>
+            <a:r>
+              <a:rPr lang="en-US" dirty="0" err="1">
+                <a:ea typeface="+mn-lt"/>
+                <a:cs typeface="+mn-lt"/>
+              </a:rPr>
+              <a:t>clumsysquare</a:t>
+            </a:r>
+            <a:r>
+              <a:rPr lang="en-US" dirty="0">
+                <a:ea typeface="+mn-lt"/>
+                <a:cs typeface="+mn-lt"/>
+              </a:rPr>
+              <a:t> = </a:t>
+            </a:r>
+            <a:r>
+              <a:rPr lang="en-US" dirty="0" err="1">
+                <a:ea typeface="+mn-lt"/>
+                <a:cs typeface="+mn-lt"/>
+              </a:rPr>
+              <a:t>memoize</a:t>
+            </a:r>
+            <a:r>
+              <a:rPr lang="en-US" dirty="0">
+                <a:ea typeface="+mn-lt"/>
+                <a:cs typeface="+mn-lt"/>
+              </a:rPr>
+              <a:t>((num: any) =&gt; {</a:t>
+            </a:r>
             <a:endParaRPr lang="en-US" dirty="0">
-              <a:ea typeface="+mn-lt"/>
-              <a:cs typeface="+mn-lt"/>
+              <a:cs typeface="Calibri"/>
             </a:endParaRPr>
           </a:p>
           <a:p>
@@ -4059,44 +4459,96 @@
                 <a:ea typeface="+mn-lt"/>
                 <a:cs typeface="+mn-lt"/>
               </a:rPr>
-              <a:t>import * as </a:t>
+              <a:t>    let result = 0;</a:t>
+            </a:r>
+            <a:endParaRPr lang="en-US" dirty="0">
+              <a:cs typeface="Calibri" panose="020F0502020204030204"/>
+            </a:endParaRPr>
+          </a:p>
+          <a:p>
+            <a:pPr marL="0" indent="0">
+              <a:buNone/>
+            </a:pPr>
+            <a:r>
+              <a:rPr lang="en-US" dirty="0">
+                <a:ea typeface="+mn-lt"/>
+                <a:cs typeface="+mn-lt"/>
+              </a:rPr>
+              <a:t>    for (let </a:t>
             </a:r>
             <a:r>
               <a:rPr lang="en-US" dirty="0" err="1">
                 <a:ea typeface="+mn-lt"/>
                 <a:cs typeface="+mn-lt"/>
               </a:rPr>
-              <a:t>memoizee</a:t>
-            </a:r>
-            <a:r>
-              <a:rPr lang="en-US" dirty="0">
-                <a:ea typeface="+mn-lt"/>
-                <a:cs typeface="+mn-lt"/>
-              </a:rPr>
-              <a:t> from '</a:t>
+              <a:t>i</a:t>
+            </a:r>
+            <a:r>
+              <a:rPr lang="en-US" dirty="0">
+                <a:ea typeface="+mn-lt"/>
+                <a:cs typeface="+mn-lt"/>
+              </a:rPr>
+              <a:t> = 1; </a:t>
             </a:r>
             <a:r>
               <a:rPr lang="en-US" dirty="0" err="1">
                 <a:ea typeface="+mn-lt"/>
                 <a:cs typeface="+mn-lt"/>
               </a:rPr>
-              <a:t>memoizee</a:t>
-            </a:r>
-            <a:r>
-              <a:rPr lang="en-US" dirty="0">
-                <a:ea typeface="+mn-lt"/>
-                <a:cs typeface="+mn-lt"/>
-              </a:rPr>
-              <a:t>';</a:t>
-            </a:r>
+              <a:t>i</a:t>
+            </a:r>
+            <a:r>
+              <a:rPr lang="en-US" dirty="0">
+                <a:ea typeface="+mn-lt"/>
+                <a:cs typeface="+mn-lt"/>
+              </a:rPr>
+              <a:t> &lt;= num; </a:t>
+            </a:r>
+            <a:r>
+              <a:rPr lang="en-US" dirty="0" err="1">
+                <a:ea typeface="+mn-lt"/>
+                <a:cs typeface="+mn-lt"/>
+              </a:rPr>
+              <a:t>i</a:t>
+            </a:r>
+            <a:r>
+              <a:rPr lang="en-US" dirty="0">
+                <a:ea typeface="+mn-lt"/>
+                <a:cs typeface="+mn-lt"/>
+              </a:rPr>
+              <a:t>++) {</a:t>
+            </a:r>
+            <a:endParaRPr lang="en-US" dirty="0">
+              <a:cs typeface="Calibri" panose="020F0502020204030204"/>
+            </a:endParaRPr>
           </a:p>
           <a:p>
             <a:pPr marL="0" indent="0">
               <a:buNone/>
             </a:pPr>
+            <a:r>
+              <a:rPr lang="en-US" dirty="0">
+                <a:ea typeface="+mn-lt"/>
+                <a:cs typeface="+mn-lt"/>
+              </a:rPr>
+              <a:t>      for (let j = 1; j &lt;= num; </a:t>
+            </a:r>
+            <a:r>
+              <a:rPr lang="en-US" dirty="0" err="1">
+                <a:ea typeface="+mn-lt"/>
+                <a:cs typeface="+mn-lt"/>
+              </a:rPr>
+              <a:t>j++</a:t>
+            </a:r>
+            <a:r>
+              <a:rPr lang="en-US" dirty="0">
+                <a:ea typeface="+mn-lt"/>
+                <a:cs typeface="+mn-lt"/>
+              </a:rPr>
+              <a:t>) {</a:t>
+            </a:r>
             <a:endParaRPr lang="en-US" dirty="0">
-              <a:ea typeface="+mn-lt"/>
-              <a:cs typeface="+mn-lt"/>
+              <a:cs typeface="Calibri" panose="020F0502020204030204"/>
             </a:endParaRPr>
           </a:p>
           <a:p>
@@ -4108,8 +4560,11 @@
                 <a:ea typeface="+mn-lt"/>
                 <a:cs typeface="+mn-lt"/>
               </a:rPr>
-              <a:t>// create the @memoize custom decorator</a:t>
-            </a:r>
+              <a:t>        result++;</a:t>
+            </a:r>
+            <a:endParaRPr lang="en-US" dirty="0">
+              <a:cs typeface="Calibri" panose="020F0502020204030204"/>
+            </a:endParaRPr>
           </a:p>
           <a:p>
             <a:pPr marL="0" indent="0">
@@ -4120,232 +4575,60 @@
                 <a:ea typeface="+mn-lt"/>
                 <a:cs typeface="+mn-lt"/>
               </a:rPr>
-              <a:t>export function </a:t>
-            </a:r>
-            <a:r>
-              <a:rPr lang="en-US" dirty="0" err="1">
-                <a:ea typeface="+mn-lt"/>
-                <a:cs typeface="+mn-lt"/>
-              </a:rPr>
-              <a:t>memoize</a:t>
-            </a:r>
-            <a:r>
-              <a:rPr lang="en-US" dirty="0">
-                <a:ea typeface="+mn-lt"/>
-                <a:cs typeface="+mn-lt"/>
-              </a:rPr>
-              <a:t>() {</a:t>
-            </a:r>
-            <a:br>
-              <a:rPr lang="en-US" dirty="0">
-                <a:ea typeface="+mn-lt"/>
-                <a:cs typeface="+mn-lt"/>
-              </a:rPr>
-            </a:br>
-            <a:r>
-              <a:rPr lang="en-US" dirty="0">
-                <a:ea typeface="+mn-lt"/>
-                <a:cs typeface="+mn-lt"/>
-              </a:rPr>
-              <a:t>    return function(target, key, descriptor) {</a:t>
-            </a:r>
-            <a:br>
-              <a:rPr lang="en-US" dirty="0">
-                <a:ea typeface="+mn-lt"/>
-                <a:cs typeface="+mn-lt"/>
-              </a:rPr>
-            </a:br>
-            <a:r>
-              <a:rPr lang="en-US" dirty="0">
-                <a:ea typeface="+mn-lt"/>
-                <a:cs typeface="+mn-lt"/>
-              </a:rPr>
-              <a:t>        const </a:t>
-            </a:r>
-            <a:r>
-              <a:rPr lang="en-US" dirty="0" err="1">
-                <a:ea typeface="+mn-lt"/>
-                <a:cs typeface="+mn-lt"/>
-              </a:rPr>
-              <a:t>oldFunction</a:t>
-            </a:r>
-            <a:r>
-              <a:rPr lang="en-US" dirty="0">
-                <a:ea typeface="+mn-lt"/>
-                <a:cs typeface="+mn-lt"/>
-              </a:rPr>
-              <a:t> = </a:t>
-            </a:r>
-            <a:r>
-              <a:rPr lang="en-US" dirty="0" err="1">
-                <a:ea typeface="+mn-lt"/>
-                <a:cs typeface="+mn-lt"/>
-              </a:rPr>
-              <a:t>descriptor.value</a:t>
-            </a:r>
-            <a:r>
-              <a:rPr lang="en-US" dirty="0">
-                <a:ea typeface="+mn-lt"/>
-                <a:cs typeface="+mn-lt"/>
-              </a:rPr>
-              <a:t>;</a:t>
-            </a:r>
-            <a:br>
-              <a:rPr lang="en-US" dirty="0">
-                <a:ea typeface="+mn-lt"/>
-                <a:cs typeface="+mn-lt"/>
-              </a:rPr>
-            </a:br>
-            <a:r>
-              <a:rPr lang="en-US" dirty="0">
-                <a:ea typeface="+mn-lt"/>
-                <a:cs typeface="+mn-lt"/>
-              </a:rPr>
-              <a:t>        const </a:t>
-            </a:r>
-            <a:r>
-              <a:rPr lang="en-US" dirty="0" err="1">
-                <a:ea typeface="+mn-lt"/>
-                <a:cs typeface="+mn-lt"/>
-              </a:rPr>
-              <a:t>newFunction</a:t>
-            </a:r>
-            <a:r>
-              <a:rPr lang="en-US" dirty="0">
-                <a:ea typeface="+mn-lt"/>
-                <a:cs typeface="+mn-lt"/>
-              </a:rPr>
-              <a:t> = </a:t>
-            </a:r>
-            <a:r>
-              <a:rPr lang="en-US" dirty="0" err="1">
-                <a:ea typeface="+mn-lt"/>
-                <a:cs typeface="+mn-lt"/>
-              </a:rPr>
-              <a:t>memoizee</a:t>
-            </a:r>
-            <a:r>
-              <a:rPr lang="en-US" dirty="0">
-                <a:ea typeface="+mn-lt"/>
-                <a:cs typeface="+mn-lt"/>
-              </a:rPr>
-              <a:t>(</a:t>
-            </a:r>
-            <a:r>
-              <a:rPr lang="en-US" dirty="0" err="1">
-                <a:ea typeface="+mn-lt"/>
-                <a:cs typeface="+mn-lt"/>
-              </a:rPr>
-              <a:t>oldFunction</a:t>
-            </a:r>
-            <a:r>
-              <a:rPr lang="en-US" dirty="0">
-                <a:ea typeface="+mn-lt"/>
-                <a:cs typeface="+mn-lt"/>
-              </a:rPr>
-              <a:t>);</a:t>
-            </a:r>
-            <a:br>
-              <a:rPr lang="en-US" dirty="0">
-                <a:ea typeface="+mn-lt"/>
-                <a:cs typeface="+mn-lt"/>
-              </a:rPr>
-            </a:br>
-            <a:r>
-              <a:rPr lang="en-US" dirty="0">
-                <a:ea typeface="+mn-lt"/>
-                <a:cs typeface="+mn-lt"/>
-              </a:rPr>
-              <a:t>        </a:t>
-            </a:r>
-            <a:r>
-              <a:rPr lang="en-US" dirty="0" err="1">
-                <a:ea typeface="+mn-lt"/>
-                <a:cs typeface="+mn-lt"/>
-              </a:rPr>
-              <a:t>descriptor.value</a:t>
-            </a:r>
-            <a:r>
-              <a:rPr lang="en-US" dirty="0">
-                <a:ea typeface="+mn-lt"/>
-                <a:cs typeface="+mn-lt"/>
-              </a:rPr>
-              <a:t>= function () {</a:t>
-            </a:r>
-            <a:br>
-              <a:rPr lang="en-US" dirty="0">
-                <a:ea typeface="+mn-lt"/>
-                <a:cs typeface="+mn-lt"/>
-              </a:rPr>
-            </a:br>
-            <a:r>
-              <a:rPr lang="en-US" dirty="0">
-                <a:ea typeface="+mn-lt"/>
-                <a:cs typeface="+mn-lt"/>
-              </a:rPr>
-              <a:t>            return </a:t>
-            </a:r>
-            <a:r>
-              <a:rPr lang="en-US" dirty="0" err="1">
-                <a:ea typeface="+mn-lt"/>
-                <a:cs typeface="+mn-lt"/>
-              </a:rPr>
-              <a:t>newFunction.apply</a:t>
-            </a:r>
-            <a:r>
-              <a:rPr lang="en-US" dirty="0">
-                <a:ea typeface="+mn-lt"/>
-                <a:cs typeface="+mn-lt"/>
-              </a:rPr>
-              <a:t>(this, arguments);</a:t>
-            </a:r>
-            <a:br>
-              <a:rPr lang="en-US" dirty="0">
-                <a:ea typeface="+mn-lt"/>
-                <a:cs typeface="+mn-lt"/>
-              </a:rPr>
-            </a:br>
-            <a:r>
-              <a:rPr lang="en-US" dirty="0">
-                <a:ea typeface="+mn-lt"/>
-                <a:cs typeface="+mn-lt"/>
-              </a:rPr>
-              <a:t>        };</a:t>
-            </a:r>
-            <a:br>
-              <a:rPr lang="en-US" dirty="0">
-                <a:ea typeface="+mn-lt"/>
-                <a:cs typeface="+mn-lt"/>
-              </a:rPr>
-            </a:br>
-            <a:r>
-              <a:rPr lang="en-US" dirty="0">
-                <a:ea typeface="+mn-lt"/>
-                <a:cs typeface="+mn-lt"/>
-              </a:rPr>
-              <a:t>   };</a:t>
-            </a:r>
-            <a:br>
-              <a:rPr lang="en-US" dirty="0">
-                <a:ea typeface="+mn-lt"/>
-                <a:cs typeface="+mn-lt"/>
-              </a:rPr>
-            </a:br>
-            <a:r>
-              <a:rPr lang="en-US" dirty="0">
-                <a:ea typeface="+mn-lt"/>
-                <a:cs typeface="+mn-lt"/>
-              </a:rPr>
-              <a:t>};</a:t>
-            </a:r>
+              <a:t>      }</a:t>
+            </a:r>
+            <a:endParaRPr lang="en-US" dirty="0">
+              <a:cs typeface="Calibri" panose="020F0502020204030204"/>
+            </a:endParaRPr>
           </a:p>
           <a:p>
             <a:pPr marL="0" indent="0">
               <a:buNone/>
             </a:pPr>
+            <a:r>
+              <a:rPr lang="en-US" dirty="0">
+                <a:ea typeface="+mn-lt"/>
+                <a:cs typeface="+mn-lt"/>
+              </a:rPr>
+              <a:t>    }</a:t>
+            </a:r>
             <a:endParaRPr lang="en-US" dirty="0">
-              <a:ea typeface="+mn-lt"/>
-              <a:cs typeface="+mn-lt"/>
+              <a:cs typeface="Calibri" panose="020F0502020204030204"/>
+            </a:endParaRPr>
+          </a:p>
+          <a:p>
+            <a:pPr marL="0" indent="0">
+              <a:buNone/>
+            </a:pPr>
+            <a:r>
+              <a:rPr lang="en-US" dirty="0">
+                <a:ea typeface="+mn-lt"/>
+                <a:cs typeface="+mn-lt"/>
+              </a:rPr>
+              <a:t>    return result;</a:t>
+            </a:r>
+            <a:endParaRPr lang="en-US" dirty="0">
+              <a:cs typeface="Calibri" panose="020F0502020204030204"/>
+            </a:endParaRPr>
+          </a:p>
+          <a:p>
+            <a:pPr marL="0" indent="0">
+              <a:buNone/>
+            </a:pPr>
+            <a:r>
+              <a:rPr lang="en-US" dirty="0">
+                <a:ea typeface="+mn-lt"/>
+                <a:cs typeface="+mn-lt"/>
+              </a:rPr>
+              <a:t>  });</a:t>
+            </a:r>
+            <a:endParaRPr lang="en-US" dirty="0">
+              <a:cs typeface="Calibri"/>
+            </a:endParaRPr>
+          </a:p>
+          <a:p>
+            <a:endParaRPr lang="en-US" dirty="0">
+              <a:cs typeface="Calibri"/>
             </a:endParaRPr>
           </a:p>
         </p:txBody>
@@ -4353,7 +4636,7 @@
     </p:spTree>
     <p:extLst>
       <p:ext uri="{BB962C8B-B14F-4D97-AF65-F5344CB8AC3E}">
-        <p14:creationId xmlns:p14="http://schemas.microsoft.com/office/powerpoint/2010/main" val="3311505062"/>
+        <p14:creationId xmlns:p14="http://schemas.microsoft.com/office/powerpoint/2010/main" val="740552653"/>
       </p:ext>
     </p:extLst>
   </p:cSld>
@@ -4382,10 +4665,10 @@
       </p:grpSpPr>
       <p:sp>
         <p:nvSpPr>
-          <p:cNvPr id="2" name="Title 1">
+          <p:cNvPr id="3" name="Content Placeholder 2">
             <a:extLst>
               <a:ext uri="{FF2B5EF4-FFF2-40B4-BE49-F238E27FC236}">
-                <a16:creationId xmlns:a16="http://schemas.microsoft.com/office/drawing/2014/main" id="{D0A0DB65-18A6-08D8-F1EC-4AA6985793F2}"/>
+                <a16:creationId xmlns:a16="http://schemas.microsoft.com/office/drawing/2014/main" id="{4EDFCBE4-4496-7E4C-6931-113B93D648A7}"/>
               </a:ext>
             </a:extLst>
           </p:cNvPr>
@@ -4393,280 +4676,924 @@
             <a:spLocks noGrp="1"/>
           </p:cNvSpPr>
           <p:nvPr>
-            <p:ph type="title"/>
+            <p:ph idx="1"/>
           </p:nvPr>
         </p:nvSpPr>
         <p:spPr>
           <a:xfrm>
-            <a:off x="522249" y="184399"/>
-            <a:ext cx="11249721" cy="871182"/>
+            <a:off x="838200" y="403845"/>
+            <a:ext cx="4445876" cy="4919368"/>
           </a:xfrm>
         </p:spPr>
         <p:txBody>
-          <a:bodyPr/>
-          <a:lstStyle/>
-          <a:p>
-            <a:r>
-              <a:rPr lang="en-US" dirty="0">
-                <a:cs typeface="Calibri Light"/>
-              </a:rPr>
-              <a:t>Use Zone.js and </a:t>
-            </a:r>
-            <a:r>
-              <a:rPr lang="en-US" dirty="0" err="1">
-                <a:cs typeface="Calibri Light"/>
-              </a:rPr>
-              <a:t>ngZones</a:t>
-            </a:r>
-            <a:r>
-              <a:rPr lang="en-US" dirty="0">
-                <a:cs typeface="Calibri Light"/>
-              </a:rPr>
-              <a:t> for further optimization</a:t>
-            </a:r>
-            <a:endParaRPr lang="en-US" dirty="0" err="1"/>
-          </a:p>
-        </p:txBody>
-      </p:sp>
-      <p:sp>
-        <p:nvSpPr>
-          <p:cNvPr id="3" name="Content Placeholder 2">
-            <a:extLst>
-              <a:ext uri="{FF2B5EF4-FFF2-40B4-BE49-F238E27FC236}">
-                <a16:creationId xmlns:a16="http://schemas.microsoft.com/office/drawing/2014/main" id="{221D2991-86FA-6017-1C13-B5E58FE19144}"/>
-              </a:ext>
-            </a:extLst>
-          </p:cNvPr>
-          <p:cNvSpPr>
-            <a:spLocks noGrp="1"/>
-          </p:cNvSpPr>
-          <p:nvPr>
-            <p:ph idx="1"/>
-          </p:nvPr>
-        </p:nvSpPr>
-        <p:spPr>
-          <a:xfrm>
-            <a:off x="838200" y="1317625"/>
-            <a:ext cx="10515600" cy="4859338"/>
-          </a:xfrm>
-        </p:spPr>
-        <p:txBody>
           <a:bodyPr vert="horz" lIns="91440" tIns="45720" rIns="91440" bIns="45720" rtlCol="0" anchor="t">
-            <a:normAutofit fontScale="70000" lnSpcReduction="20000"/>
+            <a:normAutofit fontScale="32500" lnSpcReduction="20000"/>
           </a:bodyPr>
           <a:lstStyle/>
           <a:p>
+            <a:pPr>
+              <a:buNone/>
+            </a:pPr>
+            <a:r>
+              <a:rPr lang="en-US" dirty="0">
+                <a:ea typeface="+mn-lt"/>
+                <a:cs typeface="+mn-lt"/>
+              </a:rPr>
+              <a:t>// </a:t>
+            </a:r>
+            <a:r>
+              <a:rPr lang="en-US" dirty="0" err="1">
+                <a:ea typeface="+mn-lt"/>
+                <a:cs typeface="+mn-lt"/>
+              </a:rPr>
+              <a:t>memoization</a:t>
+            </a:r>
+            <a:r>
+              <a:rPr lang="en-US" dirty="0">
+                <a:ea typeface="+mn-lt"/>
+                <a:cs typeface="+mn-lt"/>
+              </a:rPr>
+              <a:t> method</a:t>
+            </a:r>
+          </a:p>
+          <a:p>
+            <a:pPr>
+              <a:buNone/>
+            </a:pPr>
+            <a:r>
+              <a:rPr lang="en-US" dirty="0">
+                <a:ea typeface="+mn-lt"/>
+                <a:cs typeface="+mn-lt"/>
+              </a:rPr>
+              <a:t>export function </a:t>
+            </a:r>
+            <a:r>
+              <a:rPr lang="en-US" dirty="0" err="1">
+                <a:ea typeface="+mn-lt"/>
+                <a:cs typeface="+mn-lt"/>
+              </a:rPr>
+              <a:t>memoizee</a:t>
+            </a:r>
+            <a:r>
+              <a:rPr lang="en-US" dirty="0">
+                <a:ea typeface="+mn-lt"/>
+                <a:cs typeface="+mn-lt"/>
+              </a:rPr>
+              <a:t>(</a:t>
+            </a:r>
+            <a:r>
+              <a:rPr lang="en-US" dirty="0" err="1">
+                <a:ea typeface="+mn-lt"/>
+                <a:cs typeface="+mn-lt"/>
+              </a:rPr>
+              <a:t>func</a:t>
+            </a:r>
+            <a:r>
+              <a:rPr lang="en-US" dirty="0">
+                <a:ea typeface="+mn-lt"/>
+                <a:cs typeface="+mn-lt"/>
+              </a:rPr>
+              <a:t>: any) {</a:t>
+            </a:r>
+            <a:endParaRPr lang="en-US">
+              <a:cs typeface="Calibri"/>
+            </a:endParaRPr>
+          </a:p>
+          <a:p>
+            <a:pPr>
+              <a:buNone/>
+            </a:pPr>
+            <a:r>
+              <a:rPr lang="en-US" dirty="0">
+                <a:ea typeface="+mn-lt"/>
+                <a:cs typeface="+mn-lt"/>
+              </a:rPr>
+              <a:t>  const results: any = {};</a:t>
+            </a:r>
+            <a:endParaRPr lang="en-US" dirty="0"/>
+          </a:p>
+          <a:p>
+            <a:pPr>
+              <a:buNone/>
+            </a:pPr>
+            <a:r>
+              <a:rPr lang="en-US" dirty="0">
+                <a:ea typeface="+mn-lt"/>
+                <a:cs typeface="+mn-lt"/>
+              </a:rPr>
+              <a:t>  return (...</a:t>
+            </a:r>
+            <a:r>
+              <a:rPr lang="en-US" dirty="0" err="1">
+                <a:ea typeface="+mn-lt"/>
+                <a:cs typeface="+mn-lt"/>
+              </a:rPr>
+              <a:t>args</a:t>
+            </a:r>
+            <a:r>
+              <a:rPr lang="en-US" dirty="0">
+                <a:ea typeface="+mn-lt"/>
+                <a:cs typeface="+mn-lt"/>
+              </a:rPr>
+              <a:t>: any) =&gt; {</a:t>
+            </a:r>
+            <a:endParaRPr lang="en-US" dirty="0"/>
+          </a:p>
+          <a:p>
+            <a:pPr>
+              <a:buNone/>
+            </a:pPr>
+            <a:r>
+              <a:rPr lang="en-US" dirty="0">
+                <a:ea typeface="+mn-lt"/>
+                <a:cs typeface="+mn-lt"/>
+              </a:rPr>
+              <a:t>    const </a:t>
+            </a:r>
+            <a:r>
+              <a:rPr lang="en-US" dirty="0" err="1">
+                <a:ea typeface="+mn-lt"/>
+                <a:cs typeface="+mn-lt"/>
+              </a:rPr>
+              <a:t>argsKey</a:t>
+            </a:r>
+            <a:r>
+              <a:rPr lang="en-US" dirty="0">
+                <a:ea typeface="+mn-lt"/>
+                <a:cs typeface="+mn-lt"/>
+              </a:rPr>
+              <a:t> = </a:t>
+            </a:r>
+            <a:r>
+              <a:rPr lang="en-US" dirty="0" err="1">
+                <a:ea typeface="+mn-lt"/>
+                <a:cs typeface="+mn-lt"/>
+              </a:rPr>
+              <a:t>JSON.stringify</a:t>
+            </a:r>
+            <a:r>
+              <a:rPr lang="en-US" dirty="0">
+                <a:ea typeface="+mn-lt"/>
+                <a:cs typeface="+mn-lt"/>
+              </a:rPr>
+              <a:t>(</a:t>
+            </a:r>
+            <a:r>
+              <a:rPr lang="en-US" dirty="0" err="1">
+                <a:ea typeface="+mn-lt"/>
+                <a:cs typeface="+mn-lt"/>
+              </a:rPr>
+              <a:t>args</a:t>
+            </a:r>
+            <a:r>
+              <a:rPr lang="en-US" dirty="0">
+                <a:ea typeface="+mn-lt"/>
+                <a:cs typeface="+mn-lt"/>
+              </a:rPr>
+              <a:t>);</a:t>
+            </a:r>
+            <a:endParaRPr lang="en-US" dirty="0"/>
+          </a:p>
+          <a:p>
+            <a:pPr>
+              <a:buNone/>
+            </a:pPr>
+            <a:r>
+              <a:rPr lang="en-US" dirty="0">
+                <a:ea typeface="+mn-lt"/>
+                <a:cs typeface="+mn-lt"/>
+              </a:rPr>
+              <a:t>    if (!results[</a:t>
+            </a:r>
+            <a:r>
+              <a:rPr lang="en-US" dirty="0" err="1">
+                <a:ea typeface="+mn-lt"/>
+                <a:cs typeface="+mn-lt"/>
+              </a:rPr>
+              <a:t>argsKey</a:t>
+            </a:r>
+            <a:r>
+              <a:rPr lang="en-US" dirty="0">
+                <a:ea typeface="+mn-lt"/>
+                <a:cs typeface="+mn-lt"/>
+              </a:rPr>
+              <a:t>]) {</a:t>
+            </a:r>
+            <a:endParaRPr lang="en-US" dirty="0"/>
+          </a:p>
+          <a:p>
+            <a:pPr>
+              <a:buNone/>
+            </a:pPr>
+            <a:r>
+              <a:rPr lang="en-US" dirty="0">
+                <a:ea typeface="+mn-lt"/>
+                <a:cs typeface="+mn-lt"/>
+              </a:rPr>
+              <a:t>      results[</a:t>
+            </a:r>
+            <a:r>
+              <a:rPr lang="en-US" dirty="0" err="1">
+                <a:ea typeface="+mn-lt"/>
+                <a:cs typeface="+mn-lt"/>
+              </a:rPr>
+              <a:t>argsKey</a:t>
+            </a:r>
+            <a:r>
+              <a:rPr lang="en-US" dirty="0">
+                <a:ea typeface="+mn-lt"/>
+                <a:cs typeface="+mn-lt"/>
+              </a:rPr>
+              <a:t>] = </a:t>
+            </a:r>
+            <a:r>
+              <a:rPr lang="en-US" dirty="0" err="1">
+                <a:ea typeface="+mn-lt"/>
+                <a:cs typeface="+mn-lt"/>
+              </a:rPr>
+              <a:t>func</a:t>
+            </a:r>
+            <a:r>
+              <a:rPr lang="en-US" dirty="0">
+                <a:ea typeface="+mn-lt"/>
+                <a:cs typeface="+mn-lt"/>
+              </a:rPr>
+              <a:t>(...</a:t>
+            </a:r>
+            <a:r>
+              <a:rPr lang="en-US" dirty="0" err="1">
+                <a:ea typeface="+mn-lt"/>
+                <a:cs typeface="+mn-lt"/>
+              </a:rPr>
+              <a:t>args</a:t>
+            </a:r>
+            <a:r>
+              <a:rPr lang="en-US" dirty="0">
+                <a:ea typeface="+mn-lt"/>
+                <a:cs typeface="+mn-lt"/>
+              </a:rPr>
+              <a:t>);</a:t>
+            </a:r>
+            <a:endParaRPr lang="en-US" dirty="0"/>
+          </a:p>
+          <a:p>
+            <a:pPr>
+              <a:buNone/>
+            </a:pPr>
+            <a:r>
+              <a:rPr lang="en-US" dirty="0">
+                <a:ea typeface="+mn-lt"/>
+                <a:cs typeface="+mn-lt"/>
+              </a:rPr>
+              <a:t>    }</a:t>
+            </a:r>
+            <a:endParaRPr lang="en-US" dirty="0"/>
+          </a:p>
+          <a:p>
+            <a:pPr>
+              <a:buNone/>
+            </a:pPr>
+            <a:r>
+              <a:rPr lang="en-US" dirty="0">
+                <a:ea typeface="+mn-lt"/>
+                <a:cs typeface="+mn-lt"/>
+              </a:rPr>
+              <a:t>    return results[</a:t>
+            </a:r>
+            <a:r>
+              <a:rPr lang="en-US" dirty="0" err="1">
+                <a:ea typeface="+mn-lt"/>
+                <a:cs typeface="+mn-lt"/>
+              </a:rPr>
+              <a:t>argsKey</a:t>
+            </a:r>
+            <a:r>
+              <a:rPr lang="en-US" dirty="0">
+                <a:ea typeface="+mn-lt"/>
+                <a:cs typeface="+mn-lt"/>
+              </a:rPr>
+              <a:t>];</a:t>
+            </a:r>
+            <a:endParaRPr lang="en-US" dirty="0"/>
+          </a:p>
+          <a:p>
+            <a:pPr>
+              <a:buNone/>
+            </a:pPr>
+            <a:r>
+              <a:rPr lang="en-US" dirty="0">
+                <a:ea typeface="+mn-lt"/>
+                <a:cs typeface="+mn-lt"/>
+              </a:rPr>
+              <a:t>  };</a:t>
+            </a:r>
+            <a:endParaRPr lang="en-US" dirty="0"/>
+          </a:p>
+          <a:p>
+            <a:pPr>
+              <a:buNone/>
+            </a:pPr>
+            <a:r>
+              <a:rPr lang="en-US" dirty="0">
+                <a:ea typeface="+mn-lt"/>
+                <a:cs typeface="+mn-lt"/>
+              </a:rPr>
+              <a:t>};</a:t>
+            </a:r>
+            <a:br>
+              <a:rPr lang="en-US" dirty="0"/>
+            </a:br>
+            <a:endParaRPr lang="en-US">
+              <a:cs typeface="Calibri" panose="020F0502020204030204"/>
+            </a:endParaRPr>
+          </a:p>
+          <a:p>
+            <a:pPr>
+              <a:buNone/>
+            </a:pPr>
+            <a:r>
+              <a:rPr lang="en-US" dirty="0">
+                <a:ea typeface="+mn-lt"/>
+                <a:cs typeface="+mn-lt"/>
+              </a:rPr>
+              <a:t>// @memoize decorator</a:t>
+            </a:r>
+          </a:p>
+          <a:p>
+            <a:pPr>
+              <a:buNone/>
+            </a:pPr>
+            <a:r>
+              <a:rPr lang="en-US" dirty="0">
+                <a:ea typeface="+mn-lt"/>
+                <a:cs typeface="+mn-lt"/>
+              </a:rPr>
+              <a:t>export function </a:t>
+            </a:r>
+            <a:r>
+              <a:rPr lang="en-US" dirty="0" err="1">
+                <a:ea typeface="+mn-lt"/>
+                <a:cs typeface="+mn-lt"/>
+              </a:rPr>
+              <a:t>memoize</a:t>
+            </a:r>
+            <a:r>
+              <a:rPr lang="en-US" dirty="0">
+                <a:ea typeface="+mn-lt"/>
+                <a:cs typeface="+mn-lt"/>
+              </a:rPr>
+              <a:t>() {</a:t>
+            </a:r>
+            <a:endParaRPr lang="en-US">
+              <a:cs typeface="Calibri"/>
+            </a:endParaRPr>
+          </a:p>
+          <a:p>
+            <a:pPr>
+              <a:buNone/>
+            </a:pPr>
+            <a:r>
+              <a:rPr lang="en-US" dirty="0">
+                <a:ea typeface="+mn-lt"/>
+                <a:cs typeface="+mn-lt"/>
+              </a:rPr>
+              <a:t>  return function(target: any, key: any, descriptor: any) {</a:t>
+            </a:r>
+            <a:endParaRPr lang="en-US" dirty="0"/>
+          </a:p>
+          <a:p>
+            <a:pPr>
+              <a:buNone/>
+            </a:pPr>
+            <a:r>
+              <a:rPr lang="en-US" dirty="0">
+                <a:ea typeface="+mn-lt"/>
+                <a:cs typeface="+mn-lt"/>
+              </a:rPr>
+              <a:t>    const </a:t>
+            </a:r>
+            <a:r>
+              <a:rPr lang="en-US" dirty="0" err="1">
+                <a:ea typeface="+mn-lt"/>
+                <a:cs typeface="+mn-lt"/>
+              </a:rPr>
+              <a:t>oldFunction</a:t>
+            </a:r>
+            <a:r>
+              <a:rPr lang="en-US" dirty="0">
+                <a:ea typeface="+mn-lt"/>
+                <a:cs typeface="+mn-lt"/>
+              </a:rPr>
+              <a:t> = </a:t>
+            </a:r>
+            <a:r>
+              <a:rPr lang="en-US" dirty="0" err="1">
+                <a:ea typeface="+mn-lt"/>
+                <a:cs typeface="+mn-lt"/>
+              </a:rPr>
+              <a:t>descriptor.value</a:t>
+            </a:r>
+            <a:r>
+              <a:rPr lang="en-US" dirty="0">
+                <a:ea typeface="+mn-lt"/>
+                <a:cs typeface="+mn-lt"/>
+              </a:rPr>
+              <a:t>;</a:t>
+            </a:r>
+            <a:endParaRPr lang="en-US" dirty="0"/>
+          </a:p>
+          <a:p>
+            <a:pPr>
+              <a:buNone/>
+            </a:pPr>
+            <a:r>
+              <a:rPr lang="en-US" dirty="0">
+                <a:ea typeface="+mn-lt"/>
+                <a:cs typeface="+mn-lt"/>
+              </a:rPr>
+              <a:t>    const </a:t>
+            </a:r>
+            <a:r>
+              <a:rPr lang="en-US" dirty="0" err="1">
+                <a:ea typeface="+mn-lt"/>
+                <a:cs typeface="+mn-lt"/>
+              </a:rPr>
+              <a:t>newFunction</a:t>
+            </a:r>
+            <a:r>
+              <a:rPr lang="en-US" dirty="0">
+                <a:ea typeface="+mn-lt"/>
+                <a:cs typeface="+mn-lt"/>
+              </a:rPr>
+              <a:t>: any = </a:t>
+            </a:r>
+            <a:r>
+              <a:rPr lang="en-US" dirty="0" err="1">
+                <a:ea typeface="+mn-lt"/>
+                <a:cs typeface="+mn-lt"/>
+              </a:rPr>
+              <a:t>memoizee</a:t>
+            </a:r>
+            <a:r>
+              <a:rPr lang="en-US" dirty="0">
+                <a:ea typeface="+mn-lt"/>
+                <a:cs typeface="+mn-lt"/>
+              </a:rPr>
+              <a:t>(</a:t>
+            </a:r>
+            <a:r>
+              <a:rPr lang="en-US" dirty="0" err="1">
+                <a:ea typeface="+mn-lt"/>
+                <a:cs typeface="+mn-lt"/>
+              </a:rPr>
+              <a:t>oldFunction</a:t>
+            </a:r>
+            <a:r>
+              <a:rPr lang="en-US" dirty="0">
+                <a:ea typeface="+mn-lt"/>
+                <a:cs typeface="+mn-lt"/>
+              </a:rPr>
+              <a:t>)</a:t>
+            </a:r>
+            <a:endParaRPr lang="en-US" dirty="0"/>
+          </a:p>
+          <a:p>
+            <a:pPr>
+              <a:buNone/>
+            </a:pPr>
+            <a:r>
+              <a:rPr lang="en-US" dirty="0">
+                <a:ea typeface="+mn-lt"/>
+                <a:cs typeface="+mn-lt"/>
+              </a:rPr>
+              <a:t>    </a:t>
+            </a:r>
+            <a:r>
+              <a:rPr lang="en-US" dirty="0" err="1">
+                <a:ea typeface="+mn-lt"/>
+                <a:cs typeface="+mn-lt"/>
+              </a:rPr>
+              <a:t>descriptor.value</a:t>
+            </a:r>
+            <a:r>
+              <a:rPr lang="en-US" dirty="0">
+                <a:ea typeface="+mn-lt"/>
+                <a:cs typeface="+mn-lt"/>
+              </a:rPr>
+              <a:t> = function () {</a:t>
+            </a:r>
+            <a:endParaRPr lang="en-US" dirty="0"/>
+          </a:p>
+          <a:p>
+            <a:pPr>
+              <a:buNone/>
+            </a:pPr>
+            <a:r>
+              <a:rPr lang="en-US" dirty="0">
+                <a:ea typeface="+mn-lt"/>
+                <a:cs typeface="+mn-lt"/>
+              </a:rPr>
+              <a:t>        return </a:t>
+            </a:r>
+            <a:r>
+              <a:rPr lang="en-US" dirty="0" err="1">
+                <a:ea typeface="+mn-lt"/>
+                <a:cs typeface="+mn-lt"/>
+              </a:rPr>
+              <a:t>newFunction.apply</a:t>
+            </a:r>
+            <a:r>
+              <a:rPr lang="en-US" dirty="0">
+                <a:ea typeface="+mn-lt"/>
+                <a:cs typeface="+mn-lt"/>
+              </a:rPr>
+              <a:t>(this, arguments)</a:t>
+            </a:r>
+            <a:endParaRPr lang="en-US" dirty="0"/>
+          </a:p>
+          <a:p>
+            <a:pPr>
+              <a:buNone/>
+            </a:pPr>
+            <a:r>
+              <a:rPr lang="en-US" dirty="0">
+                <a:ea typeface="+mn-lt"/>
+                <a:cs typeface="+mn-lt"/>
+              </a:rPr>
+              <a:t>    }</a:t>
+            </a:r>
+            <a:endParaRPr lang="en-US" dirty="0"/>
+          </a:p>
+          <a:p>
+            <a:pPr>
+              <a:buNone/>
+            </a:pPr>
+            <a:r>
+              <a:rPr lang="en-US" dirty="0">
+                <a:ea typeface="+mn-lt"/>
+                <a:cs typeface="+mn-lt"/>
+              </a:rPr>
+              <a:t>  }</a:t>
+            </a:r>
+            <a:endParaRPr lang="en-US" dirty="0"/>
+          </a:p>
+          <a:p>
+            <a:pPr>
+              <a:buNone/>
+            </a:pPr>
+            <a:r>
+              <a:rPr lang="en-US" dirty="0">
+                <a:ea typeface="+mn-lt"/>
+                <a:cs typeface="+mn-lt"/>
+              </a:rPr>
+              <a:t>}</a:t>
+            </a:r>
+            <a:endParaRPr lang="en-US" dirty="0"/>
+          </a:p>
+          <a:p>
             <a:pPr marL="0" indent="0">
               <a:buNone/>
             </a:pPr>
-            <a:r>
-              <a:rPr lang="en-US" dirty="0">
-                <a:ea typeface="+mn-lt"/>
-                <a:cs typeface="+mn-lt"/>
-                <a:hlinkClick r:id="rId2"/>
-              </a:rPr>
-              <a:t>https://angular.io/guide/change-detection-zone-pollution</a:t>
-            </a:r>
             <a:endParaRPr lang="en-US" dirty="0">
               <a:ea typeface="+mn-lt"/>
               <a:cs typeface="+mn-lt"/>
             </a:endParaRPr>
           </a:p>
           <a:p>
-            <a:pPr>
-              <a:buNone/>
-            </a:pPr>
-            <a:r>
-              <a:rPr lang="en-US" dirty="0">
-                <a:ea typeface="+mn-lt"/>
-                <a:cs typeface="+mn-lt"/>
-                <a:hlinkClick r:id="rId3"/>
-              </a:rPr>
-              <a:t>https://angular.io/guide/zone</a:t>
-            </a:r>
-            <a:endParaRPr lang="en-US"/>
-          </a:p>
-          <a:p>
+            <a:pPr marL="0" indent="0">
+              <a:buNone/>
+            </a:pPr>
+            <a:endParaRPr lang="en-US" dirty="0">
+              <a:cs typeface="Calibri"/>
+            </a:endParaRPr>
+          </a:p>
+          <a:p>
+            <a:pPr marL="0" indent="0">
+              <a:buNone/>
+            </a:pPr>
             <a:endParaRPr lang="en-US" dirty="0">
               <a:ea typeface="+mn-lt"/>
               <a:cs typeface="+mn-lt"/>
             </a:endParaRPr>
           </a:p>
           <a:p>
-            <a:r>
-              <a:rPr lang="en-US" b="1" dirty="0">
-                <a:ea typeface="+mn-lt"/>
-                <a:cs typeface="+mn-lt"/>
-              </a:rPr>
-              <a:t>Zone.js is an execution context that persist across async tasks and a signaling mechanism, that Angular uses to detect when an application state might have changed</a:t>
-            </a:r>
-            <a:r>
-              <a:rPr lang="en-US" dirty="0">
-                <a:ea typeface="+mn-lt"/>
-                <a:cs typeface="+mn-lt"/>
-              </a:rPr>
-              <a:t>. It captures asynchronous operations like </a:t>
-            </a:r>
-            <a:r>
-              <a:rPr lang="en-US" dirty="0" err="1">
-                <a:latin typeface="Consolas"/>
-              </a:rPr>
-              <a:t>setTimeout</a:t>
-            </a:r>
-            <a:r>
-              <a:rPr lang="en-US" dirty="0">
-                <a:ea typeface="+mn-lt"/>
-                <a:cs typeface="+mn-lt"/>
-              </a:rPr>
-              <a:t>, network requests, and event listeners. Angular schedules change detection based on signals from Zone.js</a:t>
-            </a:r>
-            <a:endParaRPr lang="en-US" dirty="0">
-              <a:cs typeface="Calibri" panose="020F0502020204030204"/>
-            </a:endParaRPr>
-          </a:p>
-          <a:p>
+            <a:pPr marL="0" indent="0">
+              <a:buNone/>
+            </a:pPr>
             <a:endParaRPr lang="en-US" dirty="0">
               <a:ea typeface="+mn-lt"/>
               <a:cs typeface="+mn-lt"/>
             </a:endParaRPr>
           </a:p>
           <a:p>
-            <a:r>
-              <a:rPr lang="en-US" dirty="0">
-                <a:ea typeface="+mn-lt"/>
-                <a:cs typeface="+mn-lt"/>
-              </a:rPr>
-              <a:t>A Zone is an execution context that persists across async tasks</a:t>
-            </a:r>
-          </a:p>
-          <a:p>
             <a:pPr marL="0" indent="0">
               <a:buNone/>
             </a:pPr>
-            <a:r>
-              <a:rPr lang="en-US" dirty="0">
-                <a:ea typeface="+mn-lt"/>
-                <a:cs typeface="+mn-lt"/>
-                <a:hlinkClick r:id="rId4"/>
-              </a:rPr>
-              <a:t>https://www.w3schools.com/js/js_this.asp</a:t>
-            </a:r>
             <a:endParaRPr lang="en-US" dirty="0">
               <a:ea typeface="+mn-lt"/>
               <a:cs typeface="+mn-lt"/>
             </a:endParaRPr>
           </a:p>
-          <a:p>
-            <a:pPr marL="0" indent="0">
-              <a:buNone/>
-            </a:pPr>
-            <a:r>
-              <a:rPr lang="en-US" dirty="0">
-                <a:ea typeface="+mn-lt"/>
-                <a:cs typeface="+mn-lt"/>
-                <a:hlinkClick r:id="" action="ppaction://noaction"/>
-              </a:rPr>
-              <a:t>https://www.youtube.com/watch?v=3IqtmUscE_U&amp;t=150s&amp;ab_channel=ng-conf</a:t>
-            </a:r>
-          </a:p>
-          <a:p>
+        </p:txBody>
+      </p:sp>
+      <p:sp>
+        <p:nvSpPr>
+          <p:cNvPr id="2" name="TextBox 1">
+            <a:extLst>
+              <a:ext uri="{FF2B5EF4-FFF2-40B4-BE49-F238E27FC236}">
+                <a16:creationId xmlns:a16="http://schemas.microsoft.com/office/drawing/2014/main" id="{8BC35032-198A-BC51-D219-1A6A37E1D06D}"/>
+              </a:ext>
+            </a:extLst>
+          </p:cNvPr>
+          <p:cNvSpPr txBox="1"/>
+          <p:nvPr/>
+        </p:nvSpPr>
+        <p:spPr>
+          <a:xfrm>
+            <a:off x="630620" y="5088758"/>
+            <a:ext cx="11304422" cy="1723549"/>
+          </a:xfrm>
+          <a:prstGeom prst="rect">
+            <a:avLst/>
+          </a:prstGeom>
+          <a:noFill/>
+        </p:spPr>
+        <p:txBody>
+          <a:bodyPr rot="0" spcFirstLastPara="0" vertOverflow="overflow" horzOverflow="overflow" vert="horz" wrap="square" lIns="91440" tIns="45720" rIns="91440" bIns="45720" numCol="1" spcCol="0" rtlCol="0" fromWordArt="0" anchor="t" anchorCtr="0" forceAA="0" compatLnSpc="1">
+            <a:prstTxWarp prst="textNoShape">
+              <a:avLst/>
+            </a:prstTxWarp>
+            <a:spAutoFit/>
+          </a:bodyPr>
+          <a:lstStyle/>
+          <a:p>
+            <a:pPr algn="l">
+              <a:lnSpc>
+                <a:spcPct val="90000"/>
+              </a:lnSpc>
+              <a:spcBef>
+                <a:spcPts val="1000"/>
+              </a:spcBef>
+            </a:pPr>
             <a:endParaRPr lang="en-US" dirty="0">
               <a:ea typeface="+mn-lt"/>
               <a:cs typeface="+mn-lt"/>
             </a:endParaRPr>
           </a:p>
           <a:p>
-            <a:r>
-              <a:rPr lang="en-US" dirty="0">
-                <a:ea typeface="+mn-lt"/>
-                <a:cs typeface="+mn-lt"/>
-              </a:rPr>
-              <a:t>There are cases in which scheduled </a:t>
-            </a:r>
-            <a:r>
-              <a:rPr lang="en-US" dirty="0">
-                <a:ea typeface="+mn-lt"/>
-                <a:cs typeface="+mn-lt"/>
-                <a:hlinkClick r:id="rId5"/>
-              </a:rPr>
-              <a:t>tasks</a:t>
-            </a:r>
-            <a:r>
-              <a:rPr lang="en-US" dirty="0">
-                <a:ea typeface="+mn-lt"/>
-                <a:cs typeface="+mn-lt"/>
-              </a:rPr>
-              <a:t> or </a:t>
-            </a:r>
-            <a:r>
-              <a:rPr lang="en-US" dirty="0">
-                <a:ea typeface="+mn-lt"/>
-                <a:cs typeface="+mn-lt"/>
-                <a:hlinkClick r:id="rId6"/>
-              </a:rPr>
-              <a:t>microtasks</a:t>
-            </a:r>
-            <a:r>
-              <a:rPr lang="en-US" dirty="0">
-                <a:ea typeface="+mn-lt"/>
-                <a:cs typeface="+mn-lt"/>
-              </a:rPr>
-              <a:t> don’t make any changes in the data model, which makes running change detection unnecessary. Common examples are:</a:t>
-            </a:r>
-            <a:endParaRPr lang="en-US" dirty="0"/>
-          </a:p>
-          <a:p>
-            <a:pPr lvl="1"/>
+            <a:pPr>
+              <a:lnSpc>
+                <a:spcPct val="90000"/>
+              </a:lnSpc>
+              <a:spcBef>
+                <a:spcPts val="1000"/>
+              </a:spcBef>
+            </a:pPr>
+            <a:r>
+              <a:rPr lang="en-US" dirty="0">
+                <a:cs typeface="Calibri"/>
+                <a:hlinkClick r:id="rId2"/>
+              </a:rPr>
+              <a:t>https://www.npmjs.com/package/memoizee</a:t>
+            </a:r>
+            <a:endParaRPr lang="en-US" dirty="0">
+              <a:ea typeface="+mn-lt"/>
+              <a:cs typeface="+mn-lt"/>
+            </a:endParaRPr>
+          </a:p>
+          <a:p>
+            <a:pPr>
+              <a:lnSpc>
+                <a:spcPct val="90000"/>
+              </a:lnSpc>
+              <a:spcBef>
+                <a:spcPts val="1000"/>
+              </a:spcBef>
+            </a:pPr>
+            <a:r>
+              <a:rPr lang="en-US" dirty="0">
+                <a:cs typeface="Calibri"/>
+                <a:hlinkClick r:id="rId3"/>
+              </a:rPr>
+              <a:t>https://github.com/mgechev/memo-decorator</a:t>
+            </a:r>
+            <a:endParaRPr lang="en-US" dirty="0">
+              <a:ea typeface="+mn-lt"/>
+              <a:cs typeface="+mn-lt"/>
+            </a:endParaRPr>
+          </a:p>
+          <a:p>
+            <a:pPr>
+              <a:lnSpc>
+                <a:spcPct val="90000"/>
+              </a:lnSpc>
+              <a:spcBef>
+                <a:spcPts val="1000"/>
+              </a:spcBef>
+            </a:pPr>
+            <a:r>
+              <a:rPr lang="en-US" dirty="0">
+                <a:cs typeface="Calibri"/>
+                <a:hlinkClick r:id="rId4"/>
+              </a:rPr>
+              <a:t>https://medium.com/angular-in-depth/how-to-improve-angular-performance-by-just-adding-just-8-characters-877bde708ddd</a:t>
+            </a:r>
+            <a:endParaRPr lang="en-US"/>
+          </a:p>
+        </p:txBody>
+      </p:sp>
+      <p:sp>
+        <p:nvSpPr>
+          <p:cNvPr id="4" name="TextBox 3">
+            <a:extLst>
+              <a:ext uri="{FF2B5EF4-FFF2-40B4-BE49-F238E27FC236}">
+                <a16:creationId xmlns:a16="http://schemas.microsoft.com/office/drawing/2014/main" id="{6AC03CFC-254C-D12C-3DB2-13B88AC82C92}"/>
+              </a:ext>
+            </a:extLst>
+          </p:cNvPr>
+          <p:cNvSpPr txBox="1"/>
+          <p:nvPr/>
+        </p:nvSpPr>
+        <p:spPr>
+          <a:xfrm>
+            <a:off x="5281447" y="271517"/>
+            <a:ext cx="6653595" cy="3139321"/>
+          </a:xfrm>
+          <a:prstGeom prst="rect">
+            <a:avLst/>
+          </a:prstGeom>
+          <a:noFill/>
+        </p:spPr>
+        <p:txBody>
+          <a:bodyPr rot="0" spcFirstLastPara="0" vertOverflow="overflow" horzOverflow="overflow" vert="horz" wrap="square" lIns="91440" tIns="45720" rIns="91440" bIns="45720" numCol="1" spcCol="0" rtlCol="0" fromWordArt="0" anchor="t" anchorCtr="0" forceAA="0" compatLnSpc="1">
+            <a:prstTxWarp prst="textNoShape">
+              <a:avLst/>
+            </a:prstTxWarp>
+            <a:spAutoFit/>
+          </a:bodyPr>
+          <a:lstStyle/>
+          <a:p>
+            <a:r>
+              <a:rPr lang="en-US" dirty="0">
+                <a:ea typeface="+mn-lt"/>
+                <a:cs typeface="+mn-lt"/>
+              </a:rPr>
+              <a:t>  @memoize()</a:t>
+            </a:r>
+          </a:p>
+          <a:p>
+            <a:r>
+              <a:rPr lang="en-US" dirty="0">
+                <a:ea typeface="+mn-lt"/>
+                <a:cs typeface="+mn-lt"/>
+              </a:rPr>
+              <a:t>  </a:t>
+            </a:r>
             <a:r>
               <a:rPr lang="en-US" dirty="0" err="1">
-                <a:latin typeface="Consolas"/>
-              </a:rPr>
-              <a:t>requestAnimationFrame</a:t>
-            </a:r>
-            <a:r>
-              <a:rPr lang="en-US" dirty="0">
-                <a:ea typeface="+mn-lt"/>
-                <a:cs typeface="+mn-lt"/>
-              </a:rPr>
-              <a:t>, </a:t>
+                <a:ea typeface="+mn-lt"/>
+                <a:cs typeface="+mn-lt"/>
+              </a:rPr>
+              <a:t>clumsysquare</a:t>
+            </a:r>
+            <a:r>
+              <a:rPr lang="en-US" dirty="0">
+                <a:ea typeface="+mn-lt"/>
+                <a:cs typeface="+mn-lt"/>
+              </a:rPr>
+              <a:t>(num: any) {</a:t>
+            </a:r>
+          </a:p>
+          <a:p>
+            <a:r>
+              <a:rPr lang="en-US" dirty="0">
+                <a:ea typeface="+mn-lt"/>
+                <a:cs typeface="+mn-lt"/>
+              </a:rPr>
+              <a:t>    let result = 0;</a:t>
+            </a:r>
+          </a:p>
+          <a:p>
+            <a:r>
+              <a:rPr lang="en-US" dirty="0">
+                <a:ea typeface="+mn-lt"/>
+                <a:cs typeface="+mn-lt"/>
+              </a:rPr>
+              <a:t>    for (let </a:t>
             </a:r>
             <a:r>
               <a:rPr lang="en-US" dirty="0" err="1">
-                <a:latin typeface="Consolas"/>
-              </a:rPr>
-              <a:t>setTimeout</a:t>
-            </a:r>
-            <a:r>
-              <a:rPr lang="en-US" dirty="0">
-                <a:ea typeface="+mn-lt"/>
-                <a:cs typeface="+mn-lt"/>
-              </a:rPr>
-              <a:t> or </a:t>
+                <a:ea typeface="+mn-lt"/>
+                <a:cs typeface="+mn-lt"/>
+              </a:rPr>
+              <a:t>i</a:t>
+            </a:r>
+            <a:r>
+              <a:rPr lang="en-US" dirty="0">
+                <a:ea typeface="+mn-lt"/>
+                <a:cs typeface="+mn-lt"/>
+              </a:rPr>
+              <a:t> = 1; </a:t>
             </a:r>
             <a:r>
               <a:rPr lang="en-US" dirty="0" err="1">
-                <a:latin typeface="Consolas"/>
-              </a:rPr>
-              <a:t>setInterval</a:t>
-            </a:r>
-            <a:endParaRPr lang="en-US">
-              <a:cs typeface="Calibri"/>
-            </a:endParaRPr>
-          </a:p>
-          <a:p>
-            <a:pPr lvl="1"/>
-            <a:r>
-              <a:rPr lang="en-US" dirty="0">
-                <a:ea typeface="+mn-lt"/>
-                <a:cs typeface="+mn-lt"/>
-              </a:rPr>
-              <a:t>Task or microtask scheduling by third-party libraries</a:t>
-            </a:r>
-            <a:endParaRPr lang="en-US">
-              <a:cs typeface="Calibri"/>
-            </a:endParaRPr>
-          </a:p>
-          <a:p>
+                <a:ea typeface="+mn-lt"/>
+                <a:cs typeface="+mn-lt"/>
+              </a:rPr>
+              <a:t>i</a:t>
+            </a:r>
+            <a:r>
+              <a:rPr lang="en-US" dirty="0">
+                <a:ea typeface="+mn-lt"/>
+                <a:cs typeface="+mn-lt"/>
+              </a:rPr>
+              <a:t> &lt;= num; </a:t>
+            </a:r>
+            <a:r>
+              <a:rPr lang="en-US" dirty="0" err="1">
+                <a:ea typeface="+mn-lt"/>
+                <a:cs typeface="+mn-lt"/>
+              </a:rPr>
+              <a:t>i</a:t>
+            </a:r>
+            <a:r>
+              <a:rPr lang="en-US" dirty="0">
+                <a:ea typeface="+mn-lt"/>
+                <a:cs typeface="+mn-lt"/>
+              </a:rPr>
+              <a:t>++) {</a:t>
+            </a:r>
+          </a:p>
+          <a:p>
+            <a:r>
+              <a:rPr lang="en-US" dirty="0">
+                <a:ea typeface="+mn-lt"/>
+                <a:cs typeface="+mn-lt"/>
+              </a:rPr>
+              <a:t>      for (let j = 1; j &lt;= num; </a:t>
+            </a:r>
+            <a:r>
+              <a:rPr lang="en-US" dirty="0" err="1">
+                <a:ea typeface="+mn-lt"/>
+                <a:cs typeface="+mn-lt"/>
+              </a:rPr>
+              <a:t>j++</a:t>
+            </a:r>
+            <a:r>
+              <a:rPr lang="en-US" dirty="0">
+                <a:ea typeface="+mn-lt"/>
+                <a:cs typeface="+mn-lt"/>
+              </a:rPr>
+              <a:t>) {</a:t>
+            </a:r>
+          </a:p>
+          <a:p>
+            <a:r>
+              <a:rPr lang="en-US" dirty="0">
+                <a:ea typeface="+mn-lt"/>
+                <a:cs typeface="+mn-lt"/>
+              </a:rPr>
+              <a:t>        result++;</a:t>
+            </a:r>
+          </a:p>
+          <a:p>
+            <a:r>
+              <a:rPr lang="en-US" dirty="0">
+                <a:ea typeface="+mn-lt"/>
+                <a:cs typeface="+mn-lt"/>
+              </a:rPr>
+              <a:t>      }</a:t>
+            </a:r>
+          </a:p>
+          <a:p>
+            <a:r>
+              <a:rPr lang="en-US" dirty="0">
+                <a:ea typeface="+mn-lt"/>
+                <a:cs typeface="+mn-lt"/>
+              </a:rPr>
+              <a:t>    }</a:t>
+            </a:r>
+          </a:p>
+          <a:p>
+            <a:r>
+              <a:rPr lang="en-US" dirty="0">
+                <a:ea typeface="+mn-lt"/>
+                <a:cs typeface="+mn-lt"/>
+              </a:rPr>
+              <a:t>    return result;</a:t>
+            </a:r>
+          </a:p>
+          <a:p>
+            <a:r>
+              <a:rPr lang="en-US" dirty="0">
+                <a:ea typeface="+mn-lt"/>
+                <a:cs typeface="+mn-lt"/>
+              </a:rPr>
+              <a:t>  }</a:t>
+            </a:r>
+          </a:p>
+          <a:p>
+            <a:pPr algn="l"/>
             <a:endParaRPr lang="en-US" dirty="0">
               <a:cs typeface="Calibri"/>
             </a:endParaRPr>
@@ -4676,7 +5603,7 @@
     </p:spTree>
     <p:extLst>
       <p:ext uri="{BB962C8B-B14F-4D97-AF65-F5344CB8AC3E}">
-        <p14:creationId xmlns:p14="http://schemas.microsoft.com/office/powerpoint/2010/main" val="400645750"/>
+        <p14:creationId xmlns:p14="http://schemas.microsoft.com/office/powerpoint/2010/main" val="3311505062"/>
       </p:ext>
     </p:extLst>
   </p:cSld>
@@ -4705,10 +5632,58 @@
       </p:grpSpPr>
       <p:sp>
         <p:nvSpPr>
+          <p:cNvPr id="2" name="Title 1">
+            <a:extLst>
+              <a:ext uri="{FF2B5EF4-FFF2-40B4-BE49-F238E27FC236}">
+                <a16:creationId xmlns:a16="http://schemas.microsoft.com/office/drawing/2014/main" id="{D0A0DB65-18A6-08D8-F1EC-4AA6985793F2}"/>
+              </a:ext>
+            </a:extLst>
+          </p:cNvPr>
+          <p:cNvSpPr>
+            <a:spLocks noGrp="1"/>
+          </p:cNvSpPr>
+          <p:nvPr>
+            <p:ph type="title"/>
+          </p:nvPr>
+        </p:nvSpPr>
+        <p:spPr>
+          <a:xfrm>
+            <a:off x="522249" y="184399"/>
+            <a:ext cx="11249721" cy="871182"/>
+          </a:xfrm>
+        </p:spPr>
+        <p:txBody>
+          <a:bodyPr/>
+          <a:lstStyle/>
+          <a:p>
+            <a:r>
+              <a:rPr lang="en-US" dirty="0">
+                <a:cs typeface="Calibri Light"/>
+              </a:rPr>
+              <a:t>Use Zone.js and </a:t>
+            </a:r>
+            <a:r>
+              <a:rPr lang="en-US" dirty="0" err="1">
+                <a:cs typeface="Calibri Light"/>
+              </a:rPr>
+              <a:t>ngZones</a:t>
+            </a:r>
+            <a:r>
+              <a:rPr lang="en-US" dirty="0">
+                <a:cs typeface="Calibri Light"/>
+              </a:rPr>
+              <a:t> for further optimization</a:t>
+            </a:r>
+            <a:endParaRPr lang="en-US" dirty="0" err="1"/>
+          </a:p>
+        </p:txBody>
+      </p:sp>
+      <p:sp>
+        <p:nvSpPr>
           <p:cNvPr id="3" name="Content Placeholder 2">
             <a:extLst>
               <a:ext uri="{FF2B5EF4-FFF2-40B4-BE49-F238E27FC236}">
-                <a16:creationId xmlns:a16="http://schemas.microsoft.com/office/drawing/2014/main" id="{BBCB7F48-1E5B-04F9-208B-F74C02DD9D47}"/>
+                <a16:creationId xmlns:a16="http://schemas.microsoft.com/office/drawing/2014/main" id="{221D2991-86FA-6017-1C13-B5E58FE19144}"/>
               </a:ext>
             </a:extLst>
           </p:cNvPr>
@@ -4721,13 +5696,13 @@
         </p:nvSpPr>
         <p:spPr>
           <a:xfrm>
-            <a:off x="838200" y="2206625"/>
-            <a:ext cx="10515600" cy="3970338"/>
+            <a:off x="838200" y="1317625"/>
+            <a:ext cx="10515600" cy="4859338"/>
           </a:xfrm>
         </p:spPr>
         <p:txBody>
           <a:bodyPr vert="horz" lIns="91440" tIns="45720" rIns="91440" bIns="45720" rtlCol="0" anchor="t">
-            <a:normAutofit/>
+            <a:normAutofit fontScale="70000" lnSpcReduction="20000"/>
           </a:bodyPr>
           <a:lstStyle/>
           <a:p>
@@ -4738,134 +5713,220 @@
               <a:rPr lang="en-US" dirty="0">
                 <a:ea typeface="+mn-lt"/>
                 <a:cs typeface="+mn-lt"/>
-              </a:rPr>
-              <a:t>constructor(private </a:t>
-            </a:r>
-            <a:r>
-              <a:rPr lang="en-US" dirty="0" err="1">
-                <a:ea typeface="+mn-lt"/>
-                <a:cs typeface="+mn-lt"/>
-              </a:rPr>
-              <a:t>ngZone</a:t>
-            </a:r>
-            <a:r>
-              <a:rPr lang="en-US" dirty="0">
-                <a:ea typeface="+mn-lt"/>
-                <a:cs typeface="+mn-lt"/>
-              </a:rPr>
-              <a:t>: </a:t>
-            </a:r>
-            <a:r>
-              <a:rPr lang="en-US" dirty="0">
-                <a:ea typeface="+mn-lt"/>
-                <a:cs typeface="+mn-lt"/>
                 <a:hlinkClick r:id="rId2"/>
               </a:rPr>
-              <a:t>NgZone</a:t>
-            </a:r>
-            <a:r>
-              <a:rPr lang="en-US" dirty="0">
-                <a:ea typeface="+mn-lt"/>
-                <a:cs typeface="+mn-lt"/>
-              </a:rPr>
-              <a:t>) {} </a:t>
-            </a:r>
-            <a:endParaRPr lang="en-US">
+              <a:t>https://angular.io/guide/change-detection-zone-pollution</a:t>
+            </a:r>
+            <a:endParaRPr lang="en-US" dirty="0">
               <a:ea typeface="+mn-lt"/>
               <a:cs typeface="+mn-lt"/>
             </a:endParaRPr>
           </a:p>
           <a:p>
-            <a:pPr marL="0" indent="0">
-              <a:buNone/>
-            </a:pPr>
+            <a:pPr>
+              <a:buNone/>
+            </a:pPr>
+            <a:r>
+              <a:rPr lang="en-US" dirty="0">
+                <a:ea typeface="+mn-lt"/>
+                <a:cs typeface="+mn-lt"/>
+                <a:hlinkClick r:id="rId3"/>
+              </a:rPr>
+              <a:t>https://angular.io/guide/zone</a:t>
+            </a:r>
+            <a:endParaRPr lang="en-US"/>
+          </a:p>
+          <a:p>
+            <a:endParaRPr lang="en-US" dirty="0">
+              <a:ea typeface="+mn-lt"/>
+              <a:cs typeface="+mn-lt"/>
+            </a:endParaRPr>
+          </a:p>
+          <a:p>
+            <a:r>
+              <a:rPr lang="en-US" b="1" dirty="0">
+                <a:ea typeface="+mn-lt"/>
+                <a:cs typeface="+mn-lt"/>
+              </a:rPr>
+              <a:t>Zone.js is an execution context that persist across async tasks and a signaling mechanism, that Angular uses to detect when an application state might have changed</a:t>
+            </a:r>
+            <a:r>
+              <a:rPr lang="en-US" dirty="0">
+                <a:ea typeface="+mn-lt"/>
+                <a:cs typeface="+mn-lt"/>
+              </a:rPr>
+              <a:t>. It captures asynchronous operations like </a:t>
+            </a:r>
             <a:r>
               <a:rPr lang="en-US" dirty="0" err="1">
-                <a:ea typeface="+mn-lt"/>
-                <a:cs typeface="+mn-lt"/>
-              </a:rPr>
-              <a:t>ngOnInit</a:t>
-            </a:r>
-            <a:r>
-              <a:rPr lang="en-US" dirty="0">
-                <a:ea typeface="+mn-lt"/>
-                <a:cs typeface="+mn-lt"/>
-              </a:rPr>
-              <a:t>() { </a:t>
-            </a:r>
-          </a:p>
-          <a:p>
-            <a:pPr marL="0" indent="0">
-              <a:buNone/>
-            </a:pPr>
-            <a:r>
-              <a:rPr lang="en-US" dirty="0">
-                <a:ea typeface="+mn-lt"/>
-                <a:cs typeface="+mn-lt"/>
-              </a:rPr>
-              <a:t>    </a:t>
-            </a:r>
-            <a:r>
-              <a:rPr lang="en-US" dirty="0" err="1">
-                <a:ea typeface="+mn-lt"/>
-                <a:cs typeface="+mn-lt"/>
-              </a:rPr>
-              <a:t>this.ngZone.runOutsideAngular</a:t>
-            </a:r>
-            <a:r>
-              <a:rPr lang="en-US" dirty="0">
-                <a:ea typeface="+mn-lt"/>
-                <a:cs typeface="+mn-lt"/>
-              </a:rPr>
-              <a:t>(() =&gt; { </a:t>
-            </a:r>
-          </a:p>
-          <a:p>
-            <a:pPr marL="0" indent="0">
-              <a:buNone/>
-            </a:pPr>
-            <a:r>
-              <a:rPr lang="en-US" dirty="0">
-                <a:ea typeface="+mn-lt"/>
-                <a:cs typeface="+mn-lt"/>
-              </a:rPr>
-              <a:t>        // this code will not trigger change detection</a:t>
-            </a:r>
-          </a:p>
-          <a:p>
-            <a:pPr marL="0" indent="0">
-              <a:buNone/>
-            </a:pPr>
-            <a:r>
-              <a:rPr lang="en-US" dirty="0">
-                <a:ea typeface="+mn-lt"/>
-                <a:cs typeface="+mn-lt"/>
-              </a:rPr>
-              <a:t>    });</a:t>
-            </a:r>
-            <a:endParaRPr lang="en-US" dirty="0"/>
-          </a:p>
-          <a:p>
-            <a:pPr marL="0" indent="0">
-              <a:buNone/>
-            </a:pPr>
-            <a:r>
-              <a:rPr lang="en-US" dirty="0">
-                <a:ea typeface="+mn-lt"/>
-                <a:cs typeface="+mn-lt"/>
-              </a:rPr>
-              <a:t>}</a:t>
+                <a:latin typeface="Consolas"/>
+              </a:rPr>
+              <a:t>setTimeout</a:t>
+            </a:r>
+            <a:r>
+              <a:rPr lang="en-US" dirty="0">
+                <a:ea typeface="+mn-lt"/>
+                <a:cs typeface="+mn-lt"/>
+              </a:rPr>
+              <a:t>, network requests, and event listeners. Angular schedules change detection based on signals from Zone.js</a:t>
             </a:r>
             <a:endParaRPr lang="en-US" dirty="0">
               <a:cs typeface="Calibri" panose="020F0502020204030204"/>
             </a:endParaRPr>
           </a:p>
+          <a:p>
+            <a:endParaRPr lang="en-US" dirty="0">
+              <a:ea typeface="+mn-lt"/>
+              <a:cs typeface="+mn-lt"/>
+            </a:endParaRPr>
+          </a:p>
+          <a:p>
+            <a:r>
+              <a:rPr lang="en-US" dirty="0">
+                <a:ea typeface="+mn-lt"/>
+                <a:cs typeface="+mn-lt"/>
+              </a:rPr>
+              <a:t>A Zone is an execution context that persists across async tasks</a:t>
+            </a:r>
+          </a:p>
+          <a:p>
+            <a:pPr marL="0" indent="0">
+              <a:buNone/>
+            </a:pPr>
+            <a:r>
+              <a:rPr lang="en-US" dirty="0">
+                <a:ea typeface="+mn-lt"/>
+                <a:cs typeface="+mn-lt"/>
+                <a:hlinkClick r:id="rId4"/>
+              </a:rPr>
+              <a:t>https://www.w3schools.com/js/js_this.asp</a:t>
+            </a:r>
+            <a:endParaRPr lang="en-US" dirty="0">
+              <a:ea typeface="+mn-lt"/>
+              <a:cs typeface="+mn-lt"/>
+            </a:endParaRPr>
+          </a:p>
+          <a:p>
+            <a:pPr marL="0" indent="0">
+              <a:buNone/>
+            </a:pPr>
+            <a:r>
+              <a:rPr lang="en-US" dirty="0">
+                <a:ea typeface="+mn-lt"/>
+                <a:cs typeface="+mn-lt"/>
+                <a:hlinkClick r:id="" action="ppaction://noaction"/>
+              </a:rPr>
+              <a:t>https://www.youtube.com/watch?v=3IqtmUscE_U&amp;t=150s&amp;ab_channel=ng-conf</a:t>
+            </a:r>
+          </a:p>
+          <a:p>
+            <a:endParaRPr lang="en-US" dirty="0">
+              <a:ea typeface="+mn-lt"/>
+              <a:cs typeface="+mn-lt"/>
+            </a:endParaRPr>
+          </a:p>
+          <a:p>
+            <a:r>
+              <a:rPr lang="en-US" dirty="0">
+                <a:ea typeface="+mn-lt"/>
+                <a:cs typeface="+mn-lt"/>
+              </a:rPr>
+              <a:t>There are cases in which scheduled </a:t>
+            </a:r>
+            <a:r>
+              <a:rPr lang="en-US" dirty="0">
+                <a:ea typeface="+mn-lt"/>
+                <a:cs typeface="+mn-lt"/>
+                <a:hlinkClick r:id="rId5"/>
+              </a:rPr>
+              <a:t>tasks</a:t>
+            </a:r>
+            <a:r>
+              <a:rPr lang="en-US" dirty="0">
+                <a:ea typeface="+mn-lt"/>
+                <a:cs typeface="+mn-lt"/>
+              </a:rPr>
+              <a:t> or </a:t>
+            </a:r>
+            <a:r>
+              <a:rPr lang="en-US" dirty="0">
+                <a:ea typeface="+mn-lt"/>
+                <a:cs typeface="+mn-lt"/>
+                <a:hlinkClick r:id="rId6"/>
+              </a:rPr>
+              <a:t>microtasks</a:t>
+            </a:r>
+            <a:r>
+              <a:rPr lang="en-US" dirty="0">
+                <a:ea typeface="+mn-lt"/>
+                <a:cs typeface="+mn-lt"/>
+              </a:rPr>
+              <a:t> don’t make any changes in the data model, which makes running change detection unnecessary. Common examples are:</a:t>
+            </a:r>
+            <a:endParaRPr lang="en-US" dirty="0"/>
+          </a:p>
+          <a:p>
+            <a:pPr lvl="1"/>
+            <a:r>
+              <a:rPr lang="en-US" dirty="0" err="1">
+                <a:latin typeface="Consolas"/>
+              </a:rPr>
+              <a:t>requestAnimationFrame</a:t>
+            </a:r>
+            <a:r>
+              <a:rPr lang="en-US" dirty="0">
+                <a:ea typeface="+mn-lt"/>
+                <a:cs typeface="+mn-lt"/>
+              </a:rPr>
+              <a:t>, </a:t>
+            </a:r>
+            <a:r>
+              <a:rPr lang="en-US" dirty="0" err="1">
+                <a:latin typeface="Consolas"/>
+              </a:rPr>
+              <a:t>setTimeout</a:t>
+            </a:r>
+            <a:r>
+              <a:rPr lang="en-US" dirty="0">
+                <a:ea typeface="+mn-lt"/>
+                <a:cs typeface="+mn-lt"/>
+              </a:rPr>
+              <a:t> or </a:t>
+            </a:r>
+            <a:r>
+              <a:rPr lang="en-US" dirty="0" err="1">
+                <a:latin typeface="Consolas"/>
+              </a:rPr>
+              <a:t>setInterval</a:t>
+            </a:r>
+            <a:endParaRPr lang="en-US">
+              <a:cs typeface="Calibri"/>
+            </a:endParaRPr>
+          </a:p>
+          <a:p>
+            <a:pPr lvl="1"/>
+            <a:r>
+              <a:rPr lang="en-US" dirty="0">
+                <a:ea typeface="+mn-lt"/>
+                <a:cs typeface="+mn-lt"/>
+              </a:rPr>
+              <a:t>Task or microtask scheduling by third-party libraries</a:t>
+            </a:r>
+            <a:endParaRPr lang="en-US">
+              <a:cs typeface="Calibri"/>
+            </a:endParaRPr>
+          </a:p>
+          <a:p>
+            <a:endParaRPr lang="en-US" dirty="0">
+              <a:cs typeface="Calibri"/>
+            </a:endParaRPr>
+          </a:p>
         </p:txBody>
       </p:sp>
     </p:spTree>
     <p:extLst>
       <p:ext uri="{BB962C8B-B14F-4D97-AF65-F5344CB8AC3E}">
-        <p14:creationId xmlns:p14="http://schemas.microsoft.com/office/powerpoint/2010/main" val="73758238"/>
+        <p14:creationId xmlns:p14="http://schemas.microsoft.com/office/powerpoint/2010/main" val="400645750"/>
       </p:ext>
     </p:extLst>
   </p:cSld>
@@ -4894,10 +5955,10 @@
       </p:grpSpPr>
       <p:sp>
         <p:nvSpPr>
-          <p:cNvPr id="2" name="Title 1">
+          <p:cNvPr id="3" name="Content Placeholder 2">
             <a:extLst>
               <a:ext uri="{FF2B5EF4-FFF2-40B4-BE49-F238E27FC236}">
-                <a16:creationId xmlns:a16="http://schemas.microsoft.com/office/drawing/2014/main" id="{54B791C0-808C-62A9-93E2-4B11CBBEA7EE}"/>
+                <a16:creationId xmlns:a16="http://schemas.microsoft.com/office/drawing/2014/main" id="{BBCB7F48-1E5B-04F9-208B-F74C02DD9D47}"/>
               </a:ext>
             </a:extLst>
           </p:cNvPr>
@@ -4905,139 +5966,156 @@
             <a:spLocks noGrp="1"/>
           </p:cNvSpPr>
           <p:nvPr>
-            <p:ph type="title"/>
-          </p:nvPr>
-        </p:nvSpPr>
-        <p:spPr/>
-        <p:txBody>
-          <a:bodyPr/>
-          <a:lstStyle/>
-          <a:p>
-            <a:r>
-              <a:rPr lang="en-US" dirty="0">
-                <a:ea typeface="+mj-lt"/>
-                <a:cs typeface="+mj-lt"/>
-              </a:rPr>
-              <a:t>Skipping component subtrees</a:t>
-            </a:r>
-          </a:p>
-        </p:txBody>
-      </p:sp>
-      <p:sp>
-        <p:nvSpPr>
-          <p:cNvPr id="3" name="Content Placeholder 2">
-            <a:extLst>
-              <a:ext uri="{FF2B5EF4-FFF2-40B4-BE49-F238E27FC236}">
-                <a16:creationId xmlns:a16="http://schemas.microsoft.com/office/drawing/2014/main" id="{46656DC3-9F6F-6B6B-35D8-2C5F89A9DC37}"/>
-              </a:ext>
-            </a:extLst>
-          </p:cNvPr>
-          <p:cNvSpPr>
-            <a:spLocks noGrp="1"/>
-          </p:cNvSpPr>
-          <p:nvPr>
             <p:ph idx="1"/>
           </p:nvPr>
         </p:nvSpPr>
-        <p:spPr/>
+        <p:spPr>
+          <a:xfrm>
+            <a:off x="838200" y="2206625"/>
+            <a:ext cx="10515600" cy="3970338"/>
+          </a:xfrm>
+        </p:spPr>
         <p:txBody>
           <a:bodyPr vert="horz" lIns="91440" tIns="45720" rIns="91440" bIns="45720" rtlCol="0" anchor="t">
-            <a:normAutofit fontScale="92500" lnSpcReduction="10000"/>
+            <a:normAutofit/>
           </a:bodyPr>
           <a:lstStyle/>
           <a:p>
-            <a:r>
-              <a:rPr lang="en-US" b="1" dirty="0">
-                <a:ea typeface="+mn-lt"/>
-                <a:cs typeface="+mn-lt"/>
-              </a:rPr>
-              <a:t>JavaScript, by default, uses mutable data structures</a:t>
-            </a:r>
-            <a:r>
-              <a:rPr lang="en-US" dirty="0">
-                <a:ea typeface="+mn-lt"/>
-                <a:cs typeface="+mn-lt"/>
-              </a:rPr>
-              <a:t> that you can reference from multiple different components. </a:t>
-            </a:r>
-            <a:r>
-              <a:rPr lang="en-US" b="1" dirty="0">
-                <a:ea typeface="+mn-lt"/>
-                <a:cs typeface="+mn-lt"/>
-              </a:rPr>
-              <a:t>Angular runs change detection over your entire component tree</a:t>
-            </a:r>
-            <a:r>
-              <a:rPr lang="en-US" dirty="0">
-                <a:ea typeface="+mn-lt"/>
-                <a:cs typeface="+mn-lt"/>
-              </a:rPr>
-              <a:t> to make sure that the most up-to-date state of your data structures is reflected in the DOM.</a:t>
+            <a:pPr marL="0" indent="0">
+              <a:buNone/>
+            </a:pPr>
+            <a:r>
+              <a:rPr lang="en-US" dirty="0">
+                <a:ea typeface="+mn-lt"/>
+                <a:cs typeface="+mn-lt"/>
+              </a:rPr>
+              <a:t>constructor(private </a:t>
+            </a:r>
+            <a:r>
+              <a:rPr lang="en-US" dirty="0" err="1">
+                <a:ea typeface="+mn-lt"/>
+                <a:cs typeface="+mn-lt"/>
+              </a:rPr>
+              <a:t>ngZone</a:t>
+            </a:r>
+            <a:r>
+              <a:rPr lang="en-US" dirty="0">
+                <a:ea typeface="+mn-lt"/>
+                <a:cs typeface="+mn-lt"/>
+              </a:rPr>
+              <a:t>: </a:t>
+            </a:r>
+            <a:r>
+              <a:rPr lang="en-US" dirty="0">
+                <a:ea typeface="+mn-lt"/>
+                <a:cs typeface="+mn-lt"/>
+                <a:hlinkClick r:id="rId2"/>
+              </a:rPr>
+              <a:t>NgZone</a:t>
+            </a:r>
+            <a:r>
+              <a:rPr lang="en-US" dirty="0">
+                <a:ea typeface="+mn-lt"/>
+                <a:cs typeface="+mn-lt"/>
+              </a:rPr>
+              <a:t>) {} </a:t>
+            </a:r>
+            <a:endParaRPr lang="en-US">
+              <a:ea typeface="+mn-lt"/>
+              <a:cs typeface="+mn-lt"/>
+            </a:endParaRPr>
+          </a:p>
+          <a:p>
+            <a:pPr marL="0" indent="0">
+              <a:buNone/>
+            </a:pPr>
+            <a:r>
+              <a:rPr lang="en-US" dirty="0" err="1">
+                <a:ea typeface="+mn-lt"/>
+                <a:cs typeface="+mn-lt"/>
+              </a:rPr>
+              <a:t>ngOnInit</a:t>
+            </a:r>
+            <a:r>
+              <a:rPr lang="en-US" dirty="0">
+                <a:ea typeface="+mn-lt"/>
+                <a:cs typeface="+mn-lt"/>
+              </a:rPr>
+              <a:t>() { </a:t>
+            </a:r>
+          </a:p>
+          <a:p>
+            <a:pPr marL="0" indent="0">
+              <a:buNone/>
+            </a:pPr>
+            <a:r>
+              <a:rPr lang="en-US" dirty="0">
+                <a:ea typeface="+mn-lt"/>
+                <a:cs typeface="+mn-lt"/>
+              </a:rPr>
+              <a:t>    </a:t>
+            </a:r>
+            <a:r>
+              <a:rPr lang="en-US" dirty="0" err="1">
+                <a:ea typeface="+mn-lt"/>
+                <a:cs typeface="+mn-lt"/>
+              </a:rPr>
+              <a:t>this.ngZone.runOutsideAngular</a:t>
+            </a:r>
+            <a:r>
+              <a:rPr lang="en-US" dirty="0">
+                <a:ea typeface="+mn-lt"/>
+                <a:cs typeface="+mn-lt"/>
+              </a:rPr>
+              <a:t>(() =&gt; { </a:t>
+            </a:r>
+          </a:p>
+          <a:p>
+            <a:pPr marL="0" indent="0">
+              <a:buNone/>
+            </a:pPr>
+            <a:r>
+              <a:rPr lang="en-US" dirty="0">
+                <a:ea typeface="+mn-lt"/>
+                <a:cs typeface="+mn-lt"/>
+              </a:rPr>
+              <a:t>        // this code will not trigger change detection</a:t>
+            </a:r>
+          </a:p>
+          <a:p>
+            <a:pPr marL="0" indent="0">
+              <a:buNone/>
+            </a:pPr>
+            <a:r>
+              <a:rPr lang="en-US" dirty="0">
+                <a:ea typeface="+mn-lt"/>
+                <a:cs typeface="+mn-lt"/>
+              </a:rPr>
+              <a:t>    });</a:t>
+            </a:r>
+            <a:endParaRPr lang="en-US" dirty="0"/>
+          </a:p>
+          <a:p>
+            <a:pPr marL="0" indent="0">
+              <a:buNone/>
+            </a:pPr>
+            <a:r>
+              <a:rPr lang="en-US" dirty="0">
+                <a:ea typeface="+mn-lt"/>
+                <a:cs typeface="+mn-lt"/>
+              </a:rPr>
+              <a:t>}</a:t>
             </a:r>
             <a:endParaRPr lang="en-US" dirty="0">
               <a:cs typeface="Calibri" panose="020F0502020204030204"/>
             </a:endParaRPr>
           </a:p>
-          <a:p>
-            <a:r>
-              <a:rPr lang="en-US" dirty="0">
-                <a:ea typeface="+mn-lt"/>
-                <a:cs typeface="+mn-lt"/>
-              </a:rPr>
-              <a:t>Change detection is sufficiently fast for most applications. However, </a:t>
-            </a:r>
-            <a:r>
-              <a:rPr lang="en-US" b="1" dirty="0">
-                <a:ea typeface="+mn-lt"/>
-                <a:cs typeface="+mn-lt"/>
-              </a:rPr>
-              <a:t>when an application has an especially large component tree, running change detection across the whole application can cause performance issues</a:t>
-            </a:r>
-            <a:r>
-              <a:rPr lang="en-US" dirty="0">
-                <a:ea typeface="+mn-lt"/>
-                <a:cs typeface="+mn-lt"/>
-              </a:rPr>
-              <a:t>. You can address this by configuring change detection to only run on a subset of the component tree.</a:t>
-            </a:r>
-            <a:endParaRPr lang="en-US" dirty="0"/>
-          </a:p>
-          <a:p>
-            <a:r>
-              <a:rPr lang="en-US" dirty="0">
-                <a:ea typeface="+mn-lt"/>
-                <a:cs typeface="+mn-lt"/>
-              </a:rPr>
-              <a:t>If you are confident that a part of the application is not affected by a state change, you can use </a:t>
-            </a:r>
-            <a:r>
-              <a:rPr lang="en-US" dirty="0">
-                <a:ea typeface="+mn-lt"/>
-                <a:cs typeface="+mn-lt"/>
-                <a:hlinkClick r:id="rId2"/>
-              </a:rPr>
-              <a:t>OnPush</a:t>
-            </a:r>
-            <a:r>
-              <a:rPr lang="en-US" dirty="0">
-                <a:ea typeface="+mn-lt"/>
-                <a:cs typeface="+mn-lt"/>
-              </a:rPr>
-              <a:t> to skip change detection in an entire component subtree.</a:t>
-            </a:r>
-            <a:endParaRPr lang="en-US" dirty="0"/>
-          </a:p>
-          <a:p>
-            <a:endParaRPr lang="en-US" dirty="0">
-              <a:cs typeface="Calibri"/>
-            </a:endParaRPr>
-          </a:p>
         </p:txBody>
       </p:sp>
     </p:spTree>
     <p:extLst>
       <p:ext uri="{BB962C8B-B14F-4D97-AF65-F5344CB8AC3E}">
-        <p14:creationId xmlns:p14="http://schemas.microsoft.com/office/powerpoint/2010/main" val="4076163359"/>
+        <p14:creationId xmlns:p14="http://schemas.microsoft.com/office/powerpoint/2010/main" val="73758238"/>
       </p:ext>
     </p:extLst>
   </p:cSld>
@@ -5069,7 +6147,7 @@
           <p:cNvPr id="2" name="Title 1">
             <a:extLst>
               <a:ext uri="{FF2B5EF4-FFF2-40B4-BE49-F238E27FC236}">
-                <a16:creationId xmlns:a16="http://schemas.microsoft.com/office/drawing/2014/main" id="{CCD7E9F9-3781-B487-B7DA-568998792D50}"/>
+                <a16:creationId xmlns:a16="http://schemas.microsoft.com/office/drawing/2014/main" id="{54B791C0-808C-62A9-93E2-4B11CBBEA7EE}"/>
               </a:ext>
             </a:extLst>
           </p:cNvPr>
@@ -5085,26 +6163,13 @@
           <a:bodyPr/>
           <a:lstStyle/>
           <a:p>
-            <a:pPr>
-              <a:spcBef>
-                <a:spcPts val="1000"/>
-              </a:spcBef>
-            </a:pPr>
             <a:r>
               <a:rPr lang="en-US" dirty="0">
                 <a:ea typeface="+mj-lt"/>
                 <a:cs typeface="+mj-lt"/>
               </a:rPr>
-              <a:t>Using </a:t>
-            </a:r>
-            <a:r>
-              <a:rPr lang="en-US" dirty="0" err="1">
-                <a:ea typeface="+mj-lt"/>
-                <a:cs typeface="+mj-lt"/>
-              </a:rPr>
-              <a:t>OnPush</a:t>
-            </a:r>
-            <a:endParaRPr lang="en-US" dirty="0" err="1"/>
+              <a:t>Skipping component subtrees</a:t>
+            </a:r>
           </a:p>
         </p:txBody>
       </p:sp>
@@ -5113,7 +6178,7 @@
           <p:cNvPr id="3" name="Content Placeholder 2">
             <a:extLst>
               <a:ext uri="{FF2B5EF4-FFF2-40B4-BE49-F238E27FC236}">
-                <a16:creationId xmlns:a16="http://schemas.microsoft.com/office/drawing/2014/main" id="{BEB4F879-821B-E0F8-D1ED-B6408C92A230}"/>
+                <a16:creationId xmlns:a16="http://schemas.microsoft.com/office/drawing/2014/main" id="{46656DC3-9F6F-6B6B-35D8-2C5F89A9DC37}"/>
               </a:ext>
             </a:extLst>
           </p:cNvPr>
@@ -5127,168 +6192,88 @@
         <p:spPr/>
         <p:txBody>
           <a:bodyPr vert="horz" lIns="91440" tIns="45720" rIns="91440" bIns="45720" rtlCol="0" anchor="t">
-            <a:normAutofit/>
+            <a:normAutofit fontScale="92500" lnSpcReduction="10000"/>
           </a:bodyPr>
           <a:lstStyle/>
           <a:p>
             <a:r>
-              <a:rPr lang="en-US" b="1" dirty="0" err="1">
-                <a:ea typeface="+mn-lt"/>
-                <a:cs typeface="+mn-lt"/>
+              <a:rPr lang="en-US" b="1" dirty="0">
+                <a:ea typeface="+mn-lt"/>
+                <a:cs typeface="+mn-lt"/>
+              </a:rPr>
+              <a:t>JavaScript, by default, uses mutable data structures</a:t>
+            </a:r>
+            <a:r>
+              <a:rPr lang="en-US" dirty="0">
+                <a:ea typeface="+mn-lt"/>
+                <a:cs typeface="+mn-lt"/>
+              </a:rPr>
+              <a:t> that you can reference from multiple different components. </a:t>
+            </a:r>
+            <a:r>
+              <a:rPr lang="en-US" b="1" dirty="0">
+                <a:ea typeface="+mn-lt"/>
+                <a:cs typeface="+mn-lt"/>
+              </a:rPr>
+              <a:t>Angular runs change detection over your entire component tree</a:t>
+            </a:r>
+            <a:r>
+              <a:rPr lang="en-US" dirty="0">
+                <a:ea typeface="+mn-lt"/>
+                <a:cs typeface="+mn-lt"/>
+              </a:rPr>
+              <a:t> to make sure that the most up-to-date state of your data structures is reflected in the DOM.</a:t>
+            </a:r>
+            <a:endParaRPr lang="en-US" dirty="0">
+              <a:cs typeface="Calibri" panose="020F0502020204030204"/>
+            </a:endParaRPr>
+          </a:p>
+          <a:p>
+            <a:r>
+              <a:rPr lang="en-US" dirty="0">
+                <a:ea typeface="+mn-lt"/>
+                <a:cs typeface="+mn-lt"/>
+              </a:rPr>
+              <a:t>Change detection is sufficiently fast for most applications. However, </a:t>
+            </a:r>
+            <a:r>
+              <a:rPr lang="en-US" b="1" dirty="0">
+                <a:ea typeface="+mn-lt"/>
+                <a:cs typeface="+mn-lt"/>
+              </a:rPr>
+              <a:t>when an application has an especially large component tree, running change detection across the whole application can cause performance issues</a:t>
+            </a:r>
+            <a:r>
+              <a:rPr lang="en-US" dirty="0">
+                <a:ea typeface="+mn-lt"/>
+                <a:cs typeface="+mn-lt"/>
+              </a:rPr>
+              <a:t>. You can address this by configuring change detection to only run on a subset of the component tree.</a:t>
+            </a:r>
+            <a:endParaRPr lang="en-US" dirty="0"/>
+          </a:p>
+          <a:p>
+            <a:r>
+              <a:rPr lang="en-US" dirty="0">
+                <a:ea typeface="+mn-lt"/>
+                <a:cs typeface="+mn-lt"/>
+              </a:rPr>
+              <a:t>If you are confident that a part of the application is not affected by a state change, you can use </a:t>
+            </a:r>
+            <a:r>
+              <a:rPr lang="en-US" dirty="0">
+                <a:ea typeface="+mn-lt"/>
+                <a:cs typeface="+mn-lt"/>
+                <a:hlinkClick r:id="rId2"/>
               </a:rPr>
               <a:t>OnPush</a:t>
             </a:r>
             <a:r>
-              <a:rPr lang="en-US" b="1" dirty="0">
-                <a:ea typeface="+mn-lt"/>
-                <a:cs typeface="+mn-lt"/>
-              </a:rPr>
-              <a:t> change detection instructs Angular to run change detection for a component subtree only</a:t>
-            </a:r>
-            <a:r>
-              <a:rPr lang="en-US" dirty="0">
-                <a:ea typeface="+mn-lt"/>
-                <a:cs typeface="+mn-lt"/>
-              </a:rPr>
-              <a:t> when:</a:t>
-            </a:r>
-            <a:endParaRPr lang="en-US" dirty="0"/>
-          </a:p>
-          <a:p>
-            <a:r>
-              <a:rPr lang="en-US" dirty="0">
-                <a:ea typeface="+mn-lt"/>
-                <a:cs typeface="+mn-lt"/>
-              </a:rPr>
-              <a:t>The root component of the subtree receives new inputs as the result of a template binding. Angular compares the current and past value of the input with </a:t>
-            </a:r>
-            <a:r>
-              <a:rPr lang="en-US" dirty="0">
-                <a:latin typeface="Consolas"/>
-              </a:rPr>
-              <a:t>==</a:t>
-            </a:r>
-            <a:endParaRPr lang="en-US" dirty="0"/>
-          </a:p>
-          <a:p>
-            <a:r>
-              <a:rPr lang="en-US" b="1" dirty="0">
-                <a:ea typeface="+mn-lt"/>
-                <a:cs typeface="+mn-lt"/>
-              </a:rPr>
-              <a:t>Angular handles an event</a:t>
-            </a:r>
-            <a:r>
-              <a:rPr lang="en-US" dirty="0">
-                <a:ea typeface="+mn-lt"/>
-                <a:cs typeface="+mn-lt"/>
-              </a:rPr>
-              <a:t> </a:t>
-            </a:r>
-            <a:r>
-              <a:rPr lang="en-US" i="1" dirty="0">
-                <a:ea typeface="+mn-lt"/>
-                <a:cs typeface="+mn-lt"/>
-              </a:rPr>
-              <a:t>(e.g. using event binding, output binding, or </a:t>
-            </a:r>
-            <a:r>
-              <a:rPr lang="en-US" i="1" dirty="0">
-                <a:latin typeface="Consolas"/>
-              </a:rPr>
-              <a:t>@</a:t>
-            </a:r>
-            <a:r>
-              <a:rPr lang="en-US" i="1" dirty="0">
-                <a:latin typeface="Consolas"/>
-                <a:hlinkClick r:id="rId2"/>
-              </a:rPr>
-              <a:t>HostListener</a:t>
-            </a:r>
-            <a:r>
-              <a:rPr lang="en-US" i="1" dirty="0">
-                <a:ea typeface="+mn-lt"/>
-                <a:cs typeface="+mn-lt"/>
-              </a:rPr>
-              <a:t>)</a:t>
-            </a:r>
-            <a:r>
-              <a:rPr lang="en-US" dirty="0">
-                <a:ea typeface="+mn-lt"/>
-                <a:cs typeface="+mn-lt"/>
-              </a:rPr>
-              <a:t> in the subtree's root component or any of its children </a:t>
-            </a:r>
-            <a:r>
-              <a:rPr lang="en-US" b="1" dirty="0">
-                <a:ea typeface="+mn-lt"/>
-                <a:cs typeface="+mn-lt"/>
-              </a:rPr>
-              <a:t>whether they are using </a:t>
-            </a:r>
-            <a:r>
-              <a:rPr lang="en-US" b="1" dirty="0" err="1">
-                <a:ea typeface="+mn-lt"/>
-                <a:cs typeface="+mn-lt"/>
-              </a:rPr>
-              <a:t>OnPush</a:t>
-            </a:r>
-            <a:r>
-              <a:rPr lang="en-US" b="1" dirty="0">
-                <a:ea typeface="+mn-lt"/>
-                <a:cs typeface="+mn-lt"/>
-              </a:rPr>
-              <a:t> change detection or not</a:t>
-            </a:r>
-            <a:r>
-              <a:rPr lang="en-US" dirty="0">
-                <a:ea typeface="+mn-lt"/>
-                <a:cs typeface="+mn-lt"/>
-              </a:rPr>
-              <a:t>.</a:t>
-            </a:r>
-            <a:endParaRPr lang="en-US" dirty="0"/>
-          </a:p>
-          <a:p>
-            <a:r>
-              <a:rPr lang="en-US" dirty="0">
-                <a:ea typeface="+mn-lt"/>
-                <a:cs typeface="+mn-lt"/>
-              </a:rPr>
-              <a:t>You can set the change detection strategy of a component to </a:t>
-            </a:r>
-            <a:r>
-              <a:rPr lang="en-US" dirty="0" err="1">
-                <a:latin typeface="Consolas"/>
-              </a:rPr>
-              <a:t>OnPush</a:t>
-            </a:r>
-            <a:r>
-              <a:rPr lang="en-US" dirty="0">
-                <a:ea typeface="+mn-lt"/>
-                <a:cs typeface="+mn-lt"/>
-              </a:rPr>
-              <a:t> in the </a:t>
-            </a:r>
-            <a:r>
-              <a:rPr lang="en-US" dirty="0">
-                <a:latin typeface="Consolas"/>
-              </a:rPr>
-              <a:t>@</a:t>
-            </a:r>
-            <a:r>
-              <a:rPr lang="en-US" dirty="0">
-                <a:latin typeface="Consolas"/>
-                <a:hlinkClick r:id="rId3"/>
-              </a:rPr>
-              <a:t>Component</a:t>
-            </a:r>
-            <a:r>
-              <a:rPr lang="en-US" dirty="0">
-                <a:ea typeface="+mn-lt"/>
-                <a:cs typeface="+mn-lt"/>
-              </a:rPr>
-              <a:t> decorator</a:t>
+              <a:rPr lang="en-US" dirty="0">
+                <a:ea typeface="+mn-lt"/>
+                <a:cs typeface="+mn-lt"/>
+              </a:rPr>
+              <a:t> to skip change detection in an entire component subtree.</a:t>
             </a:r>
             <a:endParaRPr lang="en-US" dirty="0"/>
           </a:p>
@@ -5302,7 +6287,7 @@
     </p:spTree>
     <p:extLst>
       <p:ext uri="{BB962C8B-B14F-4D97-AF65-F5344CB8AC3E}">
-        <p14:creationId xmlns:p14="http://schemas.microsoft.com/office/powerpoint/2010/main" val="3061385311"/>
+        <p14:creationId xmlns:p14="http://schemas.microsoft.com/office/powerpoint/2010/main" val="4076163359"/>
       </p:ext>
     </p:extLst>
   </p:cSld>
@@ -5334,7 +6319,7 @@
           <p:cNvPr id="2" name="Title 1">
             <a:extLst>
               <a:ext uri="{FF2B5EF4-FFF2-40B4-BE49-F238E27FC236}">
-                <a16:creationId xmlns:a16="http://schemas.microsoft.com/office/drawing/2014/main" id="{C60ADC62-D9B5-0E32-7567-ECF0C2B7B164}"/>
+                <a16:creationId xmlns:a16="http://schemas.microsoft.com/office/drawing/2014/main" id="{CCD7E9F9-3781-B487-B7DA-568998792D50}"/>
               </a:ext>
             </a:extLst>
           </p:cNvPr>
@@ -5350,13 +6335,26 @@
           <a:bodyPr/>
           <a:lstStyle/>
           <a:p>
-            <a:r>
-              <a:rPr lang="en-US" dirty="0">
-                <a:cs typeface="Calibri Light"/>
-              </a:rPr>
-              <a:t>Demo App</a:t>
-            </a:r>
-            <a:endParaRPr lang="en-US" dirty="0"/>
+            <a:pPr>
+              <a:spcBef>
+                <a:spcPts val="1000"/>
+              </a:spcBef>
+            </a:pPr>
+            <a:r>
+              <a:rPr lang="en-US" dirty="0">
+                <a:ea typeface="+mj-lt"/>
+                <a:cs typeface="+mj-lt"/>
+              </a:rPr>
+              <a:t>Using </a:t>
+            </a:r>
+            <a:r>
+              <a:rPr lang="en-US" dirty="0" err="1">
+                <a:ea typeface="+mj-lt"/>
+                <a:cs typeface="+mj-lt"/>
+              </a:rPr>
+              <a:t>OnPush</a:t>
+            </a:r>
+            <a:endParaRPr lang="en-US" dirty="0" err="1"/>
           </a:p>
         </p:txBody>
       </p:sp>
@@ -5365,7 +6363,7 @@
           <p:cNvPr id="3" name="Content Placeholder 2">
             <a:extLst>
               <a:ext uri="{FF2B5EF4-FFF2-40B4-BE49-F238E27FC236}">
-                <a16:creationId xmlns:a16="http://schemas.microsoft.com/office/drawing/2014/main" id="{C771034E-ED1D-0B70-98BD-A9516372ADCA}"/>
+                <a16:creationId xmlns:a16="http://schemas.microsoft.com/office/drawing/2014/main" id="{BEB4F879-821B-E0F8-D1ED-B6408C92A230}"/>
               </a:ext>
             </a:extLst>
           </p:cNvPr>
@@ -5384,16 +6382,165 @@
           <a:lstStyle/>
           <a:p>
             <a:r>
-              <a:rPr lang="en-US" dirty="0">
-                <a:ea typeface="+mn-lt"/>
-                <a:cs typeface="+mn-lt"/>
+              <a:rPr lang="en-US" b="1" dirty="0" err="1">
+                <a:ea typeface="+mn-lt"/>
+                <a:cs typeface="+mn-lt"/>
+              </a:rPr>
+              <a:t>OnPush</a:t>
+            </a:r>
+            <a:r>
+              <a:rPr lang="en-US" b="1" dirty="0">
+                <a:ea typeface="+mn-lt"/>
+                <a:cs typeface="+mn-lt"/>
+              </a:rPr>
+              <a:t> change detection instructs Angular to run change detection for a component subtree only</a:t>
+            </a:r>
+            <a:r>
+              <a:rPr lang="en-US" dirty="0">
+                <a:ea typeface="+mn-lt"/>
+                <a:cs typeface="+mn-lt"/>
+              </a:rPr>
+              <a:t> when:</a:t>
+            </a:r>
+            <a:endParaRPr lang="en-US" dirty="0"/>
+          </a:p>
+          <a:p>
+            <a:r>
+              <a:rPr lang="en-US" dirty="0">
+                <a:ea typeface="+mn-lt"/>
+                <a:cs typeface="+mn-lt"/>
+              </a:rPr>
+              <a:t>The root component of the subtree receives new inputs as the result of a template binding. Angular compares the current and past value of the input with </a:t>
+            </a:r>
+            <a:r>
+              <a:rPr lang="en-US" dirty="0">
+                <a:latin typeface="Consolas"/>
+              </a:rPr>
+              <a:t>==</a:t>
+            </a:r>
+            <a:endParaRPr lang="en-US" dirty="0"/>
+          </a:p>
+          <a:p>
+            <a:r>
+              <a:rPr lang="en-US" b="1" dirty="0">
+                <a:ea typeface="+mn-lt"/>
+                <a:cs typeface="+mn-lt"/>
+              </a:rPr>
+              <a:t>Angular handles an event</a:t>
+            </a:r>
+            <a:r>
+              <a:rPr lang="en-US" dirty="0">
+                <a:ea typeface="+mn-lt"/>
+                <a:cs typeface="+mn-lt"/>
+              </a:rPr>
+              <a:t> </a:t>
+            </a:r>
+            <a:r>
+              <a:rPr lang="en-US" i="1" dirty="0">
+                <a:ea typeface="+mn-lt"/>
+                <a:cs typeface="+mn-lt"/>
+              </a:rPr>
+              <a:t>(e.g. using event binding, output binding, or </a:t>
+            </a:r>
+            <a:r>
+              <a:rPr lang="en-US" i="1" dirty="0">
+                <a:latin typeface="Consolas"/>
+              </a:rPr>
+              <a:t>@</a:t>
+            </a:r>
+            <a:r>
+              <a:rPr lang="en-US" i="1" dirty="0">
+                <a:latin typeface="Consolas"/>
                 <a:hlinkClick r:id="rId2"/>
               </a:rPr>
-              <a:t>https://github.com/marius-oprea/onPush</a:t>
-            </a:r>
-            <a:endParaRPr lang="en-US">
-              <a:cs typeface="Calibri" panose="020F0502020204030204"/>
-            </a:endParaRPr>
+              <a:t>HostListener</a:t>
+            </a:r>
+            <a:r>
+              <a:rPr lang="en-US" i="1" dirty="0">
+                <a:ea typeface="+mn-lt"/>
+                <a:cs typeface="+mn-lt"/>
+              </a:rPr>
+              <a:t>)</a:t>
+            </a:r>
+            <a:r>
+              <a:rPr lang="en-US" dirty="0">
+                <a:ea typeface="+mn-lt"/>
+                <a:cs typeface="+mn-lt"/>
+              </a:rPr>
+              <a:t> in the subtree's root component or any of its children </a:t>
+            </a:r>
+            <a:r>
+              <a:rPr lang="en-US" b="1" dirty="0">
+                <a:ea typeface="+mn-lt"/>
+                <a:cs typeface="+mn-lt"/>
+              </a:rPr>
+              <a:t>whether they are using </a:t>
+            </a:r>
+            <a:r>
+              <a:rPr lang="en-US" b="1" dirty="0" err="1">
+                <a:ea typeface="+mn-lt"/>
+                <a:cs typeface="+mn-lt"/>
+              </a:rPr>
+              <a:t>OnPush</a:t>
+            </a:r>
+            <a:r>
+              <a:rPr lang="en-US" b="1" dirty="0">
+                <a:ea typeface="+mn-lt"/>
+                <a:cs typeface="+mn-lt"/>
+              </a:rPr>
+              <a:t> change detection or not</a:t>
+            </a:r>
+            <a:r>
+              <a:rPr lang="en-US" dirty="0">
+                <a:ea typeface="+mn-lt"/>
+                <a:cs typeface="+mn-lt"/>
+              </a:rPr>
+              <a:t>.</a:t>
+            </a:r>
+            <a:endParaRPr lang="en-US" dirty="0"/>
+          </a:p>
+          <a:p>
+            <a:r>
+              <a:rPr lang="en-US" dirty="0">
+                <a:ea typeface="+mn-lt"/>
+                <a:cs typeface="+mn-lt"/>
+              </a:rPr>
+              <a:t>You can set the change detection strategy of a component to </a:t>
+            </a:r>
+            <a:r>
+              <a:rPr lang="en-US" dirty="0" err="1">
+                <a:latin typeface="Consolas"/>
+              </a:rPr>
+              <a:t>OnPush</a:t>
+            </a:r>
+            <a:r>
+              <a:rPr lang="en-US" dirty="0">
+                <a:ea typeface="+mn-lt"/>
+                <a:cs typeface="+mn-lt"/>
+              </a:rPr>
+              <a:t> in the </a:t>
+            </a:r>
+            <a:r>
+              <a:rPr lang="en-US" dirty="0">
+                <a:latin typeface="Consolas"/>
+              </a:rPr>
+              <a:t>@</a:t>
+            </a:r>
+            <a:r>
+              <a:rPr lang="en-US" dirty="0">
+                <a:latin typeface="Consolas"/>
+                <a:hlinkClick r:id="rId3"/>
+              </a:rPr>
+              <a:t>Component</a:t>
+            </a:r>
+            <a:r>
+              <a:rPr lang="en-US" dirty="0">
+                <a:ea typeface="+mn-lt"/>
+                <a:cs typeface="+mn-lt"/>
+              </a:rPr>
+              <a:t> decorator</a:t>
+            </a:r>
+            <a:endParaRPr lang="en-US" dirty="0"/>
           </a:p>
           <a:p>
             <a:endParaRPr lang="en-US" dirty="0">
@@ -5405,7 +6552,7 @@
     </p:spTree>
     <p:extLst>
       <p:ext uri="{BB962C8B-B14F-4D97-AF65-F5344CB8AC3E}">
-        <p14:creationId xmlns:p14="http://schemas.microsoft.com/office/powerpoint/2010/main" val="1237109831"/>
+        <p14:creationId xmlns:p14="http://schemas.microsoft.com/office/powerpoint/2010/main" val="3061385311"/>
       </p:ext>
     </p:extLst>
   </p:cSld>

--- a/presentation/Presentation.pptx
+++ b/presentation/Presentation.pptx
@@ -5,16 +5,17 @@
     <p:sldMasterId id="2147483660" r:id="rId1"/>
   </p:sldMasterIdLst>
   <p:sldIdLst>
-    <p:sldId id="256" r:id="rId2"/>
-    <p:sldId id="257" r:id="rId3"/>
-    <p:sldId id="258" r:id="rId4"/>
-    <p:sldId id="266" r:id="rId5"/>
-    <p:sldId id="259" r:id="rId6"/>
-    <p:sldId id="261" r:id="rId7"/>
-    <p:sldId id="262" r:id="rId8"/>
-    <p:sldId id="260" r:id="rId9"/>
-    <p:sldId id="264" r:id="rId10"/>
-    <p:sldId id="263" r:id="rId11"/>
+    <p:sldId id="267" r:id="rId2"/>
+    <p:sldId id="256" r:id="rId3"/>
+    <p:sldId id="257" r:id="rId4"/>
+    <p:sldId id="258" r:id="rId5"/>
+    <p:sldId id="266" r:id="rId6"/>
+    <p:sldId id="259" r:id="rId7"/>
+    <p:sldId id="261" r:id="rId8"/>
+    <p:sldId id="262" r:id="rId9"/>
+    <p:sldId id="260" r:id="rId10"/>
+    <p:sldId id="264" r:id="rId11"/>
+    <p:sldId id="263" r:id="rId12"/>
   </p:sldIdLst>
   <p:sldSz cx="12192000" cy="6858000"/>
   <p:notesSz cx="6858000" cy="9144000"/>
@@ -127,6 +128,7 @@
     <p1510:client id="{338D54B9-B569-4E88-8A01-E2EE2AE86293}" v="1210" dt="2022-07-26T16:12:51.505"/>
     <p1510:client id="{4176C984-F91B-4C7C-ABEB-1CDEA6A822A3}" v="4" dt="2022-07-26T16:15:46.356"/>
     <p1510:client id="{B46BB6E6-7095-4E63-9C95-3908B2BDDBDB}" v="120" dt="2022-07-27T02:47:52.624"/>
+    <p1510:client id="{D9561ED4-D12C-4F96-863D-A82B66D58FD4}" v="838" dt="2022-07-28T22:32:03.041"/>
   </p1510:revLst>
 </p1510:revInfo>
 </file>
@@ -262,7 +264,7 @@
           <a:p>
             <a:fld id="{846CE7D5-CF57-46EF-B807-FDD0502418D4}" type="datetimeFigureOut">
               <a:rPr lang="en-US" smtClean="0"/>
-              <a:t>7/26/2022</a:t>
+              <a:t>7/28/2022</a:t>
             </a:fld>
             <a:endParaRPr lang="en-US"/>
           </a:p>
@@ -432,7 +434,7 @@
           <a:p>
             <a:fld id="{846CE7D5-CF57-46EF-B807-FDD0502418D4}" type="datetimeFigureOut">
               <a:rPr lang="en-US" smtClean="0"/>
-              <a:t>7/26/2022</a:t>
+              <a:t>7/28/2022</a:t>
             </a:fld>
             <a:endParaRPr lang="en-US"/>
           </a:p>
@@ -612,7 +614,7 @@
           <a:p>
             <a:fld id="{846CE7D5-CF57-46EF-B807-FDD0502418D4}" type="datetimeFigureOut">
               <a:rPr lang="en-US" smtClean="0"/>
-              <a:t>7/26/2022</a:t>
+              <a:t>7/28/2022</a:t>
             </a:fld>
             <a:endParaRPr lang="en-US"/>
           </a:p>
@@ -782,7 +784,7 @@
           <a:p>
             <a:fld id="{846CE7D5-CF57-46EF-B807-FDD0502418D4}" type="datetimeFigureOut">
               <a:rPr lang="en-US" smtClean="0"/>
-              <a:t>7/26/2022</a:t>
+              <a:t>7/28/2022</a:t>
             </a:fld>
             <a:endParaRPr lang="en-US"/>
           </a:p>
@@ -1028,7 +1030,7 @@
           <a:p>
             <a:fld id="{846CE7D5-CF57-46EF-B807-FDD0502418D4}" type="datetimeFigureOut">
               <a:rPr lang="en-US" smtClean="0"/>
-              <a:t>7/26/2022</a:t>
+              <a:t>7/28/2022</a:t>
             </a:fld>
             <a:endParaRPr lang="en-US"/>
           </a:p>
@@ -1260,7 +1262,7 @@
           <a:p>
             <a:fld id="{846CE7D5-CF57-46EF-B807-FDD0502418D4}" type="datetimeFigureOut">
               <a:rPr lang="en-US" smtClean="0"/>
-              <a:t>7/26/2022</a:t>
+              <a:t>7/28/2022</a:t>
             </a:fld>
             <a:endParaRPr lang="en-US"/>
           </a:p>
@@ -1627,7 +1629,7 @@
           <a:p>
             <a:fld id="{846CE7D5-CF57-46EF-B807-FDD0502418D4}" type="datetimeFigureOut">
               <a:rPr lang="en-US" smtClean="0"/>
-              <a:t>7/26/2022</a:t>
+              <a:t>7/28/2022</a:t>
             </a:fld>
             <a:endParaRPr lang="en-US"/>
           </a:p>
@@ -1745,7 +1747,7 @@
           <a:p>
             <a:fld id="{846CE7D5-CF57-46EF-B807-FDD0502418D4}" type="datetimeFigureOut">
               <a:rPr lang="en-US" smtClean="0"/>
-              <a:t>7/26/2022</a:t>
+              <a:t>7/28/2022</a:t>
             </a:fld>
             <a:endParaRPr lang="en-US"/>
           </a:p>
@@ -1840,7 +1842,7 @@
           <a:p>
             <a:fld id="{846CE7D5-CF57-46EF-B807-FDD0502418D4}" type="datetimeFigureOut">
               <a:rPr lang="en-US" smtClean="0"/>
-              <a:t>7/26/2022</a:t>
+              <a:t>7/28/2022</a:t>
             </a:fld>
             <a:endParaRPr lang="en-US"/>
           </a:p>
@@ -2117,7 +2119,7 @@
           <a:p>
             <a:fld id="{846CE7D5-CF57-46EF-B807-FDD0502418D4}" type="datetimeFigureOut">
               <a:rPr lang="en-US" smtClean="0"/>
-              <a:t>7/26/2022</a:t>
+              <a:t>7/28/2022</a:t>
             </a:fld>
             <a:endParaRPr lang="en-US"/>
           </a:p>
@@ -2374,7 +2376,7 @@
           <a:p>
             <a:fld id="{846CE7D5-CF57-46EF-B807-FDD0502418D4}" type="datetimeFigureOut">
               <a:rPr lang="en-US" smtClean="0"/>
-              <a:t>7/26/2022</a:t>
+              <a:t>7/28/2022</a:t>
             </a:fld>
             <a:endParaRPr lang="en-US"/>
           </a:p>
@@ -2587,7 +2589,7 @@
           <a:p>
             <a:fld id="{846CE7D5-CF57-46EF-B807-FDD0502418D4}" type="datetimeFigureOut">
               <a:rPr lang="en-US" smtClean="0"/>
-              <a:t>7/26/2022</a:t>
+              <a:t>7/28/2022</a:t>
             </a:fld>
             <a:endParaRPr lang="en-US"/>
           </a:p>
@@ -2994,145 +2996,371 @@
       </p:grpSpPr>
       <p:sp>
         <p:nvSpPr>
-          <p:cNvPr id="2" name="Title 1"/>
-          <p:cNvSpPr>
-            <a:spLocks noGrp="1"/>
-          </p:cNvSpPr>
-          <p:nvPr>
-            <p:ph type="ctrTitle"/>
-          </p:nvPr>
-        </p:nvSpPr>
-        <p:spPr>
-          <a:xfrm>
-            <a:off x="1426053" y="362180"/>
-            <a:ext cx="9144000" cy="817137"/>
-          </a:xfrm>
-        </p:spPr>
-        <p:txBody>
-          <a:bodyPr>
-            <a:normAutofit fontScale="90000"/>
-          </a:bodyPr>
-          <a:lstStyle/>
-          <a:p>
-            <a:r>
-              <a:rPr lang="en-US" dirty="0">
-                <a:cs typeface="Calibri Light"/>
-              </a:rPr>
-              <a:t>What is change detection</a:t>
-            </a:r>
-            <a:endParaRPr lang="en-US" dirty="0"/>
-          </a:p>
-        </p:txBody>
-      </p:sp>
-      <p:sp>
-        <p:nvSpPr>
-          <p:cNvPr id="4" name="TextBox 3">
+          <p:cNvPr id="2" name="Title 1">
             <a:extLst>
               <a:ext uri="{FF2B5EF4-FFF2-40B4-BE49-F238E27FC236}">
-                <a16:creationId xmlns:a16="http://schemas.microsoft.com/office/drawing/2014/main" id="{60AFF4E4-480A-559E-B135-3215589E7122}"/>
+                <a16:creationId xmlns:a16="http://schemas.microsoft.com/office/drawing/2014/main" id="{5ECA31A4-F7DC-334A-DCF4-D38F317D6101}"/>
               </a:ext>
             </a:extLst>
           </p:cNvPr>
-          <p:cNvSpPr txBox="1"/>
-          <p:nvPr/>
+          <p:cNvSpPr>
+            <a:spLocks noGrp="1"/>
+          </p:cNvSpPr>
+          <p:nvPr>
+            <p:ph type="title"/>
+          </p:nvPr>
+        </p:nvSpPr>
+        <p:spPr/>
+        <p:txBody>
+          <a:bodyPr/>
+          <a:lstStyle/>
+          <a:p>
+            <a:r>
+              <a:rPr lang="en-US" dirty="0">
+                <a:cs typeface="Calibri Light"/>
+              </a:rPr>
+              <a:t>Who am I?</a:t>
+            </a:r>
+            <a:endParaRPr lang="en-US" dirty="0"/>
+          </a:p>
+        </p:txBody>
+      </p:sp>
+      <p:sp>
+        <p:nvSpPr>
+          <p:cNvPr id="3" name="Content Placeholder 2">
+            <a:extLst>
+              <a:ext uri="{FF2B5EF4-FFF2-40B4-BE49-F238E27FC236}">
+                <a16:creationId xmlns:a16="http://schemas.microsoft.com/office/drawing/2014/main" id="{52D0F142-E2D2-FF6D-5C2B-B7B183A4413F}"/>
+              </a:ext>
+            </a:extLst>
+          </p:cNvPr>
+          <p:cNvSpPr>
+            <a:spLocks noGrp="1"/>
+          </p:cNvSpPr>
+          <p:nvPr>
+            <p:ph idx="1"/>
+          </p:nvPr>
         </p:nvSpPr>
         <p:spPr>
           <a:xfrm>
-            <a:off x="204330" y="1517270"/>
-            <a:ext cx="11584698" cy="4832092"/>
+            <a:off x="838200" y="1825625"/>
+            <a:ext cx="10515600" cy="1320856"/>
+          </a:xfrm>
+        </p:spPr>
+        <p:txBody>
+          <a:bodyPr vert="horz" lIns="91440" tIns="45720" rIns="91440" bIns="45720" rtlCol="0" anchor="t">
+            <a:normAutofit/>
+          </a:bodyPr>
+          <a:lstStyle/>
+          <a:p>
+            <a:r>
+              <a:rPr lang="en-US" dirty="0">
+                <a:cs typeface="Calibri"/>
+              </a:rPr>
+              <a:t>My name is </a:t>
+            </a:r>
+            <a:r>
+              <a:rPr lang="en-US" b="1" dirty="0">
+                <a:cs typeface="Calibri"/>
+              </a:rPr>
+              <a:t>Marius Oprea</a:t>
+            </a:r>
+            <a:r>
+              <a:rPr lang="en-US" dirty="0">
+                <a:cs typeface="Calibri"/>
+              </a:rPr>
+              <a:t> a frontend developer, currently working with Angular(commonly referred as Angular 2+) since 2016, when the first version has been released.</a:t>
+            </a:r>
+            <a:endParaRPr lang="en-US" dirty="0"/>
+          </a:p>
+        </p:txBody>
+      </p:sp>
+      <p:sp>
+        <p:nvSpPr>
+          <p:cNvPr id="5" name="Title 1">
+            <a:extLst>
+              <a:ext uri="{FF2B5EF4-FFF2-40B4-BE49-F238E27FC236}">
+                <a16:creationId xmlns:a16="http://schemas.microsoft.com/office/drawing/2014/main" id="{4DFCB6AC-2782-4D27-3915-F9C5C84F79C4}"/>
+              </a:ext>
+            </a:extLst>
+          </p:cNvPr>
+          <p:cNvSpPr txBox="1">
+            <a:spLocks/>
+          </p:cNvSpPr>
+          <p:nvPr/>
+        </p:nvSpPr>
+        <p:spPr>
+          <a:xfrm>
+            <a:off x="832945" y="3057525"/>
+            <a:ext cx="10515600" cy="1325563"/>
           </a:xfrm>
           <a:prstGeom prst="rect">
             <a:avLst/>
           </a:prstGeom>
-          <a:noFill/>
         </p:spPr>
         <p:txBody>
-          <a:bodyPr rot="0" spcFirstLastPara="0" vertOverflow="overflow" horzOverflow="overflow" vert="horz" wrap="square" lIns="91440" tIns="45720" rIns="91440" bIns="45720" numCol="1" spcCol="0" rtlCol="0" fromWordArt="0" anchor="t" anchorCtr="0" forceAA="0" compatLnSpc="1">
-            <a:prstTxWarp prst="textNoShape">
-              <a:avLst/>
-            </a:prstTxWarp>
-            <a:spAutoFit/>
+          <a:bodyPr vert="horz" lIns="91440" tIns="45720" rIns="91440" bIns="45720" rtlCol="0" anchor="ctr">
+            <a:normAutofit/>
           </a:bodyPr>
-          <a:lstStyle/>
-          <a:p>
-            <a:pPr algn="just"/>
-            <a:r>
-              <a:rPr lang="en-US" sz="2800" dirty="0">
-                <a:ea typeface="+mn-lt"/>
-                <a:cs typeface="+mn-lt"/>
-                <a:hlinkClick r:id="rId2"/>
-              </a:rPr>
-              <a:t>https://angular.io/guide/change-detection</a:t>
+          <a:lstStyle>
+            <a:lvl1pPr algn="l" defTabSz="914400" rtl="0" eaLnBrk="1" latinLnBrk="0" hangingPunct="1">
+              <a:lnSpc>
+                <a:spcPct val="90000"/>
+              </a:lnSpc>
+              <a:spcBef>
+                <a:spcPct val="0"/>
+              </a:spcBef>
+              <a:buNone/>
+              <a:defRPr sz="4400" kern="1200">
+                <a:solidFill>
+                  <a:schemeClr val="tx1"/>
+                </a:solidFill>
+                <a:latin typeface="+mj-lt"/>
+                <a:ea typeface="+mj-ea"/>
+                <a:cs typeface="+mj-cs"/>
+              </a:defRPr>
+            </a:lvl1pPr>
+          </a:lstStyle>
+          <a:p>
+            <a:r>
+              <a:rPr lang="en-US" dirty="0">
+                <a:cs typeface="Calibri Light"/>
+              </a:rPr>
+              <a:t>What I will present today?</a:t>
             </a:r>
             <a:endParaRPr lang="en-US" dirty="0"/>
           </a:p>
-          <a:p>
-            <a:pPr algn="just"/>
-            <a:endParaRPr lang="en-US" sz="2800" dirty="0">
-              <a:ea typeface="+mn-lt"/>
-              <a:cs typeface="+mn-lt"/>
-            </a:endParaRPr>
-          </a:p>
-          <a:p>
-            <a:pPr algn="just"/>
-            <a:r>
-              <a:rPr lang="en-US" sz="2800" b="1" dirty="0">
-                <a:ea typeface="+mn-lt"/>
-                <a:cs typeface="+mn-lt"/>
-              </a:rPr>
-              <a:t>Change detection is the process through which Angular checks to see whether your application state has changed, and if any DOM needs to be updated.</a:t>
-            </a:r>
-            <a:r>
-              <a:rPr lang="en-US" sz="2800" dirty="0">
-                <a:ea typeface="+mn-lt"/>
-                <a:cs typeface="+mn-lt"/>
-              </a:rPr>
-              <a:t> </a:t>
-            </a:r>
-            <a:endParaRPr lang="en-US" sz="2800" b="1" dirty="0">
-              <a:ea typeface="+mn-lt"/>
-              <a:cs typeface="+mn-lt"/>
-            </a:endParaRPr>
-          </a:p>
-          <a:p>
-            <a:pPr algn="just"/>
-            <a:endParaRPr lang="en-US" sz="2800" dirty="0">
-              <a:ea typeface="+mn-lt"/>
-              <a:cs typeface="+mn-lt"/>
-            </a:endParaRPr>
-          </a:p>
-          <a:p>
-            <a:pPr algn="just"/>
-            <a:r>
-              <a:rPr lang="en-US" sz="2800" dirty="0">
-                <a:ea typeface="+mn-lt"/>
-                <a:cs typeface="+mn-lt"/>
-              </a:rPr>
-              <a:t> Angular runs its change detection mechanism periodically so that changes to the data model are reflected in an app’s view. </a:t>
-            </a:r>
-          </a:p>
-          <a:p>
-            <a:pPr algn="just"/>
-            <a:endParaRPr lang="en-US" sz="2800" dirty="0">
-              <a:cs typeface="Calibri"/>
-            </a:endParaRPr>
-          </a:p>
-          <a:p>
-            <a:pPr algn="just"/>
-            <a:r>
-              <a:rPr lang="en-US" sz="2800" dirty="0">
+        </p:txBody>
+      </p:sp>
+      <p:sp>
+        <p:nvSpPr>
+          <p:cNvPr id="7" name="Content Placeholder 2">
+            <a:extLst>
+              <a:ext uri="{FF2B5EF4-FFF2-40B4-BE49-F238E27FC236}">
+                <a16:creationId xmlns:a16="http://schemas.microsoft.com/office/drawing/2014/main" id="{C24C1D3A-F9A0-E255-5105-A0698A1BB594}"/>
+              </a:ext>
+            </a:extLst>
+          </p:cNvPr>
+          <p:cNvSpPr txBox="1">
+            <a:spLocks/>
+          </p:cNvSpPr>
+          <p:nvPr/>
+        </p:nvSpPr>
+        <p:spPr>
+          <a:xfrm>
+            <a:off x="780393" y="4342853"/>
+            <a:ext cx="10515600" cy="1320856"/>
+          </a:xfrm>
+          <a:prstGeom prst="rect">
+            <a:avLst/>
+          </a:prstGeom>
+        </p:spPr>
+        <p:txBody>
+          <a:bodyPr vert="horz" lIns="91440" tIns="45720" rIns="91440" bIns="45720" rtlCol="0" anchor="t">
+            <a:normAutofit/>
+          </a:bodyPr>
+          <a:lstStyle>
+            <a:lvl1pPr marL="228600" indent="-228600" algn="l" defTabSz="914400" rtl="0" eaLnBrk="1" latinLnBrk="0" hangingPunct="1">
+              <a:lnSpc>
+                <a:spcPct val="90000"/>
+              </a:lnSpc>
+              <a:spcBef>
+                <a:spcPts val="1000"/>
+              </a:spcBef>
+              <a:buFont typeface="Arial" panose="020B0604020202020204" pitchFamily="34" charset="0"/>
+              <a:buChar char="•"/>
+              <a:defRPr sz="2800" kern="1200">
+                <a:solidFill>
+                  <a:schemeClr val="tx1"/>
+                </a:solidFill>
+                <a:latin typeface="+mn-lt"/>
+                <a:ea typeface="+mn-ea"/>
+                <a:cs typeface="+mn-cs"/>
+              </a:defRPr>
+            </a:lvl1pPr>
+            <a:lvl2pPr marL="685800" indent="-228600" algn="l" defTabSz="914400" rtl="0" eaLnBrk="1" latinLnBrk="0" hangingPunct="1">
+              <a:lnSpc>
+                <a:spcPct val="90000"/>
+              </a:lnSpc>
+              <a:spcBef>
+                <a:spcPts val="500"/>
+              </a:spcBef>
+              <a:buFont typeface="Arial" panose="020B0604020202020204" pitchFamily="34" charset="0"/>
+              <a:buChar char="•"/>
+              <a:defRPr sz="2400" kern="1200">
+                <a:solidFill>
+                  <a:schemeClr val="tx1"/>
+                </a:solidFill>
+                <a:latin typeface="+mn-lt"/>
+                <a:ea typeface="+mn-ea"/>
+                <a:cs typeface="+mn-cs"/>
+              </a:defRPr>
+            </a:lvl2pPr>
+            <a:lvl3pPr marL="1143000" indent="-228600" algn="l" defTabSz="914400" rtl="0" eaLnBrk="1" latinLnBrk="0" hangingPunct="1">
+              <a:lnSpc>
+                <a:spcPct val="90000"/>
+              </a:lnSpc>
+              <a:spcBef>
+                <a:spcPts val="500"/>
+              </a:spcBef>
+              <a:buFont typeface="Arial" panose="020B0604020202020204" pitchFamily="34" charset="0"/>
+              <a:buChar char="•"/>
+              <a:defRPr sz="2000" kern="1200">
+                <a:solidFill>
+                  <a:schemeClr val="tx1"/>
+                </a:solidFill>
+                <a:latin typeface="+mn-lt"/>
+                <a:ea typeface="+mn-ea"/>
+                <a:cs typeface="+mn-cs"/>
+              </a:defRPr>
+            </a:lvl3pPr>
+            <a:lvl4pPr marL="1600200" indent="-228600" algn="l" defTabSz="914400" rtl="0" eaLnBrk="1" latinLnBrk="0" hangingPunct="1">
+              <a:lnSpc>
+                <a:spcPct val="90000"/>
+              </a:lnSpc>
+              <a:spcBef>
+                <a:spcPts val="500"/>
+              </a:spcBef>
+              <a:buFont typeface="Arial" panose="020B0604020202020204" pitchFamily="34" charset="0"/>
+              <a:buChar char="•"/>
+              <a:defRPr sz="1800" kern="1200">
+                <a:solidFill>
+                  <a:schemeClr val="tx1"/>
+                </a:solidFill>
+                <a:latin typeface="+mn-lt"/>
+                <a:ea typeface="+mn-ea"/>
+                <a:cs typeface="+mn-cs"/>
+              </a:defRPr>
+            </a:lvl4pPr>
+            <a:lvl5pPr marL="2057400" indent="-228600" algn="l" defTabSz="914400" rtl="0" eaLnBrk="1" latinLnBrk="0" hangingPunct="1">
+              <a:lnSpc>
+                <a:spcPct val="90000"/>
+              </a:lnSpc>
+              <a:spcBef>
+                <a:spcPts val="500"/>
+              </a:spcBef>
+              <a:buFont typeface="Arial" panose="020B0604020202020204" pitchFamily="34" charset="0"/>
+              <a:buChar char="•"/>
+              <a:defRPr sz="1800" kern="1200">
+                <a:solidFill>
+                  <a:schemeClr val="tx1"/>
+                </a:solidFill>
+                <a:latin typeface="+mn-lt"/>
+                <a:ea typeface="+mn-ea"/>
+                <a:cs typeface="+mn-cs"/>
+              </a:defRPr>
+            </a:lvl5pPr>
+            <a:lvl6pPr marL="2514600" indent="-228600" algn="l" defTabSz="914400" rtl="0" eaLnBrk="1" latinLnBrk="0" hangingPunct="1">
+              <a:lnSpc>
+                <a:spcPct val="90000"/>
+              </a:lnSpc>
+              <a:spcBef>
+                <a:spcPts val="500"/>
+              </a:spcBef>
+              <a:buFont typeface="Arial" panose="020B0604020202020204" pitchFamily="34" charset="0"/>
+              <a:buChar char="•"/>
+              <a:defRPr sz="1800" kern="1200">
+                <a:solidFill>
+                  <a:schemeClr val="tx1"/>
+                </a:solidFill>
+                <a:latin typeface="+mn-lt"/>
+                <a:ea typeface="+mn-ea"/>
+                <a:cs typeface="+mn-cs"/>
+              </a:defRPr>
+            </a:lvl6pPr>
+            <a:lvl7pPr marL="2971800" indent="-228600" algn="l" defTabSz="914400" rtl="0" eaLnBrk="1" latinLnBrk="0" hangingPunct="1">
+              <a:lnSpc>
+                <a:spcPct val="90000"/>
+              </a:lnSpc>
+              <a:spcBef>
+                <a:spcPts val="500"/>
+              </a:spcBef>
+              <a:buFont typeface="Arial" panose="020B0604020202020204" pitchFamily="34" charset="0"/>
+              <a:buChar char="•"/>
+              <a:defRPr sz="1800" kern="1200">
+                <a:solidFill>
+                  <a:schemeClr val="tx1"/>
+                </a:solidFill>
+                <a:latin typeface="+mn-lt"/>
+                <a:ea typeface="+mn-ea"/>
+                <a:cs typeface="+mn-cs"/>
+              </a:defRPr>
+            </a:lvl7pPr>
+            <a:lvl8pPr marL="3429000" indent="-228600" algn="l" defTabSz="914400" rtl="0" eaLnBrk="1" latinLnBrk="0" hangingPunct="1">
+              <a:lnSpc>
+                <a:spcPct val="90000"/>
+              </a:lnSpc>
+              <a:spcBef>
+                <a:spcPts val="500"/>
+              </a:spcBef>
+              <a:buFont typeface="Arial" panose="020B0604020202020204" pitchFamily="34" charset="0"/>
+              <a:buChar char="•"/>
+              <a:defRPr sz="1800" kern="1200">
+                <a:solidFill>
+                  <a:schemeClr val="tx1"/>
+                </a:solidFill>
+                <a:latin typeface="+mn-lt"/>
+                <a:ea typeface="+mn-ea"/>
+                <a:cs typeface="+mn-cs"/>
+              </a:defRPr>
+            </a:lvl8pPr>
+            <a:lvl9pPr marL="3886200" indent="-228600" algn="l" defTabSz="914400" rtl="0" eaLnBrk="1" latinLnBrk="0" hangingPunct="1">
+              <a:lnSpc>
+                <a:spcPct val="90000"/>
+              </a:lnSpc>
+              <a:spcBef>
+                <a:spcPts val="500"/>
+              </a:spcBef>
+              <a:buFont typeface="Arial" panose="020B0604020202020204" pitchFamily="34" charset="0"/>
+              <a:buChar char="•"/>
+              <a:defRPr sz="1800" kern="1200">
+                <a:solidFill>
+                  <a:schemeClr val="tx1"/>
+                </a:solidFill>
+                <a:latin typeface="+mn-lt"/>
+                <a:ea typeface="+mn-ea"/>
+                <a:cs typeface="+mn-cs"/>
+              </a:defRPr>
+            </a:lvl9pPr>
+          </a:lstStyle>
+          <a:p>
+            <a:r>
+              <a:rPr lang="en-US" dirty="0">
                 <a:cs typeface="Calibri"/>
               </a:rPr>
-              <a:t>At a high level, Angular walks your components from top to bottom, looking for changes.</a:t>
-            </a:r>
-            <a:endParaRPr lang="en-US" dirty="0"/>
+              <a:t>Change detection in Angular and more specific the </a:t>
+            </a:r>
+            <a:r>
+              <a:rPr lang="en-US" b="1" dirty="0" err="1">
+                <a:cs typeface="Calibri"/>
+              </a:rPr>
+              <a:t>OnPush</a:t>
+            </a:r>
+            <a:r>
+              <a:rPr lang="en-US" dirty="0">
+                <a:cs typeface="Calibri"/>
+              </a:rPr>
+              <a:t> </a:t>
+            </a:r>
+            <a:r>
+              <a:rPr lang="en-US" b="1" dirty="0">
+                <a:cs typeface="Calibri"/>
+              </a:rPr>
+              <a:t>strategy</a:t>
+            </a:r>
+            <a:r>
+              <a:rPr lang="en-US" dirty="0">
+                <a:cs typeface="Calibri"/>
+              </a:rPr>
+              <a:t>.</a:t>
+            </a:r>
           </a:p>
         </p:txBody>
       </p:sp>
     </p:spTree>
     <p:extLst>
       <p:ext uri="{BB962C8B-B14F-4D97-AF65-F5344CB8AC3E}">
-        <p14:creationId xmlns:p14="http://schemas.microsoft.com/office/powerpoint/2010/main" val="109857222"/>
+        <p14:creationId xmlns:p14="http://schemas.microsoft.com/office/powerpoint/2010/main" val="1537689594"/>
       </p:ext>
     </p:extLst>
   </p:cSld>
@@ -3143,6 +3371,271 @@
 </file>
 
 <file path=ppt/slides/slide10.xml><?xml version="1.0" encoding="utf-8"?>
+<p:sld xmlns:a="http://schemas.openxmlformats.org/drawingml/2006/main" xmlns:r="http://schemas.openxmlformats.org/officeDocument/2006/relationships" xmlns:p="http://schemas.openxmlformats.org/presentationml/2006/main">
+  <p:cSld>
+    <p:spTree>
+      <p:nvGrpSpPr>
+        <p:cNvPr id="1" name=""/>
+        <p:cNvGrpSpPr/>
+        <p:nvPr/>
+      </p:nvGrpSpPr>
+      <p:grpSpPr>
+        <a:xfrm>
+          <a:off x="0" y="0"/>
+          <a:ext cx="0" cy="0"/>
+          <a:chOff x="0" y="0"/>
+          <a:chExt cx="0" cy="0"/>
+        </a:xfrm>
+      </p:grpSpPr>
+      <p:sp>
+        <p:nvSpPr>
+          <p:cNvPr id="2" name="Title 1">
+            <a:extLst>
+              <a:ext uri="{FF2B5EF4-FFF2-40B4-BE49-F238E27FC236}">
+                <a16:creationId xmlns:a16="http://schemas.microsoft.com/office/drawing/2014/main" id="{CCD7E9F9-3781-B487-B7DA-568998792D50}"/>
+              </a:ext>
+            </a:extLst>
+          </p:cNvPr>
+          <p:cNvSpPr>
+            <a:spLocks noGrp="1"/>
+          </p:cNvSpPr>
+          <p:nvPr>
+            <p:ph type="title"/>
+          </p:nvPr>
+        </p:nvSpPr>
+        <p:spPr/>
+        <p:txBody>
+          <a:bodyPr/>
+          <a:lstStyle/>
+          <a:p>
+            <a:pPr>
+              <a:spcBef>
+                <a:spcPts val="1000"/>
+              </a:spcBef>
+            </a:pPr>
+            <a:r>
+              <a:rPr lang="en-US" dirty="0">
+                <a:ea typeface="+mj-lt"/>
+                <a:cs typeface="+mj-lt"/>
+              </a:rPr>
+              <a:t>Using </a:t>
+            </a:r>
+            <a:r>
+              <a:rPr lang="en-US" dirty="0" err="1">
+                <a:ea typeface="+mj-lt"/>
+                <a:cs typeface="+mj-lt"/>
+              </a:rPr>
+              <a:t>OnPush</a:t>
+            </a:r>
+            <a:endParaRPr lang="en-US" dirty="0" err="1"/>
+          </a:p>
+        </p:txBody>
+      </p:sp>
+      <p:sp>
+        <p:nvSpPr>
+          <p:cNvPr id="3" name="Content Placeholder 2">
+            <a:extLst>
+              <a:ext uri="{FF2B5EF4-FFF2-40B4-BE49-F238E27FC236}">
+                <a16:creationId xmlns:a16="http://schemas.microsoft.com/office/drawing/2014/main" id="{BEB4F879-821B-E0F8-D1ED-B6408C92A230}"/>
+              </a:ext>
+            </a:extLst>
+          </p:cNvPr>
+          <p:cNvSpPr>
+            <a:spLocks noGrp="1"/>
+          </p:cNvSpPr>
+          <p:nvPr>
+            <p:ph idx="1"/>
+          </p:nvPr>
+        </p:nvSpPr>
+        <p:spPr/>
+        <p:txBody>
+          <a:bodyPr vert="horz" lIns="91440" tIns="45720" rIns="91440" bIns="45720" rtlCol="0" anchor="t">
+            <a:normAutofit/>
+          </a:bodyPr>
+          <a:lstStyle/>
+          <a:p>
+            <a:r>
+              <a:rPr lang="en-US" b="1" dirty="0" err="1">
+                <a:ea typeface="+mn-lt"/>
+                <a:cs typeface="+mn-lt"/>
+              </a:rPr>
+              <a:t>OnPush</a:t>
+            </a:r>
+            <a:r>
+              <a:rPr lang="en-US" b="1" dirty="0">
+                <a:ea typeface="+mn-lt"/>
+                <a:cs typeface="+mn-lt"/>
+              </a:rPr>
+              <a:t> change detection instructs Angular to run change detection for a component subtree only</a:t>
+            </a:r>
+            <a:r>
+              <a:rPr lang="en-US" dirty="0">
+                <a:ea typeface="+mn-lt"/>
+                <a:cs typeface="+mn-lt"/>
+              </a:rPr>
+              <a:t> when:</a:t>
+            </a:r>
+            <a:endParaRPr lang="en-US" dirty="0"/>
+          </a:p>
+          <a:p>
+            <a:r>
+              <a:rPr lang="en-US" dirty="0">
+                <a:ea typeface="+mn-lt"/>
+                <a:cs typeface="+mn-lt"/>
+              </a:rPr>
+              <a:t>The root component of the subtree receives new inputs as the result of a template binding. Angular compares the current and past value of the input with </a:t>
+            </a:r>
+            <a:r>
+              <a:rPr lang="en-US" dirty="0">
+                <a:latin typeface="Consolas"/>
+              </a:rPr>
+              <a:t>==</a:t>
+            </a:r>
+            <a:endParaRPr lang="en-US" dirty="0"/>
+          </a:p>
+          <a:p>
+            <a:r>
+              <a:rPr lang="en-US" b="1" dirty="0">
+                <a:ea typeface="+mn-lt"/>
+                <a:cs typeface="+mn-lt"/>
+              </a:rPr>
+              <a:t>Angular handles an event</a:t>
+            </a:r>
+            <a:r>
+              <a:rPr lang="en-US" dirty="0">
+                <a:ea typeface="+mn-lt"/>
+                <a:cs typeface="+mn-lt"/>
+              </a:rPr>
+              <a:t> </a:t>
+            </a:r>
+            <a:r>
+              <a:rPr lang="en-US" i="1" dirty="0">
+                <a:ea typeface="+mn-lt"/>
+                <a:cs typeface="+mn-lt"/>
+              </a:rPr>
+              <a:t>(e.g. using event binding, output binding, or </a:t>
+            </a:r>
+            <a:r>
+              <a:rPr lang="en-US" i="1" dirty="0">
+                <a:latin typeface="Consolas"/>
+              </a:rPr>
+              <a:t>@</a:t>
+            </a:r>
+            <a:r>
+              <a:rPr lang="en-US" i="1" dirty="0">
+                <a:latin typeface="Consolas"/>
+                <a:hlinkClick r:id="rId2"/>
+              </a:rPr>
+              <a:t>HostListener</a:t>
+            </a:r>
+            <a:r>
+              <a:rPr lang="en-US" i="1" dirty="0">
+                <a:ea typeface="+mn-lt"/>
+                <a:cs typeface="+mn-lt"/>
+              </a:rPr>
+              <a:t>)</a:t>
+            </a:r>
+            <a:r>
+              <a:rPr lang="en-US" dirty="0">
+                <a:ea typeface="+mn-lt"/>
+                <a:cs typeface="+mn-lt"/>
+              </a:rPr>
+              <a:t> in the subtree's root component or any of its children </a:t>
+            </a:r>
+            <a:r>
+              <a:rPr lang="en-US" b="1" dirty="0">
+                <a:ea typeface="+mn-lt"/>
+                <a:cs typeface="+mn-lt"/>
+              </a:rPr>
+              <a:t>whether they are using </a:t>
+            </a:r>
+            <a:r>
+              <a:rPr lang="en-US" b="1" dirty="0" err="1">
+                <a:ea typeface="+mn-lt"/>
+                <a:cs typeface="+mn-lt"/>
+              </a:rPr>
+              <a:t>OnPush</a:t>
+            </a:r>
+            <a:r>
+              <a:rPr lang="en-US" b="1" dirty="0">
+                <a:ea typeface="+mn-lt"/>
+                <a:cs typeface="+mn-lt"/>
+              </a:rPr>
+              <a:t> change detection or not</a:t>
+            </a:r>
+            <a:r>
+              <a:rPr lang="en-US" dirty="0">
+                <a:ea typeface="+mn-lt"/>
+                <a:cs typeface="+mn-lt"/>
+              </a:rPr>
+              <a:t>.</a:t>
+            </a:r>
+            <a:endParaRPr lang="en-US" dirty="0"/>
+          </a:p>
+          <a:p>
+            <a:r>
+              <a:rPr lang="en-US" dirty="0">
+                <a:ea typeface="+mn-lt"/>
+                <a:cs typeface="+mn-lt"/>
+              </a:rPr>
+              <a:t>You can set the change detection strategy of a component to </a:t>
+            </a:r>
+            <a:r>
+              <a:rPr lang="en-US" dirty="0" err="1">
+                <a:latin typeface="Consolas"/>
+              </a:rPr>
+              <a:t>OnPush</a:t>
+            </a:r>
+            <a:r>
+              <a:rPr lang="en-US" dirty="0">
+                <a:ea typeface="+mn-lt"/>
+                <a:cs typeface="+mn-lt"/>
+              </a:rPr>
+              <a:t> in the </a:t>
+            </a:r>
+            <a:r>
+              <a:rPr lang="en-US" dirty="0">
+                <a:latin typeface="Consolas"/>
+              </a:rPr>
+              <a:t>@</a:t>
+            </a:r>
+            <a:r>
+              <a:rPr lang="en-US" dirty="0">
+                <a:latin typeface="Consolas"/>
+                <a:hlinkClick r:id="rId3"/>
+              </a:rPr>
+              <a:t>Component</a:t>
+            </a:r>
+            <a:r>
+              <a:rPr lang="en-US" dirty="0">
+                <a:ea typeface="+mn-lt"/>
+                <a:cs typeface="+mn-lt"/>
+              </a:rPr>
+              <a:t> decorator</a:t>
+            </a:r>
+            <a:endParaRPr lang="en-US" dirty="0"/>
+          </a:p>
+          <a:p>
+            <a:endParaRPr lang="en-US" dirty="0">
+              <a:cs typeface="Calibri"/>
+            </a:endParaRPr>
+          </a:p>
+        </p:txBody>
+      </p:sp>
+    </p:spTree>
+    <p:extLst>
+      <p:ext uri="{BB962C8B-B14F-4D97-AF65-F5344CB8AC3E}">
+        <p14:creationId xmlns:p14="http://schemas.microsoft.com/office/powerpoint/2010/main" val="3061385311"/>
+      </p:ext>
+    </p:extLst>
+  </p:cSld>
+  <p:clrMapOvr>
+    <a:masterClrMapping/>
+  </p:clrMapOvr>
+</p:sld>
+</file>
+
+<file path=ppt/slides/slide11.xml><?xml version="1.0" encoding="utf-8"?>
 <p:sld xmlns:a="http://schemas.openxmlformats.org/drawingml/2006/main" xmlns:r="http://schemas.openxmlformats.org/officeDocument/2006/relationships" xmlns:p="http://schemas.openxmlformats.org/presentationml/2006/main">
   <p:cSld>
     <p:spTree>
@@ -3264,214 +3757,145 @@
       </p:grpSpPr>
       <p:sp>
         <p:nvSpPr>
-          <p:cNvPr id="3" name="Content Placeholder 2">
+          <p:cNvPr id="2" name="Title 1"/>
+          <p:cNvSpPr>
+            <a:spLocks noGrp="1"/>
+          </p:cNvSpPr>
+          <p:nvPr>
+            <p:ph type="ctrTitle"/>
+          </p:nvPr>
+        </p:nvSpPr>
+        <p:spPr>
+          <a:xfrm>
+            <a:off x="1426053" y="362180"/>
+            <a:ext cx="9144000" cy="817137"/>
+          </a:xfrm>
+        </p:spPr>
+        <p:txBody>
+          <a:bodyPr>
+            <a:normAutofit fontScale="90000"/>
+          </a:bodyPr>
+          <a:lstStyle/>
+          <a:p>
+            <a:r>
+              <a:rPr lang="en-US" dirty="0">
+                <a:cs typeface="Calibri Light"/>
+              </a:rPr>
+              <a:t>What is change detection</a:t>
+            </a:r>
+            <a:endParaRPr lang="en-US" dirty="0"/>
+          </a:p>
+        </p:txBody>
+      </p:sp>
+      <p:sp>
+        <p:nvSpPr>
+          <p:cNvPr id="4" name="TextBox 3">
             <a:extLst>
               <a:ext uri="{FF2B5EF4-FFF2-40B4-BE49-F238E27FC236}">
-                <a16:creationId xmlns:a16="http://schemas.microsoft.com/office/drawing/2014/main" id="{8DFA82E3-A19F-3629-699D-48D81627BCB8}"/>
+                <a16:creationId xmlns:a16="http://schemas.microsoft.com/office/drawing/2014/main" id="{60AFF4E4-480A-559E-B135-3215589E7122}"/>
               </a:ext>
             </a:extLst>
           </p:cNvPr>
-          <p:cNvSpPr>
-            <a:spLocks noGrp="1"/>
-          </p:cNvSpPr>
-          <p:nvPr>
-            <p:ph idx="1"/>
-          </p:nvPr>
+          <p:cNvSpPr txBox="1"/>
+          <p:nvPr/>
         </p:nvSpPr>
         <p:spPr>
           <a:xfrm>
-            <a:off x="776890" y="1317625"/>
-            <a:ext cx="10515600" cy="4351338"/>
+            <a:off x="204330" y="1517270"/>
+            <a:ext cx="11584698" cy="4832092"/>
           </a:xfrm>
+          <a:prstGeom prst="rect">
+            <a:avLst/>
+          </a:prstGeom>
+          <a:noFill/>
         </p:spPr>
         <p:txBody>
-          <a:bodyPr vert="horz" lIns="91440" tIns="45720" rIns="91440" bIns="45720" rtlCol="0" anchor="t">
-            <a:normAutofit lnSpcReduction="10000"/>
+          <a:bodyPr rot="0" spcFirstLastPara="0" vertOverflow="overflow" horzOverflow="overflow" vert="horz" wrap="square" lIns="91440" tIns="45720" rIns="91440" bIns="45720" numCol="1" spcCol="0" rtlCol="0" fromWordArt="0" anchor="t" anchorCtr="0" forceAA="0" compatLnSpc="1">
+            <a:prstTxWarp prst="textNoShape">
+              <a:avLst/>
+            </a:prstTxWarp>
+            <a:spAutoFit/>
           </a:bodyPr>
           <a:lstStyle/>
           <a:p>
-            <a:pPr marL="0" indent="0">
-              <a:buNone/>
-            </a:pPr>
-            <a:r>
-              <a:rPr lang="en-US" dirty="0">
-                <a:ea typeface="+mn-lt"/>
-                <a:cs typeface="+mn-lt"/>
-              </a:rPr>
-              <a:t>On every change detection cycle, Angular synchronously:</a:t>
-            </a:r>
-            <a:endParaRPr lang="en-US" dirty="0">
-              <a:cs typeface="Calibri" panose="020F0502020204030204"/>
-            </a:endParaRPr>
-          </a:p>
-          <a:p>
-            <a:pPr marL="0" indent="0">
-              <a:buNone/>
-            </a:pPr>
-            <a:endParaRPr lang="en-US" dirty="0">
+            <a:pPr algn="just"/>
+            <a:r>
+              <a:rPr lang="en-US" sz="2800" dirty="0">
+                <a:ea typeface="+mn-lt"/>
+                <a:cs typeface="+mn-lt"/>
+                <a:hlinkClick r:id="rId2"/>
+              </a:rPr>
+              <a:t>https://angular.io/guide/change-detection</a:t>
+            </a:r>
+            <a:endParaRPr lang="en-US" dirty="0"/>
+          </a:p>
+          <a:p>
+            <a:pPr algn="just"/>
+            <a:endParaRPr lang="en-US" sz="2800" dirty="0">
               <a:ea typeface="+mn-lt"/>
               <a:cs typeface="+mn-lt"/>
             </a:endParaRPr>
           </a:p>
           <a:p>
-            <a:pPr lvl="1"/>
-            <a:r>
-              <a:rPr lang="en-US" b="1" dirty="0">
-                <a:ea typeface="+mn-lt"/>
-                <a:cs typeface="+mn-lt"/>
-              </a:rPr>
-              <a:t>Evaluates all template expressions in all components</a:t>
-            </a:r>
-            <a:r>
-              <a:rPr lang="en-US" dirty="0">
-                <a:ea typeface="+mn-lt"/>
-                <a:cs typeface="+mn-lt"/>
-              </a:rPr>
-              <a:t>, unless specified otherwise, based on that each component's detection strategy</a:t>
-            </a:r>
-            <a:endParaRPr lang="en-US" dirty="0">
-              <a:cs typeface="Calibri"/>
-            </a:endParaRPr>
-          </a:p>
-          <a:p>
-            <a:pPr lvl="1"/>
-            <a:endParaRPr lang="en-US" b="1" dirty="0">
+            <a:pPr algn="just"/>
+            <a:r>
+              <a:rPr lang="en-US" sz="2800" b="1" dirty="0">
+                <a:ea typeface="+mn-lt"/>
+                <a:cs typeface="+mn-lt"/>
+              </a:rPr>
+              <a:t>Change detection is the process through which Angular checks to see whether your application state has changed, and if any DOM needs to be updated.</a:t>
+            </a:r>
+            <a:r>
+              <a:rPr lang="en-US" sz="2800" dirty="0">
+                <a:ea typeface="+mn-lt"/>
+                <a:cs typeface="+mn-lt"/>
+              </a:rPr>
+              <a:t> </a:t>
+            </a:r>
+            <a:endParaRPr lang="en-US" sz="2800" b="1" dirty="0">
               <a:ea typeface="+mn-lt"/>
               <a:cs typeface="+mn-lt"/>
             </a:endParaRPr>
           </a:p>
           <a:p>
-            <a:pPr lvl="1"/>
-            <a:r>
-              <a:rPr lang="en-US" b="1" dirty="0">
-                <a:ea typeface="+mn-lt"/>
-                <a:cs typeface="+mn-lt"/>
-              </a:rPr>
-              <a:t>Executes</a:t>
-            </a:r>
-            <a:r>
-              <a:rPr lang="en-US" dirty="0">
-                <a:ea typeface="+mn-lt"/>
-                <a:cs typeface="+mn-lt"/>
-              </a:rPr>
-              <a:t> the </a:t>
-            </a:r>
-            <a:r>
-              <a:rPr lang="en-US" dirty="0" err="1">
-                <a:latin typeface="Consolas"/>
-              </a:rPr>
-              <a:t>ngDoCheck</a:t>
-            </a:r>
-            <a:r>
-              <a:rPr lang="en-US" dirty="0">
-                <a:ea typeface="+mn-lt"/>
-                <a:cs typeface="+mn-lt"/>
-              </a:rPr>
-              <a:t>, </a:t>
-            </a:r>
-            <a:r>
-              <a:rPr lang="en-US" dirty="0" err="1">
-                <a:latin typeface="Consolas"/>
-              </a:rPr>
-              <a:t>ngAfterContentChecked</a:t>
-            </a:r>
-            <a:r>
-              <a:rPr lang="en-US" dirty="0">
-                <a:ea typeface="+mn-lt"/>
-                <a:cs typeface="+mn-lt"/>
-              </a:rPr>
-              <a:t>, </a:t>
-            </a:r>
-            <a:r>
-              <a:rPr lang="en-US" dirty="0" err="1">
-                <a:latin typeface="Consolas"/>
-              </a:rPr>
-              <a:t>ngAfterViewChecked</a:t>
-            </a:r>
-            <a:r>
-              <a:rPr lang="en-US" dirty="0">
-                <a:ea typeface="+mn-lt"/>
-                <a:cs typeface="+mn-lt"/>
-              </a:rPr>
-              <a:t>, and </a:t>
-            </a:r>
-            <a:r>
-              <a:rPr lang="en-US" dirty="0" err="1">
-                <a:latin typeface="Consolas"/>
-              </a:rPr>
-              <a:t>ngOnChanges</a:t>
-            </a:r>
-            <a:r>
-              <a:rPr lang="en-US" dirty="0">
-                <a:ea typeface="+mn-lt"/>
-                <a:cs typeface="+mn-lt"/>
-              </a:rPr>
-              <a:t> </a:t>
-            </a:r>
-            <a:r>
-              <a:rPr lang="en-US" b="1" dirty="0">
-                <a:ea typeface="+mn-lt"/>
-                <a:cs typeface="+mn-lt"/>
-              </a:rPr>
-              <a:t>lifecycle hooks</a:t>
-            </a:r>
-            <a:r>
-              <a:rPr lang="en-US" dirty="0">
-                <a:ea typeface="+mn-lt"/>
-                <a:cs typeface="+mn-lt"/>
-              </a:rPr>
-              <a:t>. </a:t>
-            </a:r>
-          </a:p>
-          <a:p>
-            <a:pPr lvl="1"/>
-            <a:endParaRPr lang="en-US" dirty="0">
+            <a:pPr algn="just"/>
+            <a:endParaRPr lang="en-US" sz="2800" dirty="0">
               <a:ea typeface="+mn-lt"/>
               <a:cs typeface="+mn-lt"/>
             </a:endParaRPr>
           </a:p>
           <a:p>
-            <a:pPr marL="457200" lvl="1" indent="0">
-              <a:buNone/>
-            </a:pPr>
-            <a:r>
-              <a:rPr lang="en-US" b="1" dirty="0">
-                <a:ea typeface="+mn-lt"/>
-                <a:cs typeface="+mn-lt"/>
-              </a:rPr>
-              <a:t>A single slow computation within a template or a lifecycle hook can slow down the entire change detection process</a:t>
-            </a:r>
-            <a:r>
-              <a:rPr lang="en-US" dirty="0">
-                <a:ea typeface="+mn-lt"/>
-                <a:cs typeface="+mn-lt"/>
-              </a:rPr>
-              <a:t> because Angular runs the computations sequentially.</a:t>
-            </a:r>
-            <a:endParaRPr lang="en-US">
+            <a:pPr algn="just"/>
+            <a:r>
+              <a:rPr lang="en-US" sz="2800" dirty="0">
+                <a:ea typeface="+mn-lt"/>
+                <a:cs typeface="+mn-lt"/>
+              </a:rPr>
+              <a:t> Angular runs its change detection mechanism periodically so that changes to the data model are reflected in an app’s view. </a:t>
+            </a:r>
+          </a:p>
+          <a:p>
+            <a:pPr algn="just"/>
+            <a:endParaRPr lang="en-US" sz="2800" dirty="0">
               <a:cs typeface="Calibri"/>
             </a:endParaRPr>
           </a:p>
           <a:p>
-            <a:pPr lvl="1"/>
-            <a:endParaRPr lang="en-US" dirty="0">
-              <a:cs typeface="Calibri"/>
-            </a:endParaRPr>
-          </a:p>
-          <a:p>
-            <a:pPr marL="0" indent="0">
-              <a:buNone/>
-            </a:pPr>
-            <a:endParaRPr lang="en-US" dirty="0">
-              <a:cs typeface="Calibri"/>
-            </a:endParaRPr>
+            <a:pPr algn="just"/>
+            <a:r>
+              <a:rPr lang="en-US" sz="2800" dirty="0">
+                <a:cs typeface="Calibri"/>
+              </a:rPr>
+              <a:t>At a high level, Angular walks your components from top to bottom, looking for changes.</a:t>
+            </a:r>
+            <a:endParaRPr lang="en-US" dirty="0"/>
           </a:p>
         </p:txBody>
       </p:sp>
     </p:spTree>
     <p:extLst>
       <p:ext uri="{BB962C8B-B14F-4D97-AF65-F5344CB8AC3E}">
-        <p14:creationId xmlns:p14="http://schemas.microsoft.com/office/powerpoint/2010/main" val="3093790625"/>
+        <p14:creationId xmlns:p14="http://schemas.microsoft.com/office/powerpoint/2010/main" val="109857222"/>
       </p:ext>
     </p:extLst>
   </p:cSld>
@@ -3500,10 +3924,10 @@
       </p:grpSpPr>
       <p:sp>
         <p:nvSpPr>
-          <p:cNvPr id="11" name="Title 10">
+          <p:cNvPr id="3" name="Content Placeholder 2">
             <a:extLst>
               <a:ext uri="{FF2B5EF4-FFF2-40B4-BE49-F238E27FC236}">
-                <a16:creationId xmlns:a16="http://schemas.microsoft.com/office/drawing/2014/main" id="{700B89B7-4340-8BCD-2CE4-72055BC1608B}"/>
+                <a16:creationId xmlns:a16="http://schemas.microsoft.com/office/drawing/2014/main" id="{8DFA82E3-A19F-3629-699D-48D81627BCB8}"/>
               </a:ext>
             </a:extLst>
           </p:cNvPr>
@@ -3511,306 +3935,185 @@
             <a:spLocks noGrp="1"/>
           </p:cNvSpPr>
           <p:nvPr>
-            <p:ph type="title"/>
+            <p:ph idx="1"/>
           </p:nvPr>
         </p:nvSpPr>
         <p:spPr>
           <a:xfrm>
-            <a:off x="717395" y="439467"/>
-            <a:ext cx="10915185" cy="758709"/>
+            <a:off x="776890" y="1317625"/>
+            <a:ext cx="10515600" cy="4351338"/>
           </a:xfrm>
         </p:spPr>
         <p:txBody>
-          <a:bodyPr vert="horz" lIns="91440" tIns="45720" rIns="91440" bIns="45720" rtlCol="0" anchor="ctr">
-            <a:noAutofit/>
+          <a:bodyPr vert="horz" lIns="91440" tIns="45720" rIns="91440" bIns="45720" rtlCol="0" anchor="t">
+            <a:normAutofit lnSpcReduction="10000"/>
           </a:bodyPr>
           <a:lstStyle/>
           <a:p>
-            <a:pPr>
-              <a:spcBef>
-                <a:spcPts val="1000"/>
-              </a:spcBef>
+            <a:pPr marL="0" indent="0">
+              <a:buNone/>
             </a:pPr>
             <a:r>
-              <a:rPr lang="en-US" dirty="0"/>
-              <a:t>Optimizing slow computations</a:t>
-            </a:r>
-            <a:br>
-              <a:rPr lang="en-US" dirty="0"/>
-            </a:br>
-            <a:endParaRPr lang="en-US" sz="2400">
-              <a:cs typeface="Calibri Light"/>
-            </a:endParaRPr>
-          </a:p>
-        </p:txBody>
-      </p:sp>
-      <p:sp>
-        <p:nvSpPr>
-          <p:cNvPr id="3" name="Content Placeholder 2">
-            <a:extLst>
-              <a:ext uri="{FF2B5EF4-FFF2-40B4-BE49-F238E27FC236}">
-                <a16:creationId xmlns:a16="http://schemas.microsoft.com/office/drawing/2014/main" id="{359345B0-CA77-A654-D964-7A39C8943170}"/>
-              </a:ext>
-            </a:extLst>
-          </p:cNvPr>
-          <p:cNvSpPr>
-            <a:spLocks noGrp="1"/>
-          </p:cNvSpPr>
-          <p:nvPr>
-            <p:ph sz="half" idx="1"/>
-          </p:nvPr>
-        </p:nvSpPr>
-        <p:spPr>
-          <a:xfrm>
-            <a:off x="643054" y="3801120"/>
-            <a:ext cx="5376746" cy="3054208"/>
-          </a:xfrm>
-        </p:spPr>
-        <p:txBody>
-          <a:bodyPr vert="horz" lIns="91440" tIns="45720" rIns="91440" bIns="45720" rtlCol="0" anchor="t">
-            <a:normAutofit fontScale="55000" lnSpcReduction="20000"/>
-          </a:bodyPr>
-          <a:lstStyle/>
-          <a:p>
+              <a:rPr lang="en-US" dirty="0">
+                <a:ea typeface="+mn-lt"/>
+                <a:cs typeface="+mn-lt"/>
+              </a:rPr>
+              <a:t>On every change detection cycle, Angular synchronously:</a:t>
+            </a:r>
+            <a:endParaRPr lang="en-US" dirty="0">
+              <a:cs typeface="Calibri" panose="020F0502020204030204"/>
+            </a:endParaRPr>
+          </a:p>
+          <a:p>
+            <a:pPr marL="0" indent="0">
+              <a:buNone/>
+            </a:pPr>
             <a:endParaRPr lang="en-US" dirty="0">
               <a:ea typeface="+mn-lt"/>
               <a:cs typeface="+mn-lt"/>
             </a:endParaRPr>
           </a:p>
           <a:p>
-            <a:pPr marL="0" indent="0">
-              <a:buNone/>
-            </a:pPr>
+            <a:pPr lvl="1"/>
             <a:r>
               <a:rPr lang="en-US" b="1" dirty="0">
                 <a:ea typeface="+mn-lt"/>
                 <a:cs typeface="+mn-lt"/>
               </a:rPr>
-              <a:t>Minimize computations in lifecycle hooks methods</a:t>
-            </a:r>
+              <a:t>Evaluates all template expressions in all components</a:t>
+            </a:r>
+            <a:r>
+              <a:rPr lang="en-US" dirty="0">
+                <a:ea typeface="+mn-lt"/>
+                <a:cs typeface="+mn-lt"/>
+              </a:rPr>
+              <a:t>, unless specified otherwise, based on that each component's detection strategy</a:t>
+            </a:r>
+            <a:endParaRPr lang="en-US" dirty="0">
+              <a:cs typeface="Calibri"/>
+            </a:endParaRPr>
+          </a:p>
+          <a:p>
+            <a:pPr lvl="1"/>
             <a:endParaRPr lang="en-US" b="1" dirty="0">
-              <a:cs typeface="Calibri" panose="020F0502020204030204"/>
-            </a:endParaRPr>
-          </a:p>
-          <a:p>
-            <a:pPr marL="0" indent="0">
-              <a:buNone/>
-            </a:pPr>
-            <a:r>
-              <a:rPr lang="en-US" dirty="0">
-                <a:ea typeface="+mn-lt"/>
-                <a:cs typeface="+mn-lt"/>
-              </a:rPr>
-              <a:t>@Input() value: number;</a:t>
-            </a:r>
-          </a:p>
-          <a:p>
-            <a:pPr marL="0" indent="0">
-              <a:buNone/>
-            </a:pPr>
-            <a:r>
-              <a:rPr lang="en-US" dirty="0">
-                <a:ea typeface="+mn-lt"/>
-                <a:cs typeface="+mn-lt"/>
-              </a:rPr>
-              <a:t>let </a:t>
+              <a:ea typeface="+mn-lt"/>
+              <a:cs typeface="+mn-lt"/>
+            </a:endParaRPr>
+          </a:p>
+          <a:p>
+            <a:pPr lvl="1"/>
+            <a:r>
+              <a:rPr lang="en-US" b="1" dirty="0">
+                <a:ea typeface="+mn-lt"/>
+                <a:cs typeface="+mn-lt"/>
+              </a:rPr>
+              <a:t>Executes</a:t>
+            </a:r>
+            <a:r>
+              <a:rPr lang="en-US" dirty="0">
+                <a:ea typeface="+mn-lt"/>
+                <a:cs typeface="+mn-lt"/>
+              </a:rPr>
+              <a:t> the </a:t>
             </a:r>
             <a:r>
               <a:rPr lang="en-US" dirty="0" err="1">
-                <a:ea typeface="+mn-lt"/>
-                <a:cs typeface="+mn-lt"/>
-              </a:rPr>
-              <a:t>oldValue</a:t>
-            </a:r>
-            <a:r>
-              <a:rPr lang="en-US" dirty="0">
-                <a:ea typeface="+mn-lt"/>
-                <a:cs typeface="+mn-lt"/>
-              </a:rPr>
-              <a:t>: number = 0;</a:t>
-            </a:r>
-          </a:p>
-          <a:p>
-            <a:pPr marL="0" indent="0">
-              <a:buNone/>
-            </a:pPr>
+                <a:latin typeface="Consolas"/>
+              </a:rPr>
+              <a:t>ngDoCheck</a:t>
+            </a:r>
+            <a:r>
+              <a:rPr lang="en-US" dirty="0">
+                <a:ea typeface="+mn-lt"/>
+                <a:cs typeface="+mn-lt"/>
+              </a:rPr>
+              <a:t>, </a:t>
+            </a:r>
             <a:r>
               <a:rPr lang="en-US" dirty="0" err="1">
-                <a:ea typeface="+mn-lt"/>
-                <a:cs typeface="+mn-lt"/>
-              </a:rPr>
-              <a:t>ngDoCheck</a:t>
-            </a:r>
-            <a:r>
-              <a:rPr lang="en-US" dirty="0">
-                <a:ea typeface="+mn-lt"/>
-                <a:cs typeface="+mn-lt"/>
-              </a:rPr>
-              <a:t>() {</a:t>
-            </a:r>
-          </a:p>
-          <a:p>
-            <a:pPr marL="0" indent="0">
-              <a:buNone/>
-            </a:pPr>
-            <a:r>
-              <a:rPr lang="en-US" dirty="0">
-                <a:ea typeface="+mn-lt"/>
-                <a:cs typeface="+mn-lt"/>
-              </a:rPr>
-              <a:t>    If (</a:t>
+                <a:latin typeface="Consolas"/>
+              </a:rPr>
+              <a:t>ngAfterContentChecked</a:t>
+            </a:r>
+            <a:r>
+              <a:rPr lang="en-US" dirty="0">
+                <a:ea typeface="+mn-lt"/>
+                <a:cs typeface="+mn-lt"/>
+              </a:rPr>
+              <a:t>, </a:t>
             </a:r>
             <a:r>
               <a:rPr lang="en-US" dirty="0" err="1">
-                <a:ea typeface="+mn-lt"/>
-                <a:cs typeface="+mn-lt"/>
-              </a:rPr>
-              <a:t>oldValue</a:t>
-            </a:r>
-            <a:r>
-              <a:rPr lang="en-US" dirty="0">
-                <a:ea typeface="+mn-lt"/>
-                <a:cs typeface="+mn-lt"/>
-              </a:rPr>
-              <a:t> !== value) {</a:t>
-            </a:r>
-          </a:p>
-          <a:p>
-            <a:pPr marL="0" indent="0">
-              <a:buNone/>
-            </a:pPr>
-            <a:r>
-              <a:rPr lang="en-US" dirty="0">
-                <a:ea typeface="+mn-lt"/>
-                <a:cs typeface="+mn-lt"/>
-              </a:rPr>
-              <a:t>        // add functionality here</a:t>
-            </a:r>
-          </a:p>
-          <a:p>
-            <a:pPr marL="0" indent="0">
-              <a:buNone/>
-            </a:pPr>
-            <a:r>
-              <a:rPr lang="en-US" dirty="0">
-                <a:ea typeface="+mn-lt"/>
-                <a:cs typeface="+mn-lt"/>
-              </a:rPr>
-              <a:t>        </a:t>
+                <a:latin typeface="Consolas"/>
+              </a:rPr>
+              <a:t>ngAfterViewChecked</a:t>
+            </a:r>
+            <a:r>
+              <a:rPr lang="en-US" dirty="0">
+                <a:ea typeface="+mn-lt"/>
+                <a:cs typeface="+mn-lt"/>
+              </a:rPr>
+              <a:t>, and </a:t>
             </a:r>
             <a:r>
               <a:rPr lang="en-US" dirty="0" err="1">
-                <a:ea typeface="+mn-lt"/>
-                <a:cs typeface="+mn-lt"/>
-              </a:rPr>
-              <a:t>oldValue</a:t>
-            </a:r>
-            <a:r>
-              <a:rPr lang="en-US" dirty="0">
-                <a:ea typeface="+mn-lt"/>
-                <a:cs typeface="+mn-lt"/>
-              </a:rPr>
-              <a:t> = value;</a:t>
-            </a:r>
-          </a:p>
-          <a:p>
-            <a:pPr marL="0" indent="0">
-              <a:buNone/>
-            </a:pPr>
-            <a:r>
-              <a:rPr lang="en-US" dirty="0">
-                <a:ea typeface="+mn-lt"/>
-                <a:cs typeface="+mn-lt"/>
-              </a:rPr>
-              <a:t>    }</a:t>
-            </a:r>
-          </a:p>
-          <a:p>
-            <a:pPr marL="0" indent="0">
-              <a:buNone/>
-            </a:pPr>
-            <a:r>
-              <a:rPr lang="en-US" dirty="0">
-                <a:ea typeface="+mn-lt"/>
-                <a:cs typeface="+mn-lt"/>
-              </a:rPr>
-              <a:t>}</a:t>
-            </a:r>
-          </a:p>
-          <a:p>
+                <a:latin typeface="Consolas"/>
+              </a:rPr>
+              <a:t>ngOnChanges</a:t>
+            </a:r>
+            <a:r>
+              <a:rPr lang="en-US" dirty="0">
+                <a:ea typeface="+mn-lt"/>
+                <a:cs typeface="+mn-lt"/>
+              </a:rPr>
+              <a:t> </a:t>
+            </a:r>
+            <a:r>
+              <a:rPr lang="en-US" b="1" dirty="0">
+                <a:ea typeface="+mn-lt"/>
+                <a:cs typeface="+mn-lt"/>
+              </a:rPr>
+              <a:t>lifecycle hooks</a:t>
+            </a:r>
+            <a:r>
+              <a:rPr lang="en-US" dirty="0">
+                <a:ea typeface="+mn-lt"/>
+                <a:cs typeface="+mn-lt"/>
+              </a:rPr>
+              <a:t>. </a:t>
+            </a:r>
+          </a:p>
+          <a:p>
+            <a:pPr lvl="1"/>
             <a:endParaRPr lang="en-US" dirty="0">
               <a:ea typeface="+mn-lt"/>
               <a:cs typeface="+mn-lt"/>
             </a:endParaRPr>
           </a:p>
-        </p:txBody>
-      </p:sp>
-      <p:sp>
-        <p:nvSpPr>
-          <p:cNvPr id="12" name="Content Placeholder 11">
-            <a:extLst>
-              <a:ext uri="{FF2B5EF4-FFF2-40B4-BE49-F238E27FC236}">
-                <a16:creationId xmlns:a16="http://schemas.microsoft.com/office/drawing/2014/main" id="{A464DE64-0942-72E1-8650-54BFFF561CDE}"/>
-              </a:ext>
-            </a:extLst>
-          </p:cNvPr>
-          <p:cNvSpPr>
-            <a:spLocks noGrp="1"/>
-          </p:cNvSpPr>
-          <p:nvPr>
-            <p:ph sz="half" idx="2"/>
-          </p:nvPr>
-        </p:nvSpPr>
-        <p:spPr>
-          <a:xfrm>
-            <a:off x="6144322" y="4090795"/>
-            <a:ext cx="5181600" cy="2402119"/>
-          </a:xfrm>
-        </p:spPr>
-        <p:txBody>
-          <a:bodyPr vert="horz" lIns="91440" tIns="45720" rIns="91440" bIns="45720" rtlCol="0" anchor="t">
-            <a:normAutofit fontScale="55000" lnSpcReduction="20000"/>
-          </a:bodyPr>
-          <a:lstStyle/>
-          <a:p>
-            <a:pPr marL="0" indent="0">
+          <a:p>
+            <a:pPr marL="457200" lvl="1" indent="0">
               <a:buNone/>
             </a:pPr>
             <a:r>
               <a:rPr lang="en-US" b="1" dirty="0">
-                <a:cs typeface="Calibri"/>
-              </a:rPr>
-              <a:t>Use </a:t>
-            </a:r>
-            <a:r>
-              <a:rPr lang="en-US" b="1" dirty="0" err="1">
-                <a:cs typeface="Calibri"/>
-              </a:rPr>
-              <a:t>memoization</a:t>
-            </a:r>
-            <a:r>
-              <a:rPr lang="en-US" b="1" dirty="0">
-                <a:cs typeface="Calibri"/>
-              </a:rPr>
-              <a:t> for caching pure methods</a:t>
-            </a:r>
-          </a:p>
-          <a:p>
-            <a:pPr marL="0" indent="0">
-              <a:buNone/>
-            </a:pPr>
-            <a:r>
-              <a:rPr lang="en-US" dirty="0">
-                <a:cs typeface="Calibri"/>
-              </a:rPr>
-              <a:t>@ </a:t>
-            </a:r>
-            <a:r>
-              <a:rPr lang="en-US" dirty="0" err="1">
-                <a:cs typeface="Calibri"/>
-              </a:rPr>
-              <a:t>memoize</a:t>
-            </a:r>
+                <a:ea typeface="+mn-lt"/>
+                <a:cs typeface="+mn-lt"/>
+              </a:rPr>
+              <a:t>A single slow computation within a template or a lifecycle hook can slow down the entire change detection process</a:t>
+            </a:r>
+            <a:r>
+              <a:rPr lang="en-US" dirty="0">
+                <a:ea typeface="+mn-lt"/>
+                <a:cs typeface="+mn-lt"/>
+              </a:rPr>
+              <a:t> because Angular runs the computations sequentially.</a:t>
+            </a:r>
+            <a:endParaRPr lang="en-US">
+              <a:cs typeface="Calibri"/>
+            </a:endParaRPr>
+          </a:p>
+          <a:p>
+            <a:pPr lvl="1"/>
             <a:endParaRPr lang="en-US" dirty="0">
               <a:cs typeface="Calibri"/>
             </a:endParaRPr>
@@ -3819,190 +4122,6 @@
             <a:pPr marL="0" indent="0">
               <a:buNone/>
             </a:pPr>
-            <a:r>
-              <a:rPr lang="en-US" dirty="0" err="1">
-                <a:cs typeface="Calibri"/>
-              </a:rPr>
-              <a:t>pureheavyComputation</a:t>
-            </a:r>
-            <a:r>
-              <a:rPr lang="en-US" dirty="0">
-                <a:cs typeface="Calibri"/>
-              </a:rPr>
-              <a:t>(data) {</a:t>
-            </a:r>
-          </a:p>
-          <a:p>
-            <a:pPr marL="0" indent="0">
-              <a:buNone/>
-            </a:pPr>
-            <a:r>
-              <a:rPr lang="en-US" dirty="0">
-                <a:cs typeface="Calibri"/>
-              </a:rPr>
-              <a:t>...</a:t>
-            </a:r>
-          </a:p>
-          <a:p>
-            <a:pPr marL="0" indent="0">
-              <a:buNone/>
-            </a:pPr>
-            <a:r>
-              <a:rPr lang="en-US" dirty="0">
-                <a:cs typeface="Calibri"/>
-              </a:rPr>
-              <a:t>}</a:t>
-            </a:r>
-          </a:p>
-        </p:txBody>
-      </p:sp>
-      <p:sp>
-        <p:nvSpPr>
-          <p:cNvPr id="13" name="TextBox 12">
-            <a:extLst>
-              <a:ext uri="{FF2B5EF4-FFF2-40B4-BE49-F238E27FC236}">
-                <a16:creationId xmlns:a16="http://schemas.microsoft.com/office/drawing/2014/main" id="{2BD4EECA-181D-2146-0138-1ED87782FB2A}"/>
-              </a:ext>
-            </a:extLst>
-          </p:cNvPr>
-          <p:cNvSpPr txBox="1"/>
-          <p:nvPr/>
-        </p:nvSpPr>
-        <p:spPr>
-          <a:xfrm>
-            <a:off x="641195" y="1328854"/>
-            <a:ext cx="10918902" cy="2862322"/>
-          </a:xfrm>
-          <a:prstGeom prst="rect">
-            <a:avLst/>
-          </a:prstGeom>
-          <a:noFill/>
-        </p:spPr>
-        <p:txBody>
-          <a:bodyPr rot="0" spcFirstLastPara="0" vertOverflow="overflow" horzOverflow="overflow" vert="horz" wrap="square" lIns="91440" tIns="45720" rIns="91440" bIns="45720" numCol="1" spcCol="0" rtlCol="0" fromWordArt="0" anchor="t" anchorCtr="0" forceAA="0" compatLnSpc="1">
-            <a:prstTxWarp prst="textNoShape">
-              <a:avLst/>
-            </a:prstTxWarp>
-            <a:spAutoFit/>
-          </a:bodyPr>
-          <a:lstStyle/>
-          <a:p>
-            <a:r>
-              <a:rPr lang="en-US" b="1" dirty="0">
-                <a:ea typeface="+mn-lt"/>
-                <a:cs typeface="+mn-lt"/>
-              </a:rPr>
-              <a:t>Optimizing the underlying algorithm</a:t>
-            </a:r>
-            <a:endParaRPr lang="en-US" b="1" dirty="0">
-              <a:cs typeface="Calibri"/>
-            </a:endParaRPr>
-          </a:p>
-          <a:p>
-            <a:endParaRPr lang="en-US" dirty="0">
-              <a:cs typeface="Calibri"/>
-            </a:endParaRPr>
-          </a:p>
-          <a:p>
-            <a:r>
-              <a:rPr lang="en-US" b="1" dirty="0">
-                <a:cs typeface="Calibri"/>
-              </a:rPr>
-              <a:t>Don't use </a:t>
-            </a:r>
-            <a:r>
-              <a:rPr lang="en-US" b="1" dirty="0" err="1">
-                <a:cs typeface="Calibri"/>
-              </a:rPr>
-              <a:t>inpure</a:t>
-            </a:r>
-            <a:r>
-              <a:rPr lang="en-US" b="1" dirty="0">
-                <a:cs typeface="Calibri"/>
-              </a:rPr>
-              <a:t> heavy computation methods in template</a:t>
-            </a:r>
-          </a:p>
-          <a:p>
-            <a:r>
-              <a:rPr lang="en-US" dirty="0">
-                <a:cs typeface="Calibri"/>
-              </a:rPr>
-              <a:t>&lt;div {{ </a:t>
-            </a:r>
-            <a:r>
-              <a:rPr lang="en-US" dirty="0" err="1">
-                <a:cs typeface="Calibri"/>
-              </a:rPr>
-              <a:t>inpureHeavyComputation</a:t>
-            </a:r>
-            <a:r>
-              <a:rPr lang="en-US" dirty="0">
-                <a:cs typeface="Calibri"/>
-              </a:rPr>
-              <a:t>(data) }}&gt;</a:t>
-            </a:r>
-          </a:p>
-          <a:p>
-            <a:endParaRPr lang="en-US" dirty="0">
-              <a:cs typeface="Calibri"/>
-            </a:endParaRPr>
-          </a:p>
-          <a:p>
-            <a:r>
-              <a:rPr lang="en-US" b="1" dirty="0">
-                <a:cs typeface="Calibri"/>
-              </a:rPr>
-              <a:t>Use pure pipes for caching (impure pipes are called on each detection cycle)</a:t>
-            </a:r>
-            <a:br>
-              <a:rPr lang="en-US" dirty="0">
-                <a:cs typeface="Calibri"/>
-              </a:rPr>
-            </a:br>
-            <a:r>
-              <a:rPr lang="en-US" dirty="0">
-                <a:cs typeface="Calibri"/>
-              </a:rPr>
-              <a:t>&lt;div {{  data | </a:t>
-            </a:r>
-            <a:r>
-              <a:rPr lang="en-US" dirty="0" err="1">
-                <a:cs typeface="Calibri"/>
-              </a:rPr>
-              <a:t>customPurePipe</a:t>
-            </a:r>
-            <a:r>
-              <a:rPr lang="en-US" dirty="0">
-                <a:cs typeface="Calibri"/>
-              </a:rPr>
-              <a:t> }}&gt;</a:t>
-            </a:r>
-            <a:endParaRPr lang="en-US">
-              <a:ea typeface="+mn-lt"/>
-              <a:cs typeface="+mn-lt"/>
-            </a:endParaRPr>
-          </a:p>
-          <a:p>
-            <a:pPr algn="l"/>
-            <a:endParaRPr lang="en-US" dirty="0">
-              <a:cs typeface="Calibri"/>
-            </a:endParaRPr>
-          </a:p>
-          <a:p>
-            <a:r>
-              <a:rPr lang="en-US" dirty="0">
-                <a:ea typeface="+mn-lt"/>
-                <a:cs typeface="+mn-lt"/>
-                <a:hlinkClick r:id="rId2"/>
-              </a:rPr>
-              <a:t>https://angular.io/guide/pipes</a:t>
-            </a:r>
-            <a:endParaRPr lang="en-US" dirty="0">
-              <a:cs typeface="Calibri"/>
-            </a:endParaRPr>
-          </a:p>
-          <a:p>
             <a:endParaRPr lang="en-US" dirty="0">
               <a:cs typeface="Calibri"/>
             </a:endParaRPr>
@@ -4012,7 +4131,7 @@
     </p:spTree>
     <p:extLst>
       <p:ext uri="{BB962C8B-B14F-4D97-AF65-F5344CB8AC3E}">
-        <p14:creationId xmlns:p14="http://schemas.microsoft.com/office/powerpoint/2010/main" val="1686636256"/>
+        <p14:creationId xmlns:p14="http://schemas.microsoft.com/office/powerpoint/2010/main" val="3093790625"/>
       </p:ext>
     </p:extLst>
   </p:cSld>
@@ -4041,10 +4160,10 @@
       </p:grpSpPr>
       <p:sp>
         <p:nvSpPr>
-          <p:cNvPr id="2" name="Title 1">
+          <p:cNvPr id="11" name="Title 10">
             <a:extLst>
               <a:ext uri="{FF2B5EF4-FFF2-40B4-BE49-F238E27FC236}">
-                <a16:creationId xmlns:a16="http://schemas.microsoft.com/office/drawing/2014/main" id="{30C45C01-B5D0-312B-EC44-641A73D61692}"/>
+                <a16:creationId xmlns:a16="http://schemas.microsoft.com/office/drawing/2014/main" id="{700B89B7-4340-8BCD-2CE4-72055BC1608B}"/>
               </a:ext>
             </a:extLst>
           </p:cNvPr>
@@ -4057,8 +4176,8 @@
         </p:nvSpPr>
         <p:spPr>
           <a:xfrm>
-            <a:off x="671787" y="242504"/>
-            <a:ext cx="10515600" cy="204460"/>
+            <a:off x="717395" y="439467"/>
+            <a:ext cx="10915185" cy="758709"/>
           </a:xfrm>
         </p:spPr>
         <p:txBody>
@@ -4067,21 +4186,19 @@
           </a:bodyPr>
           <a:lstStyle/>
           <a:p>
-            <a:r>
-              <a:rPr lang="en-US" sz="1800" dirty="0">
-                <a:ea typeface="+mj-lt"/>
-                <a:cs typeface="+mj-lt"/>
-                <a:hlinkClick r:id="rId2"/>
-              </a:rPr>
-              <a:t>https://www.section.io/engineering-education/an-introduction-to-memoization-in-javascript/</a:t>
+            <a:pPr>
+              <a:spcBef>
+                <a:spcPts val="1000"/>
+              </a:spcBef>
+            </a:pPr>
+            <a:r>
+              <a:rPr lang="en-US" dirty="0"/>
+              <a:t>Optimizing slow computations</a:t>
             </a:r>
             <a:br>
-              <a:rPr lang="en-US" sz="1800" dirty="0">
-                <a:ea typeface="+mj-lt"/>
-                <a:cs typeface="+mj-lt"/>
-              </a:rPr>
+              <a:rPr lang="en-US" dirty="0"/>
             </a:br>
-            <a:endParaRPr lang="en-US" sz="1800">
+            <a:endParaRPr lang="en-US" sz="2400">
               <a:cs typeface="Calibri Light"/>
             </a:endParaRPr>
           </a:p>
@@ -4089,10 +4206,10 @@
       </p:sp>
       <p:sp>
         <p:nvSpPr>
-          <p:cNvPr id="4" name="Content Placeholder 3">
+          <p:cNvPr id="3" name="Content Placeholder 2">
             <a:extLst>
               <a:ext uri="{FF2B5EF4-FFF2-40B4-BE49-F238E27FC236}">
-                <a16:creationId xmlns:a16="http://schemas.microsoft.com/office/drawing/2014/main" id="{13AB32A5-4E81-073A-CD89-E24C9E6915DA}"/>
+                <a16:creationId xmlns:a16="http://schemas.microsoft.com/office/drawing/2014/main" id="{359345B0-CA77-A654-D964-7A39C8943170}"/>
               </a:ext>
             </a:extLst>
           </p:cNvPr>
@@ -4100,13 +4217,13 @@
             <a:spLocks noGrp="1"/>
           </p:cNvSpPr>
           <p:nvPr>
-            <p:ph sz="half" idx="2"/>
+            <p:ph sz="half" idx="1"/>
           </p:nvPr>
         </p:nvSpPr>
         <p:spPr>
           <a:xfrm>
-            <a:off x="733097" y="441763"/>
-            <a:ext cx="10620703" cy="5735200"/>
+            <a:off x="643054" y="3801120"/>
+            <a:ext cx="5376746" cy="3054208"/>
           </a:xfrm>
         </p:spPr>
         <p:txBody>
@@ -4115,45 +4232,280 @@
           </a:bodyPr>
           <a:lstStyle/>
           <a:p>
+            <a:endParaRPr lang="en-US" dirty="0">
+              <a:ea typeface="+mn-lt"/>
+              <a:cs typeface="+mn-lt"/>
+            </a:endParaRPr>
+          </a:p>
+          <a:p>
             <a:pPr marL="0" indent="0">
               <a:buNone/>
             </a:pPr>
             <a:r>
-              <a:rPr lang="en-US" dirty="0">
-                <a:ea typeface="+mn-lt"/>
-                <a:cs typeface="+mn-lt"/>
-              </a:rPr>
-              <a:t>const </a:t>
+              <a:rPr lang="en-US" b="1" dirty="0">
+                <a:ea typeface="+mn-lt"/>
+                <a:cs typeface="+mn-lt"/>
+              </a:rPr>
+              <a:t>Minimize computations in lifecycle hooks methods</a:t>
+            </a:r>
+            <a:endParaRPr lang="en-US" b="1" dirty="0">
+              <a:cs typeface="Calibri" panose="020F0502020204030204"/>
+            </a:endParaRPr>
+          </a:p>
+          <a:p>
+            <a:pPr marL="0" indent="0">
+              <a:buNone/>
+            </a:pPr>
+            <a:r>
+              <a:rPr lang="en-US" dirty="0">
+                <a:ea typeface="+mn-lt"/>
+                <a:cs typeface="+mn-lt"/>
+              </a:rPr>
+              <a:t>@Input() value: number;</a:t>
+            </a:r>
+          </a:p>
+          <a:p>
+            <a:pPr marL="0" indent="0">
+              <a:buNone/>
+            </a:pPr>
+            <a:r>
+              <a:rPr lang="en-US" dirty="0">
+                <a:ea typeface="+mn-lt"/>
+                <a:cs typeface="+mn-lt"/>
+              </a:rPr>
+              <a:t>let </a:t>
             </a:r>
             <a:r>
               <a:rPr lang="en-US" dirty="0" err="1">
                 <a:ea typeface="+mn-lt"/>
                 <a:cs typeface="+mn-lt"/>
               </a:rPr>
+              <a:t>oldValue</a:t>
+            </a:r>
+            <a:r>
+              <a:rPr lang="en-US" dirty="0">
+                <a:ea typeface="+mn-lt"/>
+                <a:cs typeface="+mn-lt"/>
+              </a:rPr>
+              <a:t>: number = 0;</a:t>
+            </a:r>
+          </a:p>
+          <a:p>
+            <a:pPr marL="0" indent="0">
+              <a:buNone/>
+            </a:pPr>
+            <a:r>
+              <a:rPr lang="en-US" dirty="0" err="1">
+                <a:ea typeface="+mn-lt"/>
+                <a:cs typeface="+mn-lt"/>
+              </a:rPr>
+              <a:t>ngDoCheck</a:t>
+            </a:r>
+            <a:r>
+              <a:rPr lang="en-US" dirty="0">
+                <a:ea typeface="+mn-lt"/>
+                <a:cs typeface="+mn-lt"/>
+              </a:rPr>
+              <a:t>() {</a:t>
+            </a:r>
+          </a:p>
+          <a:p>
+            <a:pPr marL="0" indent="0">
+              <a:buNone/>
+            </a:pPr>
+            <a:r>
+              <a:rPr lang="en-US" dirty="0">
+                <a:ea typeface="+mn-lt"/>
+                <a:cs typeface="+mn-lt"/>
+              </a:rPr>
+              <a:t>    If (</a:t>
+            </a:r>
+            <a:r>
+              <a:rPr lang="en-US" dirty="0" err="1">
+                <a:ea typeface="+mn-lt"/>
+                <a:cs typeface="+mn-lt"/>
+              </a:rPr>
+              <a:t>oldValue</a:t>
+            </a:r>
+            <a:r>
+              <a:rPr lang="en-US" dirty="0">
+                <a:ea typeface="+mn-lt"/>
+                <a:cs typeface="+mn-lt"/>
+              </a:rPr>
+              <a:t> !== value) {</a:t>
+            </a:r>
+          </a:p>
+          <a:p>
+            <a:pPr marL="0" indent="0">
+              <a:buNone/>
+            </a:pPr>
+            <a:r>
+              <a:rPr lang="en-US" dirty="0">
+                <a:ea typeface="+mn-lt"/>
+                <a:cs typeface="+mn-lt"/>
+              </a:rPr>
+              <a:t>        // add functionality here</a:t>
+            </a:r>
+          </a:p>
+          <a:p>
+            <a:pPr marL="0" indent="0">
+              <a:buNone/>
+            </a:pPr>
+            <a:r>
+              <a:rPr lang="en-US" dirty="0">
+                <a:ea typeface="+mn-lt"/>
+                <a:cs typeface="+mn-lt"/>
+              </a:rPr>
+              <a:t>        </a:t>
+            </a:r>
+            <a:r>
+              <a:rPr lang="en-US" dirty="0" err="1">
+                <a:ea typeface="+mn-lt"/>
+                <a:cs typeface="+mn-lt"/>
+              </a:rPr>
+              <a:t>oldValue</a:t>
+            </a:r>
+            <a:r>
+              <a:rPr lang="en-US" dirty="0">
+                <a:ea typeface="+mn-lt"/>
+                <a:cs typeface="+mn-lt"/>
+              </a:rPr>
+              <a:t> = value;</a:t>
+            </a:r>
+          </a:p>
+          <a:p>
+            <a:pPr marL="0" indent="0">
+              <a:buNone/>
+            </a:pPr>
+            <a:r>
+              <a:rPr lang="en-US" dirty="0">
+                <a:ea typeface="+mn-lt"/>
+                <a:cs typeface="+mn-lt"/>
+              </a:rPr>
+              <a:t>    }</a:t>
+            </a:r>
+          </a:p>
+          <a:p>
+            <a:pPr marL="0" indent="0">
+              <a:buNone/>
+            </a:pPr>
+            <a:r>
+              <a:rPr lang="en-US" dirty="0">
+                <a:ea typeface="+mn-lt"/>
+                <a:cs typeface="+mn-lt"/>
+              </a:rPr>
+              <a:t>}</a:t>
+            </a:r>
+          </a:p>
+          <a:p>
+            <a:endParaRPr lang="en-US" dirty="0">
+              <a:ea typeface="+mn-lt"/>
+              <a:cs typeface="+mn-lt"/>
+            </a:endParaRPr>
+          </a:p>
+        </p:txBody>
+      </p:sp>
+      <p:sp>
+        <p:nvSpPr>
+          <p:cNvPr id="12" name="Content Placeholder 11">
+            <a:extLst>
+              <a:ext uri="{FF2B5EF4-FFF2-40B4-BE49-F238E27FC236}">
+                <a16:creationId xmlns:a16="http://schemas.microsoft.com/office/drawing/2014/main" id="{A464DE64-0942-72E1-8650-54BFFF561CDE}"/>
+              </a:ext>
+            </a:extLst>
+          </p:cNvPr>
+          <p:cNvSpPr>
+            <a:spLocks noGrp="1"/>
+          </p:cNvSpPr>
+          <p:nvPr>
+            <p:ph sz="half" idx="2"/>
+          </p:nvPr>
+        </p:nvSpPr>
+        <p:spPr>
+          <a:xfrm>
+            <a:off x="5391081" y="4073278"/>
+            <a:ext cx="5934841" cy="2419636"/>
+          </a:xfrm>
+        </p:spPr>
+        <p:txBody>
+          <a:bodyPr vert="horz" lIns="91440" tIns="45720" rIns="91440" bIns="45720" rtlCol="0" anchor="t">
+            <a:normAutofit fontScale="55000" lnSpcReduction="20000"/>
+          </a:bodyPr>
+          <a:lstStyle/>
+          <a:p>
+            <a:pPr marL="0" indent="0">
+              <a:buNone/>
+            </a:pPr>
+            <a:r>
+              <a:rPr lang="en-US" b="1" dirty="0">
+                <a:cs typeface="Calibri"/>
+              </a:rPr>
+              <a:t>Use </a:t>
+            </a:r>
+            <a:r>
+              <a:rPr lang="en-US" b="1" dirty="0" err="1">
+                <a:cs typeface="Calibri"/>
+              </a:rPr>
+              <a:t>memoization</a:t>
+            </a:r>
+            <a:r>
+              <a:rPr lang="en-US" b="1" dirty="0">
+                <a:cs typeface="Calibri"/>
+              </a:rPr>
+              <a:t> for caching pure methods</a:t>
+            </a:r>
+          </a:p>
+          <a:p>
+            <a:pPr marL="0" indent="0">
+              <a:buNone/>
+            </a:pPr>
+            <a:r>
+              <a:rPr lang="en-US" dirty="0">
+                <a:ea typeface="+mn-lt"/>
+                <a:cs typeface="+mn-lt"/>
+              </a:rPr>
+              <a:t>Is an optimization technique used to speed up applications by storing the results of pure methods and returning the cached result when the method is called again with the same input.</a:t>
+            </a:r>
+            <a:endParaRPr lang="en-US" dirty="0">
+              <a:cs typeface="Calibri"/>
+            </a:endParaRPr>
+          </a:p>
+          <a:p>
+            <a:pPr marL="0" indent="0">
+              <a:buNone/>
+            </a:pPr>
+            <a:r>
+              <a:rPr lang="en-US" dirty="0">
+                <a:cs typeface="Calibri"/>
+              </a:rPr>
+              <a:t>@ </a:t>
+            </a:r>
+            <a:r>
+              <a:rPr lang="en-US" dirty="0" err="1">
+                <a:cs typeface="Calibri"/>
+              </a:rPr>
               <a:t>memoize</a:t>
             </a:r>
-            <a:r>
-              <a:rPr lang="en-US" dirty="0">
-                <a:ea typeface="+mn-lt"/>
-                <a:cs typeface="+mn-lt"/>
-              </a:rPr>
-              <a:t> = (</a:t>
-            </a:r>
+            <a:endParaRPr lang="en-US" dirty="0">
+              <a:cs typeface="Calibri"/>
+            </a:endParaRPr>
+          </a:p>
+          <a:p>
+            <a:pPr marL="0" indent="0">
+              <a:buNone/>
+            </a:pPr>
             <a:r>
               <a:rPr lang="en-US" dirty="0" err="1">
-                <a:ea typeface="+mn-lt"/>
-                <a:cs typeface="+mn-lt"/>
-              </a:rPr>
-              <a:t>func</a:t>
-            </a:r>
-            <a:r>
-              <a:rPr lang="en-US" dirty="0">
-                <a:ea typeface="+mn-lt"/>
-                <a:cs typeface="+mn-lt"/>
-              </a:rPr>
-              <a:t>) =&gt; {</a:t>
-            </a:r>
-            <a:endParaRPr lang="en-US"/>
+                <a:cs typeface="Calibri"/>
+              </a:rPr>
+              <a:t>pureheavyComputation</a:t>
+            </a:r>
+            <a:r>
+              <a:rPr lang="en-US" dirty="0">
+                <a:cs typeface="Calibri"/>
+              </a:rPr>
+              <a:t>(data) {</a:t>
+            </a:r>
           </a:p>
           <a:p>
             <a:pPr marL="0" indent="0">
@@ -4161,93 +4513,145 @@
             </a:pPr>
             <a:r>
               <a:rPr lang="en-US" dirty="0">
-                <a:ea typeface="+mn-lt"/>
-                <a:cs typeface="+mn-lt"/>
-              </a:rPr>
-              <a:t>  const results = {};</a:t>
-            </a:r>
-            <a:endParaRPr lang="en-US">
+                <a:cs typeface="Calibri"/>
+              </a:rPr>
+              <a:t>...</a:t>
+            </a:r>
+          </a:p>
+          <a:p>
+            <a:pPr marL="0" indent="0">
+              <a:buNone/>
+            </a:pPr>
+            <a:r>
+              <a:rPr lang="en-US" dirty="0">
+                <a:cs typeface="Calibri"/>
+              </a:rPr>
+              <a:t>}</a:t>
+            </a:r>
+          </a:p>
+        </p:txBody>
+      </p:sp>
+      <p:sp>
+        <p:nvSpPr>
+          <p:cNvPr id="13" name="TextBox 12">
+            <a:extLst>
+              <a:ext uri="{FF2B5EF4-FFF2-40B4-BE49-F238E27FC236}">
+                <a16:creationId xmlns:a16="http://schemas.microsoft.com/office/drawing/2014/main" id="{2BD4EECA-181D-2146-0138-1ED87782FB2A}"/>
+              </a:ext>
+            </a:extLst>
+          </p:cNvPr>
+          <p:cNvSpPr txBox="1"/>
+          <p:nvPr/>
+        </p:nvSpPr>
+        <p:spPr>
+          <a:xfrm>
+            <a:off x="632436" y="1101130"/>
+            <a:ext cx="10918902" cy="2862322"/>
+          </a:xfrm>
+          <a:prstGeom prst="rect">
+            <a:avLst/>
+          </a:prstGeom>
+          <a:noFill/>
+        </p:spPr>
+        <p:txBody>
+          <a:bodyPr rot="0" spcFirstLastPara="0" vertOverflow="overflow" horzOverflow="overflow" vert="horz" wrap="square" lIns="91440" tIns="45720" rIns="91440" bIns="45720" numCol="1" spcCol="0" rtlCol="0" fromWordArt="0" anchor="t" anchorCtr="0" forceAA="0" compatLnSpc="1">
+            <a:prstTxWarp prst="textNoShape">
+              <a:avLst/>
+            </a:prstTxWarp>
+            <a:spAutoFit/>
+          </a:bodyPr>
+          <a:lstStyle/>
+          <a:p>
+            <a:r>
+              <a:rPr lang="en-US" b="1" dirty="0">
+                <a:ea typeface="+mn-lt"/>
+                <a:cs typeface="+mn-lt"/>
+              </a:rPr>
+              <a:t>Optimizing the underlying algorithm</a:t>
+            </a:r>
+            <a:endParaRPr lang="en-US" b="1" dirty="0">
               <a:cs typeface="Calibri"/>
             </a:endParaRPr>
           </a:p>
           <a:p>
-            <a:pPr marL="0" indent="0">
-              <a:buNone/>
-            </a:pPr>
-            <a:r>
-              <a:rPr lang="en-US" dirty="0">
-                <a:ea typeface="+mn-lt"/>
-                <a:cs typeface="+mn-lt"/>
-              </a:rPr>
-              <a:t>  return (...</a:t>
+            <a:endParaRPr lang="en-US" dirty="0">
+              <a:cs typeface="Calibri"/>
+            </a:endParaRPr>
+          </a:p>
+          <a:p>
+            <a:r>
+              <a:rPr lang="en-US" b="1" dirty="0">
+                <a:cs typeface="Calibri"/>
+              </a:rPr>
+              <a:t>Don't use </a:t>
+            </a:r>
+            <a:r>
+              <a:rPr lang="en-US" b="1" dirty="0" err="1">
+                <a:cs typeface="Calibri"/>
+              </a:rPr>
+              <a:t>inpure</a:t>
+            </a:r>
+            <a:r>
+              <a:rPr lang="en-US" b="1" dirty="0">
+                <a:cs typeface="Calibri"/>
+              </a:rPr>
+              <a:t> heavy computation methods in template</a:t>
+            </a:r>
+          </a:p>
+          <a:p>
+            <a:r>
+              <a:rPr lang="en-US" dirty="0">
+                <a:cs typeface="Calibri"/>
+              </a:rPr>
+              <a:t>&lt;div {{ </a:t>
             </a:r>
             <a:r>
               <a:rPr lang="en-US" dirty="0" err="1">
-                <a:ea typeface="+mn-lt"/>
-                <a:cs typeface="+mn-lt"/>
-              </a:rPr>
-              <a:t>args</a:t>
-            </a:r>
-            <a:r>
-              <a:rPr lang="en-US" dirty="0">
-                <a:ea typeface="+mn-lt"/>
-                <a:cs typeface="+mn-lt"/>
-              </a:rPr>
-              <a:t>) =&gt; {</a:t>
-            </a:r>
-          </a:p>
-          <a:p>
-            <a:pPr marL="0" indent="0">
-              <a:buNone/>
-            </a:pPr>
-            <a:r>
-              <a:rPr lang="en-US" dirty="0">
-                <a:ea typeface="+mn-lt"/>
-                <a:cs typeface="+mn-lt"/>
-              </a:rPr>
-              <a:t>    const </a:t>
+                <a:cs typeface="Calibri"/>
+              </a:rPr>
+              <a:t>inpureHeavyComputation</a:t>
+            </a:r>
+            <a:r>
+              <a:rPr lang="en-US" dirty="0">
+                <a:cs typeface="Calibri"/>
+              </a:rPr>
+              <a:t>(data) }}&gt;</a:t>
+            </a:r>
+          </a:p>
+          <a:p>
+            <a:endParaRPr lang="en-US" dirty="0">
+              <a:cs typeface="Calibri"/>
+            </a:endParaRPr>
+          </a:p>
+          <a:p>
+            <a:r>
+              <a:rPr lang="en-US" b="1" dirty="0">
+                <a:cs typeface="Calibri"/>
+              </a:rPr>
+              <a:t>Use pure pipes for caching (impure pipes are called on each detection cycle)</a:t>
+            </a:r>
+            <a:br>
+              <a:rPr lang="en-US" dirty="0">
+                <a:cs typeface="Calibri"/>
+              </a:rPr>
+            </a:br>
+            <a:r>
+              <a:rPr lang="en-US" dirty="0">
+                <a:cs typeface="Calibri"/>
+              </a:rPr>
+              <a:t>&lt;div {{  data | </a:t>
             </a:r>
             <a:r>
               <a:rPr lang="en-US" dirty="0" err="1">
-                <a:ea typeface="+mn-lt"/>
-                <a:cs typeface="+mn-lt"/>
-              </a:rPr>
-              <a:t>argsKey</a:t>
-            </a:r>
-            <a:r>
-              <a:rPr lang="en-US" dirty="0">
-                <a:ea typeface="+mn-lt"/>
-                <a:cs typeface="+mn-lt"/>
-              </a:rPr>
-              <a:t> = </a:t>
-            </a:r>
-            <a:r>
-              <a:rPr lang="en-US" dirty="0" err="1">
-                <a:ea typeface="+mn-lt"/>
-                <a:cs typeface="+mn-lt"/>
-              </a:rPr>
-              <a:t>JSON.stringify</a:t>
-            </a:r>
-            <a:r>
-              <a:rPr lang="en-US" dirty="0">
-                <a:ea typeface="+mn-lt"/>
-                <a:cs typeface="+mn-lt"/>
-              </a:rPr>
-              <a:t>(</a:t>
-            </a:r>
-            <a:r>
-              <a:rPr lang="en-US" dirty="0" err="1">
-                <a:ea typeface="+mn-lt"/>
-                <a:cs typeface="+mn-lt"/>
-              </a:rPr>
-              <a:t>args</a:t>
-            </a:r>
-            <a:r>
-              <a:rPr lang="en-US" dirty="0">
-                <a:ea typeface="+mn-lt"/>
-                <a:cs typeface="+mn-lt"/>
-              </a:rPr>
-              <a:t>);</a:t>
+                <a:cs typeface="Calibri"/>
+              </a:rPr>
+              <a:t>customPurePipe</a:t>
+            </a:r>
+            <a:r>
+              <a:rPr lang="en-US" dirty="0">
+                <a:cs typeface="Calibri"/>
+              </a:rPr>
+              <a:t> }}&gt;</a:t>
             </a:r>
             <a:endParaRPr lang="en-US">
               <a:ea typeface="+mn-lt"/>
@@ -4255,388 +4659,40 @@
             </a:endParaRPr>
           </a:p>
           <a:p>
-            <a:pPr marL="0" indent="0">
-              <a:buNone/>
-            </a:pPr>
-            <a:r>
-              <a:rPr lang="en-US" dirty="0">
-                <a:ea typeface="+mn-lt"/>
-                <a:cs typeface="+mn-lt"/>
-              </a:rPr>
-              <a:t>    if (!results[</a:t>
-            </a:r>
-            <a:r>
-              <a:rPr lang="en-US" dirty="0" err="1">
-                <a:ea typeface="+mn-lt"/>
-                <a:cs typeface="+mn-lt"/>
-              </a:rPr>
-              <a:t>argsKey</a:t>
-            </a:r>
-            <a:r>
-              <a:rPr lang="en-US" dirty="0">
-                <a:ea typeface="+mn-lt"/>
-                <a:cs typeface="+mn-lt"/>
-              </a:rPr>
-              <a:t>]) {</a:t>
-            </a:r>
-          </a:p>
-          <a:p>
-            <a:pPr marL="0" indent="0">
-              <a:buNone/>
-            </a:pPr>
-            <a:r>
-              <a:rPr lang="en-US" dirty="0">
-                <a:ea typeface="+mn-lt"/>
-                <a:cs typeface="+mn-lt"/>
-              </a:rPr>
-              <a:t>      results[</a:t>
-            </a:r>
-            <a:r>
-              <a:rPr lang="en-US" dirty="0" err="1">
-                <a:ea typeface="+mn-lt"/>
-                <a:cs typeface="+mn-lt"/>
-              </a:rPr>
-              <a:t>argsKey</a:t>
-            </a:r>
-            <a:r>
-              <a:rPr lang="en-US" dirty="0">
-                <a:ea typeface="+mn-lt"/>
-                <a:cs typeface="+mn-lt"/>
-              </a:rPr>
-              <a:t>] = </a:t>
-            </a:r>
-            <a:r>
-              <a:rPr lang="en-US" dirty="0" err="1">
-                <a:ea typeface="+mn-lt"/>
-                <a:cs typeface="+mn-lt"/>
-              </a:rPr>
-              <a:t>func</a:t>
-            </a:r>
-            <a:r>
-              <a:rPr lang="en-US" dirty="0">
-                <a:ea typeface="+mn-lt"/>
-                <a:cs typeface="+mn-lt"/>
-              </a:rPr>
-              <a:t>(...</a:t>
-            </a:r>
-            <a:r>
-              <a:rPr lang="en-US" dirty="0" err="1">
-                <a:ea typeface="+mn-lt"/>
-                <a:cs typeface="+mn-lt"/>
-              </a:rPr>
-              <a:t>args</a:t>
-            </a:r>
-            <a:r>
-              <a:rPr lang="en-US" dirty="0">
-                <a:ea typeface="+mn-lt"/>
-                <a:cs typeface="+mn-lt"/>
-              </a:rPr>
-              <a:t>);</a:t>
-            </a:r>
-            <a:endParaRPr lang="en-US">
-              <a:cs typeface="Calibri"/>
-            </a:endParaRPr>
-          </a:p>
-          <a:p>
-            <a:pPr marL="0" indent="0">
-              <a:buNone/>
-            </a:pPr>
-            <a:r>
-              <a:rPr lang="en-US" dirty="0">
-                <a:ea typeface="+mn-lt"/>
-                <a:cs typeface="+mn-lt"/>
-              </a:rPr>
-              <a:t>    }</a:t>
-            </a:r>
-          </a:p>
-          <a:p>
-            <a:pPr marL="0" indent="0">
-              <a:buNone/>
-            </a:pPr>
-            <a:r>
-              <a:rPr lang="en-US" dirty="0">
-                <a:ea typeface="+mn-lt"/>
-                <a:cs typeface="+mn-lt"/>
-              </a:rPr>
-              <a:t>    return results[</a:t>
-            </a:r>
-            <a:r>
-              <a:rPr lang="en-US" dirty="0" err="1">
-                <a:ea typeface="+mn-lt"/>
-                <a:cs typeface="+mn-lt"/>
-              </a:rPr>
-              <a:t>argsKey</a:t>
-            </a:r>
-            <a:r>
-              <a:rPr lang="en-US" dirty="0">
-                <a:ea typeface="+mn-lt"/>
-                <a:cs typeface="+mn-lt"/>
-              </a:rPr>
-              <a:t>];</a:t>
-            </a:r>
-            <a:endParaRPr lang="en-US">
-              <a:cs typeface="Calibri"/>
-            </a:endParaRPr>
-          </a:p>
-          <a:p>
-            <a:pPr marL="0" indent="0">
-              <a:buNone/>
-            </a:pPr>
-            <a:r>
-              <a:rPr lang="en-US" dirty="0">
-                <a:ea typeface="+mn-lt"/>
-                <a:cs typeface="+mn-lt"/>
-              </a:rPr>
-              <a:t>  };</a:t>
-            </a:r>
-            <a:endParaRPr lang="en-US">
-              <a:cs typeface="Calibri"/>
-            </a:endParaRPr>
-          </a:p>
-          <a:p>
-            <a:pPr marL="0" indent="0">
-              <a:buNone/>
-            </a:pPr>
-            <a:r>
-              <a:rPr lang="en-US" dirty="0">
-                <a:cs typeface="Calibri"/>
-              </a:rPr>
-              <a:t>};</a:t>
-            </a:r>
-            <a:endParaRPr lang="en-US">
-              <a:cs typeface="Calibri"/>
-            </a:endParaRPr>
-          </a:p>
-          <a:p>
-            <a:pPr marL="0" indent="0">
-              <a:buNone/>
-            </a:pPr>
-            <a:r>
-              <a:rPr lang="en-US" dirty="0">
-                <a:ea typeface="+mn-lt"/>
-                <a:cs typeface="+mn-lt"/>
-              </a:rPr>
-              <a:t>  </a:t>
-            </a:r>
-            <a:r>
-              <a:rPr lang="en-US" dirty="0" err="1">
-                <a:ea typeface="+mn-lt"/>
-                <a:cs typeface="+mn-lt"/>
-              </a:rPr>
-              <a:t>clumsysquare</a:t>
-            </a:r>
-            <a:r>
-              <a:rPr lang="en-US" dirty="0">
-                <a:ea typeface="+mn-lt"/>
-                <a:cs typeface="+mn-lt"/>
-              </a:rPr>
-              <a:t> = </a:t>
-            </a:r>
-            <a:r>
-              <a:rPr lang="en-US" dirty="0" err="1">
-                <a:ea typeface="+mn-lt"/>
-                <a:cs typeface="+mn-lt"/>
-              </a:rPr>
-              <a:t>memoize</a:t>
-            </a:r>
-            <a:r>
-              <a:rPr lang="en-US" dirty="0">
-                <a:ea typeface="+mn-lt"/>
-                <a:cs typeface="+mn-lt"/>
-              </a:rPr>
-              <a:t>((num: any) =&gt; {</a:t>
-            </a:r>
+            <a:pPr algn="l"/>
             <a:endParaRPr lang="en-US" dirty="0">
               <a:cs typeface="Calibri"/>
             </a:endParaRPr>
           </a:p>
           <a:p>
-            <a:pPr marL="0" indent="0">
-              <a:buNone/>
-            </a:pPr>
-            <a:r>
-              <a:rPr lang="en-US" dirty="0">
-                <a:ea typeface="+mn-lt"/>
-                <a:cs typeface="+mn-lt"/>
-              </a:rPr>
-              <a:t>    let result = 0;</a:t>
-            </a:r>
-            <a:endParaRPr lang="en-US" dirty="0">
-              <a:cs typeface="Calibri" panose="020F0502020204030204"/>
-            </a:endParaRPr>
-          </a:p>
-          <a:p>
-            <a:pPr marL="0" indent="0">
-              <a:buNone/>
-            </a:pPr>
-            <a:r>
-              <a:rPr lang="en-US" dirty="0">
-                <a:ea typeface="+mn-lt"/>
-                <a:cs typeface="+mn-lt"/>
-              </a:rPr>
-              <a:t>    for (let </a:t>
-            </a:r>
-            <a:r>
-              <a:rPr lang="en-US" dirty="0" err="1">
-                <a:ea typeface="+mn-lt"/>
-                <a:cs typeface="+mn-lt"/>
-              </a:rPr>
-              <a:t>i</a:t>
-            </a:r>
-            <a:r>
-              <a:rPr lang="en-US" dirty="0">
-                <a:ea typeface="+mn-lt"/>
-                <a:cs typeface="+mn-lt"/>
-              </a:rPr>
-              <a:t> = 1; </a:t>
-            </a:r>
-            <a:r>
-              <a:rPr lang="en-US" dirty="0" err="1">
-                <a:ea typeface="+mn-lt"/>
-                <a:cs typeface="+mn-lt"/>
-              </a:rPr>
-              <a:t>i</a:t>
-            </a:r>
-            <a:r>
-              <a:rPr lang="en-US" dirty="0">
-                <a:ea typeface="+mn-lt"/>
-                <a:cs typeface="+mn-lt"/>
-              </a:rPr>
-              <a:t> &lt;= num; </a:t>
-            </a:r>
-            <a:r>
-              <a:rPr lang="en-US" dirty="0" err="1">
-                <a:ea typeface="+mn-lt"/>
-                <a:cs typeface="+mn-lt"/>
-              </a:rPr>
-              <a:t>i</a:t>
-            </a:r>
-            <a:r>
-              <a:rPr lang="en-US" dirty="0">
-                <a:ea typeface="+mn-lt"/>
-                <a:cs typeface="+mn-lt"/>
-              </a:rPr>
-              <a:t>++) {</a:t>
-            </a:r>
-            <a:endParaRPr lang="en-US" dirty="0">
-              <a:cs typeface="Calibri" panose="020F0502020204030204"/>
-            </a:endParaRPr>
-          </a:p>
-          <a:p>
-            <a:pPr marL="0" indent="0">
-              <a:buNone/>
-            </a:pPr>
-            <a:r>
-              <a:rPr lang="en-US" dirty="0">
-                <a:ea typeface="+mn-lt"/>
-                <a:cs typeface="+mn-lt"/>
-              </a:rPr>
-              <a:t>      for (let j = 1; j &lt;= num; </a:t>
-            </a:r>
-            <a:r>
-              <a:rPr lang="en-US" dirty="0" err="1">
-                <a:ea typeface="+mn-lt"/>
-                <a:cs typeface="+mn-lt"/>
-              </a:rPr>
-              <a:t>j++</a:t>
-            </a:r>
-            <a:r>
-              <a:rPr lang="en-US" dirty="0">
-                <a:ea typeface="+mn-lt"/>
-                <a:cs typeface="+mn-lt"/>
-              </a:rPr>
-              <a:t>) {</a:t>
-            </a:r>
-            <a:endParaRPr lang="en-US" dirty="0">
-              <a:cs typeface="Calibri" panose="020F0502020204030204"/>
-            </a:endParaRPr>
-          </a:p>
-          <a:p>
-            <a:pPr marL="0" indent="0">
-              <a:buNone/>
-            </a:pPr>
-            <a:r>
-              <a:rPr lang="en-US" dirty="0">
-                <a:ea typeface="+mn-lt"/>
-                <a:cs typeface="+mn-lt"/>
-              </a:rPr>
-              <a:t>        result++;</a:t>
-            </a:r>
-            <a:endParaRPr lang="en-US" dirty="0">
-              <a:cs typeface="Calibri" panose="020F0502020204030204"/>
-            </a:endParaRPr>
-          </a:p>
-          <a:p>
-            <a:pPr marL="0" indent="0">
-              <a:buNone/>
-            </a:pPr>
-            <a:r>
-              <a:rPr lang="en-US" dirty="0">
-                <a:ea typeface="+mn-lt"/>
-                <a:cs typeface="+mn-lt"/>
-              </a:rPr>
-              <a:t>      }</a:t>
-            </a:r>
-            <a:endParaRPr lang="en-US" dirty="0">
-              <a:cs typeface="Calibri" panose="020F0502020204030204"/>
-            </a:endParaRPr>
-          </a:p>
-          <a:p>
-            <a:pPr marL="0" indent="0">
-              <a:buNone/>
-            </a:pPr>
-            <a:r>
-              <a:rPr lang="en-US" dirty="0">
-                <a:ea typeface="+mn-lt"/>
-                <a:cs typeface="+mn-lt"/>
-              </a:rPr>
-              <a:t>    }</a:t>
-            </a:r>
-            <a:endParaRPr lang="en-US" dirty="0">
-              <a:cs typeface="Calibri" panose="020F0502020204030204"/>
-            </a:endParaRPr>
-          </a:p>
-          <a:p>
-            <a:pPr marL="0" indent="0">
-              <a:buNone/>
-            </a:pPr>
-            <a:r>
-              <a:rPr lang="en-US" dirty="0">
-                <a:ea typeface="+mn-lt"/>
-                <a:cs typeface="+mn-lt"/>
-              </a:rPr>
-              <a:t>    return result;</a:t>
-            </a:r>
-            <a:endParaRPr lang="en-US" dirty="0">
-              <a:cs typeface="Calibri" panose="020F0502020204030204"/>
-            </a:endParaRPr>
-          </a:p>
-          <a:p>
-            <a:pPr marL="0" indent="0">
-              <a:buNone/>
-            </a:pPr>
-            <a:r>
-              <a:rPr lang="en-US" dirty="0">
-                <a:ea typeface="+mn-lt"/>
-                <a:cs typeface="+mn-lt"/>
-              </a:rPr>
-              <a:t>  });</a:t>
+            <a:r>
+              <a:rPr lang="en-US" dirty="0">
+                <a:ea typeface="+mn-lt"/>
+                <a:cs typeface="+mn-lt"/>
+                <a:hlinkClick r:id="rId2"/>
+              </a:rPr>
+              <a:t>https://angular.io/guide/pipes</a:t>
             </a:r>
             <a:endParaRPr lang="en-US" dirty="0">
               <a:cs typeface="Calibri"/>
             </a:endParaRPr>
           </a:p>
           <a:p>
-            <a:endParaRPr lang="en-US" dirty="0">
-              <a:cs typeface="Calibri"/>
-            </a:endParaRPr>
+            <a:r>
+              <a:rPr lang="en-US" dirty="0">
+                <a:ea typeface="+mn-lt"/>
+                <a:cs typeface="+mn-lt"/>
+              </a:rPr>
+              <a:t>Pipes are simple functions to use in templates to accept an input value and return a transformed value</a:t>
+            </a:r>
+            <a:endParaRPr lang="en-US" dirty="0"/>
           </a:p>
         </p:txBody>
       </p:sp>
     </p:spTree>
     <p:extLst>
       <p:ext uri="{BB962C8B-B14F-4D97-AF65-F5344CB8AC3E}">
-        <p14:creationId xmlns:p14="http://schemas.microsoft.com/office/powerpoint/2010/main" val="740552653"/>
+        <p14:creationId xmlns:p14="http://schemas.microsoft.com/office/powerpoint/2010/main" val="1686636256"/>
       </p:ext>
     </p:extLst>
   </p:cSld>
@@ -4665,10 +4721,10 @@
       </p:grpSpPr>
       <p:sp>
         <p:nvSpPr>
-          <p:cNvPr id="3" name="Content Placeholder 2">
+          <p:cNvPr id="2" name="Title 1">
             <a:extLst>
               <a:ext uri="{FF2B5EF4-FFF2-40B4-BE49-F238E27FC236}">
-                <a16:creationId xmlns:a16="http://schemas.microsoft.com/office/drawing/2014/main" id="{4EDFCBE4-4496-7E4C-6931-113B93D648A7}"/>
+                <a16:creationId xmlns:a16="http://schemas.microsoft.com/office/drawing/2014/main" id="{30C45C01-B5D0-312B-EC44-641A73D61692}"/>
               </a:ext>
             </a:extLst>
           </p:cNvPr>
@@ -4676,76 +4732,124 @@
             <a:spLocks noGrp="1"/>
           </p:cNvSpPr>
           <p:nvPr>
-            <p:ph idx="1"/>
+            <p:ph type="title"/>
           </p:nvPr>
         </p:nvSpPr>
         <p:spPr>
           <a:xfrm>
-            <a:off x="838200" y="403845"/>
-            <a:ext cx="4445876" cy="4919368"/>
+            <a:off x="671787" y="242504"/>
+            <a:ext cx="10515600" cy="204460"/>
           </a:xfrm>
         </p:spPr>
         <p:txBody>
-          <a:bodyPr vert="horz" lIns="91440" tIns="45720" rIns="91440" bIns="45720" rtlCol="0" anchor="t">
-            <a:normAutofit fontScale="32500" lnSpcReduction="20000"/>
+          <a:bodyPr vert="horz" lIns="91440" tIns="45720" rIns="91440" bIns="45720" rtlCol="0" anchor="ctr">
+            <a:noAutofit/>
           </a:bodyPr>
           <a:lstStyle/>
           <a:p>
-            <a:pPr>
+            <a:r>
+              <a:rPr lang="en-US" sz="1600" dirty="0">
+                <a:ea typeface="+mj-lt"/>
+                <a:cs typeface="+mj-lt"/>
+                <a:hlinkClick r:id="rId2"/>
+              </a:rPr>
+              <a:t>https://www.section.io/engineering-education/an-introduction-to-memoization-in-javascript/</a:t>
+            </a:r>
+            <a:br>
+              <a:rPr lang="en-US" sz="1600" dirty="0">
+                <a:ea typeface="+mj-lt"/>
+                <a:cs typeface="+mj-lt"/>
+              </a:rPr>
+            </a:br>
+            <a:endParaRPr lang="en-US" sz="1600">
+              <a:cs typeface="Calibri Light"/>
+            </a:endParaRPr>
+          </a:p>
+        </p:txBody>
+      </p:sp>
+      <p:sp>
+        <p:nvSpPr>
+          <p:cNvPr id="4" name="Content Placeholder 3">
+            <a:extLst>
+              <a:ext uri="{FF2B5EF4-FFF2-40B4-BE49-F238E27FC236}">
+                <a16:creationId xmlns:a16="http://schemas.microsoft.com/office/drawing/2014/main" id="{13AB32A5-4E81-073A-CD89-E24C9E6915DA}"/>
+              </a:ext>
+            </a:extLst>
+          </p:cNvPr>
+          <p:cNvSpPr>
+            <a:spLocks noGrp="1"/>
+          </p:cNvSpPr>
+          <p:nvPr>
+            <p:ph sz="half" idx="2"/>
+          </p:nvPr>
+        </p:nvSpPr>
+        <p:spPr>
+          <a:xfrm>
+            <a:off x="733097" y="441763"/>
+            <a:ext cx="10620703" cy="5735200"/>
+          </a:xfrm>
+        </p:spPr>
+        <p:txBody>
+          <a:bodyPr vert="horz" lIns="91440" tIns="45720" rIns="91440" bIns="45720" rtlCol="0" anchor="t">
+            <a:normAutofit fontScale="47500" lnSpcReduction="20000"/>
+          </a:bodyPr>
+          <a:lstStyle/>
+          <a:p>
+            <a:pPr marL="0" indent="0">
               <a:buNone/>
             </a:pPr>
             <a:r>
-              <a:rPr lang="en-US" dirty="0">
-                <a:ea typeface="+mn-lt"/>
-                <a:cs typeface="+mn-lt"/>
-              </a:rPr>
-              <a:t>// </a:t>
+              <a:rPr lang="en-US" b="1" dirty="0">
+                <a:ea typeface="+mn-lt"/>
+                <a:cs typeface="+mn-lt"/>
+              </a:rPr>
+              <a:t>Vanilla </a:t>
+            </a:r>
+            <a:r>
+              <a:rPr lang="en-US" b="1" dirty="0" err="1">
+                <a:ea typeface="+mn-lt"/>
+                <a:cs typeface="+mn-lt"/>
+              </a:rPr>
+              <a:t>Javascript</a:t>
+            </a:r>
+            <a:r>
+              <a:rPr lang="en-US" b="1" dirty="0">
+                <a:ea typeface="+mn-lt"/>
+                <a:cs typeface="+mn-lt"/>
+              </a:rPr>
+              <a:t> implementation</a:t>
+            </a:r>
+          </a:p>
+          <a:p>
+            <a:pPr marL="0" indent="0">
+              <a:buNone/>
+            </a:pPr>
+            <a:r>
+              <a:rPr lang="en-US" dirty="0">
+                <a:ea typeface="+mn-lt"/>
+                <a:cs typeface="+mn-lt"/>
+              </a:rPr>
+              <a:t>const </a:t>
             </a:r>
             <a:r>
               <a:rPr lang="en-US" dirty="0" err="1">
                 <a:ea typeface="+mn-lt"/>
                 <a:cs typeface="+mn-lt"/>
               </a:rPr>
-              <a:t>memoization</a:t>
-            </a:r>
-            <a:r>
-              <a:rPr lang="en-US" dirty="0">
-                <a:ea typeface="+mn-lt"/>
-                <a:cs typeface="+mn-lt"/>
-              </a:rPr>
-              <a:t> method</a:t>
-            </a:r>
-          </a:p>
-          <a:p>
-            <a:pPr>
-              <a:buNone/>
-            </a:pPr>
-            <a:r>
-              <a:rPr lang="en-US" dirty="0">
-                <a:ea typeface="+mn-lt"/>
-                <a:cs typeface="+mn-lt"/>
-              </a:rPr>
-              <a:t>export function </a:t>
+              <a:t>memoize</a:t>
+            </a:r>
+            <a:r>
+              <a:rPr lang="en-US" dirty="0">
+                <a:ea typeface="+mn-lt"/>
+                <a:cs typeface="+mn-lt"/>
+              </a:rPr>
+              <a:t> = (</a:t>
             </a:r>
             <a:r>
               <a:rPr lang="en-US" dirty="0" err="1">
                 <a:ea typeface="+mn-lt"/>
                 <a:cs typeface="+mn-lt"/>
               </a:rPr>
-              <a:t>memoizee</a:t>
-            </a:r>
-            <a:r>
-              <a:rPr lang="en-US" dirty="0">
-                <a:ea typeface="+mn-lt"/>
-                <a:cs typeface="+mn-lt"/>
-              </a:rPr>
-              <a:t>(</a:t>
-            </a:r>
-            <a:r>
-              <a:rPr lang="en-US" dirty="0" err="1">
-                <a:ea typeface="+mn-lt"/>
-                <a:cs typeface="+mn-lt"/>
-              </a:rPr>
               <a:t>func</a:t>
             </a:r>
             <a:r>
@@ -4753,14 +4857,14 @@
                 <a:ea typeface="+mn-lt"/>
                 <a:cs typeface="+mn-lt"/>
               </a:rPr>
-              <a:t>: any) {</a:t>
+              <a:t>) =&gt; {</a:t>
             </a:r>
             <a:endParaRPr lang="en-US">
               <a:cs typeface="Calibri"/>
             </a:endParaRPr>
           </a:p>
           <a:p>
-            <a:pPr>
+            <a:pPr marL="0" indent="0">
               <a:buNone/>
             </a:pPr>
             <a:r>
@@ -4768,288 +4872,14 @@
                 <a:ea typeface="+mn-lt"/>
                 <a:cs typeface="+mn-lt"/>
               </a:rPr>
-              <a:t>  const results: any = {};</a:t>
-            </a:r>
-            <a:endParaRPr lang="en-US" dirty="0"/>
-          </a:p>
-          <a:p>
-            <a:pPr>
-              <a:buNone/>
-            </a:pPr>
-            <a:r>
-              <a:rPr lang="en-US" dirty="0">
-                <a:ea typeface="+mn-lt"/>
-                <a:cs typeface="+mn-lt"/>
-              </a:rPr>
-              <a:t>  return (...</a:t>
-            </a:r>
-            <a:r>
-              <a:rPr lang="en-US" dirty="0" err="1">
-                <a:ea typeface="+mn-lt"/>
-                <a:cs typeface="+mn-lt"/>
-              </a:rPr>
-              <a:t>args</a:t>
-            </a:r>
-            <a:r>
-              <a:rPr lang="en-US" dirty="0">
-                <a:ea typeface="+mn-lt"/>
-                <a:cs typeface="+mn-lt"/>
-              </a:rPr>
-              <a:t>: any) =&gt; {</a:t>
-            </a:r>
-            <a:endParaRPr lang="en-US" dirty="0"/>
-          </a:p>
-          <a:p>
-            <a:pPr>
-              <a:buNone/>
-            </a:pPr>
-            <a:r>
-              <a:rPr lang="en-US" dirty="0">
-                <a:ea typeface="+mn-lt"/>
-                <a:cs typeface="+mn-lt"/>
-              </a:rPr>
-              <a:t>    const </a:t>
-            </a:r>
-            <a:r>
-              <a:rPr lang="en-US" dirty="0" err="1">
-                <a:ea typeface="+mn-lt"/>
-                <a:cs typeface="+mn-lt"/>
-              </a:rPr>
-              <a:t>argsKey</a:t>
-            </a:r>
-            <a:r>
-              <a:rPr lang="en-US" dirty="0">
-                <a:ea typeface="+mn-lt"/>
-                <a:cs typeface="+mn-lt"/>
-              </a:rPr>
-              <a:t> = </a:t>
-            </a:r>
-            <a:r>
-              <a:rPr lang="en-US" dirty="0" err="1">
-                <a:ea typeface="+mn-lt"/>
-                <a:cs typeface="+mn-lt"/>
-              </a:rPr>
-              <a:t>JSON.stringify</a:t>
-            </a:r>
-            <a:r>
-              <a:rPr lang="en-US" dirty="0">
-                <a:ea typeface="+mn-lt"/>
-                <a:cs typeface="+mn-lt"/>
-              </a:rPr>
-              <a:t>(</a:t>
-            </a:r>
-            <a:r>
-              <a:rPr lang="en-US" dirty="0" err="1">
-                <a:ea typeface="+mn-lt"/>
-                <a:cs typeface="+mn-lt"/>
-              </a:rPr>
-              <a:t>args</a:t>
-            </a:r>
-            <a:r>
-              <a:rPr lang="en-US" dirty="0">
-                <a:ea typeface="+mn-lt"/>
-                <a:cs typeface="+mn-lt"/>
-              </a:rPr>
-              <a:t>);</a:t>
-            </a:r>
-            <a:endParaRPr lang="en-US" dirty="0"/>
-          </a:p>
-          <a:p>
-            <a:pPr>
-              <a:buNone/>
-            </a:pPr>
-            <a:r>
-              <a:rPr lang="en-US" dirty="0">
-                <a:ea typeface="+mn-lt"/>
-                <a:cs typeface="+mn-lt"/>
-              </a:rPr>
-              <a:t>    if (!results[</a:t>
-            </a:r>
-            <a:r>
-              <a:rPr lang="en-US" dirty="0" err="1">
-                <a:ea typeface="+mn-lt"/>
-                <a:cs typeface="+mn-lt"/>
-              </a:rPr>
-              <a:t>argsKey</a:t>
-            </a:r>
-            <a:r>
-              <a:rPr lang="en-US" dirty="0">
-                <a:ea typeface="+mn-lt"/>
-                <a:cs typeface="+mn-lt"/>
-              </a:rPr>
-              <a:t>]) {</a:t>
-            </a:r>
-            <a:endParaRPr lang="en-US" dirty="0"/>
-          </a:p>
-          <a:p>
-            <a:pPr>
-              <a:buNone/>
-            </a:pPr>
-            <a:r>
-              <a:rPr lang="en-US" dirty="0">
-                <a:ea typeface="+mn-lt"/>
-                <a:cs typeface="+mn-lt"/>
-              </a:rPr>
-              <a:t>      results[</a:t>
-            </a:r>
-            <a:r>
-              <a:rPr lang="en-US" dirty="0" err="1">
-                <a:ea typeface="+mn-lt"/>
-                <a:cs typeface="+mn-lt"/>
-              </a:rPr>
-              <a:t>argsKey</a:t>
-            </a:r>
-            <a:r>
-              <a:rPr lang="en-US" dirty="0">
-                <a:ea typeface="+mn-lt"/>
-                <a:cs typeface="+mn-lt"/>
-              </a:rPr>
-              <a:t>] = </a:t>
-            </a:r>
-            <a:r>
-              <a:rPr lang="en-US" dirty="0" err="1">
-                <a:ea typeface="+mn-lt"/>
-                <a:cs typeface="+mn-lt"/>
-              </a:rPr>
-              <a:t>func</a:t>
-            </a:r>
-            <a:r>
-              <a:rPr lang="en-US" dirty="0">
-                <a:ea typeface="+mn-lt"/>
-                <a:cs typeface="+mn-lt"/>
-              </a:rPr>
-              <a:t>(...</a:t>
-            </a:r>
-            <a:r>
-              <a:rPr lang="en-US" dirty="0" err="1">
-                <a:ea typeface="+mn-lt"/>
-                <a:cs typeface="+mn-lt"/>
-              </a:rPr>
-              <a:t>args</a:t>
-            </a:r>
-            <a:r>
-              <a:rPr lang="en-US" dirty="0">
-                <a:ea typeface="+mn-lt"/>
-                <a:cs typeface="+mn-lt"/>
-              </a:rPr>
-              <a:t>);</a:t>
-            </a:r>
-            <a:endParaRPr lang="en-US" dirty="0"/>
-          </a:p>
-          <a:p>
-            <a:pPr>
-              <a:buNone/>
-            </a:pPr>
-            <a:r>
-              <a:rPr lang="en-US" dirty="0">
-                <a:ea typeface="+mn-lt"/>
-                <a:cs typeface="+mn-lt"/>
-              </a:rPr>
-              <a:t>    }</a:t>
-            </a:r>
-            <a:endParaRPr lang="en-US" dirty="0"/>
-          </a:p>
-          <a:p>
-            <a:pPr>
-              <a:buNone/>
-            </a:pPr>
-            <a:r>
-              <a:rPr lang="en-US" dirty="0">
-                <a:ea typeface="+mn-lt"/>
-                <a:cs typeface="+mn-lt"/>
-              </a:rPr>
-              <a:t>    return results[</a:t>
-            </a:r>
-            <a:r>
-              <a:rPr lang="en-US" dirty="0" err="1">
-                <a:ea typeface="+mn-lt"/>
-                <a:cs typeface="+mn-lt"/>
-              </a:rPr>
-              <a:t>argsKey</a:t>
-            </a:r>
-            <a:r>
-              <a:rPr lang="en-US" dirty="0">
-                <a:ea typeface="+mn-lt"/>
-                <a:cs typeface="+mn-lt"/>
-              </a:rPr>
-              <a:t>];</a:t>
-            </a:r>
-            <a:endParaRPr lang="en-US" dirty="0"/>
-          </a:p>
-          <a:p>
-            <a:pPr>
-              <a:buNone/>
-            </a:pPr>
-            <a:r>
-              <a:rPr lang="en-US" dirty="0">
-                <a:ea typeface="+mn-lt"/>
-                <a:cs typeface="+mn-lt"/>
-              </a:rPr>
-              <a:t>  };</a:t>
-            </a:r>
-            <a:endParaRPr lang="en-US" dirty="0"/>
-          </a:p>
-          <a:p>
-            <a:pPr>
-              <a:buNone/>
-            </a:pPr>
-            <a:r>
-              <a:rPr lang="en-US" dirty="0">
-                <a:ea typeface="+mn-lt"/>
-                <a:cs typeface="+mn-lt"/>
-              </a:rPr>
-              <a:t>};</a:t>
-            </a:r>
-            <a:br>
-              <a:rPr lang="en-US" dirty="0"/>
-            </a:br>
-            <a:endParaRPr lang="en-US">
-              <a:cs typeface="Calibri" panose="020F0502020204030204"/>
-            </a:endParaRPr>
-          </a:p>
-          <a:p>
-            <a:pPr>
-              <a:buNone/>
-            </a:pPr>
-            <a:r>
-              <a:rPr lang="en-US" dirty="0">
-                <a:ea typeface="+mn-lt"/>
-                <a:cs typeface="+mn-lt"/>
-              </a:rPr>
-              <a:t>// @memoize decorator</a:t>
-            </a:r>
-          </a:p>
-          <a:p>
-            <a:pPr>
-              <a:buNone/>
-            </a:pPr>
-            <a:r>
-              <a:rPr lang="en-US" dirty="0">
-                <a:ea typeface="+mn-lt"/>
-                <a:cs typeface="+mn-lt"/>
-              </a:rPr>
-              <a:t>export function </a:t>
-            </a:r>
-            <a:r>
-              <a:rPr lang="en-US" dirty="0" err="1">
-                <a:ea typeface="+mn-lt"/>
-                <a:cs typeface="+mn-lt"/>
-              </a:rPr>
-              <a:t>memoize</a:t>
-            </a:r>
-            <a:r>
-              <a:rPr lang="en-US" dirty="0">
-                <a:ea typeface="+mn-lt"/>
-                <a:cs typeface="+mn-lt"/>
-              </a:rPr>
-              <a:t>() {</a:t>
+              <a:t>  const results = {};</a:t>
             </a:r>
             <a:endParaRPr lang="en-US">
               <a:cs typeface="Calibri"/>
             </a:endParaRPr>
           </a:p>
           <a:p>
-            <a:pPr>
+            <a:pPr marL="0" indent="0">
               <a:buNone/>
             </a:pPr>
             <a:r>
@@ -5057,12 +4887,25 @@
                 <a:ea typeface="+mn-lt"/>
                 <a:cs typeface="+mn-lt"/>
               </a:rPr>
-              <a:t>  return function(target: any, key: any, descriptor: any) {</a:t>
-            </a:r>
-            <a:endParaRPr lang="en-US" dirty="0"/>
-          </a:p>
-          <a:p>
-            <a:pPr>
+              <a:t>  return (...</a:t>
+            </a:r>
+            <a:r>
+              <a:rPr lang="en-US" dirty="0" err="1">
+                <a:ea typeface="+mn-lt"/>
+                <a:cs typeface="+mn-lt"/>
+              </a:rPr>
+              <a:t>args</a:t>
+            </a:r>
+            <a:r>
+              <a:rPr lang="en-US" dirty="0">
+                <a:ea typeface="+mn-lt"/>
+                <a:cs typeface="+mn-lt"/>
+              </a:rPr>
+              <a:t>) =&gt; {</a:t>
+            </a:r>
+          </a:p>
+          <a:p>
+            <a:pPr marL="0" indent="0">
               <a:buNone/>
             </a:pPr>
             <a:r>
@@ -5070,14 +4913,14 @@
                 <a:ea typeface="+mn-lt"/>
                 <a:cs typeface="+mn-lt"/>
               </a:rPr>
-              <a:t>    const </a:t>
+              <a:t>    const </a:t>
             </a:r>
             <a:r>
               <a:rPr lang="en-US" dirty="0" err="1">
                 <a:ea typeface="+mn-lt"/>
                 <a:cs typeface="+mn-lt"/>
               </a:rPr>
-              <a:t>oldFunction</a:t>
+              <a:t>argsKey</a:t>
             </a:r>
             <a:r>
               <a:rPr lang="en-US" dirty="0">
@@ -5091,19 +4934,36 @@
                 <a:ea typeface="+mn-lt"/>
                 <a:cs typeface="+mn-lt"/>
               </a:rPr>
-              <a:t>descriptor.value</a:t>
-            </a:r>
-            <a:r>
-              <a:rPr lang="en-US" dirty="0">
-                <a:ea typeface="+mn-lt"/>
-                <a:cs typeface="+mn-lt"/>
-              </a:rPr>
-              <a:t>;</a:t>
-            </a:r>
-            <a:endParaRPr lang="en-US" dirty="0"/>
-          </a:p>
-          <a:p>
-            <a:pPr>
+              <a:t>JSON.stringify</a:t>
+            </a:r>
+            <a:r>
+              <a:rPr lang="en-US" dirty="0">
+                <a:ea typeface="+mn-lt"/>
+                <a:cs typeface="+mn-lt"/>
+              </a:rPr>
+              <a:t>(</a:t>
+            </a:r>
+            <a:r>
+              <a:rPr lang="en-US" dirty="0" err="1">
+                <a:ea typeface="+mn-lt"/>
+                <a:cs typeface="+mn-lt"/>
+              </a:rPr>
+              <a:t>args</a:t>
+            </a:r>
+            <a:r>
+              <a:rPr lang="en-US" dirty="0">
+                <a:ea typeface="+mn-lt"/>
+                <a:cs typeface="+mn-lt"/>
+              </a:rPr>
+              <a:t>);</a:t>
+            </a:r>
+            <a:endParaRPr lang="en-US">
+              <a:ea typeface="+mn-lt"/>
+              <a:cs typeface="+mn-lt"/>
+            </a:endParaRPr>
+          </a:p>
+          <a:p>
+            <a:pPr marL="0" indent="0">
               <a:buNone/>
             </a:pPr>
             <a:r>
@@ -5111,54 +4971,82 @@
                 <a:ea typeface="+mn-lt"/>
                 <a:cs typeface="+mn-lt"/>
               </a:rPr>
-              <a:t>    const </a:t>
+              <a:t>    if (!results[</a:t>
             </a:r>
             <a:r>
               <a:rPr lang="en-US" dirty="0" err="1">
                 <a:ea typeface="+mn-lt"/>
                 <a:cs typeface="+mn-lt"/>
               </a:rPr>
-              <a:t>newFunction</a:t>
-            </a:r>
-            <a:r>
-              <a:rPr lang="en-US" dirty="0">
-                <a:ea typeface="+mn-lt"/>
-                <a:cs typeface="+mn-lt"/>
-              </a:rPr>
-              <a:t>: any = </a:t>
+              <a:t>argsKey</a:t>
+            </a:r>
+            <a:r>
+              <a:rPr lang="en-US" dirty="0">
+                <a:ea typeface="+mn-lt"/>
+                <a:cs typeface="+mn-lt"/>
+              </a:rPr>
+              <a:t>]) {</a:t>
+            </a:r>
+          </a:p>
+          <a:p>
+            <a:pPr marL="0" indent="0">
+              <a:buNone/>
+            </a:pPr>
+            <a:r>
+              <a:rPr lang="en-US" dirty="0">
+                <a:ea typeface="+mn-lt"/>
+                <a:cs typeface="+mn-lt"/>
+              </a:rPr>
+              <a:t>      results[</a:t>
             </a:r>
             <a:r>
               <a:rPr lang="en-US" dirty="0" err="1">
                 <a:ea typeface="+mn-lt"/>
                 <a:cs typeface="+mn-lt"/>
               </a:rPr>
-              <a:t>memoizee</a:t>
-            </a:r>
-            <a:r>
-              <a:rPr lang="en-US" dirty="0">
-                <a:ea typeface="+mn-lt"/>
-                <a:cs typeface="+mn-lt"/>
-              </a:rPr>
-              <a:t>(</a:t>
+              <a:t>argsKey</a:t>
+            </a:r>
+            <a:r>
+              <a:rPr lang="en-US" dirty="0">
+                <a:ea typeface="+mn-lt"/>
+                <a:cs typeface="+mn-lt"/>
+              </a:rPr>
+              <a:t>] = </a:t>
             </a:r>
             <a:r>
               <a:rPr lang="en-US" dirty="0" err="1">
                 <a:ea typeface="+mn-lt"/>
                 <a:cs typeface="+mn-lt"/>
               </a:rPr>
-              <a:t>oldFunction</a:t>
-            </a:r>
-            <a:r>
-              <a:rPr lang="en-US" dirty="0">
-                <a:ea typeface="+mn-lt"/>
-                <a:cs typeface="+mn-lt"/>
-              </a:rPr>
-              <a:t>)</a:t>
-            </a:r>
-            <a:endParaRPr lang="en-US" dirty="0"/>
-          </a:p>
-          <a:p>
-            <a:pPr>
+              <a:t>func</a:t>
+            </a:r>
+            <a:r>
+              <a:rPr lang="en-US" dirty="0">
+                <a:ea typeface="+mn-lt"/>
+                <a:cs typeface="+mn-lt"/>
+              </a:rPr>
+              <a:t>(...</a:t>
+            </a:r>
+            <a:r>
+              <a:rPr lang="en-US" dirty="0" err="1">
+                <a:ea typeface="+mn-lt"/>
+                <a:cs typeface="+mn-lt"/>
+              </a:rPr>
+              <a:t>args</a:t>
+            </a:r>
+            <a:r>
+              <a:rPr lang="en-US" dirty="0">
+                <a:ea typeface="+mn-lt"/>
+                <a:cs typeface="+mn-lt"/>
+              </a:rPr>
+              <a:t>);</a:t>
+            </a:r>
+            <a:endParaRPr lang="en-US">
+              <a:cs typeface="Calibri"/>
+            </a:endParaRPr>
+          </a:p>
+          <a:p>
+            <a:pPr marL="0" indent="0">
               <a:buNone/>
             </a:pPr>
             <a:r>
@@ -5166,26 +5054,40 @@
                 <a:ea typeface="+mn-lt"/>
                 <a:cs typeface="+mn-lt"/>
               </a:rPr>
-              <a:t>    </a:t>
+              <a:t>    }</a:t>
+            </a:r>
+          </a:p>
+          <a:p>
+            <a:pPr marL="0" indent="0">
+              <a:buNone/>
+            </a:pPr>
+            <a:r>
+              <a:rPr lang="en-US" dirty="0">
+                <a:ea typeface="+mn-lt"/>
+                <a:cs typeface="+mn-lt"/>
+              </a:rPr>
+              <a:t>    return results[</a:t>
             </a:r>
             <a:r>
               <a:rPr lang="en-US" dirty="0" err="1">
                 <a:ea typeface="+mn-lt"/>
                 <a:cs typeface="+mn-lt"/>
               </a:rPr>
-              <a:t>descriptor.value</a:t>
-            </a:r>
-            <a:r>
-              <a:rPr lang="en-US" dirty="0">
-                <a:ea typeface="+mn-lt"/>
-                <a:cs typeface="+mn-lt"/>
-              </a:rPr>
-              <a:t> = function () {</a:t>
-            </a:r>
-            <a:endParaRPr lang="en-US" dirty="0"/>
-          </a:p>
-          <a:p>
-            <a:pPr>
+              <a:t>argsKey</a:t>
+            </a:r>
+            <a:r>
+              <a:rPr lang="en-US" dirty="0">
+                <a:ea typeface="+mn-lt"/>
+                <a:cs typeface="+mn-lt"/>
+              </a:rPr>
+              <a:t>];</a:t>
+            </a:r>
+            <a:endParaRPr lang="en-US">
+              <a:cs typeface="Calibri"/>
+            </a:endParaRPr>
+          </a:p>
+          <a:p>
+            <a:pPr marL="0" indent="0">
               <a:buNone/>
             </a:pPr>
             <a:r>
@@ -5193,62 +5095,25 @@
                 <a:ea typeface="+mn-lt"/>
                 <a:cs typeface="+mn-lt"/>
               </a:rPr>
-              <a:t>        return </a:t>
-            </a:r>
-            <a:r>
-              <a:rPr lang="en-US" dirty="0" err="1">
-                <a:ea typeface="+mn-lt"/>
-                <a:cs typeface="+mn-lt"/>
-              </a:rPr>
-              <a:t>newFunction.apply</a:t>
-            </a:r>
-            <a:r>
-              <a:rPr lang="en-US" dirty="0">
-                <a:ea typeface="+mn-lt"/>
-                <a:cs typeface="+mn-lt"/>
-              </a:rPr>
-              <a:t>(this, arguments)</a:t>
-            </a:r>
-            <a:endParaRPr lang="en-US" dirty="0"/>
-          </a:p>
-          <a:p>
-            <a:pPr>
+              <a:t>  };</a:t>
+            </a:r>
+            <a:endParaRPr lang="en-US">
+              <a:cs typeface="Calibri"/>
+            </a:endParaRPr>
+          </a:p>
+          <a:p>
+            <a:pPr marL="0" indent="0">
               <a:buNone/>
             </a:pPr>
             <a:r>
               <a:rPr lang="en-US" dirty="0">
-                <a:ea typeface="+mn-lt"/>
-                <a:cs typeface="+mn-lt"/>
-              </a:rPr>
-              <a:t>    }</a:t>
-            </a:r>
-            <a:endParaRPr lang="en-US" dirty="0"/>
-          </a:p>
-          <a:p>
-            <a:pPr>
-              <a:buNone/>
-            </a:pPr>
-            <a:r>
-              <a:rPr lang="en-US" dirty="0">
-                <a:ea typeface="+mn-lt"/>
-                <a:cs typeface="+mn-lt"/>
-              </a:rPr>
-              <a:t>  }</a:t>
-            </a:r>
-            <a:endParaRPr lang="en-US" dirty="0"/>
-          </a:p>
-          <a:p>
-            <a:pPr>
-              <a:buNone/>
-            </a:pPr>
-            <a:r>
-              <a:rPr lang="en-US" dirty="0">
-                <a:ea typeface="+mn-lt"/>
-                <a:cs typeface="+mn-lt"/>
-              </a:rPr>
-              <a:t>}</a:t>
-            </a:r>
-            <a:endParaRPr lang="en-US" dirty="0"/>
+                <a:cs typeface="Calibri"/>
+              </a:rPr>
+              <a:t>};</a:t>
+            </a:r>
+            <a:endParaRPr lang="en-US">
+              <a:cs typeface="Calibri"/>
+            </a:endParaRPr>
           </a:p>
           <a:p>
             <a:pPr marL="0" indent="0">
@@ -5263,6 +5128,34 @@
             <a:pPr marL="0" indent="0">
               <a:buNone/>
             </a:pPr>
+            <a:r>
+              <a:rPr lang="en-US" dirty="0" err="1">
+                <a:ea typeface="+mn-lt"/>
+                <a:cs typeface="+mn-lt"/>
+              </a:rPr>
+              <a:t>clumsysquare</a:t>
+            </a:r>
+            <a:r>
+              <a:rPr lang="en-US" dirty="0">
+                <a:ea typeface="+mn-lt"/>
+                <a:cs typeface="+mn-lt"/>
+              </a:rPr>
+              <a:t> = </a:t>
+            </a:r>
+            <a:r>
+              <a:rPr lang="en-US" dirty="0" err="1">
+                <a:ea typeface="+mn-lt"/>
+                <a:cs typeface="+mn-lt"/>
+              </a:rPr>
+              <a:t>memoize</a:t>
+            </a:r>
+            <a:r>
+              <a:rPr lang="en-US" dirty="0">
+                <a:ea typeface="+mn-lt"/>
+                <a:cs typeface="+mn-lt"/>
+              </a:rPr>
+              <a:t>((num: any) =&gt; {</a:t>
+            </a:r>
             <a:endParaRPr lang="en-US" dirty="0">
               <a:cs typeface="Calibri"/>
             </a:endParaRPr>
@@ -5271,37 +5164,191 @@
             <a:pPr marL="0" indent="0">
               <a:buNone/>
             </a:pPr>
+            <a:r>
+              <a:rPr lang="en-US" dirty="0">
+                <a:ea typeface="+mn-lt"/>
+                <a:cs typeface="+mn-lt"/>
+              </a:rPr>
+              <a:t>    let result = 0;</a:t>
+            </a:r>
             <a:endParaRPr lang="en-US" dirty="0">
-              <a:ea typeface="+mn-lt"/>
-              <a:cs typeface="+mn-lt"/>
+              <a:cs typeface="Calibri" panose="020F0502020204030204"/>
             </a:endParaRPr>
           </a:p>
           <a:p>
             <a:pPr marL="0" indent="0">
               <a:buNone/>
             </a:pPr>
+            <a:r>
+              <a:rPr lang="en-US" dirty="0">
+                <a:ea typeface="+mn-lt"/>
+                <a:cs typeface="+mn-lt"/>
+              </a:rPr>
+              <a:t>    for (let </a:t>
+            </a:r>
+            <a:r>
+              <a:rPr lang="en-US" dirty="0" err="1">
+                <a:ea typeface="+mn-lt"/>
+                <a:cs typeface="+mn-lt"/>
+              </a:rPr>
+              <a:t>i</a:t>
+            </a:r>
+            <a:r>
+              <a:rPr lang="en-US" dirty="0">
+                <a:ea typeface="+mn-lt"/>
+                <a:cs typeface="+mn-lt"/>
+              </a:rPr>
+              <a:t> = 1; </a:t>
+            </a:r>
+            <a:r>
+              <a:rPr lang="en-US" dirty="0" err="1">
+                <a:ea typeface="+mn-lt"/>
+                <a:cs typeface="+mn-lt"/>
+              </a:rPr>
+              <a:t>i</a:t>
+            </a:r>
+            <a:r>
+              <a:rPr lang="en-US" dirty="0">
+                <a:ea typeface="+mn-lt"/>
+                <a:cs typeface="+mn-lt"/>
+              </a:rPr>
+              <a:t> &lt;= num; </a:t>
+            </a:r>
+            <a:r>
+              <a:rPr lang="en-US" dirty="0" err="1">
+                <a:ea typeface="+mn-lt"/>
+                <a:cs typeface="+mn-lt"/>
+              </a:rPr>
+              <a:t>i</a:t>
+            </a:r>
+            <a:r>
+              <a:rPr lang="en-US" dirty="0">
+                <a:ea typeface="+mn-lt"/>
+                <a:cs typeface="+mn-lt"/>
+              </a:rPr>
+              <a:t>++) {</a:t>
+            </a:r>
             <a:endParaRPr lang="en-US" dirty="0">
-              <a:ea typeface="+mn-lt"/>
-              <a:cs typeface="+mn-lt"/>
+              <a:cs typeface="Calibri" panose="020F0502020204030204"/>
             </a:endParaRPr>
           </a:p>
           <a:p>
             <a:pPr marL="0" indent="0">
               <a:buNone/>
             </a:pPr>
+            <a:r>
+              <a:rPr lang="en-US" dirty="0">
+                <a:ea typeface="+mn-lt"/>
+                <a:cs typeface="+mn-lt"/>
+              </a:rPr>
+              <a:t>      for (let j = 1; j &lt;= num; </a:t>
+            </a:r>
+            <a:r>
+              <a:rPr lang="en-US" dirty="0" err="1">
+                <a:ea typeface="+mn-lt"/>
+                <a:cs typeface="+mn-lt"/>
+              </a:rPr>
+              <a:t>j++</a:t>
+            </a:r>
+            <a:r>
+              <a:rPr lang="en-US" dirty="0">
+                <a:ea typeface="+mn-lt"/>
+                <a:cs typeface="+mn-lt"/>
+              </a:rPr>
+              <a:t>) {</a:t>
+            </a:r>
             <a:endParaRPr lang="en-US" dirty="0">
-              <a:ea typeface="+mn-lt"/>
-              <a:cs typeface="+mn-lt"/>
-            </a:endParaRPr>
-          </a:p>
-        </p:txBody>
-      </p:sp>
-      <p:sp>
-        <p:nvSpPr>
-          <p:cNvPr id="2" name="TextBox 1">
+              <a:cs typeface="Calibri" panose="020F0502020204030204"/>
+            </a:endParaRPr>
+          </a:p>
+          <a:p>
+            <a:pPr marL="0" indent="0">
+              <a:buNone/>
+            </a:pPr>
+            <a:r>
+              <a:rPr lang="en-US" dirty="0">
+                <a:ea typeface="+mn-lt"/>
+                <a:cs typeface="+mn-lt"/>
+              </a:rPr>
+              <a:t>        result++;</a:t>
+            </a:r>
+            <a:endParaRPr lang="en-US" dirty="0">
+              <a:cs typeface="Calibri" panose="020F0502020204030204"/>
+            </a:endParaRPr>
+          </a:p>
+          <a:p>
+            <a:pPr marL="0" indent="0">
+              <a:buNone/>
+            </a:pPr>
+            <a:r>
+              <a:rPr lang="en-US" dirty="0">
+                <a:ea typeface="+mn-lt"/>
+                <a:cs typeface="+mn-lt"/>
+              </a:rPr>
+              <a:t>      }</a:t>
+            </a:r>
+            <a:endParaRPr lang="en-US" dirty="0">
+              <a:cs typeface="Calibri" panose="020F0502020204030204"/>
+            </a:endParaRPr>
+          </a:p>
+          <a:p>
+            <a:pPr marL="0" indent="0">
+              <a:buNone/>
+            </a:pPr>
+            <a:r>
+              <a:rPr lang="en-US" dirty="0">
+                <a:ea typeface="+mn-lt"/>
+                <a:cs typeface="+mn-lt"/>
+              </a:rPr>
+              <a:t>    }</a:t>
+            </a:r>
+            <a:endParaRPr lang="en-US" dirty="0">
+              <a:cs typeface="Calibri" panose="020F0502020204030204"/>
+            </a:endParaRPr>
+          </a:p>
+          <a:p>
+            <a:pPr marL="0" indent="0">
+              <a:buNone/>
+            </a:pPr>
+            <a:r>
+              <a:rPr lang="en-US" dirty="0">
+                <a:ea typeface="+mn-lt"/>
+                <a:cs typeface="+mn-lt"/>
+              </a:rPr>
+              <a:t>    return result;</a:t>
+            </a:r>
+            <a:endParaRPr lang="en-US" dirty="0">
+              <a:cs typeface="Calibri" panose="020F0502020204030204"/>
+            </a:endParaRPr>
+          </a:p>
+          <a:p>
+            <a:pPr marL="0" indent="0">
+              <a:buNone/>
+            </a:pPr>
+            <a:r>
+              <a:rPr lang="en-US" dirty="0">
+                <a:ea typeface="+mn-lt"/>
+                <a:cs typeface="+mn-lt"/>
+              </a:rPr>
+              <a:t>});</a:t>
+            </a:r>
+            <a:endParaRPr lang="en-US" dirty="0">
+              <a:cs typeface="Calibri"/>
+            </a:endParaRPr>
+          </a:p>
+          <a:p>
+            <a:endParaRPr lang="en-US" dirty="0">
+              <a:cs typeface="Calibri"/>
+            </a:endParaRPr>
+          </a:p>
+        </p:txBody>
+      </p:sp>
+      <p:sp>
+        <p:nvSpPr>
+          <p:cNvPr id="3" name="TextBox 1">
             <a:extLst>
               <a:ext uri="{FF2B5EF4-FFF2-40B4-BE49-F238E27FC236}">
-                <a16:creationId xmlns:a16="http://schemas.microsoft.com/office/drawing/2014/main" id="{8BC35032-198A-BC51-D219-1A6A37E1D06D}"/>
+                <a16:creationId xmlns:a16="http://schemas.microsoft.com/office/drawing/2014/main" id="{0387B7DC-1ABC-DB4A-CC68-CC27AFE9DF52}"/>
               </a:ext>
             </a:extLst>
           </p:cNvPr>
@@ -5310,8 +5357,8 @@
         </p:nvSpPr>
         <p:spPr>
           <a:xfrm>
-            <a:off x="630620" y="5088758"/>
-            <a:ext cx="11304422" cy="1723549"/>
+            <a:off x="5430344" y="1199930"/>
+            <a:ext cx="6241940" cy="4401205"/>
           </a:xfrm>
           <a:prstGeom prst="rect">
             <a:avLst/>
@@ -5319,42 +5366,393 @@
           <a:noFill/>
         </p:spPr>
         <p:txBody>
-          <a:bodyPr rot="0" spcFirstLastPara="0" vertOverflow="overflow" horzOverflow="overflow" vert="horz" wrap="square" lIns="91440" tIns="45720" rIns="91440" bIns="45720" numCol="1" spcCol="0" rtlCol="0" fromWordArt="0" anchor="t" anchorCtr="0" forceAA="0" compatLnSpc="1">
+          <a:bodyPr rot="0" spcFirstLastPara="0" vert="horz" wrap="square" lIns="91440" tIns="45720" rIns="91440" bIns="45720" numCol="1" spcCol="0" rtlCol="0" fromWordArt="0" anchor="t" anchorCtr="0" forceAA="0" compatLnSpc="1">
             <a:prstTxWarp prst="textNoShape">
               <a:avLst/>
             </a:prstTxWarp>
             <a:spAutoFit/>
           </a:bodyPr>
-          <a:lstStyle/>
-          <a:p>
-            <a:pPr algn="l">
-              <a:lnSpc>
-                <a:spcPct val="90000"/>
-              </a:lnSpc>
-              <a:spcBef>
-                <a:spcPts val="1000"/>
-              </a:spcBef>
-            </a:pPr>
+          <a:lstStyle>
+            <a:defPPr>
+              <a:defRPr lang="en-US"/>
+            </a:defPPr>
+            <a:lvl1pPr marL="0" algn="l" defTabSz="914400" rtl="0" eaLnBrk="1" latinLnBrk="0" hangingPunct="1">
+              <a:defRPr sz="1800" kern="1200">
+                <a:solidFill>
+                  <a:schemeClr val="tx1"/>
+                </a:solidFill>
+                <a:latin typeface="+mn-lt"/>
+                <a:ea typeface="+mn-ea"/>
+                <a:cs typeface="+mn-cs"/>
+              </a:defRPr>
+            </a:lvl1pPr>
+            <a:lvl2pPr marL="457200" algn="l" defTabSz="914400" rtl="0" eaLnBrk="1" latinLnBrk="0" hangingPunct="1">
+              <a:defRPr sz="1800" kern="1200">
+                <a:solidFill>
+                  <a:schemeClr val="tx1"/>
+                </a:solidFill>
+                <a:latin typeface="+mn-lt"/>
+                <a:ea typeface="+mn-ea"/>
+                <a:cs typeface="+mn-cs"/>
+              </a:defRPr>
+            </a:lvl2pPr>
+            <a:lvl3pPr marL="914400" algn="l" defTabSz="914400" rtl="0" eaLnBrk="1" latinLnBrk="0" hangingPunct="1">
+              <a:defRPr sz="1800" kern="1200">
+                <a:solidFill>
+                  <a:schemeClr val="tx1"/>
+                </a:solidFill>
+                <a:latin typeface="+mn-lt"/>
+                <a:ea typeface="+mn-ea"/>
+                <a:cs typeface="+mn-cs"/>
+              </a:defRPr>
+            </a:lvl3pPr>
+            <a:lvl4pPr marL="1371600" algn="l" defTabSz="914400" rtl="0" eaLnBrk="1" latinLnBrk="0" hangingPunct="1">
+              <a:defRPr sz="1800" kern="1200">
+                <a:solidFill>
+                  <a:schemeClr val="tx1"/>
+                </a:solidFill>
+                <a:latin typeface="+mn-lt"/>
+                <a:ea typeface="+mn-ea"/>
+                <a:cs typeface="+mn-cs"/>
+              </a:defRPr>
+            </a:lvl4pPr>
+            <a:lvl5pPr marL="1828800" algn="l" defTabSz="914400" rtl="0" eaLnBrk="1" latinLnBrk="0" hangingPunct="1">
+              <a:defRPr sz="1800" kern="1200">
+                <a:solidFill>
+                  <a:schemeClr val="tx1"/>
+                </a:solidFill>
+                <a:latin typeface="+mn-lt"/>
+                <a:ea typeface="+mn-ea"/>
+                <a:cs typeface="+mn-cs"/>
+              </a:defRPr>
+            </a:lvl5pPr>
+            <a:lvl6pPr marL="2286000" algn="l" defTabSz="914400" rtl="0" eaLnBrk="1" latinLnBrk="0" hangingPunct="1">
+              <a:defRPr sz="1800" kern="1200">
+                <a:solidFill>
+                  <a:schemeClr val="tx1"/>
+                </a:solidFill>
+                <a:latin typeface="+mn-lt"/>
+                <a:ea typeface="+mn-ea"/>
+                <a:cs typeface="+mn-cs"/>
+              </a:defRPr>
+            </a:lvl6pPr>
+            <a:lvl7pPr marL="2743200" algn="l" defTabSz="914400" rtl="0" eaLnBrk="1" latinLnBrk="0" hangingPunct="1">
+              <a:defRPr sz="1800" kern="1200">
+                <a:solidFill>
+                  <a:schemeClr val="tx1"/>
+                </a:solidFill>
+                <a:latin typeface="+mn-lt"/>
+                <a:ea typeface="+mn-ea"/>
+                <a:cs typeface="+mn-cs"/>
+              </a:defRPr>
+            </a:lvl7pPr>
+            <a:lvl8pPr marL="3200400" algn="l" defTabSz="914400" rtl="0" eaLnBrk="1" latinLnBrk="0" hangingPunct="1">
+              <a:defRPr sz="1800" kern="1200">
+                <a:solidFill>
+                  <a:schemeClr val="tx1"/>
+                </a:solidFill>
+                <a:latin typeface="+mn-lt"/>
+                <a:ea typeface="+mn-ea"/>
+                <a:cs typeface="+mn-cs"/>
+              </a:defRPr>
+            </a:lvl8pPr>
+            <a:lvl9pPr marL="3657600" algn="l" defTabSz="914400" rtl="0" eaLnBrk="1" latinLnBrk="0" hangingPunct="1">
+              <a:defRPr sz="1800" kern="1200">
+                <a:solidFill>
+                  <a:schemeClr val="tx1"/>
+                </a:solidFill>
+                <a:latin typeface="+mn-lt"/>
+                <a:ea typeface="+mn-ea"/>
+                <a:cs typeface="+mn-cs"/>
+              </a:defRPr>
+            </a:lvl9pPr>
+          </a:lstStyle>
+          <a:p>
+            <a:r>
+              <a:rPr lang="en-US" sz="1400" dirty="0" err="1">
+                <a:ea typeface="+mn-lt"/>
+                <a:cs typeface="+mn-lt"/>
+              </a:rPr>
+              <a:t>console.time</a:t>
+            </a:r>
+            <a:r>
+              <a:rPr lang="en-US" sz="1400" dirty="0">
+                <a:ea typeface="+mn-lt"/>
+                <a:cs typeface="+mn-lt"/>
+              </a:rPr>
+              <a:t>("First call");</a:t>
+            </a:r>
+            <a:endParaRPr lang="en-US" sz="1400" dirty="0">
+              <a:cs typeface="Calibri"/>
+            </a:endParaRPr>
+          </a:p>
+          <a:p>
+            <a:r>
+              <a:rPr lang="en-US" sz="1400" dirty="0">
+                <a:ea typeface="+mn-lt"/>
+                <a:cs typeface="+mn-lt"/>
+              </a:rPr>
+              <a:t>console.log(</a:t>
+            </a:r>
+            <a:r>
+              <a:rPr lang="en-US" sz="1400" dirty="0" err="1">
+                <a:ea typeface="+mn-lt"/>
+                <a:cs typeface="+mn-lt"/>
+              </a:rPr>
+              <a:t>clumsysquare</a:t>
+            </a:r>
+            <a:r>
+              <a:rPr lang="en-US" sz="1400" dirty="0">
+                <a:ea typeface="+mn-lt"/>
+                <a:cs typeface="+mn-lt"/>
+              </a:rPr>
+              <a:t>(9467));</a:t>
+            </a:r>
+            <a:endParaRPr lang="en-US" sz="1400" dirty="0">
+              <a:cs typeface="Calibri"/>
+            </a:endParaRPr>
+          </a:p>
+          <a:p>
+            <a:r>
+              <a:rPr lang="en-US" sz="1400" dirty="0" err="1">
+                <a:ea typeface="+mn-lt"/>
+                <a:cs typeface="+mn-lt"/>
+              </a:rPr>
+              <a:t>console.timeEnd</a:t>
+            </a:r>
+            <a:r>
+              <a:rPr lang="en-US" sz="1400" dirty="0">
+                <a:ea typeface="+mn-lt"/>
+                <a:cs typeface="+mn-lt"/>
+              </a:rPr>
+              <a:t>("First call");           //  First call: 53.9482421875 </a:t>
+            </a:r>
+            <a:r>
+              <a:rPr lang="en-US" sz="1400" dirty="0" err="1">
+                <a:ea typeface="+mn-lt"/>
+                <a:cs typeface="+mn-lt"/>
+              </a:rPr>
+              <a:t>ms</a:t>
+            </a:r>
+            <a:endParaRPr lang="en-US" sz="1400">
+              <a:ea typeface="+mn-lt"/>
+              <a:cs typeface="+mn-lt"/>
+            </a:endParaRPr>
+          </a:p>
+          <a:p>
+            <a:endParaRPr lang="en-US" sz="1400" dirty="0">
+              <a:cs typeface="Calibri"/>
+            </a:endParaRPr>
+          </a:p>
+          <a:p>
+            <a:r>
+              <a:rPr lang="en-US" sz="1400" dirty="0" err="1">
+                <a:ea typeface="+mn-lt"/>
+                <a:cs typeface="+mn-lt"/>
+              </a:rPr>
+              <a:t>console.time</a:t>
+            </a:r>
+            <a:r>
+              <a:rPr lang="en-US" sz="1400" dirty="0">
+                <a:ea typeface="+mn-lt"/>
+                <a:cs typeface="+mn-lt"/>
+              </a:rPr>
+              <a:t>("Second call");</a:t>
+            </a:r>
+            <a:endParaRPr lang="en-US" sz="1400" dirty="0">
+              <a:cs typeface="Calibri"/>
+            </a:endParaRPr>
+          </a:p>
+          <a:p>
+            <a:r>
+              <a:rPr lang="en-US" sz="1400" dirty="0">
+                <a:ea typeface="+mn-lt"/>
+                <a:cs typeface="+mn-lt"/>
+              </a:rPr>
+              <a:t>console.log(</a:t>
+            </a:r>
+            <a:r>
+              <a:rPr lang="en-US" sz="1400" dirty="0" err="1">
+                <a:ea typeface="+mn-lt"/>
+                <a:cs typeface="+mn-lt"/>
+              </a:rPr>
+              <a:t>clumsysquare</a:t>
+            </a:r>
+            <a:r>
+              <a:rPr lang="en-US" sz="1400" dirty="0">
+                <a:ea typeface="+mn-lt"/>
+                <a:cs typeface="+mn-lt"/>
+              </a:rPr>
+              <a:t>(9467));</a:t>
+            </a:r>
+            <a:endParaRPr lang="en-US" sz="1400" dirty="0">
+              <a:cs typeface="Calibri"/>
+            </a:endParaRPr>
+          </a:p>
+          <a:p>
+            <a:r>
+              <a:rPr lang="en-US" sz="1400" dirty="0" err="1">
+                <a:ea typeface="+mn-lt"/>
+                <a:cs typeface="+mn-lt"/>
+              </a:rPr>
+              <a:t>console.timeEnd</a:t>
+            </a:r>
+            <a:r>
+              <a:rPr lang="en-US" sz="1400" dirty="0">
+                <a:ea typeface="+mn-lt"/>
+                <a:cs typeface="+mn-lt"/>
+              </a:rPr>
+              <a:t>("Second call");      //  Second call: 0.02392578125 </a:t>
+            </a:r>
+            <a:r>
+              <a:rPr lang="en-US" sz="1400" dirty="0" err="1">
+                <a:ea typeface="+mn-lt"/>
+                <a:cs typeface="+mn-lt"/>
+              </a:rPr>
+              <a:t>ms</a:t>
+            </a:r>
+            <a:endParaRPr lang="en-US" sz="1400" dirty="0">
+              <a:ea typeface="+mn-lt"/>
+              <a:cs typeface="+mn-lt"/>
+            </a:endParaRPr>
+          </a:p>
+          <a:p>
+            <a:endParaRPr lang="en-US" sz="1400" dirty="0">
+              <a:cs typeface="Calibri"/>
+            </a:endParaRPr>
+          </a:p>
+          <a:p>
+            <a:r>
+              <a:rPr lang="en-US" sz="1400" dirty="0" err="1">
+                <a:ea typeface="+mn-lt"/>
+                <a:cs typeface="+mn-lt"/>
+              </a:rPr>
+              <a:t>console.time</a:t>
+            </a:r>
+            <a:r>
+              <a:rPr lang="en-US" sz="1400" dirty="0">
+                <a:ea typeface="+mn-lt"/>
+                <a:cs typeface="+mn-lt"/>
+              </a:rPr>
+              <a:t>("Third call");</a:t>
+            </a:r>
+            <a:endParaRPr lang="en-US" sz="1400" dirty="0">
+              <a:cs typeface="Calibri"/>
+            </a:endParaRPr>
+          </a:p>
+          <a:p>
+            <a:r>
+              <a:rPr lang="en-US" sz="1400" dirty="0">
+                <a:ea typeface="+mn-lt"/>
+                <a:cs typeface="+mn-lt"/>
+              </a:rPr>
+              <a:t>console.log(</a:t>
+            </a:r>
+            <a:r>
+              <a:rPr lang="en-US" sz="1400" dirty="0" err="1">
+                <a:ea typeface="+mn-lt"/>
+                <a:cs typeface="+mn-lt"/>
+              </a:rPr>
+              <a:t>clumsysquare</a:t>
+            </a:r>
+            <a:r>
+              <a:rPr lang="en-US" sz="1400" dirty="0">
+                <a:ea typeface="+mn-lt"/>
+                <a:cs typeface="+mn-lt"/>
+              </a:rPr>
+              <a:t>(9467));   //  Third call: 0.017822265625 </a:t>
+            </a:r>
+            <a:r>
+              <a:rPr lang="en-US" sz="1400" dirty="0" err="1">
+                <a:ea typeface="+mn-lt"/>
+                <a:cs typeface="+mn-lt"/>
+              </a:rPr>
+              <a:t>ms</a:t>
+            </a:r>
+            <a:endParaRPr lang="en-US" sz="1400" dirty="0">
+              <a:ea typeface="+mn-lt"/>
+              <a:cs typeface="+mn-lt"/>
+            </a:endParaRPr>
+          </a:p>
+          <a:p>
+            <a:r>
+              <a:rPr lang="en-US" sz="1400" dirty="0" err="1">
+                <a:ea typeface="+mn-lt"/>
+                <a:cs typeface="+mn-lt"/>
+              </a:rPr>
+              <a:t>console.timeEnd</a:t>
+            </a:r>
+            <a:r>
+              <a:rPr lang="en-US" sz="1400" dirty="0">
+                <a:ea typeface="+mn-lt"/>
+                <a:cs typeface="+mn-lt"/>
+              </a:rPr>
+              <a:t>("Third call");</a:t>
+            </a:r>
+            <a:endParaRPr lang="en-US" sz="1400" dirty="0">
+              <a:cs typeface="Calibri"/>
+            </a:endParaRPr>
+          </a:p>
+          <a:p>
+            <a:endParaRPr lang="en-US" sz="1400" dirty="0">
+              <a:ea typeface="+mn-lt"/>
+              <a:cs typeface="+mn-lt"/>
+            </a:endParaRPr>
+          </a:p>
+          <a:p>
+            <a:r>
+              <a:rPr lang="en-US" sz="1400" dirty="0" err="1">
+                <a:ea typeface="+mn-lt"/>
+                <a:cs typeface="+mn-lt"/>
+              </a:rPr>
+              <a:t>console.time</a:t>
+            </a:r>
+            <a:r>
+              <a:rPr lang="en-US" sz="1400" dirty="0">
+                <a:ea typeface="+mn-lt"/>
+                <a:cs typeface="+mn-lt"/>
+              </a:rPr>
+              <a:t>("Multiplication");</a:t>
+            </a:r>
             <a:endParaRPr lang="en-US" dirty="0">
               <a:ea typeface="+mn-lt"/>
               <a:cs typeface="+mn-lt"/>
             </a:endParaRPr>
           </a:p>
           <a:p>
-            <a:pPr>
-              <a:lnSpc>
-                <a:spcPct val="90000"/>
-              </a:lnSpc>
-              <a:spcBef>
-                <a:spcPts val="1000"/>
-              </a:spcBef>
-            </a:pPr>
-            <a:r>
-              <a:rPr lang="en-US" dirty="0">
-                <a:cs typeface="Calibri"/>
-                <a:hlinkClick r:id="rId2"/>
-              </a:rPr>
-              <a:t>https://www.npmjs.com/package/memoizee</a:t>
+            <a:r>
+              <a:rPr lang="en-US" sz="1400" dirty="0">
+                <a:ea typeface="+mn-lt"/>
+                <a:cs typeface="+mn-lt"/>
+              </a:rPr>
+              <a:t>console.log(9467*9467);                   //  Multiplication: 0.015869140625 </a:t>
+            </a:r>
+            <a:r>
+              <a:rPr lang="en-US" sz="1400" dirty="0" err="1">
+                <a:ea typeface="+mn-lt"/>
+                <a:cs typeface="+mn-lt"/>
+              </a:rPr>
+              <a:t>ms</a:t>
+            </a:r>
+            <a:endParaRPr lang="en-US" dirty="0" err="1">
+              <a:ea typeface="+mn-lt"/>
+              <a:cs typeface="+mn-lt"/>
+            </a:endParaRPr>
+          </a:p>
+          <a:p>
+            <a:r>
+              <a:rPr lang="en-US" sz="1400" dirty="0" err="1">
+                <a:ea typeface="+mn-lt"/>
+                <a:cs typeface="+mn-lt"/>
+              </a:rPr>
+              <a:t>console.timeEnd</a:t>
+            </a:r>
+            <a:r>
+              <a:rPr lang="en-US" sz="1400" dirty="0">
+                <a:ea typeface="+mn-lt"/>
+                <a:cs typeface="+mn-lt"/>
+              </a:rPr>
+              <a:t>("Multiplication");</a:t>
             </a:r>
             <a:endParaRPr lang="en-US" dirty="0">
               <a:ea typeface="+mn-lt"/>
@@ -5362,20 +5760,39 @@
             </a:endParaRPr>
           </a:p>
           <a:p>
-            <a:pPr>
-              <a:lnSpc>
-                <a:spcPct val="90000"/>
-              </a:lnSpc>
-              <a:spcBef>
-                <a:spcPts val="1000"/>
-              </a:spcBef>
-            </a:pPr>
-            <a:r>
-              <a:rPr lang="en-US" dirty="0">
-                <a:cs typeface="Calibri"/>
-                <a:hlinkClick r:id="rId3"/>
-              </a:rPr>
-              <a:t>https://github.com/mgechev/memo-decorator</a:t>
+            <a:endParaRPr lang="en-US" sz="1400" dirty="0">
+              <a:ea typeface="+mn-lt"/>
+              <a:cs typeface="+mn-lt"/>
+            </a:endParaRPr>
+          </a:p>
+          <a:p>
+            <a:r>
+              <a:rPr lang="en-US" sz="1400" dirty="0" err="1">
+                <a:ea typeface="+mn-lt"/>
+                <a:cs typeface="+mn-lt"/>
+              </a:rPr>
+              <a:t>console.time</a:t>
+            </a:r>
+            <a:r>
+              <a:rPr lang="en-US" sz="1400" dirty="0">
+                <a:ea typeface="+mn-lt"/>
+                <a:cs typeface="+mn-lt"/>
+              </a:rPr>
+              <a:t>("</a:t>
+            </a:r>
+            <a:r>
+              <a:rPr lang="en-US" sz="1400" dirty="0" err="1">
+                <a:ea typeface="+mn-lt"/>
+                <a:cs typeface="+mn-lt"/>
+              </a:rPr>
+              <a:t>Math.pow</a:t>
+            </a:r>
+            <a:r>
+              <a:rPr lang="en-US" sz="1400" dirty="0">
+                <a:ea typeface="+mn-lt"/>
+                <a:cs typeface="+mn-lt"/>
+              </a:rPr>
+              <a:t>");</a:t>
             </a:r>
             <a:endParaRPr lang="en-US" dirty="0">
               <a:ea typeface="+mn-lt"/>
@@ -5383,218 +5800,86 @@
             </a:endParaRPr>
           </a:p>
           <a:p>
-            <a:pPr>
-              <a:lnSpc>
-                <a:spcPct val="90000"/>
-              </a:lnSpc>
-              <a:spcBef>
-                <a:spcPts val="1000"/>
-              </a:spcBef>
-            </a:pPr>
-            <a:r>
-              <a:rPr lang="en-US" dirty="0">
-                <a:cs typeface="Calibri"/>
-                <a:hlinkClick r:id="rId4"/>
-              </a:rPr>
-              <a:t>https://medium.com/angular-in-depth/how-to-improve-angular-performance-by-just-adding-just-8-characters-877bde708ddd</a:t>
-            </a:r>
-            <a:endParaRPr lang="en-US"/>
-          </a:p>
-        </p:txBody>
-      </p:sp>
-      <p:sp>
-        <p:nvSpPr>
-          <p:cNvPr id="4" name="TextBox 3">
-            <a:extLst>
-              <a:ext uri="{FF2B5EF4-FFF2-40B4-BE49-F238E27FC236}">
-                <a16:creationId xmlns:a16="http://schemas.microsoft.com/office/drawing/2014/main" id="{6AC03CFC-254C-D12C-3DB2-13B88AC82C92}"/>
-              </a:ext>
-            </a:extLst>
-          </p:cNvPr>
-          <p:cNvSpPr txBox="1"/>
-          <p:nvPr/>
-        </p:nvSpPr>
-        <p:spPr>
-          <a:xfrm>
-            <a:off x="5281447" y="271517"/>
-            <a:ext cx="6653595" cy="3139321"/>
-          </a:xfrm>
-          <a:prstGeom prst="rect">
-            <a:avLst/>
-          </a:prstGeom>
-          <a:noFill/>
-        </p:spPr>
-        <p:txBody>
-          <a:bodyPr rot="0" spcFirstLastPara="0" vertOverflow="overflow" horzOverflow="overflow" vert="horz" wrap="square" lIns="91440" tIns="45720" rIns="91440" bIns="45720" numCol="1" spcCol="0" rtlCol="0" fromWordArt="0" anchor="t" anchorCtr="0" forceAA="0" compatLnSpc="1">
-            <a:prstTxWarp prst="textNoShape">
-              <a:avLst/>
-            </a:prstTxWarp>
-            <a:spAutoFit/>
-          </a:bodyPr>
-          <a:lstStyle/>
-          <a:p>
-            <a:r>
-              <a:rPr lang="en-US" dirty="0">
-                <a:ea typeface="+mn-lt"/>
-                <a:cs typeface="+mn-lt"/>
-              </a:rPr>
-              <a:t>  @memoize()</a:t>
-            </a:r>
-          </a:p>
-          <a:p>
-            <a:r>
-              <a:rPr lang="en-US" dirty="0">
-                <a:ea typeface="+mn-lt"/>
-                <a:cs typeface="+mn-lt"/>
-              </a:rPr>
-              <a:t>  </a:t>
-            </a:r>
-            <a:r>
-              <a:rPr lang="en-US" dirty="0" err="1">
-                <a:ea typeface="+mn-lt"/>
-                <a:cs typeface="+mn-lt"/>
-              </a:rPr>
-              <a:t>clumsysquare</a:t>
-            </a:r>
-            <a:r>
-              <a:rPr lang="en-US" dirty="0">
-                <a:ea typeface="+mn-lt"/>
-                <a:cs typeface="+mn-lt"/>
-              </a:rPr>
-              <a:t>(num: any) {</a:t>
-            </a:r>
-          </a:p>
-          <a:p>
-            <a:r>
-              <a:rPr lang="en-US" dirty="0">
-                <a:ea typeface="+mn-lt"/>
-                <a:cs typeface="+mn-lt"/>
-              </a:rPr>
-              <a:t>    let result = 0;</a:t>
-            </a:r>
-          </a:p>
-          <a:p>
-            <a:r>
-              <a:rPr lang="en-US" dirty="0">
-                <a:ea typeface="+mn-lt"/>
-                <a:cs typeface="+mn-lt"/>
-              </a:rPr>
-              <a:t>    for (let </a:t>
-            </a:r>
-            <a:r>
-              <a:rPr lang="en-US" dirty="0" err="1">
-                <a:ea typeface="+mn-lt"/>
-                <a:cs typeface="+mn-lt"/>
-              </a:rPr>
-              <a:t>i</a:t>
-            </a:r>
-            <a:r>
-              <a:rPr lang="en-US" dirty="0">
-                <a:ea typeface="+mn-lt"/>
-                <a:cs typeface="+mn-lt"/>
-              </a:rPr>
-              <a:t> = 1; </a:t>
-            </a:r>
-            <a:r>
-              <a:rPr lang="en-US" dirty="0" err="1">
-                <a:ea typeface="+mn-lt"/>
-                <a:cs typeface="+mn-lt"/>
-              </a:rPr>
-              <a:t>i</a:t>
-            </a:r>
-            <a:r>
-              <a:rPr lang="en-US" dirty="0">
-                <a:ea typeface="+mn-lt"/>
-                <a:cs typeface="+mn-lt"/>
-              </a:rPr>
-              <a:t> &lt;= num; </a:t>
-            </a:r>
-            <a:r>
-              <a:rPr lang="en-US" dirty="0" err="1">
-                <a:ea typeface="+mn-lt"/>
-                <a:cs typeface="+mn-lt"/>
-              </a:rPr>
-              <a:t>i</a:t>
-            </a:r>
-            <a:r>
-              <a:rPr lang="en-US" dirty="0">
-                <a:ea typeface="+mn-lt"/>
-                <a:cs typeface="+mn-lt"/>
-              </a:rPr>
-              <a:t>++) {</a:t>
-            </a:r>
-          </a:p>
-          <a:p>
-            <a:r>
-              <a:rPr lang="en-US" dirty="0">
-                <a:ea typeface="+mn-lt"/>
-                <a:cs typeface="+mn-lt"/>
-              </a:rPr>
-              <a:t>      for (let j = 1; j &lt;= num; </a:t>
-            </a:r>
-            <a:r>
-              <a:rPr lang="en-US" dirty="0" err="1">
-                <a:ea typeface="+mn-lt"/>
-                <a:cs typeface="+mn-lt"/>
-              </a:rPr>
-              <a:t>j++</a:t>
-            </a:r>
-            <a:r>
-              <a:rPr lang="en-US" dirty="0">
-                <a:ea typeface="+mn-lt"/>
-                <a:cs typeface="+mn-lt"/>
-              </a:rPr>
-              <a:t>) {</a:t>
-            </a:r>
-          </a:p>
-          <a:p>
-            <a:r>
-              <a:rPr lang="en-US" dirty="0">
-                <a:ea typeface="+mn-lt"/>
-                <a:cs typeface="+mn-lt"/>
-              </a:rPr>
-              <a:t>        result++;</a:t>
-            </a:r>
-          </a:p>
-          <a:p>
-            <a:r>
-              <a:rPr lang="en-US" dirty="0">
-                <a:ea typeface="+mn-lt"/>
-                <a:cs typeface="+mn-lt"/>
-              </a:rPr>
-              <a:t>      }</a:t>
-            </a:r>
-          </a:p>
-          <a:p>
-            <a:r>
-              <a:rPr lang="en-US" dirty="0">
-                <a:ea typeface="+mn-lt"/>
-                <a:cs typeface="+mn-lt"/>
-              </a:rPr>
-              <a:t>    }</a:t>
-            </a:r>
-          </a:p>
-          <a:p>
-            <a:r>
-              <a:rPr lang="en-US" dirty="0">
-                <a:ea typeface="+mn-lt"/>
-                <a:cs typeface="+mn-lt"/>
-              </a:rPr>
-              <a:t>    return result;</a:t>
-            </a:r>
-          </a:p>
-          <a:p>
-            <a:r>
-              <a:rPr lang="en-US" dirty="0">
-                <a:ea typeface="+mn-lt"/>
-                <a:cs typeface="+mn-lt"/>
-              </a:rPr>
-              <a:t>  }</a:t>
-            </a:r>
-          </a:p>
-          <a:p>
-            <a:pPr algn="l"/>
-            <a:endParaRPr lang="en-US" dirty="0">
+            <a:r>
+              <a:rPr lang="en-US" sz="1400" dirty="0">
+                <a:ea typeface="+mn-lt"/>
+                <a:cs typeface="+mn-lt"/>
+              </a:rPr>
+              <a:t>console.log(</a:t>
+            </a:r>
+            <a:r>
+              <a:rPr lang="en-US" sz="1400" dirty="0" err="1">
+                <a:ea typeface="+mn-lt"/>
+                <a:cs typeface="+mn-lt"/>
+              </a:rPr>
+              <a:t>Math.pow</a:t>
+            </a:r>
+            <a:r>
+              <a:rPr lang="en-US" sz="1400" dirty="0">
+                <a:ea typeface="+mn-lt"/>
+                <a:cs typeface="+mn-lt"/>
+              </a:rPr>
+              <a:t>(9467, 2));     // </a:t>
+            </a:r>
+            <a:r>
+              <a:rPr lang="en-US" sz="1400" dirty="0" err="1">
+                <a:ea typeface="+mn-lt"/>
+                <a:cs typeface="+mn-lt"/>
+              </a:rPr>
+              <a:t>Math.pow</a:t>
+            </a:r>
+            <a:r>
+              <a:rPr lang="en-US" sz="1400" dirty="0">
+                <a:ea typeface="+mn-lt"/>
+                <a:cs typeface="+mn-lt"/>
+              </a:rPr>
+              <a:t>: 0.016357421875 </a:t>
+            </a:r>
+            <a:r>
+              <a:rPr lang="en-US" sz="1400" dirty="0" err="1">
+                <a:ea typeface="+mn-lt"/>
+                <a:cs typeface="+mn-lt"/>
+              </a:rPr>
+              <a:t>ms</a:t>
+            </a:r>
+            <a:endParaRPr lang="en-US" dirty="0" err="1">
+              <a:ea typeface="+mn-lt"/>
+              <a:cs typeface="+mn-lt"/>
+            </a:endParaRPr>
+          </a:p>
+          <a:p>
+            <a:r>
+              <a:rPr lang="en-US" sz="1400" dirty="0" err="1">
+                <a:ea typeface="+mn-lt"/>
+                <a:cs typeface="+mn-lt"/>
+              </a:rPr>
+              <a:t>console.timeEnd</a:t>
+            </a:r>
+            <a:r>
+              <a:rPr lang="en-US" sz="1400" dirty="0">
+                <a:ea typeface="+mn-lt"/>
+                <a:cs typeface="+mn-lt"/>
+              </a:rPr>
+              <a:t>("</a:t>
+            </a:r>
+            <a:r>
+              <a:rPr lang="en-US" sz="1400" dirty="0" err="1">
+                <a:ea typeface="+mn-lt"/>
+                <a:cs typeface="+mn-lt"/>
+              </a:rPr>
+              <a:t>Math.pow</a:t>
+            </a:r>
+            <a:r>
+              <a:rPr lang="en-US" sz="1400" dirty="0">
+                <a:ea typeface="+mn-lt"/>
+                <a:cs typeface="+mn-lt"/>
+              </a:rPr>
+              <a:t>");</a:t>
+            </a:r>
+            <a:endParaRPr lang="en-US" dirty="0"/>
+          </a:p>
+          <a:p>
+            <a:endParaRPr lang="en-US" sz="1400" dirty="0">
               <a:cs typeface="Calibri"/>
             </a:endParaRPr>
           </a:p>
@@ -5603,7 +5888,7 @@
     </p:spTree>
     <p:extLst>
       <p:ext uri="{BB962C8B-B14F-4D97-AF65-F5344CB8AC3E}">
-        <p14:creationId xmlns:p14="http://schemas.microsoft.com/office/powerpoint/2010/main" val="3311505062"/>
+        <p14:creationId xmlns:p14="http://schemas.microsoft.com/office/powerpoint/2010/main" val="740552653"/>
       </p:ext>
     </p:extLst>
   </p:cSld>
@@ -5632,10 +5917,10 @@
       </p:grpSpPr>
       <p:sp>
         <p:nvSpPr>
-          <p:cNvPr id="2" name="Title 1">
+          <p:cNvPr id="3" name="Content Placeholder 2">
             <a:extLst>
               <a:ext uri="{FF2B5EF4-FFF2-40B4-BE49-F238E27FC236}">
-                <a16:creationId xmlns:a16="http://schemas.microsoft.com/office/drawing/2014/main" id="{D0A0DB65-18A6-08D8-F1EC-4AA6985793F2}"/>
+                <a16:creationId xmlns:a16="http://schemas.microsoft.com/office/drawing/2014/main" id="{4EDFCBE4-4496-7E4C-6931-113B93D648A7}"/>
               </a:ext>
             </a:extLst>
           </p:cNvPr>
@@ -5643,80 +5928,406 @@
             <a:spLocks noGrp="1"/>
           </p:cNvSpPr>
           <p:nvPr>
-            <p:ph type="title"/>
+            <p:ph idx="1"/>
           </p:nvPr>
         </p:nvSpPr>
         <p:spPr>
           <a:xfrm>
-            <a:off x="522249" y="184399"/>
-            <a:ext cx="11249721" cy="871182"/>
+            <a:off x="663027" y="526465"/>
+            <a:ext cx="3832773" cy="4928127"/>
           </a:xfrm>
         </p:spPr>
         <p:txBody>
-          <a:bodyPr/>
+          <a:bodyPr vert="horz" lIns="91440" tIns="45720" rIns="91440" bIns="45720" rtlCol="0" anchor="t">
+            <a:noAutofit/>
+          </a:bodyPr>
           <a:lstStyle/>
           <a:p>
-            <a:r>
-              <a:rPr lang="en-US" dirty="0">
-                <a:cs typeface="Calibri Light"/>
-              </a:rPr>
-              <a:t>Use Zone.js and </a:t>
-            </a:r>
-            <a:r>
-              <a:rPr lang="en-US" dirty="0" err="1">
-                <a:cs typeface="Calibri Light"/>
-              </a:rPr>
-              <a:t>ngZones</a:t>
-            </a:r>
-            <a:r>
-              <a:rPr lang="en-US" dirty="0">
-                <a:cs typeface="Calibri Light"/>
-              </a:rPr>
-              <a:t> for further optimization</a:t>
-            </a:r>
-            <a:endParaRPr lang="en-US" dirty="0" err="1"/>
-          </a:p>
-        </p:txBody>
-      </p:sp>
-      <p:sp>
-        <p:nvSpPr>
-          <p:cNvPr id="3" name="Content Placeholder 2">
+            <a:pPr>
+              <a:buNone/>
+            </a:pPr>
+            <a:endParaRPr lang="en-US" sz="1800" b="1" dirty="0">
+              <a:ea typeface="+mn-lt"/>
+              <a:cs typeface="+mn-lt"/>
+            </a:endParaRPr>
+          </a:p>
+          <a:p>
+            <a:pPr>
+              <a:buNone/>
+            </a:pPr>
+            <a:r>
+              <a:rPr lang="en-US" sz="1800" dirty="0">
+                <a:ea typeface="+mn-lt"/>
+                <a:cs typeface="+mn-lt"/>
+              </a:rPr>
+              <a:t>// </a:t>
+            </a:r>
+            <a:r>
+              <a:rPr lang="en-US" sz="1800" dirty="0" err="1">
+                <a:ea typeface="+mn-lt"/>
+                <a:cs typeface="+mn-lt"/>
+              </a:rPr>
+              <a:t>memoization</a:t>
+            </a:r>
+            <a:r>
+              <a:rPr lang="en-US" sz="1800" dirty="0">
+                <a:ea typeface="+mn-lt"/>
+                <a:cs typeface="+mn-lt"/>
+              </a:rPr>
+              <a:t> method</a:t>
+            </a:r>
+            <a:endParaRPr lang="en-US" sz="1800">
+              <a:cs typeface="Calibri"/>
+            </a:endParaRPr>
+          </a:p>
+          <a:p>
+            <a:pPr>
+              <a:buNone/>
+            </a:pPr>
+            <a:r>
+              <a:rPr lang="en-US" sz="1800" dirty="0">
+                <a:ea typeface="+mn-lt"/>
+                <a:cs typeface="+mn-lt"/>
+              </a:rPr>
+              <a:t>export function </a:t>
+            </a:r>
+            <a:r>
+              <a:rPr lang="en-US" sz="1800" dirty="0" err="1">
+                <a:ea typeface="+mn-lt"/>
+                <a:cs typeface="+mn-lt"/>
+              </a:rPr>
+              <a:t>memoizee</a:t>
+            </a:r>
+            <a:r>
+              <a:rPr lang="en-US" sz="1800" dirty="0">
+                <a:ea typeface="+mn-lt"/>
+                <a:cs typeface="+mn-lt"/>
+              </a:rPr>
+              <a:t>(</a:t>
+            </a:r>
+            <a:r>
+              <a:rPr lang="en-US" sz="1800" dirty="0" err="1">
+                <a:ea typeface="+mn-lt"/>
+                <a:cs typeface="+mn-lt"/>
+              </a:rPr>
+              <a:t>func</a:t>
+            </a:r>
+            <a:r>
+              <a:rPr lang="en-US" sz="1800" dirty="0">
+                <a:ea typeface="+mn-lt"/>
+                <a:cs typeface="+mn-lt"/>
+              </a:rPr>
+              <a:t>: any) {</a:t>
+            </a:r>
+            <a:endParaRPr lang="en-US" sz="1800">
+              <a:cs typeface="Calibri"/>
+            </a:endParaRPr>
+          </a:p>
+          <a:p>
+            <a:pPr>
+              <a:buNone/>
+            </a:pPr>
+            <a:r>
+              <a:rPr lang="en-US" sz="1800" dirty="0">
+                <a:ea typeface="+mn-lt"/>
+                <a:cs typeface="+mn-lt"/>
+              </a:rPr>
+              <a:t>  const results: any = {};</a:t>
+            </a:r>
+            <a:endParaRPr lang="en-US" sz="1800">
+              <a:cs typeface="Calibri"/>
+            </a:endParaRPr>
+          </a:p>
+          <a:p>
+            <a:pPr>
+              <a:buNone/>
+            </a:pPr>
+            <a:r>
+              <a:rPr lang="en-US" sz="1800" dirty="0">
+                <a:ea typeface="+mn-lt"/>
+                <a:cs typeface="+mn-lt"/>
+              </a:rPr>
+              <a:t>  return (...</a:t>
+            </a:r>
+            <a:r>
+              <a:rPr lang="en-US" sz="1800" dirty="0" err="1">
+                <a:ea typeface="+mn-lt"/>
+                <a:cs typeface="+mn-lt"/>
+              </a:rPr>
+              <a:t>args</a:t>
+            </a:r>
+            <a:r>
+              <a:rPr lang="en-US" sz="1800" dirty="0">
+                <a:ea typeface="+mn-lt"/>
+                <a:cs typeface="+mn-lt"/>
+              </a:rPr>
+              <a:t>: any) =&gt; {</a:t>
+            </a:r>
+            <a:endParaRPr lang="en-US" sz="1800">
+              <a:cs typeface="Calibri"/>
+            </a:endParaRPr>
+          </a:p>
+          <a:p>
+            <a:pPr>
+              <a:buNone/>
+            </a:pPr>
+            <a:r>
+              <a:rPr lang="en-US" sz="1800" dirty="0">
+                <a:ea typeface="+mn-lt"/>
+                <a:cs typeface="+mn-lt"/>
+              </a:rPr>
+              <a:t>    const </a:t>
+            </a:r>
+            <a:r>
+              <a:rPr lang="en-US" sz="1800" dirty="0" err="1">
+                <a:ea typeface="+mn-lt"/>
+                <a:cs typeface="+mn-lt"/>
+              </a:rPr>
+              <a:t>argsKey</a:t>
+            </a:r>
+            <a:r>
+              <a:rPr lang="en-US" sz="1800" dirty="0">
+                <a:ea typeface="+mn-lt"/>
+                <a:cs typeface="+mn-lt"/>
+              </a:rPr>
+              <a:t> = </a:t>
+            </a:r>
+            <a:r>
+              <a:rPr lang="en-US" sz="1800" dirty="0" err="1">
+                <a:ea typeface="+mn-lt"/>
+                <a:cs typeface="+mn-lt"/>
+              </a:rPr>
+              <a:t>JSON.stringify</a:t>
+            </a:r>
+            <a:r>
+              <a:rPr lang="en-US" sz="1800" dirty="0">
+                <a:ea typeface="+mn-lt"/>
+                <a:cs typeface="+mn-lt"/>
+              </a:rPr>
+              <a:t>(</a:t>
+            </a:r>
+            <a:r>
+              <a:rPr lang="en-US" sz="1800" dirty="0" err="1">
+                <a:ea typeface="+mn-lt"/>
+                <a:cs typeface="+mn-lt"/>
+              </a:rPr>
+              <a:t>args</a:t>
+            </a:r>
+            <a:r>
+              <a:rPr lang="en-US" sz="1800" dirty="0">
+                <a:ea typeface="+mn-lt"/>
+                <a:cs typeface="+mn-lt"/>
+              </a:rPr>
+              <a:t>);</a:t>
+            </a:r>
+            <a:endParaRPr lang="en-US" sz="1800">
+              <a:cs typeface="Calibri"/>
+            </a:endParaRPr>
+          </a:p>
+          <a:p>
+            <a:pPr>
+              <a:buNone/>
+            </a:pPr>
+            <a:r>
+              <a:rPr lang="en-US" sz="1800" dirty="0">
+                <a:ea typeface="+mn-lt"/>
+                <a:cs typeface="+mn-lt"/>
+              </a:rPr>
+              <a:t>    if (!results[</a:t>
+            </a:r>
+            <a:r>
+              <a:rPr lang="en-US" sz="1800" dirty="0" err="1">
+                <a:ea typeface="+mn-lt"/>
+                <a:cs typeface="+mn-lt"/>
+              </a:rPr>
+              <a:t>argsKey</a:t>
+            </a:r>
+            <a:r>
+              <a:rPr lang="en-US" sz="1800" dirty="0">
+                <a:ea typeface="+mn-lt"/>
+                <a:cs typeface="+mn-lt"/>
+              </a:rPr>
+              <a:t>]) {</a:t>
+            </a:r>
+            <a:endParaRPr lang="en-US" sz="1800">
+              <a:cs typeface="Calibri"/>
+            </a:endParaRPr>
+          </a:p>
+          <a:p>
+            <a:pPr>
+              <a:buNone/>
+            </a:pPr>
+            <a:r>
+              <a:rPr lang="en-US" sz="1800" dirty="0">
+                <a:ea typeface="+mn-lt"/>
+                <a:cs typeface="+mn-lt"/>
+              </a:rPr>
+              <a:t>      results[</a:t>
+            </a:r>
+            <a:r>
+              <a:rPr lang="en-US" sz="1800" dirty="0" err="1">
+                <a:ea typeface="+mn-lt"/>
+                <a:cs typeface="+mn-lt"/>
+              </a:rPr>
+              <a:t>argsKey</a:t>
+            </a:r>
+            <a:r>
+              <a:rPr lang="en-US" sz="1800" dirty="0">
+                <a:ea typeface="+mn-lt"/>
+                <a:cs typeface="+mn-lt"/>
+              </a:rPr>
+              <a:t>] = </a:t>
+            </a:r>
+            <a:r>
+              <a:rPr lang="en-US" sz="1800" dirty="0" err="1">
+                <a:ea typeface="+mn-lt"/>
+                <a:cs typeface="+mn-lt"/>
+              </a:rPr>
+              <a:t>func</a:t>
+            </a:r>
+            <a:r>
+              <a:rPr lang="en-US" sz="1800" dirty="0">
+                <a:ea typeface="+mn-lt"/>
+                <a:cs typeface="+mn-lt"/>
+              </a:rPr>
+              <a:t>(...</a:t>
+            </a:r>
+            <a:r>
+              <a:rPr lang="en-US" sz="1800" dirty="0" err="1">
+                <a:ea typeface="+mn-lt"/>
+                <a:cs typeface="+mn-lt"/>
+              </a:rPr>
+              <a:t>args</a:t>
+            </a:r>
+            <a:r>
+              <a:rPr lang="en-US" sz="1800" dirty="0">
+                <a:ea typeface="+mn-lt"/>
+                <a:cs typeface="+mn-lt"/>
+              </a:rPr>
+              <a:t>);</a:t>
+            </a:r>
+            <a:endParaRPr lang="en-US" sz="1800">
+              <a:cs typeface="Calibri"/>
+            </a:endParaRPr>
+          </a:p>
+          <a:p>
+            <a:pPr>
+              <a:buNone/>
+            </a:pPr>
+            <a:r>
+              <a:rPr lang="en-US" sz="1800" dirty="0">
+                <a:ea typeface="+mn-lt"/>
+                <a:cs typeface="+mn-lt"/>
+              </a:rPr>
+              <a:t>    }</a:t>
+            </a:r>
+            <a:endParaRPr lang="en-US" sz="1800">
+              <a:cs typeface="Calibri"/>
+            </a:endParaRPr>
+          </a:p>
+          <a:p>
+            <a:pPr>
+              <a:buNone/>
+            </a:pPr>
+            <a:r>
+              <a:rPr lang="en-US" sz="1800" dirty="0">
+                <a:ea typeface="+mn-lt"/>
+                <a:cs typeface="+mn-lt"/>
+              </a:rPr>
+              <a:t>    return results[</a:t>
+            </a:r>
+            <a:r>
+              <a:rPr lang="en-US" sz="1800" dirty="0" err="1">
+                <a:ea typeface="+mn-lt"/>
+                <a:cs typeface="+mn-lt"/>
+              </a:rPr>
+              <a:t>argsKey</a:t>
+            </a:r>
+            <a:r>
+              <a:rPr lang="en-US" sz="1800" dirty="0">
+                <a:ea typeface="+mn-lt"/>
+                <a:cs typeface="+mn-lt"/>
+              </a:rPr>
+              <a:t>];</a:t>
+            </a:r>
+            <a:endParaRPr lang="en-US" sz="1800">
+              <a:cs typeface="Calibri"/>
+            </a:endParaRPr>
+          </a:p>
+          <a:p>
+            <a:pPr>
+              <a:buNone/>
+            </a:pPr>
+            <a:r>
+              <a:rPr lang="en-US" sz="1800" dirty="0">
+                <a:ea typeface="+mn-lt"/>
+                <a:cs typeface="+mn-lt"/>
+              </a:rPr>
+              <a:t>  };</a:t>
+            </a:r>
+            <a:endParaRPr lang="en-US" sz="1800">
+              <a:cs typeface="Calibri"/>
+            </a:endParaRPr>
+          </a:p>
+          <a:p>
+            <a:pPr>
+              <a:buNone/>
+            </a:pPr>
+            <a:r>
+              <a:rPr lang="en-US" sz="1800" dirty="0">
+                <a:ea typeface="+mn-lt"/>
+                <a:cs typeface="+mn-lt"/>
+              </a:rPr>
+              <a:t>};</a:t>
+            </a:r>
+            <a:br>
+              <a:rPr lang="en-US" sz="1800" dirty="0"/>
+            </a:br>
+            <a:endParaRPr lang="en-US" sz="1800">
+              <a:cs typeface="Calibri"/>
+            </a:endParaRPr>
+          </a:p>
+        </p:txBody>
+      </p:sp>
+      <p:sp>
+        <p:nvSpPr>
+          <p:cNvPr id="2" name="TextBox 1">
             <a:extLst>
               <a:ext uri="{FF2B5EF4-FFF2-40B4-BE49-F238E27FC236}">
-                <a16:creationId xmlns:a16="http://schemas.microsoft.com/office/drawing/2014/main" id="{221D2991-86FA-6017-1C13-B5E58FE19144}"/>
+                <a16:creationId xmlns:a16="http://schemas.microsoft.com/office/drawing/2014/main" id="{8BC35032-198A-BC51-D219-1A6A37E1D06D}"/>
               </a:ext>
             </a:extLst>
           </p:cNvPr>
-          <p:cNvSpPr>
-            <a:spLocks noGrp="1"/>
-          </p:cNvSpPr>
-          <p:nvPr>
-            <p:ph idx="1"/>
-          </p:nvPr>
+          <p:cNvSpPr txBox="1"/>
+          <p:nvPr/>
         </p:nvSpPr>
         <p:spPr>
           <a:xfrm>
-            <a:off x="838200" y="1317625"/>
-            <a:ext cx="10515600" cy="4859338"/>
+            <a:off x="630620" y="5088758"/>
+            <a:ext cx="11304422" cy="1308050"/>
           </a:xfrm>
+          <a:prstGeom prst="rect">
+            <a:avLst/>
+          </a:prstGeom>
+          <a:noFill/>
         </p:spPr>
         <p:txBody>
-          <a:bodyPr vert="horz" lIns="91440" tIns="45720" rIns="91440" bIns="45720" rtlCol="0" anchor="t">
-            <a:normAutofit fontScale="70000" lnSpcReduction="20000"/>
+          <a:bodyPr rot="0" spcFirstLastPara="0" vertOverflow="overflow" horzOverflow="overflow" vert="horz" wrap="square" lIns="91440" tIns="45720" rIns="91440" bIns="45720" numCol="1" spcCol="0" rtlCol="0" fromWordArt="0" anchor="t" anchorCtr="0" forceAA="0" compatLnSpc="1">
+            <a:prstTxWarp prst="textNoShape">
+              <a:avLst/>
+            </a:prstTxWarp>
+            <a:spAutoFit/>
           </a:bodyPr>
           <a:lstStyle/>
           <a:p>
-            <a:pPr marL="0" indent="0">
-              <a:buNone/>
+            <a:pPr algn="l">
+              <a:lnSpc>
+                <a:spcPct val="90000"/>
+              </a:lnSpc>
+              <a:spcBef>
+                <a:spcPts val="1000"/>
+              </a:spcBef>
             </a:pPr>
-            <a:r>
-              <a:rPr lang="en-US" dirty="0">
-                <a:ea typeface="+mn-lt"/>
-                <a:cs typeface="+mn-lt"/>
-                <a:hlinkClick r:id="rId2"/>
-              </a:rPr>
-              <a:t>https://angular.io/guide/change-detection-zone-pollution</a:t>
-            </a:r>
             <a:endParaRPr lang="en-US" dirty="0">
               <a:ea typeface="+mn-lt"/>
               <a:cs typeface="+mn-lt"/>
@@ -5724,18 +6335,96 @@
           </a:p>
           <a:p>
             <a:pPr>
-              <a:buNone/>
+              <a:lnSpc>
+                <a:spcPct val="90000"/>
+              </a:lnSpc>
+              <a:spcBef>
+                <a:spcPts val="1000"/>
+              </a:spcBef>
             </a:pPr>
             <a:r>
-              <a:rPr lang="en-US" dirty="0">
-                <a:ea typeface="+mn-lt"/>
-                <a:cs typeface="+mn-lt"/>
+              <a:rPr lang="en-US" sz="1400" dirty="0">
+                <a:cs typeface="Calibri"/>
+                <a:hlinkClick r:id="rId2"/>
+              </a:rPr>
+              <a:t>https://www.npmjs.com/package/memoizee</a:t>
+            </a:r>
+            <a:endParaRPr lang="en-US" sz="1400">
+              <a:ea typeface="+mn-lt"/>
+              <a:cs typeface="+mn-lt"/>
+            </a:endParaRPr>
+          </a:p>
+          <a:p>
+            <a:pPr>
+              <a:lnSpc>
+                <a:spcPct val="90000"/>
+              </a:lnSpc>
+              <a:spcBef>
+                <a:spcPts val="1000"/>
+              </a:spcBef>
+            </a:pPr>
+            <a:r>
+              <a:rPr lang="en-US" sz="1400" dirty="0">
+                <a:cs typeface="Calibri"/>
                 <a:hlinkClick r:id="rId3"/>
               </a:rPr>
-              <a:t>https://angular.io/guide/zone</a:t>
-            </a:r>
-            <a:endParaRPr lang="en-US"/>
-          </a:p>
+              <a:t>https://github.com/mgechev/memo-decorator</a:t>
+            </a:r>
+            <a:endParaRPr lang="en-US" sz="1400">
+              <a:ea typeface="+mn-lt"/>
+              <a:cs typeface="+mn-lt"/>
+            </a:endParaRPr>
+          </a:p>
+          <a:p>
+            <a:pPr>
+              <a:lnSpc>
+                <a:spcPct val="90000"/>
+              </a:lnSpc>
+              <a:spcBef>
+                <a:spcPts val="1000"/>
+              </a:spcBef>
+            </a:pPr>
+            <a:r>
+              <a:rPr lang="en-US" sz="1400" dirty="0">
+                <a:cs typeface="Calibri"/>
+                <a:hlinkClick r:id="rId4"/>
+              </a:rPr>
+              <a:t>https://medium.com/angular-in-depth/how-to-improve-angular-performance-by-just-adding-just-8-characters-877bde708ddd</a:t>
+            </a:r>
+            <a:endParaRPr lang="en-US" sz="1400"/>
+          </a:p>
+        </p:txBody>
+      </p:sp>
+      <p:sp>
+        <p:nvSpPr>
+          <p:cNvPr id="4" name="TextBox 3">
+            <a:extLst>
+              <a:ext uri="{FF2B5EF4-FFF2-40B4-BE49-F238E27FC236}">
+                <a16:creationId xmlns:a16="http://schemas.microsoft.com/office/drawing/2014/main" id="{6AC03CFC-254C-D12C-3DB2-13B88AC82C92}"/>
+              </a:ext>
+            </a:extLst>
+          </p:cNvPr>
+          <p:cNvSpPr txBox="1"/>
+          <p:nvPr/>
+        </p:nvSpPr>
+        <p:spPr>
+          <a:xfrm>
+            <a:off x="8907516" y="525517"/>
+            <a:ext cx="4069802" cy="3970318"/>
+          </a:xfrm>
+          <a:prstGeom prst="rect">
+            <a:avLst/>
+          </a:prstGeom>
+          <a:noFill/>
+        </p:spPr>
+        <p:txBody>
+          <a:bodyPr rot="0" spcFirstLastPara="0" vertOverflow="overflow" horzOverflow="overflow" vert="horz" wrap="square" lIns="91440" tIns="45720" rIns="91440" bIns="45720" numCol="1" spcCol="0" rtlCol="0" fromWordArt="0" anchor="t" anchorCtr="0" forceAA="0" compatLnSpc="1">
+            <a:prstTxWarp prst="textNoShape">
+              <a:avLst/>
+            </a:prstTxWarp>
+            <a:spAutoFit/>
+          </a:bodyPr>
+          <a:lstStyle/>
           <a:p>
             <a:endParaRPr lang="en-US" dirty="0">
               <a:ea typeface="+mn-lt"/>
@@ -5744,62 +6433,342 @@
           </a:p>
           <a:p>
             <a:r>
-              <a:rPr lang="en-US" b="1" dirty="0">
-                <a:ea typeface="+mn-lt"/>
-                <a:cs typeface="+mn-lt"/>
-              </a:rPr>
-              <a:t>Zone.js is an execution context that persist across async tasks and a signaling mechanism, that Angular uses to detect when an application state might have changed</a:t>
-            </a:r>
-            <a:r>
-              <a:rPr lang="en-US" dirty="0">
-                <a:ea typeface="+mn-lt"/>
-                <a:cs typeface="+mn-lt"/>
-              </a:rPr>
-              <a:t>. It captures asynchronous operations like </a:t>
+              <a:rPr lang="en-US" dirty="0">
+                <a:ea typeface="+mn-lt"/>
+                <a:cs typeface="+mn-lt"/>
+              </a:rPr>
+              <a:t>// method call</a:t>
+            </a:r>
+          </a:p>
+          <a:p>
+            <a:r>
+              <a:rPr lang="en-US" dirty="0">
+                <a:ea typeface="+mn-lt"/>
+                <a:cs typeface="+mn-lt"/>
+              </a:rPr>
+              <a:t>  @memoize()</a:t>
+            </a:r>
+            <a:endParaRPr lang="en-US">
+              <a:cs typeface="Calibri"/>
+            </a:endParaRPr>
+          </a:p>
+          <a:p>
+            <a:r>
+              <a:rPr lang="en-US" dirty="0">
+                <a:ea typeface="+mn-lt"/>
+                <a:cs typeface="+mn-lt"/>
+              </a:rPr>
+              <a:t>  </a:t>
             </a:r>
             <a:r>
               <a:rPr lang="en-US" dirty="0" err="1">
-                <a:latin typeface="Consolas"/>
-              </a:rPr>
-              <a:t>setTimeout</a:t>
-            </a:r>
-            <a:r>
-              <a:rPr lang="en-US" dirty="0">
-                <a:ea typeface="+mn-lt"/>
-                <a:cs typeface="+mn-lt"/>
-              </a:rPr>
-              <a:t>, network requests, and event listeners. Angular schedules change detection based on signals from Zone.js</a:t>
-            </a:r>
+                <a:ea typeface="+mn-lt"/>
+                <a:cs typeface="+mn-lt"/>
+              </a:rPr>
+              <a:t>clumsysquare</a:t>
+            </a:r>
+            <a:r>
+              <a:rPr lang="en-US" dirty="0">
+                <a:ea typeface="+mn-lt"/>
+                <a:cs typeface="+mn-lt"/>
+              </a:rPr>
+              <a:t>(num: any) {</a:t>
+            </a:r>
+          </a:p>
+          <a:p>
+            <a:r>
+              <a:rPr lang="en-US" dirty="0">
+                <a:ea typeface="+mn-lt"/>
+                <a:cs typeface="+mn-lt"/>
+              </a:rPr>
+              <a:t>    let result = 0;</a:t>
+            </a:r>
+          </a:p>
+          <a:p>
+            <a:r>
+              <a:rPr lang="en-US" dirty="0">
+                <a:ea typeface="+mn-lt"/>
+                <a:cs typeface="+mn-lt"/>
+              </a:rPr>
+              <a:t>    for (let </a:t>
+            </a:r>
+            <a:r>
+              <a:rPr lang="en-US" dirty="0" err="1">
+                <a:ea typeface="+mn-lt"/>
+                <a:cs typeface="+mn-lt"/>
+              </a:rPr>
+              <a:t>i</a:t>
+            </a:r>
+            <a:r>
+              <a:rPr lang="en-US" dirty="0">
+                <a:ea typeface="+mn-lt"/>
+                <a:cs typeface="+mn-lt"/>
+              </a:rPr>
+              <a:t> = 1; </a:t>
+            </a:r>
+            <a:r>
+              <a:rPr lang="en-US" dirty="0" err="1">
+                <a:ea typeface="+mn-lt"/>
+                <a:cs typeface="+mn-lt"/>
+              </a:rPr>
+              <a:t>i</a:t>
+            </a:r>
+            <a:r>
+              <a:rPr lang="en-US" dirty="0">
+                <a:ea typeface="+mn-lt"/>
+                <a:cs typeface="+mn-lt"/>
+              </a:rPr>
+              <a:t> &lt;= num; </a:t>
+            </a:r>
+            <a:r>
+              <a:rPr lang="en-US" dirty="0" err="1">
+                <a:ea typeface="+mn-lt"/>
+                <a:cs typeface="+mn-lt"/>
+              </a:rPr>
+              <a:t>i</a:t>
+            </a:r>
+            <a:r>
+              <a:rPr lang="en-US" dirty="0">
+                <a:ea typeface="+mn-lt"/>
+                <a:cs typeface="+mn-lt"/>
+              </a:rPr>
+              <a:t>++) {</a:t>
+            </a:r>
+          </a:p>
+          <a:p>
+            <a:r>
+              <a:rPr lang="en-US" dirty="0">
+                <a:ea typeface="+mn-lt"/>
+                <a:cs typeface="+mn-lt"/>
+              </a:rPr>
+              <a:t>      for (let j = 1; j &lt;= num; </a:t>
+            </a:r>
+            <a:r>
+              <a:rPr lang="en-US" dirty="0" err="1">
+                <a:ea typeface="+mn-lt"/>
+                <a:cs typeface="+mn-lt"/>
+              </a:rPr>
+              <a:t>j++</a:t>
+            </a:r>
+            <a:r>
+              <a:rPr lang="en-US" dirty="0">
+                <a:ea typeface="+mn-lt"/>
+                <a:cs typeface="+mn-lt"/>
+              </a:rPr>
+              <a:t>) {</a:t>
+            </a:r>
+          </a:p>
+          <a:p>
+            <a:r>
+              <a:rPr lang="en-US" dirty="0">
+                <a:ea typeface="+mn-lt"/>
+                <a:cs typeface="+mn-lt"/>
+              </a:rPr>
+              <a:t>        result++;</a:t>
+            </a:r>
+          </a:p>
+          <a:p>
+            <a:r>
+              <a:rPr lang="en-US" dirty="0">
+                <a:ea typeface="+mn-lt"/>
+                <a:cs typeface="+mn-lt"/>
+              </a:rPr>
+              <a:t>      }</a:t>
+            </a:r>
+          </a:p>
+          <a:p>
+            <a:r>
+              <a:rPr lang="en-US" dirty="0">
+                <a:ea typeface="+mn-lt"/>
+                <a:cs typeface="+mn-lt"/>
+              </a:rPr>
+              <a:t>    }</a:t>
+            </a:r>
+          </a:p>
+          <a:p>
+            <a:r>
+              <a:rPr lang="en-US" dirty="0">
+                <a:ea typeface="+mn-lt"/>
+                <a:cs typeface="+mn-lt"/>
+              </a:rPr>
+              <a:t>    return result;</a:t>
+            </a:r>
+          </a:p>
+          <a:p>
+            <a:r>
+              <a:rPr lang="en-US" dirty="0">
+                <a:ea typeface="+mn-lt"/>
+                <a:cs typeface="+mn-lt"/>
+              </a:rPr>
+              <a:t>  }</a:t>
+            </a:r>
+          </a:p>
+          <a:p>
             <a:endParaRPr lang="en-US" dirty="0">
-              <a:cs typeface="Calibri" panose="020F0502020204030204"/>
-            </a:endParaRPr>
-          </a:p>
-          <a:p>
+              <a:cs typeface="Calibri"/>
+            </a:endParaRPr>
+          </a:p>
+          <a:p>
+            <a:endParaRPr lang="en-US" dirty="0">
+              <a:cs typeface="Calibri"/>
+            </a:endParaRPr>
+          </a:p>
+        </p:txBody>
+      </p:sp>
+      <p:sp>
+        <p:nvSpPr>
+          <p:cNvPr id="6" name="TextBox 5">
+            <a:extLst>
+              <a:ext uri="{FF2B5EF4-FFF2-40B4-BE49-F238E27FC236}">
+                <a16:creationId xmlns:a16="http://schemas.microsoft.com/office/drawing/2014/main" id="{CB7E8770-2C39-AFAF-03E5-500889A4EF80}"/>
+              </a:ext>
+            </a:extLst>
+          </p:cNvPr>
+          <p:cNvSpPr txBox="1"/>
+          <p:nvPr/>
+        </p:nvSpPr>
+        <p:spPr>
+          <a:xfrm>
+            <a:off x="9266620" y="4589517"/>
+            <a:ext cx="180975" cy="361950"/>
+          </a:xfrm>
+          <a:prstGeom prst="rect">
+            <a:avLst/>
+          </a:prstGeom>
+          <a:noFill/>
+        </p:spPr>
+        <p:txBody>
+          <a:bodyPr rot="0" spcFirstLastPara="0" vertOverflow="overflow" horzOverflow="overflow" vert="horz" wrap="square" lIns="91440" tIns="45720" rIns="91440" bIns="45720" numCol="1" spcCol="0" rtlCol="0" fromWordArt="0" anchor="t" anchorCtr="0" forceAA="0" compatLnSpc="1">
+            <a:prstTxWarp prst="textNoShape">
+              <a:avLst/>
+            </a:prstTxWarp>
+            <a:spAutoFit/>
+          </a:bodyPr>
+          <a:lstStyle/>
+          <a:p>
+            <a:pPr algn="l"/>
+            <a:endParaRPr lang="en-US"/>
+          </a:p>
+        </p:txBody>
+      </p:sp>
+      <p:sp>
+        <p:nvSpPr>
+          <p:cNvPr id="8" name="TextBox 7">
+            <a:extLst>
+              <a:ext uri="{FF2B5EF4-FFF2-40B4-BE49-F238E27FC236}">
+                <a16:creationId xmlns:a16="http://schemas.microsoft.com/office/drawing/2014/main" id="{6194FF85-8DAD-F485-1D99-BF7F38EF241D}"/>
+              </a:ext>
+            </a:extLst>
+          </p:cNvPr>
+          <p:cNvSpPr txBox="1"/>
+          <p:nvPr/>
+        </p:nvSpPr>
+        <p:spPr>
+          <a:xfrm>
+            <a:off x="700689" y="183931"/>
+            <a:ext cx="2904906" cy="338554"/>
+          </a:xfrm>
+          <a:prstGeom prst="rect">
+            <a:avLst/>
+          </a:prstGeom>
+          <a:noFill/>
+        </p:spPr>
+        <p:txBody>
+          <a:bodyPr rot="0" spcFirstLastPara="0" vertOverflow="overflow" horzOverflow="overflow" vert="horz" wrap="square" lIns="91440" tIns="45720" rIns="91440" bIns="45720" numCol="1" spcCol="0" rtlCol="0" fromWordArt="0" anchor="t" anchorCtr="0" forceAA="0" compatLnSpc="1">
+            <a:prstTxWarp prst="textNoShape">
+              <a:avLst/>
+            </a:prstTxWarp>
+            <a:spAutoFit/>
+          </a:bodyPr>
+          <a:lstStyle/>
+          <a:p>
+            <a:pPr algn="l"/>
+            <a:r>
+              <a:rPr lang="en-US" sz="1600" b="1" dirty="0">
+                <a:latin typeface="Calibri"/>
+              </a:rPr>
+              <a:t>Angular implementation</a:t>
+            </a:r>
+            <a:endParaRPr lang="en-US" sz="1600" dirty="0"/>
+          </a:p>
+        </p:txBody>
+      </p:sp>
+      <p:sp>
+        <p:nvSpPr>
+          <p:cNvPr id="9" name="TextBox 8">
+            <a:extLst>
+              <a:ext uri="{FF2B5EF4-FFF2-40B4-BE49-F238E27FC236}">
+                <a16:creationId xmlns:a16="http://schemas.microsoft.com/office/drawing/2014/main" id="{D03A6353-2FE9-3D0D-32BE-62B850B26E18}"/>
+              </a:ext>
+            </a:extLst>
+          </p:cNvPr>
+          <p:cNvSpPr txBox="1"/>
+          <p:nvPr/>
+        </p:nvSpPr>
+        <p:spPr>
+          <a:xfrm>
+            <a:off x="4571999" y="875861"/>
+            <a:ext cx="3824561" cy="4764381"/>
+          </a:xfrm>
+          <a:prstGeom prst="rect">
+            <a:avLst/>
+          </a:prstGeom>
+          <a:noFill/>
+        </p:spPr>
+        <p:txBody>
+          <a:bodyPr rot="0" spcFirstLastPara="0" vertOverflow="overflow" horzOverflow="overflow" vert="horz" wrap="square" lIns="91440" tIns="45720" rIns="91440" bIns="45720" numCol="1" spcCol="0" rtlCol="0" fromWordArt="0" anchor="t" anchorCtr="0" forceAA="0" compatLnSpc="1">
+            <a:prstTxWarp prst="textNoShape">
+              <a:avLst/>
+            </a:prstTxWarp>
+            <a:spAutoFit/>
+          </a:bodyPr>
+          <a:lstStyle/>
+          <a:p>
+            <a:pPr marL="228600" indent="-228600">
+              <a:lnSpc>
+                <a:spcPct val="90000"/>
+              </a:lnSpc>
+              <a:spcBef>
+                <a:spcPts val="1000"/>
+              </a:spcBef>
+            </a:pPr>
+            <a:r>
+              <a:rPr lang="en-US" dirty="0">
+                <a:cs typeface="Calibri"/>
+              </a:rPr>
+              <a:t>// @memoize decorator</a:t>
+            </a:r>
             <a:endParaRPr lang="en-US" dirty="0">
               <a:ea typeface="+mn-lt"/>
               <a:cs typeface="+mn-lt"/>
             </a:endParaRPr>
           </a:p>
           <a:p>
-            <a:r>
-              <a:rPr lang="en-US" dirty="0">
-                <a:ea typeface="+mn-lt"/>
-                <a:cs typeface="+mn-lt"/>
-              </a:rPr>
-              <a:t>A Zone is an execution context that persists across async tasks</a:t>
-            </a:r>
-          </a:p>
-          <a:p>
-            <a:pPr marL="0" indent="0">
-              <a:buNone/>
+            <a:pPr marL="228600" indent="-228600">
+              <a:lnSpc>
+                <a:spcPct val="90000"/>
+              </a:lnSpc>
+              <a:spcBef>
+                <a:spcPts val="1000"/>
+              </a:spcBef>
             </a:pPr>
             <a:r>
               <a:rPr lang="en-US" dirty="0">
-                <a:ea typeface="+mn-lt"/>
-                <a:cs typeface="+mn-lt"/>
-                <a:hlinkClick r:id="rId4"/>
-              </a:rPr>
-              <a:t>https://www.w3schools.com/js/js_this.asp</a:t>
+                <a:cs typeface="Calibri"/>
+              </a:rPr>
+              <a:t>export function </a:t>
+            </a:r>
+            <a:r>
+              <a:rPr lang="en-US" dirty="0" err="1">
+                <a:cs typeface="Calibri"/>
+              </a:rPr>
+              <a:t>memoize</a:t>
+            </a:r>
+            <a:r>
+              <a:rPr lang="en-US" dirty="0">
+                <a:cs typeface="Calibri"/>
+              </a:rPr>
+              <a:t>() {</a:t>
             </a:r>
             <a:endParaRPr lang="en-US" dirty="0">
               <a:ea typeface="+mn-lt"/>
@@ -5807,116 +6776,251 @@
             </a:endParaRPr>
           </a:p>
           <a:p>
-            <a:pPr marL="0" indent="0">
-              <a:buNone/>
+            <a:pPr marL="228600" indent="-228600">
+              <a:lnSpc>
+                <a:spcPct val="90000"/>
+              </a:lnSpc>
+              <a:spcBef>
+                <a:spcPts val="1000"/>
+              </a:spcBef>
             </a:pPr>
             <a:r>
               <a:rPr lang="en-US" dirty="0">
-                <a:ea typeface="+mn-lt"/>
-                <a:cs typeface="+mn-lt"/>
-                <a:hlinkClick r:id="" action="ppaction://noaction"/>
-              </a:rPr>
-              <a:t>https://www.youtube.com/watch?v=3IqtmUscE_U&amp;t=150s&amp;ab_channel=ng-conf</a:t>
-            </a:r>
-          </a:p>
-          <a:p>
+                <a:cs typeface="Calibri"/>
+              </a:rPr>
+              <a:t>  return function(target: any, key: any, descriptor: any) {</a:t>
+            </a:r>
             <a:endParaRPr lang="en-US" dirty="0">
               <a:ea typeface="+mn-lt"/>
               <a:cs typeface="+mn-lt"/>
             </a:endParaRPr>
           </a:p>
           <a:p>
-            <a:r>
-              <a:rPr lang="en-US" dirty="0">
-                <a:ea typeface="+mn-lt"/>
-                <a:cs typeface="+mn-lt"/>
-              </a:rPr>
-              <a:t>There are cases in which scheduled </a:t>
-            </a:r>
-            <a:r>
-              <a:rPr lang="en-US" dirty="0">
-                <a:ea typeface="+mn-lt"/>
-                <a:cs typeface="+mn-lt"/>
-                <a:hlinkClick r:id="rId5"/>
-              </a:rPr>
-              <a:t>tasks</a:t>
-            </a:r>
-            <a:r>
-              <a:rPr lang="en-US" dirty="0">
-                <a:ea typeface="+mn-lt"/>
-                <a:cs typeface="+mn-lt"/>
-              </a:rPr>
-              <a:t> or </a:t>
-            </a:r>
-            <a:r>
-              <a:rPr lang="en-US" dirty="0">
-                <a:ea typeface="+mn-lt"/>
-                <a:cs typeface="+mn-lt"/>
-                <a:hlinkClick r:id="rId6"/>
-              </a:rPr>
-              <a:t>microtasks</a:t>
-            </a:r>
-            <a:r>
-              <a:rPr lang="en-US" dirty="0">
-                <a:ea typeface="+mn-lt"/>
-                <a:cs typeface="+mn-lt"/>
-              </a:rPr>
-              <a:t> don’t make any changes in the data model, which makes running change detection unnecessary. Common examples are:</a:t>
-            </a:r>
-            <a:endParaRPr lang="en-US" dirty="0"/>
-          </a:p>
-          <a:p>
-            <a:pPr lvl="1"/>
+            <a:pPr marL="228600" indent="-228600">
+              <a:lnSpc>
+                <a:spcPct val="90000"/>
+              </a:lnSpc>
+              <a:spcBef>
+                <a:spcPts val="1000"/>
+              </a:spcBef>
+            </a:pPr>
+            <a:r>
+              <a:rPr lang="en-US" dirty="0">
+                <a:cs typeface="Calibri"/>
+              </a:rPr>
+              <a:t>    const </a:t>
+            </a:r>
             <a:r>
               <a:rPr lang="en-US" dirty="0" err="1">
-                <a:latin typeface="Consolas"/>
-              </a:rPr>
-              <a:t>requestAnimationFrame</a:t>
-            </a:r>
-            <a:r>
-              <a:rPr lang="en-US" dirty="0">
-                <a:ea typeface="+mn-lt"/>
-                <a:cs typeface="+mn-lt"/>
-              </a:rPr>
-              <a:t>, </a:t>
+                <a:cs typeface="Calibri"/>
+              </a:rPr>
+              <a:t>oldFunction</a:t>
+            </a:r>
+            <a:r>
+              <a:rPr lang="en-US" dirty="0">
+                <a:cs typeface="Calibri"/>
+              </a:rPr>
+              <a:t> = </a:t>
             </a:r>
             <a:r>
               <a:rPr lang="en-US" dirty="0" err="1">
-                <a:latin typeface="Consolas"/>
-              </a:rPr>
-              <a:t>setTimeout</a:t>
-            </a:r>
-            <a:r>
-              <a:rPr lang="en-US" dirty="0">
-                <a:ea typeface="+mn-lt"/>
-                <a:cs typeface="+mn-lt"/>
-              </a:rPr>
-              <a:t> or </a:t>
+                <a:cs typeface="Calibri"/>
+              </a:rPr>
+              <a:t>descriptor.value</a:t>
+            </a:r>
+            <a:r>
+              <a:rPr lang="en-US" dirty="0">
+                <a:cs typeface="Calibri"/>
+              </a:rPr>
+              <a:t>;</a:t>
+            </a:r>
+            <a:endParaRPr lang="en-US" dirty="0">
+              <a:ea typeface="+mn-lt"/>
+              <a:cs typeface="+mn-lt"/>
+            </a:endParaRPr>
+          </a:p>
+          <a:p>
+            <a:pPr marL="228600" indent="-228600">
+              <a:lnSpc>
+                <a:spcPct val="90000"/>
+              </a:lnSpc>
+              <a:spcBef>
+                <a:spcPts val="1000"/>
+              </a:spcBef>
+            </a:pPr>
+            <a:r>
+              <a:rPr lang="en-US" dirty="0">
+                <a:cs typeface="Calibri"/>
+              </a:rPr>
+              <a:t>    const </a:t>
             </a:r>
             <a:r>
               <a:rPr lang="en-US" dirty="0" err="1">
-                <a:latin typeface="Consolas"/>
-              </a:rPr>
-              <a:t>setInterval</a:t>
-            </a:r>
-            <a:endParaRPr lang="en-US">
-              <a:cs typeface="Calibri"/>
-            </a:endParaRPr>
-          </a:p>
-          <a:p>
-            <a:pPr lvl="1"/>
-            <a:r>
-              <a:rPr lang="en-US" dirty="0">
-                <a:ea typeface="+mn-lt"/>
-                <a:cs typeface="+mn-lt"/>
-              </a:rPr>
-              <a:t>Task or microtask scheduling by third-party libraries</a:t>
-            </a:r>
-            <a:endParaRPr lang="en-US">
-              <a:cs typeface="Calibri"/>
-            </a:endParaRPr>
-          </a:p>
-          <a:p>
+                <a:cs typeface="Calibri"/>
+              </a:rPr>
+              <a:t>newFunction</a:t>
+            </a:r>
+            <a:r>
+              <a:rPr lang="en-US" dirty="0">
+                <a:cs typeface="Calibri"/>
+              </a:rPr>
+              <a:t>: any = </a:t>
+            </a:r>
+            <a:r>
+              <a:rPr lang="en-US" dirty="0" err="1">
+                <a:cs typeface="Calibri"/>
+              </a:rPr>
+              <a:t>memoizee</a:t>
+            </a:r>
+            <a:r>
+              <a:rPr lang="en-US" dirty="0">
+                <a:cs typeface="Calibri"/>
+              </a:rPr>
+              <a:t>(</a:t>
+            </a:r>
+            <a:r>
+              <a:rPr lang="en-US" dirty="0" err="1">
+                <a:cs typeface="Calibri"/>
+              </a:rPr>
+              <a:t>oldFunction</a:t>
+            </a:r>
+            <a:r>
+              <a:rPr lang="en-US" dirty="0">
+                <a:cs typeface="Calibri"/>
+              </a:rPr>
+              <a:t>)</a:t>
+            </a:r>
+            <a:endParaRPr lang="en-US" dirty="0">
+              <a:ea typeface="+mn-lt"/>
+              <a:cs typeface="+mn-lt"/>
+            </a:endParaRPr>
+          </a:p>
+          <a:p>
+            <a:pPr marL="228600" indent="-228600">
+              <a:lnSpc>
+                <a:spcPct val="90000"/>
+              </a:lnSpc>
+              <a:spcBef>
+                <a:spcPts val="1000"/>
+              </a:spcBef>
+            </a:pPr>
+            <a:r>
+              <a:rPr lang="en-US" dirty="0">
+                <a:cs typeface="Calibri"/>
+              </a:rPr>
+              <a:t>    </a:t>
+            </a:r>
+            <a:r>
+              <a:rPr lang="en-US" dirty="0" err="1">
+                <a:cs typeface="Calibri"/>
+              </a:rPr>
+              <a:t>descriptor.value</a:t>
+            </a:r>
+            <a:r>
+              <a:rPr lang="en-US" dirty="0">
+                <a:cs typeface="Calibri"/>
+              </a:rPr>
+              <a:t> = function () {</a:t>
+            </a:r>
+            <a:endParaRPr lang="en-US" dirty="0">
+              <a:ea typeface="+mn-lt"/>
+              <a:cs typeface="+mn-lt"/>
+            </a:endParaRPr>
+          </a:p>
+          <a:p>
+            <a:pPr marL="228600" indent="-228600">
+              <a:lnSpc>
+                <a:spcPct val="90000"/>
+              </a:lnSpc>
+              <a:spcBef>
+                <a:spcPts val="1000"/>
+              </a:spcBef>
+            </a:pPr>
+            <a:r>
+              <a:rPr lang="en-US" dirty="0">
+                <a:cs typeface="Calibri"/>
+              </a:rPr>
+              <a:t>        return </a:t>
+            </a:r>
+            <a:r>
+              <a:rPr lang="en-US" dirty="0" err="1">
+                <a:cs typeface="Calibri"/>
+              </a:rPr>
+              <a:t>newFunction.apply</a:t>
+            </a:r>
+            <a:r>
+              <a:rPr lang="en-US" dirty="0">
+                <a:cs typeface="Calibri"/>
+              </a:rPr>
+              <a:t>(this, arguments)</a:t>
+            </a:r>
+            <a:endParaRPr lang="en-US" dirty="0">
+              <a:ea typeface="+mn-lt"/>
+              <a:cs typeface="+mn-lt"/>
+            </a:endParaRPr>
+          </a:p>
+          <a:p>
+            <a:pPr marL="228600" indent="-228600">
+              <a:lnSpc>
+                <a:spcPct val="90000"/>
+              </a:lnSpc>
+              <a:spcBef>
+                <a:spcPts val="1000"/>
+              </a:spcBef>
+            </a:pPr>
+            <a:r>
+              <a:rPr lang="en-US" dirty="0">
+                <a:cs typeface="Calibri"/>
+              </a:rPr>
+              <a:t>    }</a:t>
+            </a:r>
+            <a:endParaRPr lang="en-US" dirty="0">
+              <a:ea typeface="+mn-lt"/>
+              <a:cs typeface="+mn-lt"/>
+            </a:endParaRPr>
+          </a:p>
+          <a:p>
+            <a:pPr marL="228600" indent="-228600">
+              <a:lnSpc>
+                <a:spcPct val="90000"/>
+              </a:lnSpc>
+              <a:spcBef>
+                <a:spcPts val="1000"/>
+              </a:spcBef>
+            </a:pPr>
+            <a:r>
+              <a:rPr lang="en-US" dirty="0">
+                <a:cs typeface="Calibri"/>
+              </a:rPr>
+              <a:t>  }</a:t>
+            </a:r>
+            <a:endParaRPr lang="en-US" dirty="0">
+              <a:ea typeface="+mn-lt"/>
+              <a:cs typeface="+mn-lt"/>
+            </a:endParaRPr>
+          </a:p>
+          <a:p>
+            <a:pPr marL="228600" indent="-228600">
+              <a:lnSpc>
+                <a:spcPct val="90000"/>
+              </a:lnSpc>
+              <a:spcBef>
+                <a:spcPts val="1000"/>
+              </a:spcBef>
+            </a:pPr>
+            <a:r>
+              <a:rPr lang="en-US" dirty="0">
+                <a:cs typeface="Calibri"/>
+              </a:rPr>
+              <a:t>}</a:t>
+            </a:r>
+            <a:endParaRPr lang="en-US" dirty="0">
+              <a:ea typeface="+mn-lt"/>
+              <a:cs typeface="+mn-lt"/>
+            </a:endParaRPr>
+          </a:p>
+          <a:p>
+            <a:pPr algn="l"/>
             <a:endParaRPr lang="en-US" dirty="0">
               <a:cs typeface="Calibri"/>
             </a:endParaRPr>
@@ -5926,7 +7030,7 @@
     </p:spTree>
     <p:extLst>
       <p:ext uri="{BB962C8B-B14F-4D97-AF65-F5344CB8AC3E}">
-        <p14:creationId xmlns:p14="http://schemas.microsoft.com/office/powerpoint/2010/main" val="400645750"/>
+        <p14:creationId xmlns:p14="http://schemas.microsoft.com/office/powerpoint/2010/main" val="3311505062"/>
       </p:ext>
     </p:extLst>
   </p:cSld>
@@ -5955,10 +7059,58 @@
       </p:grpSpPr>
       <p:sp>
         <p:nvSpPr>
+          <p:cNvPr id="2" name="Title 1">
+            <a:extLst>
+              <a:ext uri="{FF2B5EF4-FFF2-40B4-BE49-F238E27FC236}">
+                <a16:creationId xmlns:a16="http://schemas.microsoft.com/office/drawing/2014/main" id="{D0A0DB65-18A6-08D8-F1EC-4AA6985793F2}"/>
+              </a:ext>
+            </a:extLst>
+          </p:cNvPr>
+          <p:cNvSpPr>
+            <a:spLocks noGrp="1"/>
+          </p:cNvSpPr>
+          <p:nvPr>
+            <p:ph type="title"/>
+          </p:nvPr>
+        </p:nvSpPr>
+        <p:spPr>
+          <a:xfrm>
+            <a:off x="522249" y="184399"/>
+            <a:ext cx="11249721" cy="871182"/>
+          </a:xfrm>
+        </p:spPr>
+        <p:txBody>
+          <a:bodyPr/>
+          <a:lstStyle/>
+          <a:p>
+            <a:r>
+              <a:rPr lang="en-US" dirty="0">
+                <a:cs typeface="Calibri Light"/>
+              </a:rPr>
+              <a:t>Use Zone.js and </a:t>
+            </a:r>
+            <a:r>
+              <a:rPr lang="en-US" dirty="0" err="1">
+                <a:cs typeface="Calibri Light"/>
+              </a:rPr>
+              <a:t>ngZones</a:t>
+            </a:r>
+            <a:r>
+              <a:rPr lang="en-US" dirty="0">
+                <a:cs typeface="Calibri Light"/>
+              </a:rPr>
+              <a:t> for further optimization</a:t>
+            </a:r>
+            <a:endParaRPr lang="en-US" dirty="0" err="1"/>
+          </a:p>
+        </p:txBody>
+      </p:sp>
+      <p:sp>
+        <p:nvSpPr>
           <p:cNvPr id="3" name="Content Placeholder 2">
             <a:extLst>
               <a:ext uri="{FF2B5EF4-FFF2-40B4-BE49-F238E27FC236}">
-                <a16:creationId xmlns:a16="http://schemas.microsoft.com/office/drawing/2014/main" id="{BBCB7F48-1E5B-04F9-208B-F74C02DD9D47}"/>
+                <a16:creationId xmlns:a16="http://schemas.microsoft.com/office/drawing/2014/main" id="{221D2991-86FA-6017-1C13-B5E58FE19144}"/>
               </a:ext>
             </a:extLst>
           </p:cNvPr>
@@ -5971,143 +7123,282 @@
         </p:nvSpPr>
         <p:spPr>
           <a:xfrm>
-            <a:off x="838200" y="2206625"/>
-            <a:ext cx="10515600" cy="3970338"/>
+            <a:off x="838200" y="1317625"/>
+            <a:ext cx="10515600" cy="4859338"/>
           </a:xfrm>
         </p:spPr>
         <p:txBody>
           <a:bodyPr vert="horz" lIns="91440" tIns="45720" rIns="91440" bIns="45720" rtlCol="0" anchor="t">
-            <a:normAutofit/>
+            <a:normAutofit fontScale="70000" lnSpcReduction="20000"/>
           </a:bodyPr>
           <a:lstStyle/>
           <a:p>
-            <a:pPr marL="0" indent="0">
-              <a:buNone/>
-            </a:pPr>
-            <a:r>
-              <a:rPr lang="en-US" dirty="0">
-                <a:ea typeface="+mn-lt"/>
-                <a:cs typeface="+mn-lt"/>
-              </a:rPr>
-              <a:t>constructor(private </a:t>
+            <a:r>
+              <a:rPr lang="en-US" b="1" dirty="0">
+                <a:ea typeface="+mn-lt"/>
+                <a:cs typeface="+mn-lt"/>
+              </a:rPr>
+              <a:t>Zone.js is an execution context that persist across async tasks and a signaling mechanism, that Angular uses to detect when an application state might have changed</a:t>
+            </a:r>
+            <a:r>
+              <a:rPr lang="en-US" dirty="0">
+                <a:ea typeface="+mn-lt"/>
+                <a:cs typeface="+mn-lt"/>
+              </a:rPr>
+              <a:t>. It captures asynchronous operations like </a:t>
             </a:r>
             <a:r>
               <a:rPr lang="en-US" dirty="0" err="1">
-                <a:ea typeface="+mn-lt"/>
-                <a:cs typeface="+mn-lt"/>
-              </a:rPr>
-              <a:t>ngZone</a:t>
-            </a:r>
-            <a:r>
-              <a:rPr lang="en-US" dirty="0">
-                <a:ea typeface="+mn-lt"/>
-                <a:cs typeface="+mn-lt"/>
-              </a:rPr>
-              <a:t>: </a:t>
-            </a:r>
-            <a:r>
-              <a:rPr lang="en-US" dirty="0">
-                <a:ea typeface="+mn-lt"/>
-                <a:cs typeface="+mn-lt"/>
-                <a:hlinkClick r:id="rId2"/>
-              </a:rPr>
-              <a:t>NgZone</a:t>
-            </a:r>
-            <a:r>
-              <a:rPr lang="en-US" dirty="0">
-                <a:ea typeface="+mn-lt"/>
-                <a:cs typeface="+mn-lt"/>
-              </a:rPr>
-              <a:t>) {} </a:t>
-            </a:r>
-            <a:endParaRPr lang="en-US">
+                <a:latin typeface="Consolas"/>
+              </a:rPr>
+              <a:t>setTimeout</a:t>
+            </a:r>
+            <a:r>
+              <a:rPr lang="en-US" dirty="0">
+                <a:ea typeface="+mn-lt"/>
+                <a:cs typeface="+mn-lt"/>
+              </a:rPr>
+              <a:t>, network requests, and event listeners. Angular </a:t>
+            </a:r>
+            <a:r>
+              <a:rPr lang="en-US" b="1" dirty="0">
+                <a:ea typeface="+mn-lt"/>
+                <a:cs typeface="+mn-lt"/>
+              </a:rPr>
+              <a:t>schedules change detection based on signals from Zone.js</a:t>
+            </a:r>
+            <a:endParaRPr lang="en-US" b="1" dirty="0">
+              <a:cs typeface="Calibri" panose="020F0502020204030204"/>
+            </a:endParaRPr>
+          </a:p>
+          <a:p>
+            <a:endParaRPr lang="en-US" dirty="0">
               <a:ea typeface="+mn-lt"/>
               <a:cs typeface="+mn-lt"/>
             </a:endParaRPr>
           </a:p>
           <a:p>
+            <a:r>
+              <a:rPr lang="en-US" dirty="0">
+                <a:ea typeface="+mn-lt"/>
+                <a:cs typeface="+mn-lt"/>
+              </a:rPr>
+              <a:t>A Zone is an execution context that persists across async tasks</a:t>
+            </a:r>
+            <a:endParaRPr lang="en-US" dirty="0"/>
+          </a:p>
+          <a:p>
+            <a:r>
+              <a:rPr lang="en-US" dirty="0">
+                <a:ea typeface="+mn-lt"/>
+                <a:cs typeface="+mn-lt"/>
+              </a:rPr>
+              <a:t>There are cases in which scheduled </a:t>
+            </a:r>
+            <a:r>
+              <a:rPr lang="en-US" dirty="0">
+                <a:ea typeface="+mn-lt"/>
+                <a:cs typeface="+mn-lt"/>
+                <a:hlinkClick r:id="rId2"/>
+              </a:rPr>
+              <a:t>tasks</a:t>
+            </a:r>
+            <a:r>
+              <a:rPr lang="en-US" dirty="0">
+                <a:ea typeface="+mn-lt"/>
+                <a:cs typeface="+mn-lt"/>
+              </a:rPr>
+              <a:t> or </a:t>
+            </a:r>
+            <a:r>
+              <a:rPr lang="en-US" dirty="0">
+                <a:ea typeface="+mn-lt"/>
+                <a:cs typeface="+mn-lt"/>
+                <a:hlinkClick r:id="rId3"/>
+              </a:rPr>
+              <a:t>microtasks</a:t>
+            </a:r>
+            <a:r>
+              <a:rPr lang="en-US" dirty="0">
+                <a:ea typeface="+mn-lt"/>
+                <a:cs typeface="+mn-lt"/>
+              </a:rPr>
+              <a:t> don’t make any changes in the data model, which makes running change detection unnecessary. Common examples are:</a:t>
+            </a:r>
+            <a:endParaRPr lang="en-US" dirty="0"/>
+          </a:p>
+          <a:p>
+            <a:pPr lvl="1"/>
+            <a:r>
+              <a:rPr lang="en-US" dirty="0" err="1">
+                <a:latin typeface="Consolas"/>
+              </a:rPr>
+              <a:t>requestAnimationFrame</a:t>
+            </a:r>
+            <a:r>
+              <a:rPr lang="en-US" dirty="0">
+                <a:ea typeface="+mn-lt"/>
+                <a:cs typeface="+mn-lt"/>
+              </a:rPr>
+              <a:t>, </a:t>
+            </a:r>
+            <a:r>
+              <a:rPr lang="en-US" dirty="0" err="1">
+                <a:latin typeface="Consolas"/>
+              </a:rPr>
+              <a:t>setTimeout</a:t>
+            </a:r>
+            <a:r>
+              <a:rPr lang="en-US" dirty="0">
+                <a:ea typeface="+mn-lt"/>
+                <a:cs typeface="+mn-lt"/>
+              </a:rPr>
+              <a:t> or </a:t>
+            </a:r>
+            <a:r>
+              <a:rPr lang="en-US" dirty="0" err="1">
+                <a:latin typeface="Consolas"/>
+              </a:rPr>
+              <a:t>setInterval</a:t>
+            </a:r>
+            <a:endParaRPr lang="en-US" dirty="0" err="1">
+              <a:latin typeface="Consolas"/>
+              <a:cs typeface="Calibri"/>
+            </a:endParaRPr>
+          </a:p>
+          <a:p>
+            <a:pPr lvl="1"/>
+            <a:r>
+              <a:rPr lang="en-US" dirty="0">
+                <a:ea typeface="+mn-lt"/>
+                <a:cs typeface="+mn-lt"/>
+              </a:rPr>
+              <a:t>Task or microtask scheduling by third-party libraries</a:t>
+            </a:r>
+            <a:endParaRPr lang="en-US" dirty="0">
+              <a:cs typeface="Calibri"/>
+            </a:endParaRPr>
+          </a:p>
+          <a:p>
+            <a:pPr lvl="1"/>
+            <a:endParaRPr lang="en-US" sz="1800" dirty="0">
+              <a:cs typeface="Calibri"/>
+            </a:endParaRPr>
+          </a:p>
+          <a:p>
             <a:pPr marL="0" indent="0">
               <a:buNone/>
             </a:pPr>
             <a:r>
-              <a:rPr lang="en-US" dirty="0" err="1">
-                <a:ea typeface="+mn-lt"/>
-                <a:cs typeface="+mn-lt"/>
-              </a:rPr>
-              <a:t>ngOnInit</a:t>
-            </a:r>
-            <a:r>
-              <a:rPr lang="en-US" dirty="0">
-                <a:ea typeface="+mn-lt"/>
-                <a:cs typeface="+mn-lt"/>
-              </a:rPr>
-              <a:t>() { </a:t>
-            </a:r>
+              <a:rPr lang="en-US" sz="1800" dirty="0">
+                <a:cs typeface="Calibri"/>
+                <a:hlinkClick r:id="rId4"/>
+              </a:rPr>
+              <a:t>https://github.com/angular/angular/blob/main/packages/zone.js/lib/zone.ts</a:t>
+            </a:r>
+            <a:endParaRPr lang="en-US" sz="1800">
+              <a:ea typeface="+mn-lt"/>
+              <a:cs typeface="+mn-lt"/>
+            </a:endParaRPr>
           </a:p>
           <a:p>
             <a:pPr marL="0" indent="0">
               <a:buNone/>
             </a:pPr>
             <a:r>
-              <a:rPr lang="en-US" dirty="0">
-                <a:ea typeface="+mn-lt"/>
-                <a:cs typeface="+mn-lt"/>
-              </a:rPr>
-              <a:t>    </a:t>
-            </a:r>
-            <a:r>
-              <a:rPr lang="en-US" dirty="0" err="1">
-                <a:ea typeface="+mn-lt"/>
-                <a:cs typeface="+mn-lt"/>
-              </a:rPr>
-              <a:t>this.ngZone.runOutsideAngular</a:t>
-            </a:r>
-            <a:r>
-              <a:rPr lang="en-US" dirty="0">
-                <a:ea typeface="+mn-lt"/>
-                <a:cs typeface="+mn-lt"/>
-              </a:rPr>
-              <a:t>(() =&gt; { </a:t>
-            </a:r>
+              <a:rPr lang="en-US" sz="1800" dirty="0">
+                <a:cs typeface="Calibri"/>
+                <a:hlinkClick r:id="rId5"/>
+              </a:rPr>
+              <a:t>https://github.com/angular/angular/tree/main/packages/zone.js/example</a:t>
+            </a:r>
+            <a:endParaRPr lang="en-US" sz="1800">
+              <a:ea typeface="+mn-lt"/>
+              <a:cs typeface="+mn-lt"/>
+            </a:endParaRPr>
           </a:p>
           <a:p>
             <a:pPr marL="0" indent="0">
               <a:buNone/>
             </a:pPr>
             <a:r>
-              <a:rPr lang="en-US" dirty="0">
-                <a:ea typeface="+mn-lt"/>
-                <a:cs typeface="+mn-lt"/>
-              </a:rPr>
-              <a:t>        // this code will not trigger change detection</a:t>
-            </a:r>
+              <a:rPr lang="en-US" sz="1800" dirty="0">
+                <a:cs typeface="Calibri"/>
+                <a:hlinkClick r:id="rId6"/>
+              </a:rPr>
+              <a:t>https://angular.io/guide/change-detection-zone-pollution</a:t>
+            </a:r>
+            <a:endParaRPr lang="en-US" sz="1800">
+              <a:ea typeface="+mn-lt"/>
+              <a:cs typeface="+mn-lt"/>
+            </a:endParaRPr>
           </a:p>
           <a:p>
             <a:pPr marL="0" indent="0">
               <a:buNone/>
             </a:pPr>
             <a:r>
-              <a:rPr lang="en-US" dirty="0">
-                <a:ea typeface="+mn-lt"/>
-                <a:cs typeface="+mn-lt"/>
-              </a:rPr>
-              <a:t>    });</a:t>
-            </a:r>
-            <a:endParaRPr lang="en-US" dirty="0"/>
+              <a:rPr lang="en-US" sz="1800" dirty="0">
+                <a:cs typeface="Calibri"/>
+                <a:hlinkClick r:id="rId7"/>
+              </a:rPr>
+              <a:t>https://angular.io/guide/zone</a:t>
+            </a:r>
+            <a:endParaRPr lang="en-US" sz="1800" dirty="0">
+              <a:cs typeface="Calibri"/>
+            </a:endParaRPr>
           </a:p>
           <a:p>
             <a:pPr marL="0" indent="0">
               <a:buNone/>
             </a:pPr>
             <a:r>
-              <a:rPr lang="en-US" dirty="0">
-                <a:ea typeface="+mn-lt"/>
-                <a:cs typeface="+mn-lt"/>
-              </a:rPr>
-              <a:t>}</a:t>
-            </a:r>
-            <a:endParaRPr lang="en-US" dirty="0">
-              <a:cs typeface="Calibri" panose="020F0502020204030204"/>
+              <a:rPr lang="en-US" sz="1800" dirty="0">
+                <a:cs typeface="Calibri"/>
+                <a:hlinkClick r:id="rId8"/>
+              </a:rPr>
+              <a:t>https://www.w3schools.com/js/js_this.asp</a:t>
+            </a:r>
+            <a:endParaRPr lang="en-US" sz="1800">
+              <a:ea typeface="+mn-lt"/>
+              <a:cs typeface="+mn-lt"/>
+            </a:endParaRPr>
+          </a:p>
+          <a:p>
+            <a:pPr marL="0" indent="0">
+              <a:buNone/>
+            </a:pPr>
+            <a:r>
+              <a:rPr lang="en-US" sz="1800" dirty="0">
+                <a:cs typeface="Calibri"/>
+                <a:hlinkClick r:id="rId9"/>
+              </a:rPr>
+              <a:t>https://www.youtube.com/watch?v=3IqtmUscE_U&amp;t=150s&amp;ab_channel=ng-conf</a:t>
+            </a:r>
+            <a:endParaRPr lang="en-US" sz="1800">
+              <a:ea typeface="+mn-lt"/>
+              <a:cs typeface="+mn-lt"/>
+            </a:endParaRPr>
+          </a:p>
+          <a:p>
+            <a:pPr marL="0" indent="0">
+              <a:buNone/>
+            </a:pPr>
+            <a:r>
+              <a:rPr lang="en-US" sz="1800" dirty="0">
+                <a:cs typeface="Calibri"/>
+                <a:hlinkClick r:id="rId10"/>
+              </a:rPr>
+              <a:t>https://medium.com/swlh/what-is-zone-js-and-how-can-i-use-it-63ce08a55962</a:t>
+            </a:r>
+            <a:endParaRPr lang="en-US" sz="1800">
+              <a:ea typeface="+mn-lt"/>
+              <a:cs typeface="+mn-lt"/>
+            </a:endParaRPr>
+          </a:p>
+          <a:p>
+            <a:endParaRPr lang="en-US" sz="2400" dirty="0">
+              <a:cs typeface="Calibri"/>
             </a:endParaRPr>
           </a:p>
         </p:txBody>
@@ -6115,7 +7406,7 @@
     </p:spTree>
     <p:extLst>
       <p:ext uri="{BB962C8B-B14F-4D97-AF65-F5344CB8AC3E}">
-        <p14:creationId xmlns:p14="http://schemas.microsoft.com/office/powerpoint/2010/main" val="73758238"/>
+        <p14:creationId xmlns:p14="http://schemas.microsoft.com/office/powerpoint/2010/main" val="400645750"/>
       </p:ext>
     </p:extLst>
   </p:cSld>
@@ -6144,10 +7435,10 @@
       </p:grpSpPr>
       <p:sp>
         <p:nvSpPr>
-          <p:cNvPr id="2" name="Title 1">
+          <p:cNvPr id="3" name="Content Placeholder 2">
             <a:extLst>
               <a:ext uri="{FF2B5EF4-FFF2-40B4-BE49-F238E27FC236}">
-                <a16:creationId xmlns:a16="http://schemas.microsoft.com/office/drawing/2014/main" id="{54B791C0-808C-62A9-93E2-4B11CBBEA7EE}"/>
+                <a16:creationId xmlns:a16="http://schemas.microsoft.com/office/drawing/2014/main" id="{BBCB7F48-1E5B-04F9-208B-F74C02DD9D47}"/>
               </a:ext>
             </a:extLst>
           </p:cNvPr>
@@ -6155,131 +7446,148 @@
             <a:spLocks noGrp="1"/>
           </p:cNvSpPr>
           <p:nvPr>
-            <p:ph type="title"/>
-          </p:nvPr>
-        </p:nvSpPr>
-        <p:spPr/>
-        <p:txBody>
-          <a:bodyPr/>
-          <a:lstStyle/>
-          <a:p>
-            <a:r>
-              <a:rPr lang="en-US" dirty="0">
-                <a:ea typeface="+mj-lt"/>
-                <a:cs typeface="+mj-lt"/>
-              </a:rPr>
-              <a:t>Skipping component subtrees</a:t>
-            </a:r>
-          </a:p>
-        </p:txBody>
-      </p:sp>
-      <p:sp>
-        <p:nvSpPr>
-          <p:cNvPr id="3" name="Content Placeholder 2">
-            <a:extLst>
-              <a:ext uri="{FF2B5EF4-FFF2-40B4-BE49-F238E27FC236}">
-                <a16:creationId xmlns:a16="http://schemas.microsoft.com/office/drawing/2014/main" id="{46656DC3-9F6F-6B6B-35D8-2C5F89A9DC37}"/>
-              </a:ext>
-            </a:extLst>
-          </p:cNvPr>
-          <p:cNvSpPr>
-            <a:spLocks noGrp="1"/>
-          </p:cNvSpPr>
-          <p:nvPr>
             <p:ph idx="1"/>
           </p:nvPr>
         </p:nvSpPr>
-        <p:spPr/>
+        <p:spPr>
+          <a:xfrm>
+            <a:off x="838200" y="2206625"/>
+            <a:ext cx="10515600" cy="3970338"/>
+          </a:xfrm>
+        </p:spPr>
         <p:txBody>
           <a:bodyPr vert="horz" lIns="91440" tIns="45720" rIns="91440" bIns="45720" rtlCol="0" anchor="t">
-            <a:normAutofit fontScale="92500" lnSpcReduction="10000"/>
+            <a:normAutofit/>
           </a:bodyPr>
           <a:lstStyle/>
           <a:p>
-            <a:r>
-              <a:rPr lang="en-US" b="1" dirty="0">
-                <a:ea typeface="+mn-lt"/>
-                <a:cs typeface="+mn-lt"/>
-              </a:rPr>
-              <a:t>JavaScript, by default, uses mutable data structures</a:t>
-            </a:r>
-            <a:r>
-              <a:rPr lang="en-US" dirty="0">
-                <a:ea typeface="+mn-lt"/>
-                <a:cs typeface="+mn-lt"/>
-              </a:rPr>
-              <a:t> that you can reference from multiple different components. </a:t>
-            </a:r>
-            <a:r>
-              <a:rPr lang="en-US" b="1" dirty="0">
-                <a:ea typeface="+mn-lt"/>
-                <a:cs typeface="+mn-lt"/>
-              </a:rPr>
-              <a:t>Angular runs change detection over your entire component tree</a:t>
-            </a:r>
-            <a:r>
-              <a:rPr lang="en-US" dirty="0">
-                <a:ea typeface="+mn-lt"/>
-                <a:cs typeface="+mn-lt"/>
-              </a:rPr>
-              <a:t> to make sure that the most up-to-date state of your data structures is reflected in the DOM.</a:t>
+            <a:pPr marL="0" indent="0">
+              <a:buNone/>
+            </a:pPr>
+            <a:r>
+              <a:rPr lang="en-US" dirty="0">
+                <a:ea typeface="+mn-lt"/>
+                <a:cs typeface="+mn-lt"/>
+              </a:rPr>
+              <a:t>constructor(private </a:t>
+            </a:r>
+            <a:r>
+              <a:rPr lang="en-US" dirty="0" err="1">
+                <a:ea typeface="+mn-lt"/>
+                <a:cs typeface="+mn-lt"/>
+              </a:rPr>
+              <a:t>ngZone</a:t>
+            </a:r>
+            <a:r>
+              <a:rPr lang="en-US" dirty="0">
+                <a:ea typeface="+mn-lt"/>
+                <a:cs typeface="+mn-lt"/>
+              </a:rPr>
+              <a:t>: </a:t>
+            </a:r>
+            <a:r>
+              <a:rPr lang="en-US" dirty="0">
+                <a:ea typeface="+mn-lt"/>
+                <a:cs typeface="+mn-lt"/>
+                <a:hlinkClick r:id="rId2"/>
+              </a:rPr>
+              <a:t>NgZone</a:t>
+            </a:r>
+            <a:r>
+              <a:rPr lang="en-US" dirty="0">
+                <a:ea typeface="+mn-lt"/>
+                <a:cs typeface="+mn-lt"/>
+              </a:rPr>
+              <a:t>) {} </a:t>
+            </a:r>
+            <a:endParaRPr lang="en-US">
+              <a:ea typeface="+mn-lt"/>
+              <a:cs typeface="+mn-lt"/>
+            </a:endParaRPr>
+          </a:p>
+          <a:p>
+            <a:pPr marL="0" indent="0">
+              <a:buNone/>
+            </a:pPr>
+            <a:r>
+              <a:rPr lang="en-US" dirty="0" err="1">
+                <a:ea typeface="+mn-lt"/>
+                <a:cs typeface="+mn-lt"/>
+              </a:rPr>
+              <a:t>ngOnInit</a:t>
+            </a:r>
+            <a:r>
+              <a:rPr lang="en-US" dirty="0">
+                <a:ea typeface="+mn-lt"/>
+                <a:cs typeface="+mn-lt"/>
+              </a:rPr>
+              <a:t>() { </a:t>
+            </a:r>
+          </a:p>
+          <a:p>
+            <a:pPr marL="0" indent="0">
+              <a:buNone/>
+            </a:pPr>
+            <a:r>
+              <a:rPr lang="en-US" dirty="0">
+                <a:ea typeface="+mn-lt"/>
+                <a:cs typeface="+mn-lt"/>
+              </a:rPr>
+              <a:t>    </a:t>
+            </a:r>
+            <a:r>
+              <a:rPr lang="en-US" dirty="0" err="1">
+                <a:ea typeface="+mn-lt"/>
+                <a:cs typeface="+mn-lt"/>
+              </a:rPr>
+              <a:t>this.ngZone.runOutsideAngular</a:t>
+            </a:r>
+            <a:r>
+              <a:rPr lang="en-US" dirty="0">
+                <a:ea typeface="+mn-lt"/>
+                <a:cs typeface="+mn-lt"/>
+              </a:rPr>
+              <a:t>(() =&gt; { </a:t>
+            </a:r>
+          </a:p>
+          <a:p>
+            <a:pPr marL="0" indent="0">
+              <a:buNone/>
+            </a:pPr>
+            <a:r>
+              <a:rPr lang="en-US" dirty="0">
+                <a:ea typeface="+mn-lt"/>
+                <a:cs typeface="+mn-lt"/>
+              </a:rPr>
+              <a:t>        // this code will not trigger change detection</a:t>
+            </a:r>
+          </a:p>
+          <a:p>
+            <a:pPr marL="0" indent="0">
+              <a:buNone/>
+            </a:pPr>
+            <a:r>
+              <a:rPr lang="en-US" dirty="0">
+                <a:ea typeface="+mn-lt"/>
+                <a:cs typeface="+mn-lt"/>
+              </a:rPr>
+              <a:t>    });</a:t>
+            </a:r>
+            <a:endParaRPr lang="en-US" dirty="0"/>
+          </a:p>
+          <a:p>
+            <a:pPr marL="0" indent="0">
+              <a:buNone/>
+            </a:pPr>
+            <a:r>
+              <a:rPr lang="en-US" dirty="0">
+                <a:ea typeface="+mn-lt"/>
+                <a:cs typeface="+mn-lt"/>
+              </a:rPr>
+              <a:t>}</a:t>
             </a:r>
             <a:endParaRPr lang="en-US" dirty="0">
               <a:cs typeface="Calibri" panose="020F0502020204030204"/>
-            </a:endParaRPr>
-          </a:p>
-          <a:p>
-            <a:r>
-              <a:rPr lang="en-US" dirty="0">
-                <a:ea typeface="+mn-lt"/>
-                <a:cs typeface="+mn-lt"/>
-              </a:rPr>
-              <a:t>Change detection is sufficiently fast for most applications. However, </a:t>
-            </a:r>
-            <a:r>
-              <a:rPr lang="en-US" b="1" dirty="0">
-                <a:ea typeface="+mn-lt"/>
-                <a:cs typeface="+mn-lt"/>
-              </a:rPr>
-              <a:t>when an application has an especially large component tree, running change detection across the whole application can cause performance issues</a:t>
-            </a:r>
-            <a:r>
-              <a:rPr lang="en-US" dirty="0">
-                <a:ea typeface="+mn-lt"/>
-                <a:cs typeface="+mn-lt"/>
-              </a:rPr>
-              <a:t>. You can address this by configuring change detection to only run on a subset of the component tree.</a:t>
-            </a:r>
-            <a:endParaRPr lang="en-US" dirty="0"/>
-          </a:p>
-          <a:p>
-            <a:r>
-              <a:rPr lang="en-US" dirty="0">
-                <a:ea typeface="+mn-lt"/>
-                <a:cs typeface="+mn-lt"/>
-              </a:rPr>
-              <a:t>If you are confident that a part of the application is not affected by a state change, you can use </a:t>
-            </a:r>
-            <a:r>
-              <a:rPr lang="en-US" dirty="0">
-                <a:ea typeface="+mn-lt"/>
-                <a:cs typeface="+mn-lt"/>
-                <a:hlinkClick r:id="rId2"/>
-              </a:rPr>
-              <a:t>OnPush</a:t>
-            </a:r>
-            <a:r>
-              <a:rPr lang="en-US" dirty="0">
-                <a:ea typeface="+mn-lt"/>
-                <a:cs typeface="+mn-lt"/>
-              </a:rPr>
-              <a:t> to skip change detection in an entire component subtree.</a:t>
-            </a:r>
-            <a:endParaRPr lang="en-US" dirty="0"/>
-          </a:p>
-          <a:p>
-            <a:endParaRPr lang="en-US" dirty="0">
-              <a:cs typeface="Calibri"/>
             </a:endParaRPr>
           </a:p>
         </p:txBody>
@@ -6287,7 +7595,7 @@
     </p:spTree>
     <p:extLst>
       <p:ext uri="{BB962C8B-B14F-4D97-AF65-F5344CB8AC3E}">
-        <p14:creationId xmlns:p14="http://schemas.microsoft.com/office/powerpoint/2010/main" val="4076163359"/>
+        <p14:creationId xmlns:p14="http://schemas.microsoft.com/office/powerpoint/2010/main" val="73758238"/>
       </p:ext>
     </p:extLst>
   </p:cSld>
@@ -6319,7 +7627,7 @@
           <p:cNvPr id="2" name="Title 1">
             <a:extLst>
               <a:ext uri="{FF2B5EF4-FFF2-40B4-BE49-F238E27FC236}">
-                <a16:creationId xmlns:a16="http://schemas.microsoft.com/office/drawing/2014/main" id="{CCD7E9F9-3781-B487-B7DA-568998792D50}"/>
+                <a16:creationId xmlns:a16="http://schemas.microsoft.com/office/drawing/2014/main" id="{54B791C0-808C-62A9-93E2-4B11CBBEA7EE}"/>
               </a:ext>
             </a:extLst>
           </p:cNvPr>
@@ -6335,26 +7643,13 @@
           <a:bodyPr/>
           <a:lstStyle/>
           <a:p>
-            <a:pPr>
-              <a:spcBef>
-                <a:spcPts val="1000"/>
-              </a:spcBef>
-            </a:pPr>
             <a:r>
               <a:rPr lang="en-US" dirty="0">
                 <a:ea typeface="+mj-lt"/>
                 <a:cs typeface="+mj-lt"/>
               </a:rPr>
-              <a:t>Using </a:t>
-            </a:r>
-            <a:r>
-              <a:rPr lang="en-US" dirty="0" err="1">
-                <a:ea typeface="+mj-lt"/>
-                <a:cs typeface="+mj-lt"/>
-              </a:rPr>
-              <a:t>OnPush</a:t>
-            </a:r>
-            <a:endParaRPr lang="en-US" dirty="0" err="1"/>
+              <a:t>Skipping component subtrees</a:t>
+            </a:r>
           </a:p>
         </p:txBody>
       </p:sp>
@@ -6363,7 +7658,7 @@
           <p:cNvPr id="3" name="Content Placeholder 2">
             <a:extLst>
               <a:ext uri="{FF2B5EF4-FFF2-40B4-BE49-F238E27FC236}">
-                <a16:creationId xmlns:a16="http://schemas.microsoft.com/office/drawing/2014/main" id="{BEB4F879-821B-E0F8-D1ED-B6408C92A230}"/>
+                <a16:creationId xmlns:a16="http://schemas.microsoft.com/office/drawing/2014/main" id="{46656DC3-9F6F-6B6B-35D8-2C5F89A9DC37}"/>
               </a:ext>
             </a:extLst>
           </p:cNvPr>
@@ -6377,168 +7672,88 @@
         <p:spPr/>
         <p:txBody>
           <a:bodyPr vert="horz" lIns="91440" tIns="45720" rIns="91440" bIns="45720" rtlCol="0" anchor="t">
-            <a:normAutofit/>
+            <a:normAutofit fontScale="92500" lnSpcReduction="10000"/>
           </a:bodyPr>
           <a:lstStyle/>
           <a:p>
             <a:r>
-              <a:rPr lang="en-US" b="1" dirty="0" err="1">
-                <a:ea typeface="+mn-lt"/>
-                <a:cs typeface="+mn-lt"/>
+              <a:rPr lang="en-US" b="1" dirty="0">
+                <a:ea typeface="+mn-lt"/>
+                <a:cs typeface="+mn-lt"/>
+              </a:rPr>
+              <a:t>JavaScript, by default, uses mutable data structures</a:t>
+            </a:r>
+            <a:r>
+              <a:rPr lang="en-US" dirty="0">
+                <a:ea typeface="+mn-lt"/>
+                <a:cs typeface="+mn-lt"/>
+              </a:rPr>
+              <a:t> that you can reference from multiple different components. </a:t>
+            </a:r>
+            <a:r>
+              <a:rPr lang="en-US" b="1" dirty="0">
+                <a:ea typeface="+mn-lt"/>
+                <a:cs typeface="+mn-lt"/>
+              </a:rPr>
+              <a:t>Angular runs change detection over your entire component tree</a:t>
+            </a:r>
+            <a:r>
+              <a:rPr lang="en-US" dirty="0">
+                <a:ea typeface="+mn-lt"/>
+                <a:cs typeface="+mn-lt"/>
+              </a:rPr>
+              <a:t> to make sure that the most up-to-date state of your data structures is reflected in the DOM.</a:t>
+            </a:r>
+            <a:endParaRPr lang="en-US" dirty="0">
+              <a:cs typeface="Calibri" panose="020F0502020204030204"/>
+            </a:endParaRPr>
+          </a:p>
+          <a:p>
+            <a:r>
+              <a:rPr lang="en-US" dirty="0">
+                <a:ea typeface="+mn-lt"/>
+                <a:cs typeface="+mn-lt"/>
+              </a:rPr>
+              <a:t>Change detection is sufficiently fast for most applications. However, </a:t>
+            </a:r>
+            <a:r>
+              <a:rPr lang="en-US" b="1" dirty="0">
+                <a:ea typeface="+mn-lt"/>
+                <a:cs typeface="+mn-lt"/>
+              </a:rPr>
+              <a:t>when an application has an especially large component tree, running change detection across the whole application can cause performance issues</a:t>
+            </a:r>
+            <a:r>
+              <a:rPr lang="en-US" dirty="0">
+                <a:ea typeface="+mn-lt"/>
+                <a:cs typeface="+mn-lt"/>
+              </a:rPr>
+              <a:t>. You can address this by configuring change detection to only run on a subset of the component tree.</a:t>
+            </a:r>
+            <a:endParaRPr lang="en-US" dirty="0"/>
+          </a:p>
+          <a:p>
+            <a:r>
+              <a:rPr lang="en-US" dirty="0">
+                <a:ea typeface="+mn-lt"/>
+                <a:cs typeface="+mn-lt"/>
+              </a:rPr>
+              <a:t>If you are confident that a part of the application is not affected by a state change, you can use </a:t>
+            </a:r>
+            <a:r>
+              <a:rPr lang="en-US" dirty="0">
+                <a:ea typeface="+mn-lt"/>
+                <a:cs typeface="+mn-lt"/>
+                <a:hlinkClick r:id="rId2"/>
               </a:rPr>
               <a:t>OnPush</a:t>
             </a:r>
             <a:r>
-              <a:rPr lang="en-US" b="1" dirty="0">
-                <a:ea typeface="+mn-lt"/>
-                <a:cs typeface="+mn-lt"/>
-              </a:rPr>
-              <a:t> change detection instructs Angular to run change detection for a component subtree only</a:t>
-            </a:r>
-            <a:r>
-              <a:rPr lang="en-US" dirty="0">
-                <a:ea typeface="+mn-lt"/>
-                <a:cs typeface="+mn-lt"/>
-              </a:rPr>
-              <a:t> when:</a:t>
-            </a:r>
-            <a:endParaRPr lang="en-US" dirty="0"/>
-          </a:p>
-          <a:p>
-            <a:r>
-              <a:rPr lang="en-US" dirty="0">
-                <a:ea typeface="+mn-lt"/>
-                <a:cs typeface="+mn-lt"/>
-              </a:rPr>
-              <a:t>The root component of the subtree receives new inputs as the result of a template binding. Angular compares the current and past value of the input with </a:t>
-            </a:r>
-            <a:r>
-              <a:rPr lang="en-US" dirty="0">
-                <a:latin typeface="Consolas"/>
-              </a:rPr>
-              <a:t>==</a:t>
-            </a:r>
-            <a:endParaRPr lang="en-US" dirty="0"/>
-          </a:p>
-          <a:p>
-            <a:r>
-              <a:rPr lang="en-US" b="1" dirty="0">
-                <a:ea typeface="+mn-lt"/>
-                <a:cs typeface="+mn-lt"/>
-              </a:rPr>
-              <a:t>Angular handles an event</a:t>
-            </a:r>
-            <a:r>
-              <a:rPr lang="en-US" dirty="0">
-                <a:ea typeface="+mn-lt"/>
-                <a:cs typeface="+mn-lt"/>
-              </a:rPr>
-              <a:t> </a:t>
-            </a:r>
-            <a:r>
-              <a:rPr lang="en-US" i="1" dirty="0">
-                <a:ea typeface="+mn-lt"/>
-                <a:cs typeface="+mn-lt"/>
-              </a:rPr>
-              <a:t>(e.g. using event binding, output binding, or </a:t>
-            </a:r>
-            <a:r>
-              <a:rPr lang="en-US" i="1" dirty="0">
-                <a:latin typeface="Consolas"/>
-              </a:rPr>
-              <a:t>@</a:t>
-            </a:r>
-            <a:r>
-              <a:rPr lang="en-US" i="1" dirty="0">
-                <a:latin typeface="Consolas"/>
-                <a:hlinkClick r:id="rId2"/>
-              </a:rPr>
-              <a:t>HostListener</a:t>
-            </a:r>
-            <a:r>
-              <a:rPr lang="en-US" i="1" dirty="0">
-                <a:ea typeface="+mn-lt"/>
-                <a:cs typeface="+mn-lt"/>
-              </a:rPr>
-              <a:t>)</a:t>
-            </a:r>
-            <a:r>
-              <a:rPr lang="en-US" dirty="0">
-                <a:ea typeface="+mn-lt"/>
-                <a:cs typeface="+mn-lt"/>
-              </a:rPr>
-              <a:t> in the subtree's root component or any of its children </a:t>
-            </a:r>
-            <a:r>
-              <a:rPr lang="en-US" b="1" dirty="0">
-                <a:ea typeface="+mn-lt"/>
-                <a:cs typeface="+mn-lt"/>
-              </a:rPr>
-              <a:t>whether they are using </a:t>
-            </a:r>
-            <a:r>
-              <a:rPr lang="en-US" b="1" dirty="0" err="1">
-                <a:ea typeface="+mn-lt"/>
-                <a:cs typeface="+mn-lt"/>
-              </a:rPr>
-              <a:t>OnPush</a:t>
-            </a:r>
-            <a:r>
-              <a:rPr lang="en-US" b="1" dirty="0">
-                <a:ea typeface="+mn-lt"/>
-                <a:cs typeface="+mn-lt"/>
-              </a:rPr>
-              <a:t> change detection or not</a:t>
-            </a:r>
-            <a:r>
-              <a:rPr lang="en-US" dirty="0">
-                <a:ea typeface="+mn-lt"/>
-                <a:cs typeface="+mn-lt"/>
-              </a:rPr>
-              <a:t>.</a:t>
-            </a:r>
-            <a:endParaRPr lang="en-US" dirty="0"/>
-          </a:p>
-          <a:p>
-            <a:r>
-              <a:rPr lang="en-US" dirty="0">
-                <a:ea typeface="+mn-lt"/>
-                <a:cs typeface="+mn-lt"/>
-              </a:rPr>
-              <a:t>You can set the change detection strategy of a component to </a:t>
-            </a:r>
-            <a:r>
-              <a:rPr lang="en-US" dirty="0" err="1">
-                <a:latin typeface="Consolas"/>
-              </a:rPr>
-              <a:t>OnPush</a:t>
-            </a:r>
-            <a:r>
-              <a:rPr lang="en-US" dirty="0">
-                <a:ea typeface="+mn-lt"/>
-                <a:cs typeface="+mn-lt"/>
-              </a:rPr>
-              <a:t> in the </a:t>
-            </a:r>
-            <a:r>
-              <a:rPr lang="en-US" dirty="0">
-                <a:latin typeface="Consolas"/>
-              </a:rPr>
-              <a:t>@</a:t>
-            </a:r>
-            <a:r>
-              <a:rPr lang="en-US" dirty="0">
-                <a:latin typeface="Consolas"/>
-                <a:hlinkClick r:id="rId3"/>
-              </a:rPr>
-              <a:t>Component</a:t>
-            </a:r>
-            <a:r>
-              <a:rPr lang="en-US" dirty="0">
-                <a:ea typeface="+mn-lt"/>
-                <a:cs typeface="+mn-lt"/>
-              </a:rPr>
-              <a:t> decorator</a:t>
+              <a:rPr lang="en-US" dirty="0">
+                <a:ea typeface="+mn-lt"/>
+                <a:cs typeface="+mn-lt"/>
+              </a:rPr>
+              <a:t> to skip change detection in an entire component subtree.</a:t>
             </a:r>
             <a:endParaRPr lang="en-US" dirty="0"/>
           </a:p>
@@ -6552,7 +7767,7 @@
     </p:spTree>
     <p:extLst>
       <p:ext uri="{BB962C8B-B14F-4D97-AF65-F5344CB8AC3E}">
-        <p14:creationId xmlns:p14="http://schemas.microsoft.com/office/powerpoint/2010/main" val="3061385311"/>
+        <p14:creationId xmlns:p14="http://schemas.microsoft.com/office/powerpoint/2010/main" val="4076163359"/>
       </p:ext>
     </p:extLst>
   </p:cSld>

--- a/presentation/Presentation.pptx
+++ b/presentation/Presentation.pptx
@@ -16,6 +16,7 @@
     <p:sldId id="260" r:id="rId10"/>
     <p:sldId id="264" r:id="rId11"/>
     <p:sldId id="263" r:id="rId12"/>
+    <p:sldId id="268" r:id="rId13"/>
   </p:sldIdLst>
   <p:sldSz cx="12192000" cy="6858000"/>
   <p:notesSz cx="6858000" cy="9144000"/>
@@ -127,6 +128,7 @@
   <p1510:revLst>
     <p1510:client id="{338D54B9-B569-4E88-8A01-E2EE2AE86293}" v="1210" dt="2022-07-26T16:12:51.505"/>
     <p1510:client id="{4176C984-F91B-4C7C-ABEB-1CDEA6A822A3}" v="4" dt="2022-07-26T16:15:46.356"/>
+    <p1510:client id="{6B89D6CC-F7CE-4B58-A18C-0A7B6075E42F}" v="45" dt="2022-07-29T10:43:48.841"/>
     <p1510:client id="{B46BB6E6-7095-4E63-9C95-3908B2BDDBDB}" v="120" dt="2022-07-27T02:47:52.624"/>
     <p1510:client id="{D9561ED4-D12C-4F96-863D-A82B66D58FD4}" v="838" dt="2022-07-28T22:32:03.041"/>
   </p1510:revLst>
@@ -264,7 +266,7 @@
           <a:p>
             <a:fld id="{846CE7D5-CF57-46EF-B807-FDD0502418D4}" type="datetimeFigureOut">
               <a:rPr lang="en-US" smtClean="0"/>
-              <a:t>7/28/2022</a:t>
+              <a:t>7/29/2022</a:t>
             </a:fld>
             <a:endParaRPr lang="en-US"/>
           </a:p>
@@ -434,7 +436,7 @@
           <a:p>
             <a:fld id="{846CE7D5-CF57-46EF-B807-FDD0502418D4}" type="datetimeFigureOut">
               <a:rPr lang="en-US" smtClean="0"/>
-              <a:t>7/28/2022</a:t>
+              <a:t>7/29/2022</a:t>
             </a:fld>
             <a:endParaRPr lang="en-US"/>
           </a:p>
@@ -614,7 +616,7 @@
           <a:p>
             <a:fld id="{846CE7D5-CF57-46EF-B807-FDD0502418D4}" type="datetimeFigureOut">
               <a:rPr lang="en-US" smtClean="0"/>
-              <a:t>7/28/2022</a:t>
+              <a:t>7/29/2022</a:t>
             </a:fld>
             <a:endParaRPr lang="en-US"/>
           </a:p>
@@ -784,7 +786,7 @@
           <a:p>
             <a:fld id="{846CE7D5-CF57-46EF-B807-FDD0502418D4}" type="datetimeFigureOut">
               <a:rPr lang="en-US" smtClean="0"/>
-              <a:t>7/28/2022</a:t>
+              <a:t>7/29/2022</a:t>
             </a:fld>
             <a:endParaRPr lang="en-US"/>
           </a:p>
@@ -1030,7 +1032,7 @@
           <a:p>
             <a:fld id="{846CE7D5-CF57-46EF-B807-FDD0502418D4}" type="datetimeFigureOut">
               <a:rPr lang="en-US" smtClean="0"/>
-              <a:t>7/28/2022</a:t>
+              <a:t>7/29/2022</a:t>
             </a:fld>
             <a:endParaRPr lang="en-US"/>
           </a:p>
@@ -1262,7 +1264,7 @@
           <a:p>
             <a:fld id="{846CE7D5-CF57-46EF-B807-FDD0502418D4}" type="datetimeFigureOut">
               <a:rPr lang="en-US" smtClean="0"/>
-              <a:t>7/28/2022</a:t>
+              <a:t>7/29/2022</a:t>
             </a:fld>
             <a:endParaRPr lang="en-US"/>
           </a:p>
@@ -1629,7 +1631,7 @@
           <a:p>
             <a:fld id="{846CE7D5-CF57-46EF-B807-FDD0502418D4}" type="datetimeFigureOut">
               <a:rPr lang="en-US" smtClean="0"/>
-              <a:t>7/28/2022</a:t>
+              <a:t>7/29/2022</a:t>
             </a:fld>
             <a:endParaRPr lang="en-US"/>
           </a:p>
@@ -1747,7 +1749,7 @@
           <a:p>
             <a:fld id="{846CE7D5-CF57-46EF-B807-FDD0502418D4}" type="datetimeFigureOut">
               <a:rPr lang="en-US" smtClean="0"/>
-              <a:t>7/28/2022</a:t>
+              <a:t>7/29/2022</a:t>
             </a:fld>
             <a:endParaRPr lang="en-US"/>
           </a:p>
@@ -1842,7 +1844,7 @@
           <a:p>
             <a:fld id="{846CE7D5-CF57-46EF-B807-FDD0502418D4}" type="datetimeFigureOut">
               <a:rPr lang="en-US" smtClean="0"/>
-              <a:t>7/28/2022</a:t>
+              <a:t>7/29/2022</a:t>
             </a:fld>
             <a:endParaRPr lang="en-US"/>
           </a:p>
@@ -2119,7 +2121,7 @@
           <a:p>
             <a:fld id="{846CE7D5-CF57-46EF-B807-FDD0502418D4}" type="datetimeFigureOut">
               <a:rPr lang="en-US" smtClean="0"/>
-              <a:t>7/28/2022</a:t>
+              <a:t>7/29/2022</a:t>
             </a:fld>
             <a:endParaRPr lang="en-US"/>
           </a:p>
@@ -2376,7 +2378,7 @@
           <a:p>
             <a:fld id="{846CE7D5-CF57-46EF-B807-FDD0502418D4}" type="datetimeFigureOut">
               <a:rPr lang="en-US" smtClean="0"/>
-              <a:t>7/28/2022</a:t>
+              <a:t>7/29/2022</a:t>
             </a:fld>
             <a:endParaRPr lang="en-US"/>
           </a:p>
@@ -2589,7 +2591,7 @@
           <a:p>
             <a:fld id="{846CE7D5-CF57-46EF-B807-FDD0502418D4}" type="datetimeFigureOut">
               <a:rPr lang="en-US" smtClean="0"/>
-              <a:t>7/28/2022</a:t>
+              <a:t>7/29/2022</a:t>
             </a:fld>
             <a:endParaRPr lang="en-US"/>
           </a:p>
@@ -3738,6 +3740,72 @@
 </p:sld>
 </file>
 
+<file path=ppt/slides/slide12.xml><?xml version="1.0" encoding="utf-8"?>
+<p:sld xmlns:a="http://schemas.openxmlformats.org/drawingml/2006/main" xmlns:r="http://schemas.openxmlformats.org/officeDocument/2006/relationships" xmlns:p="http://schemas.openxmlformats.org/presentationml/2006/main">
+  <p:cSld>
+    <p:spTree>
+      <p:nvGrpSpPr>
+        <p:cNvPr id="1" name=""/>
+        <p:cNvGrpSpPr/>
+        <p:nvPr/>
+      </p:nvGrpSpPr>
+      <p:grpSpPr>
+        <a:xfrm>
+          <a:off x="0" y="0"/>
+          <a:ext cx="0" cy="0"/>
+          <a:chOff x="0" y="0"/>
+          <a:chExt cx="0" cy="0"/>
+        </a:xfrm>
+      </p:grpSpPr>
+      <p:sp>
+        <p:nvSpPr>
+          <p:cNvPr id="2" name="Title 1">
+            <a:extLst>
+              <a:ext uri="{FF2B5EF4-FFF2-40B4-BE49-F238E27FC236}">
+                <a16:creationId xmlns:a16="http://schemas.microsoft.com/office/drawing/2014/main" id="{1055C60C-BDAD-541F-AC27-91F69EA7A086}"/>
+              </a:ext>
+            </a:extLst>
+          </p:cNvPr>
+          <p:cNvSpPr>
+            <a:spLocks noGrp="1"/>
+          </p:cNvSpPr>
+          <p:nvPr>
+            <p:ph type="title"/>
+          </p:nvPr>
+        </p:nvSpPr>
+        <p:spPr>
+          <a:xfrm>
+            <a:off x="838200" y="365125"/>
+            <a:ext cx="10515600" cy="5794081"/>
+          </a:xfrm>
+        </p:spPr>
+        <p:txBody>
+          <a:bodyPr/>
+          <a:lstStyle/>
+          <a:p>
+            <a:pPr algn="ctr"/>
+            <a:r>
+              <a:rPr lang="en-US" dirty="0">
+                <a:cs typeface="Calibri Light"/>
+              </a:rPr>
+              <a:t>Thank you!</a:t>
+            </a:r>
+          </a:p>
+        </p:txBody>
+      </p:sp>
+    </p:spTree>
+    <p:extLst>
+      <p:ext uri="{BB962C8B-B14F-4D97-AF65-F5344CB8AC3E}">
+        <p14:creationId xmlns:p14="http://schemas.microsoft.com/office/powerpoint/2010/main" val="1239522526"/>
+      </p:ext>
+    </p:extLst>
+  </p:cSld>
+  <p:clrMapOvr>
+    <a:masterClrMapping/>
+  </p:clrMapOvr>
+</p:sld>
+</file>
+
 <file path=ppt/slides/slide2.xml><?xml version="1.0" encoding="utf-8"?>
 <p:sld xmlns:a="http://schemas.openxmlformats.org/drawingml/2006/main" xmlns:r="http://schemas.openxmlformats.org/officeDocument/2006/relationships" xmlns:p="http://schemas.openxmlformats.org/presentationml/2006/main">
   <p:cSld>
@@ -7129,7 +7197,7 @@
         </p:spPr>
         <p:txBody>
           <a:bodyPr vert="horz" lIns="91440" tIns="45720" rIns="91440" bIns="45720" rtlCol="0" anchor="t">
-            <a:normAutofit fontScale="70000" lnSpcReduction="20000"/>
+            <a:normAutofit fontScale="62500" lnSpcReduction="20000"/>
           </a:bodyPr>
           <a:lstStyle/>
           <a:p>
@@ -7291,8 +7359,22 @@
             </a:pPr>
             <a:r>
               <a:rPr lang="en-US" sz="1800" dirty="0">
+                <a:ea typeface="+mn-lt"/>
+                <a:cs typeface="+mn-lt"/>
+                <a:hlinkClick r:id="rId4"/>
+              </a:rPr>
+              <a:t>https://jakearchibald.com/2015/tasks-microtasks-queues-and-schedules/</a:t>
+            </a:r>
+            <a:endParaRPr lang="en-US"/>
+          </a:p>
+          <a:p>
+            <a:pPr marL="0" indent="0">
+              <a:buNone/>
+            </a:pPr>
+            <a:r>
+              <a:rPr lang="en-US" sz="1800" dirty="0">
                 <a:cs typeface="Calibri"/>
-                <a:hlinkClick r:id="rId4"/>
+                <a:hlinkClick r:id="rId5"/>
               </a:rPr>
               <a:t>https://github.com/angular/angular/blob/main/packages/zone.js/lib/zone.ts</a:t>
             </a:r>
@@ -7308,7 +7390,7 @@
             <a:r>
               <a:rPr lang="en-US" sz="1800" dirty="0">
                 <a:cs typeface="Calibri"/>
-                <a:hlinkClick r:id="rId5"/>
+                <a:hlinkClick r:id="rId6"/>
               </a:rPr>
               <a:t>https://github.com/angular/angular/tree/main/packages/zone.js/example</a:t>
             </a:r>
@@ -7324,7 +7406,7 @@
             <a:r>
               <a:rPr lang="en-US" sz="1800" dirty="0">
                 <a:cs typeface="Calibri"/>
-                <a:hlinkClick r:id="rId6"/>
+                <a:hlinkClick r:id="rId7"/>
               </a:rPr>
               <a:t>https://angular.io/guide/change-detection-zone-pollution</a:t>
             </a:r>
@@ -7340,7 +7422,7 @@
             <a:r>
               <a:rPr lang="en-US" sz="1800" dirty="0">
                 <a:cs typeface="Calibri"/>
-                <a:hlinkClick r:id="rId7"/>
+                <a:hlinkClick r:id="rId8"/>
               </a:rPr>
               <a:t>https://angular.io/guide/zone</a:t>
             </a:r>
@@ -7355,7 +7437,7 @@
             <a:r>
               <a:rPr lang="en-US" sz="1800" dirty="0">
                 <a:cs typeface="Calibri"/>
-                <a:hlinkClick r:id="rId8"/>
+                <a:hlinkClick r:id="rId9"/>
               </a:rPr>
               <a:t>https://www.w3schools.com/js/js_this.asp</a:t>
             </a:r>
@@ -7371,7 +7453,7 @@
             <a:r>
               <a:rPr lang="en-US" sz="1800" dirty="0">
                 <a:cs typeface="Calibri"/>
-                <a:hlinkClick r:id="rId9"/>
+                <a:hlinkClick r:id="rId10"/>
               </a:rPr>
               <a:t>https://www.youtube.com/watch?v=3IqtmUscE_U&amp;t=150s&amp;ab_channel=ng-conf</a:t>
             </a:r>
@@ -7387,7 +7469,7 @@
             <a:r>
               <a:rPr lang="en-US" sz="1800" dirty="0">
                 <a:cs typeface="Calibri"/>
-                <a:hlinkClick r:id="rId10"/>
+                <a:hlinkClick r:id="rId11"/>
               </a:rPr>
               <a:t>https://medium.com/swlh/what-is-zone-js-and-how-can-i-use-it-63ce08a55962</a:t>
             </a:r>
